--- a/Presentations/LI Redux.pptx
+++ b/Presentations/LI Redux.pptx
@@ -6360,14 +6360,14 @@
     </dgm:pt>
   </dgm:ptLst>
   <dgm:cxnLst>
+    <dgm:cxn modelId="{DF4FEABC-C28A-4AC9-9A4C-9FCDC306D76E}" srcId="{4C6D1B2F-93E7-4375-B36F-43D9AAAA776D}" destId="{5D98CFC8-1DF1-47F7-95E0-46A4AE044A8E}" srcOrd="0" destOrd="0" parTransId="{EC44B745-DA87-4195-B994-2EFA2C9C8609}" sibTransId="{BDDC0252-B0C2-4D97-9EB2-5D602C384113}"/>
+    <dgm:cxn modelId="{1959A118-ADE0-44B5-9287-016A34491E7E}" type="presOf" srcId="{4C6D1B2F-93E7-4375-B36F-43D9AAAA776D}" destId="{3B6D84A4-9FA2-4E45-8C4F-6B8C87BA97C8}" srcOrd="0" destOrd="0" presId="urn:microsoft.com/office/officeart/2005/8/layout/orgChart1"/>
+    <dgm:cxn modelId="{86670B4F-9855-4CFE-9BB0-E20DE07040D5}" type="presOf" srcId="{5F328E9B-9A9E-4EDC-BD6E-C0AE36317991}" destId="{44B9D6A4-3948-459B-9678-BA28B80A3774}" srcOrd="0" destOrd="0" presId="urn:microsoft.com/office/officeart/2005/8/layout/orgChart1"/>
     <dgm:cxn modelId="{0F7CB040-FB60-44BE-81E7-1BA90A21D05F}" srcId="{5D98CFC8-1DF1-47F7-95E0-46A4AE044A8E}" destId="{5F328E9B-9A9E-4EDC-BD6E-C0AE36317991}" srcOrd="0" destOrd="0" parTransId="{6271E463-6830-4FA9-9298-AA539E895393}" sibTransId="{D423AA21-E49E-42D8-9E77-1CB0FFDA9329}"/>
     <dgm:cxn modelId="{CBE67BB3-E677-4D86-A78F-A9C57C35203F}" type="presOf" srcId="{6271E463-6830-4FA9-9298-AA539E895393}" destId="{55060CFE-2EF2-4991-A1C0-681B04CF60EF}" srcOrd="0" destOrd="0" presId="urn:microsoft.com/office/officeart/2005/8/layout/orgChart1"/>
-    <dgm:cxn modelId="{DF4FEABC-C28A-4AC9-9A4C-9FCDC306D76E}" srcId="{4C6D1B2F-93E7-4375-B36F-43D9AAAA776D}" destId="{5D98CFC8-1DF1-47F7-95E0-46A4AE044A8E}" srcOrd="0" destOrd="0" parTransId="{EC44B745-DA87-4195-B994-2EFA2C9C8609}" sibTransId="{BDDC0252-B0C2-4D97-9EB2-5D602C384113}"/>
     <dgm:cxn modelId="{FA806679-F074-4E94-AF0B-955CD28E7F80}" type="presOf" srcId="{5D98CFC8-1DF1-47F7-95E0-46A4AE044A8E}" destId="{7590995D-AAD0-4EC8-BFE4-B3513DD6CE9B}" srcOrd="1" destOrd="0" presId="urn:microsoft.com/office/officeart/2005/8/layout/orgChart1"/>
+    <dgm:cxn modelId="{1F0AB053-09EF-443D-98FF-3EA69328F4CD}" type="presOf" srcId="{5F328E9B-9A9E-4EDC-BD6E-C0AE36317991}" destId="{A2DE044F-6BA1-4009-B126-BAEA303AE960}" srcOrd="1" destOrd="0" presId="urn:microsoft.com/office/officeart/2005/8/layout/orgChart1"/>
     <dgm:cxn modelId="{257925D1-EFFA-4F89-B82C-CB8EF45E4BFA}" type="presOf" srcId="{5D98CFC8-1DF1-47F7-95E0-46A4AE044A8E}" destId="{A028A06F-53B8-4DE4-BB82-B108A087DE1D}" srcOrd="0" destOrd="0" presId="urn:microsoft.com/office/officeart/2005/8/layout/orgChart1"/>
-    <dgm:cxn modelId="{1959A118-ADE0-44B5-9287-016A34491E7E}" type="presOf" srcId="{4C6D1B2F-93E7-4375-B36F-43D9AAAA776D}" destId="{3B6D84A4-9FA2-4E45-8C4F-6B8C87BA97C8}" srcOrd="0" destOrd="0" presId="urn:microsoft.com/office/officeart/2005/8/layout/orgChart1"/>
-    <dgm:cxn modelId="{1F0AB053-09EF-443D-98FF-3EA69328F4CD}" type="presOf" srcId="{5F328E9B-9A9E-4EDC-BD6E-C0AE36317991}" destId="{A2DE044F-6BA1-4009-B126-BAEA303AE960}" srcOrd="1" destOrd="0" presId="urn:microsoft.com/office/officeart/2005/8/layout/orgChart1"/>
-    <dgm:cxn modelId="{86670B4F-9855-4CFE-9BB0-E20DE07040D5}" type="presOf" srcId="{5F328E9B-9A9E-4EDC-BD6E-C0AE36317991}" destId="{44B9D6A4-3948-459B-9678-BA28B80A3774}" srcOrd="0" destOrd="0" presId="urn:microsoft.com/office/officeart/2005/8/layout/orgChart1"/>
     <dgm:cxn modelId="{D4DAD8D6-738A-4883-BD3A-C43D3B499520}" type="presParOf" srcId="{3B6D84A4-9FA2-4E45-8C4F-6B8C87BA97C8}" destId="{BA66BEB4-C990-4A96-A2EE-5EB334A751E8}" srcOrd="0" destOrd="0" presId="urn:microsoft.com/office/officeart/2005/8/layout/orgChart1"/>
     <dgm:cxn modelId="{8EAF12EF-A3DE-4A07-A3F9-DAC02D085537}" type="presParOf" srcId="{BA66BEB4-C990-4A96-A2EE-5EB334A751E8}" destId="{9EF67CBB-E1FD-4DEF-AB32-28F671385518}" srcOrd="0" destOrd="0" presId="urn:microsoft.com/office/officeart/2005/8/layout/orgChart1"/>
     <dgm:cxn modelId="{235AAFD3-1A90-4D7F-9BA7-2FADC774EB15}" type="presParOf" srcId="{9EF67CBB-E1FD-4DEF-AB32-28F671385518}" destId="{A028A06F-53B8-4DE4-BB82-B108A087DE1D}" srcOrd="0" destOrd="0" presId="urn:microsoft.com/office/officeart/2005/8/layout/orgChart1"/>
@@ -7054,7 +7054,7 @@
       <dgm:spPr/>
     </dgm:pt>
     <dgm:pt modelId="{DE84DD93-A530-4686-933C-FF082EAE8304}" type="pres">
-      <dgm:prSet presAssocID="{15DD8198-1C9F-4FA9-8394-597982486E4D}" presName="rootText1" presStyleLbl="node0" presStyleIdx="0" presStyleCnt="1" custScaleX="142493">
+      <dgm:prSet presAssocID="{15DD8198-1C9F-4FA9-8394-597982486E4D}" presName="rootText1" presStyleLbl="node0" presStyleIdx="0" presStyleCnt="1" custScaleX="142493" custLinFactNeighborX="39895">
         <dgm:presLayoutVars>
           <dgm:chPref val="3"/>
         </dgm:presLayoutVars>
@@ -7812,8 +7812,8 @@
     <dgm:cxn modelId="{703D20EB-622F-4E9C-B512-B5143204B0CC}" type="presOf" srcId="{578C571E-BE27-4447-A3EC-78D608C098C3}" destId="{22312ADC-841E-4C7A-8ADD-53B64A3573B9}" srcOrd="0" destOrd="0" presId="urn:microsoft.com/office/officeart/2005/8/layout/orgChart1"/>
     <dgm:cxn modelId="{0D0BF572-1951-4797-B98A-79CE5ED573B1}" type="presOf" srcId="{14A8950B-62A0-4DAD-925A-2905D54F7A1D}" destId="{6772950A-CC4A-43CF-B073-A94E441BF12F}" srcOrd="0" destOrd="0" presId="urn:microsoft.com/office/officeart/2005/8/layout/orgChart1"/>
     <dgm:cxn modelId="{04F51D5E-C346-4169-BC2A-FFEF313F600E}" type="presOf" srcId="{579E94D1-033B-4DA2-B32C-1647821EF2AB}" destId="{7102E2F5-67D0-4DA8-8C46-00C49A815814}" srcOrd="0" destOrd="0" presId="urn:microsoft.com/office/officeart/2005/8/layout/orgChart1"/>
+    <dgm:cxn modelId="{97063073-648E-443A-A06B-62F8EAAC6004}" type="presOf" srcId="{A12C770E-C026-4387-98DA-3E373E111460}" destId="{FAFA59A7-D689-4E6A-BB75-8AB35D5BCBA7}" srcOrd="1" destOrd="0" presId="urn:microsoft.com/office/officeart/2005/8/layout/orgChart1"/>
     <dgm:cxn modelId="{AC638ADC-CD3B-4A6C-BAFF-2521733E662E}" srcId="{A4AB3E7E-B97A-47AE-A3C9-AA94F2DE51DC}" destId="{A12C770E-C026-4387-98DA-3E373E111460}" srcOrd="2" destOrd="0" parTransId="{0AEE1635-CCFB-4CE9-81BB-0F878E49DD39}" sibTransId="{AF0AECD7-49C8-47AF-BE6A-7939717DFBE1}"/>
-    <dgm:cxn modelId="{97063073-648E-443A-A06B-62F8EAAC6004}" type="presOf" srcId="{A12C770E-C026-4387-98DA-3E373E111460}" destId="{FAFA59A7-D689-4E6A-BB75-8AB35D5BCBA7}" srcOrd="1" destOrd="0" presId="urn:microsoft.com/office/officeart/2005/8/layout/orgChart1"/>
     <dgm:cxn modelId="{2197537C-2AEC-446D-8615-917DE6A8B5CE}" type="presOf" srcId="{0AEE1635-CCFB-4CE9-81BB-0F878E49DD39}" destId="{C9B8A779-5E33-4C37-B3BB-0D5DA7306DB4}" srcOrd="0" destOrd="0" presId="urn:microsoft.com/office/officeart/2005/8/layout/orgChart1"/>
     <dgm:cxn modelId="{BB6D019D-5B72-48D9-A4B3-E9599D1C7BD8}" srcId="{A4AB3E7E-B97A-47AE-A3C9-AA94F2DE51DC}" destId="{282FC32B-7E81-497B-B786-C341BA87A2CD}" srcOrd="0" destOrd="0" parTransId="{578C571E-BE27-4447-A3EC-78D608C098C3}" sibTransId="{A0A4E59F-6D9E-4722-A7E0-B5E74FCCBD12}"/>
     <dgm:cxn modelId="{EE2A9286-3D45-4570-AC81-C73A7A20AAA3}" type="presOf" srcId="{A4AB3E7E-B97A-47AE-A3C9-AA94F2DE51DC}" destId="{2E20F05C-675B-42DF-A9B2-18379A2830D5}" srcOrd="0" destOrd="0" presId="urn:microsoft.com/office/officeart/2005/8/layout/orgChart1"/>
@@ -10593,32 +10593,32 @@
   </dgm:ptLst>
   <dgm:cxnLst>
     <dgm:cxn modelId="{7E90395A-E1A6-4DED-ABB7-04577D0E9E26}" srcId="{25CCFC31-0945-4996-A682-C538438BB52B}" destId="{9899BACF-FA62-42D8-914E-5580201D3E6E}" srcOrd="0" destOrd="0" parTransId="{672D74CB-D4CF-412E-86A4-ACA4A5BB2009}" sibTransId="{870E950A-3FA6-4C00-A304-62F9F7551BD9}"/>
-    <dgm:cxn modelId="{19DBB35F-D7A0-49A2-966F-7D6E4AF48B4B}" type="presOf" srcId="{06E45860-05CF-46F3-A727-7164BE32B0B0}" destId="{0E9257AF-3A88-499B-B8B0-573519ED7D65}" srcOrd="0" destOrd="0" presId="urn:microsoft.com/office/officeart/2005/8/layout/orgChart1"/>
-    <dgm:cxn modelId="{EC556F8B-5AB2-491A-AA6F-4C2B6A9C0A5D}" type="presOf" srcId="{B6D214D7-9050-4F9C-B4A0-7652862082EA}" destId="{6F55ED64-F36D-4124-ACE2-BD8DD5F2957D}" srcOrd="1" destOrd="0" presId="urn:microsoft.com/office/officeart/2005/8/layout/orgChart1"/>
-    <dgm:cxn modelId="{AEA03D2D-1BB3-4FC2-9586-D432ADF632BF}" type="presOf" srcId="{98E3C199-DE89-4B97-B4FD-98E87F8F53E2}" destId="{D8D9287B-F5B8-437E-A4A4-6CDD247DAEAE}" srcOrd="0" destOrd="0" presId="urn:microsoft.com/office/officeart/2005/8/layout/orgChart1"/>
-    <dgm:cxn modelId="{0923E8A7-C6A5-4C0A-808E-0F8159648CB0}" type="presOf" srcId="{672D74CB-D4CF-412E-86A4-ACA4A5BB2009}" destId="{F3CBE63C-F79F-4C69-8BA7-C5F552EB9DBC}" srcOrd="0" destOrd="0" presId="urn:microsoft.com/office/officeart/2005/8/layout/orgChart1"/>
-    <dgm:cxn modelId="{B7587F73-B2A3-4FD3-9B96-CEC9D9329CCD}" type="presOf" srcId="{25CCFC31-0945-4996-A682-C538438BB52B}" destId="{3047195B-8642-45E2-81D6-495D82B88FCA}" srcOrd="0" destOrd="0" presId="urn:microsoft.com/office/officeart/2005/8/layout/orgChart1"/>
-    <dgm:cxn modelId="{2C0DB530-A08E-4735-831C-0D9EA4AFA030}" type="presOf" srcId="{9899BACF-FA62-42D8-914E-5580201D3E6E}" destId="{BA928F33-D58B-4FA3-A358-58030AA8438D}" srcOrd="1" destOrd="0" presId="urn:microsoft.com/office/officeart/2005/8/layout/orgChart1"/>
-    <dgm:cxn modelId="{9B1C2B37-FECF-49D0-A6D8-4C85C5BF3B5E}" type="presOf" srcId="{9899BACF-FA62-42D8-914E-5580201D3E6E}" destId="{AF7D64D2-0691-4749-8216-78324B4770F6}" srcOrd="0" destOrd="0" presId="urn:microsoft.com/office/officeart/2005/8/layout/orgChart1"/>
-    <dgm:cxn modelId="{CB3EB739-9FF4-4741-8B0C-09F156E66FDA}" type="presOf" srcId="{06E45860-05CF-46F3-A727-7164BE32B0B0}" destId="{1AE15719-C6C1-4719-A4F7-3ABC58B54DDD}" srcOrd="1" destOrd="0" presId="urn:microsoft.com/office/officeart/2005/8/layout/orgChart1"/>
-    <dgm:cxn modelId="{E0A0332E-5108-41DA-85A5-B195FA2FA6BB}" type="presOf" srcId="{61850E55-ADD2-4411-8D73-2BD50B642847}" destId="{2358048C-E1D5-4FC4-8FDB-2E2E2CAA73CD}" srcOrd="1" destOrd="0" presId="urn:microsoft.com/office/officeart/2005/8/layout/orgChart1"/>
-    <dgm:cxn modelId="{4DE01695-83B5-467E-8A3E-766BEBA2607D}" type="presOf" srcId="{B6D214D7-9050-4F9C-B4A0-7652862082EA}" destId="{28A5AC14-A835-45DD-A04E-A6BC5F261C91}" srcOrd="0" destOrd="0" presId="urn:microsoft.com/office/officeart/2005/8/layout/orgChart1"/>
-    <dgm:cxn modelId="{4EC9B993-8D6F-4ED4-9DBA-3F95349CC251}" srcId="{A533C321-EF49-41BD-9F7F-1D00F5F2A1E4}" destId="{B6D214D7-9050-4F9C-B4A0-7652862082EA}" srcOrd="1" destOrd="0" parTransId="{A9B56752-6C68-4B30-93DC-1D12F661B939}" sibTransId="{58D2C5A1-501D-40EF-B11C-D06FD7BC7B17}"/>
-    <dgm:cxn modelId="{828C254A-D2D7-479A-B065-9465961FB0B0}" type="presOf" srcId="{721A7D10-D8BA-4B20-88C6-4F8A95EA434A}" destId="{B5176587-7DBE-47D0-971A-F5D95AD067F2}" srcOrd="0" destOrd="0" presId="urn:microsoft.com/office/officeart/2005/8/layout/orgChart1"/>
-    <dgm:cxn modelId="{7E5E2D4F-0466-4151-B2C8-CE9656BD96D2}" type="presOf" srcId="{A10DCA29-F747-46CF-A710-1A52868B6D65}" destId="{E9139A74-ED12-4EA0-B399-C7E2284DA0EF}" srcOrd="0" destOrd="0" presId="urn:microsoft.com/office/officeart/2005/8/layout/orgChart1"/>
-    <dgm:cxn modelId="{D7A2F854-759B-4775-88D3-36329190F55A}" srcId="{61850E55-ADD2-4411-8D73-2BD50B642847}" destId="{A533C321-EF49-41BD-9F7F-1D00F5F2A1E4}" srcOrd="0" destOrd="0" parTransId="{98E3C199-DE89-4B97-B4FD-98E87F8F53E2}" sibTransId="{32685EC0-8667-403C-8EE4-5BD8F798C64F}"/>
-    <dgm:cxn modelId="{11D29EEF-DBF4-4CCF-9B31-DC54694AF72B}" srcId="{A533C321-EF49-41BD-9F7F-1D00F5F2A1E4}" destId="{2060FE01-4AE3-40CD-8B3D-22D6BFF72F86}" srcOrd="0" destOrd="0" parTransId="{A10DCA29-F747-46CF-A710-1A52868B6D65}" sibTransId="{9C622940-FCC3-463A-B36A-E3FB06612FCB}"/>
+    <dgm:cxn modelId="{B9664BD0-D8F6-4814-9C52-AEBF631F1691}" type="presOf" srcId="{A533C321-EF49-41BD-9F7F-1D00F5F2A1E4}" destId="{152AA4C6-13C9-46E5-A1C4-470A8E17A32E}" srcOrd="0" destOrd="0" presId="urn:microsoft.com/office/officeart/2005/8/layout/orgChart1"/>
     <dgm:cxn modelId="{7B1C2CAA-F315-4A7A-B7EE-B87C0C4E0F5F}" type="presOf" srcId="{A9B56752-6C68-4B30-93DC-1D12F661B939}" destId="{D23F7A85-1910-48EB-A280-EBDEFC3B7DBA}" srcOrd="0" destOrd="0" presId="urn:microsoft.com/office/officeart/2005/8/layout/orgChart1"/>
     <dgm:cxn modelId="{4030C575-FA75-4236-A074-2447FFFFB4DD}" type="presOf" srcId="{A533C321-EF49-41BD-9F7F-1D00F5F2A1E4}" destId="{7CACBE22-A735-4BF9-9A12-AD1ED80D8EAE}" srcOrd="1" destOrd="0" presId="urn:microsoft.com/office/officeart/2005/8/layout/orgChart1"/>
+    <dgm:cxn modelId="{EC556F8B-5AB2-491A-AA6F-4C2B6A9C0A5D}" type="presOf" srcId="{B6D214D7-9050-4F9C-B4A0-7652862082EA}" destId="{6F55ED64-F36D-4124-ACE2-BD8DD5F2957D}" srcOrd="1" destOrd="0" presId="urn:microsoft.com/office/officeart/2005/8/layout/orgChart1"/>
+    <dgm:cxn modelId="{D7A2F854-759B-4775-88D3-36329190F55A}" srcId="{61850E55-ADD2-4411-8D73-2BD50B642847}" destId="{A533C321-EF49-41BD-9F7F-1D00F5F2A1E4}" srcOrd="0" destOrd="0" parTransId="{98E3C199-DE89-4B97-B4FD-98E87F8F53E2}" sibTransId="{32685EC0-8667-403C-8EE4-5BD8F798C64F}"/>
+    <dgm:cxn modelId="{6B7115E3-0C75-400B-B60C-6851AF68CA74}" srcId="{B031DAD4-69FD-42E4-818C-7AAFED58E368}" destId="{61850E55-ADD2-4411-8D73-2BD50B642847}" srcOrd="0" destOrd="0" parTransId="{077C90AE-5D62-49C3-B889-4DD360CD71C8}" sibTransId="{DBA72C9B-8E93-4148-8EC1-E6025B9EFC1B}"/>
+    <dgm:cxn modelId="{11D29EEF-DBF4-4CCF-9B31-DC54694AF72B}" srcId="{A533C321-EF49-41BD-9F7F-1D00F5F2A1E4}" destId="{2060FE01-4AE3-40CD-8B3D-22D6BFF72F86}" srcOrd="0" destOrd="0" parTransId="{A10DCA29-F747-46CF-A710-1A52868B6D65}" sibTransId="{9C622940-FCC3-463A-B36A-E3FB06612FCB}"/>
+    <dgm:cxn modelId="{E0A0332E-5108-41DA-85A5-B195FA2FA6BB}" type="presOf" srcId="{61850E55-ADD2-4411-8D73-2BD50B642847}" destId="{2358048C-E1D5-4FC4-8FDB-2E2E2CAA73CD}" srcOrd="1" destOrd="0" presId="urn:microsoft.com/office/officeart/2005/8/layout/orgChart1"/>
+    <dgm:cxn modelId="{0923E8A7-C6A5-4C0A-808E-0F8159648CB0}" type="presOf" srcId="{672D74CB-D4CF-412E-86A4-ACA4A5BB2009}" destId="{F3CBE63C-F79F-4C69-8BA7-C5F552EB9DBC}" srcOrd="0" destOrd="0" presId="urn:microsoft.com/office/officeart/2005/8/layout/orgChart1"/>
+    <dgm:cxn modelId="{47F1B640-2278-4569-B26A-1183BCD1841B}" type="presOf" srcId="{61850E55-ADD2-4411-8D73-2BD50B642847}" destId="{668C4EE9-2EBA-48C7-9832-0FA2683C1ABF}" srcOrd="0" destOrd="0" presId="urn:microsoft.com/office/officeart/2005/8/layout/orgChart1"/>
+    <dgm:cxn modelId="{4DE01695-83B5-467E-8A3E-766BEBA2607D}" type="presOf" srcId="{B6D214D7-9050-4F9C-B4A0-7652862082EA}" destId="{28A5AC14-A835-45DD-A04E-A6BC5F261C91}" srcOrd="0" destOrd="0" presId="urn:microsoft.com/office/officeart/2005/8/layout/orgChart1"/>
+    <dgm:cxn modelId="{AEA03D2D-1BB3-4FC2-9586-D432ADF632BF}" type="presOf" srcId="{98E3C199-DE89-4B97-B4FD-98E87F8F53E2}" destId="{D8D9287B-F5B8-437E-A4A4-6CDD247DAEAE}" srcOrd="0" destOrd="0" presId="urn:microsoft.com/office/officeart/2005/8/layout/orgChart1"/>
+    <dgm:cxn modelId="{757A661C-C725-446B-9F41-CA0F99005F85}" srcId="{B031DAD4-69FD-42E4-818C-7AAFED58E368}" destId="{06E45860-05CF-46F3-A727-7164BE32B0B0}" srcOrd="1" destOrd="0" parTransId="{D7A889F8-9FB0-4E20-AA68-9809E405F7C2}" sibTransId="{F47B8104-47ED-4F99-BFBD-A38F0FF2E90E}"/>
+    <dgm:cxn modelId="{828C254A-D2D7-479A-B065-9465961FB0B0}" type="presOf" srcId="{721A7D10-D8BA-4B20-88C6-4F8A95EA434A}" destId="{B5176587-7DBE-47D0-971A-F5D95AD067F2}" srcOrd="0" destOrd="0" presId="urn:microsoft.com/office/officeart/2005/8/layout/orgChart1"/>
+    <dgm:cxn modelId="{9B1C2B37-FECF-49D0-A6D8-4C85C5BF3B5E}" type="presOf" srcId="{9899BACF-FA62-42D8-914E-5580201D3E6E}" destId="{AF7D64D2-0691-4749-8216-78324B4770F6}" srcOrd="0" destOrd="0" presId="urn:microsoft.com/office/officeart/2005/8/layout/orgChart1"/>
+    <dgm:cxn modelId="{4EC9B993-8D6F-4ED4-9DBA-3F95349CC251}" srcId="{A533C321-EF49-41BD-9F7F-1D00F5F2A1E4}" destId="{B6D214D7-9050-4F9C-B4A0-7652862082EA}" srcOrd="1" destOrd="0" parTransId="{A9B56752-6C68-4B30-93DC-1D12F661B939}" sibTransId="{58D2C5A1-501D-40EF-B11C-D06FD7BC7B17}"/>
     <dgm:cxn modelId="{5E9EC71E-6877-46A7-A136-E0327BE67095}" srcId="{06E45860-05CF-46F3-A727-7164BE32B0B0}" destId="{25CCFC31-0945-4996-A682-C538438BB52B}" srcOrd="0" destOrd="0" parTransId="{721A7D10-D8BA-4B20-88C6-4F8A95EA434A}" sibTransId="{2CD2FF45-A0AB-448E-8ECF-0D507EA295C7}"/>
-    <dgm:cxn modelId="{B9664BD0-D8F6-4814-9C52-AEBF631F1691}" type="presOf" srcId="{A533C321-EF49-41BD-9F7F-1D00F5F2A1E4}" destId="{152AA4C6-13C9-46E5-A1C4-470A8E17A32E}" srcOrd="0" destOrd="0" presId="urn:microsoft.com/office/officeart/2005/8/layout/orgChart1"/>
-    <dgm:cxn modelId="{757A661C-C725-446B-9F41-CA0F99005F85}" srcId="{B031DAD4-69FD-42E4-818C-7AAFED58E368}" destId="{06E45860-05CF-46F3-A727-7164BE32B0B0}" srcOrd="1" destOrd="0" parTransId="{D7A889F8-9FB0-4E20-AA68-9809E405F7C2}" sibTransId="{F47B8104-47ED-4F99-BFBD-A38F0FF2E90E}"/>
+    <dgm:cxn modelId="{CD88BDF4-4C0E-424E-AD76-D37258C68201}" type="presOf" srcId="{2060FE01-4AE3-40CD-8B3D-22D6BFF72F86}" destId="{85CDDB2E-BA35-473D-AD81-A673775F16B9}" srcOrd="1" destOrd="0" presId="urn:microsoft.com/office/officeart/2005/8/layout/orgChart1"/>
     <dgm:cxn modelId="{CEAD0360-DB56-4D7A-9C91-E0D14445D45C}" type="presOf" srcId="{25CCFC31-0945-4996-A682-C538438BB52B}" destId="{ED4945D6-CAF2-4112-8000-3AE94495FA70}" srcOrd="1" destOrd="0" presId="urn:microsoft.com/office/officeart/2005/8/layout/orgChart1"/>
+    <dgm:cxn modelId="{19DBB35F-D7A0-49A2-966F-7D6E4AF48B4B}" type="presOf" srcId="{06E45860-05CF-46F3-A727-7164BE32B0B0}" destId="{0E9257AF-3A88-499B-B8B0-573519ED7D65}" srcOrd="0" destOrd="0" presId="urn:microsoft.com/office/officeart/2005/8/layout/orgChart1"/>
     <dgm:cxn modelId="{C83FAA1D-F9E8-49A8-AE39-3B758D58B350}" type="presOf" srcId="{2060FE01-4AE3-40CD-8B3D-22D6BFF72F86}" destId="{943882F0-E497-44DA-92CD-E8CAA46A4553}" srcOrd="0" destOrd="0" presId="urn:microsoft.com/office/officeart/2005/8/layout/orgChart1"/>
-    <dgm:cxn modelId="{CD88BDF4-4C0E-424E-AD76-D37258C68201}" type="presOf" srcId="{2060FE01-4AE3-40CD-8B3D-22D6BFF72F86}" destId="{85CDDB2E-BA35-473D-AD81-A673775F16B9}" srcOrd="1" destOrd="0" presId="urn:microsoft.com/office/officeart/2005/8/layout/orgChart1"/>
-    <dgm:cxn modelId="{47F1B640-2278-4569-B26A-1183BCD1841B}" type="presOf" srcId="{61850E55-ADD2-4411-8D73-2BD50B642847}" destId="{668C4EE9-2EBA-48C7-9832-0FA2683C1ABF}" srcOrd="0" destOrd="0" presId="urn:microsoft.com/office/officeart/2005/8/layout/orgChart1"/>
-    <dgm:cxn modelId="{6B7115E3-0C75-400B-B60C-6851AF68CA74}" srcId="{B031DAD4-69FD-42E4-818C-7AAFED58E368}" destId="{61850E55-ADD2-4411-8D73-2BD50B642847}" srcOrd="0" destOrd="0" parTransId="{077C90AE-5D62-49C3-B889-4DD360CD71C8}" sibTransId="{DBA72C9B-8E93-4148-8EC1-E6025B9EFC1B}"/>
     <dgm:cxn modelId="{E3127EFB-E0FC-42A6-A1DC-AF3C26D4BAD8}" type="presOf" srcId="{B031DAD4-69FD-42E4-818C-7AAFED58E368}" destId="{E11CD33F-4678-4909-AF34-0F435EBD7D9F}" srcOrd="0" destOrd="0" presId="urn:microsoft.com/office/officeart/2005/8/layout/orgChart1"/>
+    <dgm:cxn modelId="{7E5E2D4F-0466-4151-B2C8-CE9656BD96D2}" type="presOf" srcId="{A10DCA29-F747-46CF-A710-1A52868B6D65}" destId="{E9139A74-ED12-4EA0-B399-C7E2284DA0EF}" srcOrd="0" destOrd="0" presId="urn:microsoft.com/office/officeart/2005/8/layout/orgChart1"/>
+    <dgm:cxn modelId="{2C0DB530-A08E-4735-831C-0D9EA4AFA030}" type="presOf" srcId="{9899BACF-FA62-42D8-914E-5580201D3E6E}" destId="{BA928F33-D58B-4FA3-A358-58030AA8438D}" srcOrd="1" destOrd="0" presId="urn:microsoft.com/office/officeart/2005/8/layout/orgChart1"/>
+    <dgm:cxn modelId="{B7587F73-B2A3-4FD3-9B96-CEC9D9329CCD}" type="presOf" srcId="{25CCFC31-0945-4996-A682-C538438BB52B}" destId="{3047195B-8642-45E2-81D6-495D82B88FCA}" srcOrd="0" destOrd="0" presId="urn:microsoft.com/office/officeart/2005/8/layout/orgChart1"/>
+    <dgm:cxn modelId="{CB3EB739-9FF4-4741-8B0C-09F156E66FDA}" type="presOf" srcId="{06E45860-05CF-46F3-A727-7164BE32B0B0}" destId="{1AE15719-C6C1-4719-A4F7-3ABC58B54DDD}" srcOrd="1" destOrd="0" presId="urn:microsoft.com/office/officeart/2005/8/layout/orgChart1"/>
     <dgm:cxn modelId="{A277621A-2E4F-4C9B-ADC6-94414B8CA5CE}" type="presParOf" srcId="{E11CD33F-4678-4909-AF34-0F435EBD7D9F}" destId="{BEDB1216-5CBF-4419-BB87-57381499A871}" srcOrd="0" destOrd="0" presId="urn:microsoft.com/office/officeart/2005/8/layout/orgChart1"/>
     <dgm:cxn modelId="{B3238497-58E6-4A2D-B33D-44EE10CA6682}" type="presParOf" srcId="{BEDB1216-5CBF-4419-BB87-57381499A871}" destId="{9940A452-040D-4F0F-B392-842C7EFC645C}" srcOrd="0" destOrd="0" presId="urn:microsoft.com/office/officeart/2005/8/layout/orgChart1"/>
     <dgm:cxn modelId="{3AE8FF52-CF2F-4745-A712-1ACD554E9A6E}" type="presParOf" srcId="{9940A452-040D-4F0F-B392-842C7EFC645C}" destId="{668C4EE9-2EBA-48C7-9832-0FA2683C1ABF}" srcOrd="0" destOrd="0" presId="urn:microsoft.com/office/officeart/2005/8/layout/orgChart1"/>
@@ -11562,8 +11562,8 @@
       </dsp:nvSpPr>
       <dsp:spPr>
         <a:xfrm>
-          <a:off x="6600757" y="1133479"/>
-          <a:ext cx="1370705" cy="475782"/>
+          <a:off x="7504630" y="1133479"/>
+          <a:ext cx="466832" cy="475782"/>
         </a:xfrm>
         <a:custGeom>
           <a:avLst/>
@@ -11580,10 +11580,10 @@
                 <a:pt x="0" y="237891"/>
               </a:lnTo>
               <a:lnTo>
-                <a:pt x="1370705" y="237891"/>
+                <a:pt x="466832" y="237891"/>
               </a:lnTo>
               <a:lnTo>
-                <a:pt x="1370705" y="475782"/>
+                <a:pt x="466832" y="475782"/>
               </a:lnTo>
             </a:path>
           </a:pathLst>
@@ -11749,7 +11749,7 @@
       <dsp:spPr>
         <a:xfrm>
           <a:off x="5230051" y="1133479"/>
-          <a:ext cx="1370705" cy="475782"/>
+          <a:ext cx="2274578" cy="475782"/>
         </a:xfrm>
         <a:custGeom>
           <a:avLst/>
@@ -11760,10 +11760,10 @@
           <a:pathLst>
             <a:path>
               <a:moveTo>
-                <a:pt x="1370705" y="0"/>
+                <a:pt x="2274578" y="0"/>
               </a:moveTo>
               <a:lnTo>
-                <a:pt x="1370705" y="237891"/>
+                <a:pt x="2274578" y="237891"/>
               </a:lnTo>
               <a:lnTo>
                 <a:pt x="0" y="237891"/>
@@ -11810,7 +11810,7 @@
       </dsp:nvSpPr>
       <dsp:spPr>
         <a:xfrm>
-          <a:off x="4986575" y="665"/>
+          <a:off x="5890448" y="665"/>
           <a:ext cx="3228362" cy="1132814"/>
         </a:xfrm>
         <a:prstGeom prst="rect">
@@ -11877,7 +11877,7 @@
         </a:p>
       </dsp:txBody>
       <dsp:txXfrm>
-        <a:off x="4986575" y="665"/>
+        <a:off x="5890448" y="665"/>
         <a:ext cx="3228362" cy="1132814"/>
       </dsp:txXfrm>
     </dsp:sp>
@@ -33408,7 +33408,7 @@
           <a:p>
             <a:fld id="{D7D9A16F-D302-4F6C-88DE-469A6962F06E}" type="datetimeFigureOut">
               <a:rPr lang="en-US" smtClean="0"/>
-              <a:t>12/15/2014</a:t>
+              <a:t>1/2/2015</a:t>
             </a:fld>
             <a:endParaRPr lang="en-US"/>
           </a:p>
@@ -33975,7 +33975,7 @@
           <a:p>
             <a:fld id="{ABF9AFE4-9910-4F36-8626-ABF2E797B655}" type="datetimeFigureOut">
               <a:rPr lang="en-US" smtClean="0"/>
-              <a:t>12/15/2014</a:t>
+              <a:t>1/2/2015</a:t>
             </a:fld>
             <a:endParaRPr lang="en-US"/>
           </a:p>
@@ -34145,7 +34145,7 @@
           <a:p>
             <a:fld id="{ABF9AFE4-9910-4F36-8626-ABF2E797B655}" type="datetimeFigureOut">
               <a:rPr lang="en-US" smtClean="0"/>
-              <a:t>12/15/2014</a:t>
+              <a:t>1/2/2015</a:t>
             </a:fld>
             <a:endParaRPr lang="en-US"/>
           </a:p>
@@ -34325,7 +34325,7 @@
           <a:p>
             <a:fld id="{ABF9AFE4-9910-4F36-8626-ABF2E797B655}" type="datetimeFigureOut">
               <a:rPr lang="en-US" smtClean="0"/>
-              <a:t>12/15/2014</a:t>
+              <a:t>1/2/2015</a:t>
             </a:fld>
             <a:endParaRPr lang="en-US"/>
           </a:p>
@@ -34495,7 +34495,7 @@
           <a:p>
             <a:fld id="{ABF9AFE4-9910-4F36-8626-ABF2E797B655}" type="datetimeFigureOut">
               <a:rPr lang="en-US" smtClean="0"/>
-              <a:t>12/15/2014</a:t>
+              <a:t>1/2/2015</a:t>
             </a:fld>
             <a:endParaRPr lang="en-US"/>
           </a:p>
@@ -34741,7 +34741,7 @@
           <a:p>
             <a:fld id="{ABF9AFE4-9910-4F36-8626-ABF2E797B655}" type="datetimeFigureOut">
               <a:rPr lang="en-US" smtClean="0"/>
-              <a:t>12/15/2014</a:t>
+              <a:t>1/2/2015</a:t>
             </a:fld>
             <a:endParaRPr lang="en-US"/>
           </a:p>
@@ -34973,7 +34973,7 @@
           <a:p>
             <a:fld id="{ABF9AFE4-9910-4F36-8626-ABF2E797B655}" type="datetimeFigureOut">
               <a:rPr lang="en-US" smtClean="0"/>
-              <a:t>12/15/2014</a:t>
+              <a:t>1/2/2015</a:t>
             </a:fld>
             <a:endParaRPr lang="en-US"/>
           </a:p>
@@ -35340,7 +35340,7 @@
           <a:p>
             <a:fld id="{ABF9AFE4-9910-4F36-8626-ABF2E797B655}" type="datetimeFigureOut">
               <a:rPr lang="en-US" smtClean="0"/>
-              <a:t>12/15/2014</a:t>
+              <a:t>1/2/2015</a:t>
             </a:fld>
             <a:endParaRPr lang="en-US"/>
           </a:p>
@@ -35458,7 +35458,7 @@
           <a:p>
             <a:fld id="{ABF9AFE4-9910-4F36-8626-ABF2E797B655}" type="datetimeFigureOut">
               <a:rPr lang="en-US" smtClean="0"/>
-              <a:t>12/15/2014</a:t>
+              <a:t>1/2/2015</a:t>
             </a:fld>
             <a:endParaRPr lang="en-US"/>
           </a:p>
@@ -35553,7 +35553,7 @@
           <a:p>
             <a:fld id="{ABF9AFE4-9910-4F36-8626-ABF2E797B655}" type="datetimeFigureOut">
               <a:rPr lang="en-US" smtClean="0"/>
-              <a:t>12/15/2014</a:t>
+              <a:t>1/2/2015</a:t>
             </a:fld>
             <a:endParaRPr lang="en-US"/>
           </a:p>
@@ -35830,7 +35830,7 @@
           <a:p>
             <a:fld id="{ABF9AFE4-9910-4F36-8626-ABF2E797B655}" type="datetimeFigureOut">
               <a:rPr lang="en-US" smtClean="0"/>
-              <a:t>12/15/2014</a:t>
+              <a:t>1/2/2015</a:t>
             </a:fld>
             <a:endParaRPr lang="en-US"/>
           </a:p>
@@ -36083,7 +36083,7 @@
           <a:p>
             <a:fld id="{ABF9AFE4-9910-4F36-8626-ABF2E797B655}" type="datetimeFigureOut">
               <a:rPr lang="en-US" smtClean="0"/>
-              <a:t>12/15/2014</a:t>
+              <a:t>1/2/2015</a:t>
             </a:fld>
             <a:endParaRPr lang="en-US"/>
           </a:p>
@@ -36296,7 +36296,7 @@
           <a:p>
             <a:fld id="{ABF9AFE4-9910-4F36-8626-ABF2E797B655}" type="datetimeFigureOut">
               <a:rPr lang="en-US" smtClean="0"/>
-              <a:t>12/15/2014</a:t>
+              <a:t>1/2/2015</a:t>
             </a:fld>
             <a:endParaRPr lang="en-US"/>
           </a:p>
@@ -36796,15 +36796,7 @@
                   <a:schemeClr val="accent4"/>
                 </a:solidFill>
               </a:rPr>
-              <a:t>S</a:t>
-            </a:r>
-            <a:r>
-              <a:rPr lang="en-US" sz="4800" dirty="0" smtClean="0">
-                <a:solidFill>
-                  <a:schemeClr val="accent4"/>
-                </a:solidFill>
-              </a:rPr>
-              <a:t>.O.</a:t>
+              <a:t>S.O.</a:t>
             </a:r>
             <a:r>
               <a:rPr lang="en-US" sz="6600" b="1" dirty="0" smtClean="0">
@@ -36915,7 +36907,12 @@
             <p:ph type="title"/>
           </p:nvPr>
         </p:nvSpPr>
-        <p:spPr/>
+        <p:spPr>
+          <a:xfrm>
+            <a:off x="838200" y="105350"/>
+            <a:ext cx="10515600" cy="1325563"/>
+          </a:xfrm>
+        </p:spPr>
         <p:txBody>
           <a:bodyPr/>
           <a:lstStyle/>
@@ -36938,7 +36935,12 @@
             <p:ph idx="1"/>
           </p:nvPr>
         </p:nvSpPr>
-        <p:spPr/>
+        <p:spPr>
+          <a:xfrm>
+            <a:off x="838200" y="1825625"/>
+            <a:ext cx="9272155" cy="4772602"/>
+          </a:xfrm>
+        </p:spPr>
         <p:txBody>
           <a:bodyPr>
             <a:normAutofit lnSpcReduction="10000"/>
@@ -37054,7 +37056,12 @@
             <p:ph type="title"/>
           </p:nvPr>
         </p:nvSpPr>
-        <p:spPr/>
+        <p:spPr>
+          <a:xfrm>
+            <a:off x="838200" y="105350"/>
+            <a:ext cx="10515600" cy="1325563"/>
+          </a:xfrm>
+        </p:spPr>
         <p:txBody>
           <a:bodyPr/>
           <a:lstStyle/>
@@ -37077,229 +37084,318 @@
             <p:ph idx="1"/>
           </p:nvPr>
         </p:nvSpPr>
-        <p:spPr/>
+        <p:spPr>
+          <a:xfrm>
+            <a:off x="838201" y="1153390"/>
+            <a:ext cx="9147464" cy="5548746"/>
+          </a:xfrm>
+        </p:spPr>
         <p:txBody>
           <a:bodyPr>
-            <a:normAutofit fontScale="32500" lnSpcReduction="20000"/>
+            <a:noAutofit/>
           </a:bodyPr>
           <a:lstStyle/>
           <a:p>
+            <a:pPr>
+              <a:spcBef>
+                <a:spcPts val="600"/>
+              </a:spcBef>
+            </a:pPr>
             <a:r>
-              <a:rPr lang="en-US" dirty="0"/>
+              <a:rPr lang="en-US" sz="1600" dirty="0"/>
               <a:t>Right-click to add aliens to the map, left-click to add standard obstacles</a:t>
             </a:r>
           </a:p>
           <a:p>
+            <a:pPr>
+              <a:spcBef>
+                <a:spcPts val="600"/>
+              </a:spcBef>
+            </a:pPr>
             <a:r>
-              <a:rPr lang="en-US" dirty="0"/>
+              <a:rPr lang="en-US" sz="1600" dirty="0"/>
               <a:t>Rover cannot move through aliens, and aliens cannot move through aliens</a:t>
             </a:r>
           </a:p>
           <a:p>
             <a:pPr lvl="1"/>
             <a:r>
-              <a:rPr lang="en-US" dirty="0"/>
+              <a:rPr lang="en-US" sz="1400" dirty="0"/>
               <a:t>HINT: Aliens are obstacles</a:t>
             </a:r>
           </a:p>
           <a:p>
+            <a:pPr>
+              <a:spcBef>
+                <a:spcPts val="600"/>
+              </a:spcBef>
+            </a:pPr>
             <a:r>
-              <a:rPr lang="en-US" dirty="0"/>
+              <a:rPr lang="en-US" sz="1600" dirty="0"/>
               <a:t>Aliens can be destroyed by missiles and mortars (they are destructible)</a:t>
             </a:r>
           </a:p>
           <a:p>
+            <a:pPr>
+              <a:spcBef>
+                <a:spcPts val="600"/>
+              </a:spcBef>
+            </a:pPr>
             <a:r>
-              <a:rPr lang="en-US" dirty="0"/>
+              <a:rPr lang="en-US" sz="1600" dirty="0"/>
               <a:t>Aliens move on each rover command</a:t>
             </a:r>
           </a:p>
           <a:p>
+            <a:pPr>
+              <a:spcBef>
+                <a:spcPts val="600"/>
+              </a:spcBef>
+            </a:pPr>
             <a:r>
-              <a:rPr lang="en-US" dirty="0"/>
+              <a:rPr lang="en-US" sz="1600" dirty="0"/>
               <a:t>Aliens move in the exact same way as the rover, only randomly</a:t>
             </a:r>
           </a:p>
           <a:p>
             <a:pPr lvl="1"/>
             <a:r>
-              <a:rPr lang="en-US" dirty="0"/>
+              <a:rPr lang="en-US" sz="1400" dirty="0"/>
               <a:t>Forward, Backward, and turning Left or Right</a:t>
             </a:r>
           </a:p>
           <a:p>
-            <a:endParaRPr lang="en-US" sz="1000" dirty="0"/>
+            <a:pPr>
+              <a:spcBef>
+                <a:spcPts val="0"/>
+              </a:spcBef>
+            </a:pPr>
+            <a:endParaRPr lang="en-US" sz="700" dirty="0"/>
           </a:p>
           <a:p>
             <a:pPr marL="0" indent="0">
               <a:buNone/>
             </a:pPr>
             <a:r>
-              <a:rPr lang="en-US" b="1" dirty="0"/>
+              <a:rPr lang="en-US" sz="1600" b="1" dirty="0"/>
               <a:t>Instructions</a:t>
             </a:r>
           </a:p>
           <a:p>
+            <a:pPr marL="514350" indent="-514350">
+              <a:spcBef>
+                <a:spcPts val="600"/>
+              </a:spcBef>
+              <a:buFont typeface="+mj-lt"/>
+              <a:buAutoNum type="arabicPeriod"/>
+            </a:pPr>
             <a:r>
-              <a:rPr lang="en-US" i="1" dirty="0"/>
+              <a:rPr lang="en-US" sz="1600" i="1" dirty="0"/>
               <a:t>Open </a:t>
             </a:r>
             <a:r>
-              <a:rPr lang="en-US" b="1" i="1" dirty="0"/>
+              <a:rPr lang="en-US" sz="1600" b="1" i="1" dirty="0"/>
               <a:t>Solution/MarsCommander.sln</a:t>
             </a:r>
             <a:r>
-              <a:rPr lang="en-US" i="1" dirty="0"/>
+              <a:rPr lang="en-US" sz="1600" i="1" dirty="0"/>
               <a:t> and work in </a:t>
             </a:r>
             <a:r>
-              <a:rPr lang="en-US" b="1" i="1" dirty="0" err="1"/>
+              <a:rPr lang="en-US" sz="1600" b="1" i="1" dirty="0" err="1"/>
               <a:t>MarsRoverKata</a:t>
             </a:r>
             <a:r>
-              <a:rPr lang="en-US" i="1" dirty="0"/>
+              <a:rPr lang="en-US" sz="1600" i="1" dirty="0"/>
               <a:t> project</a:t>
             </a:r>
           </a:p>
           <a:p>
+            <a:pPr marL="514350" indent="-514350">
+              <a:spcBef>
+                <a:spcPts val="600"/>
+              </a:spcBef>
+              <a:buFont typeface="+mj-lt"/>
+              <a:buAutoNum type="arabicPeriod"/>
+            </a:pPr>
             <a:r>
-              <a:rPr lang="en-US" i="1" dirty="0"/>
+              <a:rPr lang="en-US" sz="1600" i="1" dirty="0"/>
               <a:t>Alien implements the newly introduced </a:t>
             </a:r>
             <a:r>
-              <a:rPr lang="en-US" b="1" i="1" dirty="0" err="1"/>
+              <a:rPr lang="en-US" sz="1600" b="1" i="1" dirty="0" err="1"/>
               <a:t>IObstacle</a:t>
             </a:r>
             <a:r>
-              <a:rPr lang="en-US" i="1" dirty="0"/>
+              <a:rPr lang="en-US" sz="1600" i="1" dirty="0"/>
               <a:t> (Done for you to satisfy the compiler).  Implement the members.</a:t>
             </a:r>
           </a:p>
           <a:p>
+            <a:pPr marL="514350" indent="-514350">
+              <a:spcBef>
+                <a:spcPts val="600"/>
+              </a:spcBef>
+              <a:buFont typeface="+mj-lt"/>
+              <a:buAutoNum type="arabicPeriod"/>
+            </a:pPr>
             <a:r>
-              <a:rPr lang="en-US" i="1" dirty="0"/>
+              <a:rPr lang="en-US" sz="1600" i="1" dirty="0"/>
               <a:t>Cut movement related members of </a:t>
             </a:r>
             <a:r>
-              <a:rPr lang="en-US" b="1" i="1" dirty="0"/>
+              <a:rPr lang="en-US" sz="1600" b="1" i="1" dirty="0"/>
               <a:t>Rover</a:t>
             </a:r>
             <a:r>
-              <a:rPr lang="en-US" i="1" dirty="0"/>
+              <a:rPr lang="en-US" sz="1600" i="1" dirty="0"/>
               <a:t> to abstract base type </a:t>
             </a:r>
             <a:r>
-              <a:rPr lang="en-US" b="1" i="1" dirty="0"/>
+              <a:rPr lang="en-US" sz="1600" b="1" i="1" dirty="0"/>
               <a:t>Movable</a:t>
             </a:r>
           </a:p>
           <a:p>
+            <a:pPr marL="514350" indent="-514350">
+              <a:spcBef>
+                <a:spcPts val="600"/>
+              </a:spcBef>
+              <a:buFont typeface="+mj-lt"/>
+              <a:buAutoNum type="arabicPeriod"/>
+            </a:pPr>
             <a:r>
-              <a:rPr lang="en-US" i="1" dirty="0"/>
+              <a:rPr lang="en-US" sz="1600" i="1" dirty="0"/>
               <a:t>Extract </a:t>
             </a:r>
             <a:r>
-              <a:rPr lang="en-US" b="1" i="1" dirty="0" err="1"/>
+              <a:rPr lang="en-US" sz="1600" b="1" i="1" dirty="0" err="1"/>
               <a:t>IMovable</a:t>
             </a:r>
             <a:r>
-              <a:rPr lang="en-US" i="1" dirty="0"/>
+              <a:rPr lang="en-US" sz="1600" i="1" dirty="0"/>
               <a:t> interface from </a:t>
             </a:r>
             <a:r>
-              <a:rPr lang="en-US" b="1" i="1" dirty="0"/>
+              <a:rPr lang="en-US" sz="1600" b="1" i="1" dirty="0"/>
               <a:t>Movable</a:t>
             </a:r>
             <a:r>
-              <a:rPr lang="en-US" i="1" dirty="0"/>
+              <a:rPr lang="en-US" sz="1600" i="1" dirty="0"/>
               <a:t> class</a:t>
             </a:r>
           </a:p>
           <a:p>
+            <a:pPr marL="514350" indent="-514350">
+              <a:spcBef>
+                <a:spcPts val="600"/>
+              </a:spcBef>
+              <a:buFont typeface="+mj-lt"/>
+              <a:buAutoNum type="arabicPeriod"/>
+            </a:pPr>
             <a:r>
-              <a:rPr lang="en-US" i="1" dirty="0"/>
+              <a:rPr lang="en-US" sz="1600" i="1" dirty="0"/>
               <a:t>Make </a:t>
             </a:r>
             <a:r>
-              <a:rPr lang="en-US" b="1" i="1" dirty="0"/>
+              <a:rPr lang="en-US" sz="1600" b="1" i="1" dirty="0"/>
               <a:t>Rover</a:t>
             </a:r>
             <a:r>
-              <a:rPr lang="en-US" i="1" dirty="0"/>
+              <a:rPr lang="en-US" sz="1600" i="1" dirty="0"/>
               <a:t> inherit </a:t>
             </a:r>
             <a:r>
-              <a:rPr lang="en-US" b="1" i="1" dirty="0"/>
+              <a:rPr lang="en-US" sz="1600" b="1" i="1" dirty="0"/>
               <a:t>Movable</a:t>
             </a:r>
           </a:p>
           <a:p>
+            <a:pPr marL="514350" indent="-514350">
+              <a:spcBef>
+                <a:spcPts val="600"/>
+              </a:spcBef>
+              <a:buFont typeface="+mj-lt"/>
+              <a:buAutoNum type="arabicPeriod"/>
+            </a:pPr>
             <a:r>
-              <a:rPr lang="en-US" i="1" dirty="0"/>
+              <a:rPr lang="en-US" sz="1600" i="1" dirty="0"/>
               <a:t>Make </a:t>
             </a:r>
             <a:r>
-              <a:rPr lang="en-US" b="1" i="1" dirty="0"/>
+              <a:rPr lang="en-US" sz="1600" b="1" i="1" dirty="0"/>
               <a:t>Alien</a:t>
             </a:r>
             <a:r>
-              <a:rPr lang="en-US" i="1" dirty="0"/>
+              <a:rPr lang="en-US" sz="1600" i="1" dirty="0"/>
               <a:t> inherit </a:t>
             </a:r>
             <a:r>
-              <a:rPr lang="en-US" b="1" i="1" dirty="0"/>
+              <a:rPr lang="en-US" sz="1600" b="1" i="1" dirty="0"/>
               <a:t>Movable</a:t>
             </a:r>
           </a:p>
           <a:p>
+            <a:pPr marL="514350" indent="-514350">
+              <a:spcBef>
+                <a:spcPts val="600"/>
+              </a:spcBef>
+              <a:buFont typeface="+mj-lt"/>
+              <a:buAutoNum type="arabicPeriod"/>
+            </a:pPr>
             <a:r>
-              <a:rPr lang="en-US" i="1" dirty="0"/>
+              <a:rPr lang="en-US" sz="1600" i="1" dirty="0"/>
               <a:t>Open </a:t>
             </a:r>
             <a:r>
-              <a:rPr lang="en-US" b="1" i="1" dirty="0" err="1"/>
+              <a:rPr lang="en-US" sz="1600" b="1" i="1" dirty="0" err="1"/>
               <a:t>AlienBehavior</a:t>
             </a:r>
             <a:r>
-              <a:rPr lang="en-US" i="1" dirty="0"/>
+              <a:rPr lang="en-US" sz="1600" i="1" dirty="0"/>
               <a:t> and un-comment the code (NOTE: This is the logic that controls alien movement)</a:t>
             </a:r>
           </a:p>
           <a:p>
+            <a:pPr marL="514350" indent="-514350">
+              <a:spcBef>
+                <a:spcPts val="600"/>
+              </a:spcBef>
+              <a:buFont typeface="+mj-lt"/>
+              <a:buAutoNum type="arabicPeriod"/>
+            </a:pPr>
             <a:r>
-              <a:rPr lang="en-US" i="1" dirty="0"/>
+              <a:rPr lang="en-US" sz="1600" i="1" dirty="0"/>
               <a:t>Resolve the build errors</a:t>
             </a:r>
           </a:p>
           <a:p>
-            <a:endParaRPr lang="en-US" sz="1100" i="1" dirty="0"/>
+            <a:endParaRPr lang="en-US" sz="700" i="1" dirty="0"/>
           </a:p>
           <a:p>
+            <a:pPr marL="0" indent="0">
+              <a:buNone/>
+            </a:pPr>
             <a:r>
-              <a:rPr lang="en-US" i="1" dirty="0"/>
+              <a:rPr lang="en-US" sz="1600" i="1" dirty="0"/>
               <a:t>BONUS: How might you prevent </a:t>
             </a:r>
             <a:r>
-              <a:rPr lang="en-US" b="1" i="1" dirty="0"/>
+              <a:rPr lang="en-US" sz="1600" b="1" i="1" dirty="0"/>
               <a:t>Rover</a:t>
             </a:r>
             <a:r>
-              <a:rPr lang="en-US" i="1" dirty="0"/>
-              <a:t> instances from moving into each other?</a:t>
+              <a:rPr lang="en-US" sz="1600" i="1" dirty="0"/>
+              <a:t> instances from moving into each </a:t>
             </a:r>
-          </a:p>
-          <a:p>
-            <a:endParaRPr lang="en-US" sz="1100" i="1" dirty="0"/>
-          </a:p>
-          <a:p>
-            <a:pPr marL="0" indent="0" algn="r">
-              <a:buNone/>
-            </a:pPr>
             <a:r>
-              <a:rPr lang="en-US" i="1" dirty="0"/>
-              <a:t>30 Minutes</a:t>
+              <a:rPr lang="en-US" sz="1600" i="1" dirty="0" smtClean="0"/>
+              <a:t>other?	           30 </a:t>
             </a:r>
-            <a:endParaRPr lang="en-US" i="1" dirty="0"/>
+            <a:r>
+              <a:rPr lang="en-US" sz="1600" i="1" dirty="0"/>
+              <a:t>Minutes</a:t>
+            </a:r>
           </a:p>
         </p:txBody>
       </p:sp>
@@ -37618,7 +37714,7 @@
         </p:blipFill>
         <p:spPr>
           <a:xfrm>
-            <a:off x="517071" y="2526350"/>
+            <a:off x="517071" y="2505568"/>
             <a:ext cx="7942217" cy="1434886"/>
           </a:xfrm>
           <a:prstGeom prst="rect">
@@ -37660,8 +37756,8 @@
         </p:nvSpPr>
         <p:spPr>
           <a:xfrm>
-            <a:off x="6096000" y="4078494"/>
-            <a:ext cx="3628209" cy="2598383"/>
+            <a:off x="5902036" y="4078494"/>
+            <a:ext cx="4187537" cy="2598383"/>
           </a:xfrm>
           <a:prstGeom prst="rect">
             <a:avLst/>
@@ -37669,7 +37765,7 @@
         </p:spPr>
         <p:txBody>
           <a:bodyPr vert="horz" lIns="91440" tIns="45720" rIns="91440" bIns="45720" rtlCol="0">
-            <a:normAutofit fontScale="70000" lnSpcReduction="20000"/>
+            <a:noAutofit/>
           </a:bodyPr>
           <a:lstStyle>
             <a:lvl1pPr marL="228600" indent="-228600" algn="l" defTabSz="914400" rtl="0" eaLnBrk="1" latinLnBrk="0" hangingPunct="1">
@@ -37837,44 +37933,53 @@
           </a:lstStyle>
           <a:p>
             <a:r>
-              <a:rPr lang="en-US" dirty="0" smtClean="0"/>
+              <a:rPr lang="en-US" sz="2400" dirty="0" smtClean="0"/>
               <a:t>LSP:</a:t>
             </a:r>
           </a:p>
           <a:p>
             <a:pPr lvl="1"/>
             <a:r>
-              <a:rPr lang="en-US" dirty="0" smtClean="0"/>
-              <a:t>Aliens are substitutable for Obstacle or Crater</a:t>
+              <a:rPr lang="en-US" sz="1800" dirty="0" smtClean="0"/>
+              <a:t>Aliens are substitutable for Obstacle or </a:t>
+            </a:r>
+            <a:r>
+              <a:rPr lang="en-US" sz="1800" dirty="0" smtClean="0"/>
+              <a:t>Crater</a:t>
             </a:r>
           </a:p>
           <a:p>
-            <a:pPr marL="0" indent="0">
-              <a:buFont typeface="Arial" panose="020B0604020202020204" pitchFamily="34" charset="0"/>
-              <a:buNone/>
+            <a:pPr lvl="1">
+              <a:spcBef>
+                <a:spcPts val="0"/>
+              </a:spcBef>
             </a:pPr>
-            <a:endParaRPr lang="en-US" dirty="0" smtClean="0"/>
+            <a:endParaRPr lang="en-US" sz="1800" dirty="0" smtClean="0"/>
           </a:p>
           <a:p>
             <a:r>
-              <a:rPr lang="en-US" dirty="0" smtClean="0"/>
-              <a:t>ISP:</a:t>
+              <a:rPr lang="en-US" sz="2400" dirty="0" smtClean="0"/>
+              <a:t>ISP</a:t>
+            </a:r>
+            <a:r>
+              <a:rPr lang="en-US" sz="2400" dirty="0" smtClean="0"/>
+              <a:t>:</a:t>
             </a:r>
           </a:p>
           <a:p>
             <a:pPr lvl="1"/>
             <a:r>
-              <a:rPr lang="en-US" dirty="0" smtClean="0"/>
+              <a:rPr lang="en-US" sz="1800" dirty="0" smtClean="0"/>
               <a:t>Obstacle-detection code knows about minimal interface necessary</a:t>
             </a:r>
           </a:p>
           <a:p>
             <a:pPr lvl="1"/>
             <a:r>
-              <a:rPr lang="en-US" dirty="0" smtClean="0"/>
+              <a:rPr lang="en-US" sz="1800" dirty="0" smtClean="0"/>
               <a:t>Any type can “become” an obstacle </a:t>
             </a:r>
-            <a:endParaRPr lang="en-US" dirty="0"/>
+            <a:endParaRPr lang="en-US" sz="1800" dirty="0"/>
           </a:p>
         </p:txBody>
       </p:sp>
@@ -37970,8 +38075,8 @@
         </p:blipFill>
         <p:spPr>
           <a:xfrm>
-            <a:off x="838199" y="1690688"/>
-            <a:ext cx="3880757" cy="2570755"/>
+            <a:off x="438355" y="1397329"/>
+            <a:ext cx="4400267" cy="2914897"/>
           </a:xfrm>
           <a:prstGeom prst="rect">
             <a:avLst/>
@@ -37994,8 +38099,8 @@
         </p:blipFill>
         <p:spPr>
           <a:xfrm>
-            <a:off x="838199" y="4467003"/>
-            <a:ext cx="3876812" cy="670987"/>
+            <a:off x="438355" y="4498174"/>
+            <a:ext cx="4191066" cy="725377"/>
           </a:xfrm>
           <a:prstGeom prst="rect">
             <a:avLst/>
@@ -38018,8 +38123,8 @@
         </p:blipFill>
         <p:spPr>
           <a:xfrm>
-            <a:off x="838199" y="5507998"/>
-            <a:ext cx="5330056" cy="562950"/>
+            <a:off x="438355" y="5409499"/>
+            <a:ext cx="5954116" cy="628862"/>
           </a:xfrm>
           <a:prstGeom prst="rect">
             <a:avLst/>
@@ -38037,7 +38142,7 @@
         <p:spPr>
           <a:xfrm>
             <a:off x="4901480" y="1551708"/>
-            <a:ext cx="5551340" cy="4960891"/>
+            <a:ext cx="5198484" cy="4960891"/>
           </a:xfrm>
           <a:prstGeom prst="rect">
             <a:avLst/>
@@ -38335,7 +38440,11 @@
             </a:r>
             <a:r>
               <a:rPr lang="en-US" dirty="0" smtClean="0"/>
-              <a:t> Substitution</a:t>
+              <a:t> </a:t>
+            </a:r>
+            <a:r>
+              <a:rPr lang="en-US" dirty="0" smtClean="0"/>
+              <a:t>Substitution?</a:t>
             </a:r>
             <a:endParaRPr lang="en-US" dirty="0"/>
           </a:p>
@@ -38351,7 +38460,12 @@
             <p:ph idx="1"/>
           </p:nvPr>
         </p:nvSpPr>
-        <p:spPr/>
+        <p:spPr>
+          <a:xfrm>
+            <a:off x="838200" y="1825625"/>
+            <a:ext cx="9116291" cy="4351338"/>
+          </a:xfrm>
+        </p:spPr>
         <p:txBody>
           <a:bodyPr/>
           <a:lstStyle/>
@@ -38374,19 +38488,18 @@
           </a:p>
           <a:p>
             <a:r>
-              <a:rPr lang="en-US" dirty="0"/>
+              <a:rPr lang="en-US" i="1" dirty="0"/>
               <a:t>Strong behavioral subtyping</a:t>
             </a:r>
           </a:p>
           <a:p>
-            <a:endParaRPr lang="en-US" dirty="0"/>
+            <a:endParaRPr lang="en-US" i="1" dirty="0"/>
           </a:p>
           <a:p>
             <a:r>
-              <a:rPr lang="en-US" dirty="0"/>
+              <a:rPr lang="en-US" i="1" dirty="0"/>
               <a:t>Semantic as well as syntactic</a:t>
             </a:r>
-            <a:endParaRPr lang="en-US" dirty="0"/>
           </a:p>
         </p:txBody>
       </p:sp>
@@ -38725,7 +38838,15 @@
           <a:p>
             <a:r>
               <a:rPr lang="en-US" dirty="0" smtClean="0"/>
-              <a:t>Real-World Example</a:t>
+              <a:t>LOB Application</a:t>
+            </a:r>
+            <a:r>
+              <a:rPr lang="en-US" dirty="0" smtClean="0"/>
+              <a:t> </a:t>
+            </a:r>
+            <a:r>
+              <a:rPr lang="en-US" dirty="0" smtClean="0"/>
+              <a:t>Example</a:t>
             </a:r>
             <a:endParaRPr lang="en-US" dirty="0"/>
           </a:p>
@@ -39052,7 +39173,11 @@
           <a:p>
             <a:r>
               <a:rPr lang="en-US" dirty="0" smtClean="0"/>
-              <a:t>Real-World Example Revisited</a:t>
+              <a:t>LOB Application Example </a:t>
+            </a:r>
+            <a:r>
+              <a:rPr lang="en-US" dirty="0" smtClean="0"/>
+              <a:t>Revisited</a:t>
             </a:r>
             <a:endParaRPr lang="en-US" dirty="0"/>
           </a:p>
@@ -39068,7 +39193,7 @@
             <p:ph idx="1"/>
             <p:extLst>
               <p:ext uri="{D42A27DB-BD31-4B8C-83A1-F6EECF244321}">
-                <p14:modId xmlns:p14="http://schemas.microsoft.com/office/powerpoint/2010/main" val="3718046169"/>
+                <p14:modId xmlns:p14="http://schemas.microsoft.com/office/powerpoint/2010/main" val="408376802"/>
               </p:ext>
             </p:extLst>
           </p:nvPr>
@@ -39099,8 +39224,8 @@
         </p:blipFill>
         <p:spPr>
           <a:xfrm>
-            <a:off x="202475" y="1902959"/>
-            <a:ext cx="6263640" cy="1057650"/>
+            <a:off x="347948" y="1736703"/>
+            <a:ext cx="7129908" cy="1203924"/>
           </a:xfrm>
           <a:prstGeom prst="rect">
             <a:avLst/>
@@ -39291,7 +39416,11 @@
           <a:p>
             <a:r>
               <a:rPr lang="en-US" dirty="0" smtClean="0"/>
-              <a:t>What is Interface Segregation</a:t>
+              <a:t>What is Interface </a:t>
+            </a:r>
+            <a:r>
+              <a:rPr lang="en-US" dirty="0" smtClean="0"/>
+              <a:t>Segregation?</a:t>
             </a:r>
             <a:endParaRPr lang="en-US" dirty="0"/>
           </a:p>
@@ -39307,14 +39436,27 @@
             <p:ph idx="1"/>
           </p:nvPr>
         </p:nvSpPr>
-        <p:spPr/>
+        <p:spPr>
+          <a:xfrm>
+            <a:off x="838200" y="1825625"/>
+            <a:ext cx="9303327" cy="4351338"/>
+          </a:xfrm>
+        </p:spPr>
         <p:txBody>
           <a:bodyPr/>
           <a:lstStyle/>
           <a:p>
             <a:r>
               <a:rPr lang="en-US" dirty="0"/>
-              <a:t>Wikipedia: no client should be forced to depend on methods it does not use. ISP splits interfaces which are very large into smaller and more specific ones so that clients will only have to know about the methods that are of interest to them.</a:t>
+              <a:t>Wikipedia: no client should be forced to depend on methods </a:t>
+            </a:r>
+            <a:r>
+              <a:rPr lang="en-US" dirty="0" smtClean="0"/>
+              <a:t>it </a:t>
+            </a:r>
+            <a:r>
+              <a:rPr lang="en-US" dirty="0"/>
+              <a:t>does not use. ISP splits interfaces which are very large into smaller and more specific ones so that clients will only have to know about the methods that are of interest to them.</a:t>
             </a:r>
           </a:p>
           <a:p>
@@ -39322,19 +39464,18 @@
           </a:p>
           <a:p>
             <a:r>
-              <a:rPr lang="en-US" dirty="0"/>
+              <a:rPr lang="en-US" i="1" dirty="0"/>
               <a:t>Role interfaces</a:t>
             </a:r>
           </a:p>
           <a:p>
-            <a:endParaRPr lang="en-US" dirty="0"/>
+            <a:endParaRPr lang="en-US" i="1" dirty="0"/>
           </a:p>
           <a:p>
             <a:r>
-              <a:rPr lang="en-US" dirty="0"/>
+              <a:rPr lang="en-US" i="1" dirty="0"/>
               <a:t>Encourages more broadly applicable interfaces</a:t>
             </a:r>
-            <a:endParaRPr lang="en-US" dirty="0"/>
           </a:p>
         </p:txBody>
       </p:sp>
@@ -39807,7 +39948,6 @@
               <a:rPr lang="en-US" dirty="0"/>
               <a:t>Avoid overly “fat” interfaces</a:t>
             </a:r>
-            <a:endParaRPr lang="en-US" dirty="0"/>
           </a:p>
         </p:txBody>
       </p:sp>

--- a/Presentations/LI Redux.pptx
+++ b/Presentations/LI Redux.pptx
@@ -8572,7 +8572,7 @@
         <a:p>
           <a:r>
             <a:rPr lang="en-US" sz="2000" dirty="0" smtClean="0"/>
-            <a:t>Minnow</a:t>
+            <a:t>Trout</a:t>
           </a:r>
           <a:endParaRPr lang="en-US" sz="2000" dirty="0"/>
         </a:p>
@@ -9367,7 +9367,7 @@
   <dgm:whole/>
   <dgm:extLst>
     <a:ext uri="http://schemas.microsoft.com/office/drawing/2008/diagram">
-      <dsp:dataModelExt xmlns:dsp="http://schemas.microsoft.com/office/drawing/2008/diagram" relId="rId7" minVer="http://schemas.openxmlformats.org/drawingml/2006/diagram"/>
+      <dsp:dataModelExt xmlns:dsp="http://schemas.microsoft.com/office/drawing/2008/diagram" relId="rId8" minVer="http://schemas.openxmlformats.org/drawingml/2006/diagram"/>
     </a:ext>
   </dgm:extLst>
 </dgm:dataModel>
@@ -13311,8 +13311,8 @@
       </dsp:nvSpPr>
       <dsp:spPr>
         <a:xfrm>
-          <a:off x="7695751" y="1970530"/>
-          <a:ext cx="1325012" cy="338741"/>
+          <a:off x="8722358" y="2351152"/>
+          <a:ext cx="1501767" cy="383928"/>
         </a:xfrm>
         <a:custGeom>
           <a:avLst/>
@@ -13326,13 +13326,13 @@
                 <a:pt x="0" y="0"/>
               </a:moveTo>
               <a:lnTo>
-                <a:pt x="0" y="205138"/>
+                <a:pt x="0" y="232503"/>
               </a:lnTo>
               <a:lnTo>
-                <a:pt x="1325012" y="205138"/>
+                <a:pt x="1501767" y="232503"/>
               </a:lnTo>
               <a:lnTo>
-                <a:pt x="1325012" y="338741"/>
+                <a:pt x="1501767" y="383928"/>
               </a:lnTo>
             </a:path>
           </a:pathLst>
@@ -13373,8 +13373,8 @@
       </dsp:nvSpPr>
       <dsp:spPr>
         <a:xfrm>
-          <a:off x="7481146" y="1970530"/>
-          <a:ext cx="214604" cy="338741"/>
+          <a:off x="8479125" y="2351152"/>
+          <a:ext cx="243232" cy="383928"/>
         </a:xfrm>
         <a:custGeom>
           <a:avLst/>
@@ -13385,16 +13385,16 @@
           <a:pathLst>
             <a:path>
               <a:moveTo>
-                <a:pt x="214604" y="0"/>
+                <a:pt x="243232" y="0"/>
               </a:moveTo>
               <a:lnTo>
-                <a:pt x="214604" y="205138"/>
+                <a:pt x="243232" y="232503"/>
               </a:lnTo>
               <a:lnTo>
-                <a:pt x="0" y="205138"/>
+                <a:pt x="0" y="232503"/>
               </a:lnTo>
               <a:lnTo>
-                <a:pt x="0" y="338741"/>
+                <a:pt x="0" y="383928"/>
               </a:lnTo>
             </a:path>
           </a:pathLst>
@@ -13435,8 +13435,8 @@
       </dsp:nvSpPr>
       <dsp:spPr>
         <a:xfrm>
-          <a:off x="5941529" y="1970530"/>
-          <a:ext cx="1754221" cy="338741"/>
+          <a:off x="6734124" y="2351152"/>
+          <a:ext cx="1988233" cy="383928"/>
         </a:xfrm>
         <a:custGeom>
           <a:avLst/>
@@ -13447,16 +13447,16 @@
           <a:pathLst>
             <a:path>
               <a:moveTo>
-                <a:pt x="1754221" y="0"/>
+                <a:pt x="1988233" y="0"/>
               </a:moveTo>
               <a:lnTo>
-                <a:pt x="1754221" y="205138"/>
+                <a:pt x="1988233" y="232503"/>
               </a:lnTo>
               <a:lnTo>
-                <a:pt x="0" y="205138"/>
+                <a:pt x="0" y="232503"/>
               </a:lnTo>
               <a:lnTo>
-                <a:pt x="0" y="338741"/>
+                <a:pt x="0" y="383928"/>
               </a:lnTo>
             </a:path>
           </a:pathLst>
@@ -13497,8 +13497,8 @@
       </dsp:nvSpPr>
       <dsp:spPr>
         <a:xfrm>
-          <a:off x="2540388" y="1982453"/>
-          <a:ext cx="1861524" cy="326818"/>
+          <a:off x="2879274" y="2364665"/>
+          <a:ext cx="2109849" cy="370416"/>
         </a:xfrm>
         <a:custGeom>
           <a:avLst/>
@@ -13512,13 +13512,13 @@
                 <a:pt x="0" y="0"/>
               </a:moveTo>
               <a:lnTo>
-                <a:pt x="0" y="193215"/>
+                <a:pt x="0" y="218990"/>
               </a:lnTo>
               <a:lnTo>
-                <a:pt x="1861524" y="193215"/>
+                <a:pt x="2109849" y="218990"/>
               </a:lnTo>
               <a:lnTo>
-                <a:pt x="1861524" y="326818"/>
+                <a:pt x="2109849" y="370416"/>
               </a:lnTo>
             </a:path>
           </a:pathLst>
@@ -13559,8 +13559,8 @@
       </dsp:nvSpPr>
       <dsp:spPr>
         <a:xfrm>
-          <a:off x="2540388" y="1982453"/>
-          <a:ext cx="321907" cy="326818"/>
+          <a:off x="2879274" y="2364665"/>
+          <a:ext cx="364849" cy="370416"/>
         </a:xfrm>
         <a:custGeom>
           <a:avLst/>
@@ -13574,13 +13574,13 @@
                 <a:pt x="0" y="0"/>
               </a:moveTo>
               <a:lnTo>
-                <a:pt x="0" y="193215"/>
+                <a:pt x="0" y="218990"/>
               </a:lnTo>
               <a:lnTo>
-                <a:pt x="321907" y="193215"/>
+                <a:pt x="364849" y="218990"/>
               </a:lnTo>
               <a:lnTo>
-                <a:pt x="321907" y="326818"/>
+                <a:pt x="364849" y="370416"/>
               </a:lnTo>
             </a:path>
           </a:pathLst>
@@ -13621,8 +13621,8 @@
       </dsp:nvSpPr>
       <dsp:spPr>
         <a:xfrm>
-          <a:off x="1322679" y="1982453"/>
-          <a:ext cx="1217709" cy="326818"/>
+          <a:off x="1499123" y="2364665"/>
+          <a:ext cx="1380151" cy="370416"/>
         </a:xfrm>
         <a:custGeom>
           <a:avLst/>
@@ -13633,16 +13633,16 @@
           <a:pathLst>
             <a:path>
               <a:moveTo>
-                <a:pt x="1217709" y="0"/>
+                <a:pt x="1380151" y="0"/>
               </a:moveTo>
               <a:lnTo>
-                <a:pt x="1217709" y="193215"/>
+                <a:pt x="1380151" y="218990"/>
               </a:lnTo>
               <a:lnTo>
-                <a:pt x="0" y="193215"/>
+                <a:pt x="0" y="218990"/>
               </a:lnTo>
               <a:lnTo>
-                <a:pt x="0" y="326818"/>
+                <a:pt x="0" y="370416"/>
               </a:lnTo>
             </a:path>
           </a:pathLst>
@@ -13683,8 +13683,8 @@
       </dsp:nvSpPr>
       <dsp:spPr>
         <a:xfrm>
-          <a:off x="3983938" y="441048"/>
-          <a:ext cx="1272410" cy="636205"/>
+          <a:off x="4515392" y="617638"/>
+          <a:ext cx="1442149" cy="721074"/>
         </a:xfrm>
         <a:prstGeom prst="rect">
           <a:avLst/>
@@ -13726,12 +13726,12 @@
         </a:fontRef>
       </dsp:style>
       <dsp:txBody>
-        <a:bodyPr spcFirstLastPara="0" vert="horz" wrap="square" lIns="12065" tIns="12065" rIns="12065" bIns="12065" numCol="1" spcCol="1270" anchor="ctr" anchorCtr="0">
+        <a:bodyPr spcFirstLastPara="0" vert="horz" wrap="square" lIns="13970" tIns="13970" rIns="13970" bIns="13970" numCol="1" spcCol="1270" anchor="ctr" anchorCtr="0">
           <a:noAutofit/>
         </a:bodyPr>
         <a:lstStyle/>
         <a:p>
-          <a:pPr lvl="0" algn="ctr" defTabSz="844550">
+          <a:pPr lvl="0" algn="ctr" defTabSz="977900">
             <a:lnSpc>
               <a:spcPct val="90000"/>
             </a:lnSpc>
@@ -13743,15 +13743,15 @@
             </a:spcAft>
           </a:pPr>
           <a:r>
-            <a:rPr lang="en-US" sz="1900" kern="1200" dirty="0" err="1" smtClean="0"/>
+            <a:rPr lang="en-US" sz="2200" kern="1200" dirty="0" err="1" smtClean="0"/>
             <a:t>ISwimmable</a:t>
           </a:r>
-          <a:endParaRPr lang="en-US" sz="1900" kern="1200" dirty="0"/>
+          <a:endParaRPr lang="en-US" sz="2200" kern="1200" dirty="0"/>
         </a:p>
       </dsp:txBody>
       <dsp:txXfrm>
-        <a:off x="3983938" y="441048"/>
-        <a:ext cx="1272410" cy="636205"/>
+        <a:off x="4515392" y="617638"/>
+        <a:ext cx="1442149" cy="721074"/>
       </dsp:txXfrm>
     </dsp:sp>
     <dsp:sp modelId="{AD2D83D9-2691-4D81-AA79-2E6CE7131040}">
@@ -13761,8 +13761,8 @@
       </dsp:nvSpPr>
       <dsp:spPr>
         <a:xfrm>
-          <a:off x="5474860" y="442594"/>
-          <a:ext cx="1272410" cy="636205"/>
+          <a:off x="6205202" y="619391"/>
+          <a:ext cx="1442149" cy="721074"/>
         </a:xfrm>
         <a:prstGeom prst="rect">
           <a:avLst/>
@@ -13804,12 +13804,12 @@
         </a:fontRef>
       </dsp:style>
       <dsp:txBody>
-        <a:bodyPr spcFirstLastPara="0" vert="horz" wrap="square" lIns="12065" tIns="12065" rIns="12065" bIns="12065" numCol="1" spcCol="1270" anchor="ctr" anchorCtr="0">
+        <a:bodyPr spcFirstLastPara="0" vert="horz" wrap="square" lIns="13970" tIns="13970" rIns="13970" bIns="13970" numCol="1" spcCol="1270" anchor="ctr" anchorCtr="0">
           <a:noAutofit/>
         </a:bodyPr>
         <a:lstStyle/>
         <a:p>
-          <a:pPr lvl="0" algn="ctr" defTabSz="844550">
+          <a:pPr lvl="0" algn="ctr" defTabSz="977900">
             <a:lnSpc>
               <a:spcPct val="90000"/>
             </a:lnSpc>
@@ -13821,15 +13821,15 @@
             </a:spcAft>
           </a:pPr>
           <a:r>
-            <a:rPr lang="en-US" sz="1900" kern="1200" dirty="0" err="1" smtClean="0"/>
+            <a:rPr lang="en-US" sz="2200" kern="1200" dirty="0" err="1" smtClean="0"/>
             <a:t>IFlyable</a:t>
           </a:r>
-          <a:endParaRPr lang="en-US" sz="1900" kern="1200" dirty="0"/>
+          <a:endParaRPr lang="en-US" sz="2200" kern="1200" dirty="0"/>
         </a:p>
       </dsp:txBody>
       <dsp:txXfrm>
-        <a:off x="5474860" y="442594"/>
-        <a:ext cx="1272410" cy="636205"/>
+        <a:off x="6205202" y="619391"/>
+        <a:ext cx="1442149" cy="721074"/>
       </dsp:txXfrm>
     </dsp:sp>
     <dsp:sp modelId="{1D150035-E173-4748-8FEC-ABFE9DEF9CFE}">
@@ -13839,8 +13839,8 @@
       </dsp:nvSpPr>
       <dsp:spPr>
         <a:xfrm>
-          <a:off x="1904183" y="1346248"/>
-          <a:ext cx="1272410" cy="636205"/>
+          <a:off x="2158199" y="1643591"/>
+          <a:ext cx="1442149" cy="721074"/>
         </a:xfrm>
         <a:prstGeom prst="rect">
           <a:avLst/>
@@ -13906,8 +13906,8 @@
         </a:p>
       </dsp:txBody>
       <dsp:txXfrm>
-        <a:off x="1904183" y="1346248"/>
-        <a:ext cx="1272410" cy="636205"/>
+        <a:off x="2158199" y="1643591"/>
+        <a:ext cx="1442149" cy="721074"/>
       </dsp:txXfrm>
     </dsp:sp>
     <dsp:sp modelId="{88794A25-05F9-44A2-A316-1135F919E561}">
@@ -13917,8 +13917,8 @@
       </dsp:nvSpPr>
       <dsp:spPr>
         <a:xfrm>
-          <a:off x="686473" y="2309272"/>
-          <a:ext cx="1272410" cy="636205"/>
+          <a:off x="778048" y="2735081"/>
+          <a:ext cx="1442149" cy="721074"/>
         </a:xfrm>
         <a:prstGeom prst="rect">
           <a:avLst/>
@@ -13984,8 +13984,8 @@
         </a:p>
       </dsp:txBody>
       <dsp:txXfrm>
-        <a:off x="686473" y="2309272"/>
-        <a:ext cx="1272410" cy="636205"/>
+        <a:off x="778048" y="2735081"/>
+        <a:ext cx="1442149" cy="721074"/>
       </dsp:txXfrm>
     </dsp:sp>
     <dsp:sp modelId="{7496D61A-A998-4BF2-8370-9CBF83AEF6D1}">
@@ -13995,8 +13995,8 @@
       </dsp:nvSpPr>
       <dsp:spPr>
         <a:xfrm>
-          <a:off x="2226090" y="2309272"/>
-          <a:ext cx="1272410" cy="636205"/>
+          <a:off x="2523049" y="2735081"/>
+          <a:ext cx="1442149" cy="721074"/>
         </a:xfrm>
         <a:prstGeom prst="rect">
           <a:avLst/>
@@ -14062,8 +14062,8 @@
         </a:p>
       </dsp:txBody>
       <dsp:txXfrm>
-        <a:off x="2226090" y="2309272"/>
-        <a:ext cx="1272410" cy="636205"/>
+        <a:off x="2523049" y="2735081"/>
+        <a:ext cx="1442149" cy="721074"/>
       </dsp:txXfrm>
     </dsp:sp>
     <dsp:sp modelId="{14CFEA48-16E6-4915-BD01-B48FD64B94A8}">
@@ -14073,8 +14073,8 @@
       </dsp:nvSpPr>
       <dsp:spPr>
         <a:xfrm>
-          <a:off x="3765707" y="2309272"/>
-          <a:ext cx="1272410" cy="636205"/>
+          <a:off x="4268049" y="2735081"/>
+          <a:ext cx="1442149" cy="721074"/>
         </a:xfrm>
         <a:prstGeom prst="rect">
           <a:avLst/>
@@ -14140,8 +14140,8 @@
         </a:p>
       </dsp:txBody>
       <dsp:txXfrm>
-        <a:off x="3765707" y="2309272"/>
-        <a:ext cx="1272410" cy="636205"/>
+        <a:off x="4268049" y="2735081"/>
+        <a:ext cx="1442149" cy="721074"/>
       </dsp:txXfrm>
     </dsp:sp>
     <dsp:sp modelId="{8D826DCB-CBA5-4228-9CBC-4B79B0B74322}">
@@ -14151,8 +14151,8 @@
       </dsp:nvSpPr>
       <dsp:spPr>
         <a:xfrm>
-          <a:off x="7059546" y="1334325"/>
-          <a:ext cx="1272410" cy="636205"/>
+          <a:off x="8001283" y="1630078"/>
+          <a:ext cx="1442149" cy="721074"/>
         </a:xfrm>
         <a:prstGeom prst="rect">
           <a:avLst/>
@@ -14218,8 +14218,8 @@
         </a:p>
       </dsp:txBody>
       <dsp:txXfrm>
-        <a:off x="7059546" y="1334325"/>
-        <a:ext cx="1272410" cy="636205"/>
+        <a:off x="8001283" y="1630078"/>
+        <a:ext cx="1442149" cy="721074"/>
       </dsp:txXfrm>
     </dsp:sp>
     <dsp:sp modelId="{71A91E46-0E7A-473B-A611-D0CF6B495DE5}">
@@ -14229,8 +14229,8 @@
       </dsp:nvSpPr>
       <dsp:spPr>
         <a:xfrm>
-          <a:off x="5305324" y="2309272"/>
-          <a:ext cx="1272410" cy="636205"/>
+          <a:off x="6013050" y="2735081"/>
+          <a:ext cx="1442149" cy="721074"/>
         </a:xfrm>
         <a:prstGeom prst="rect">
           <a:avLst/>
@@ -14296,8 +14296,8 @@
         </a:p>
       </dsp:txBody>
       <dsp:txXfrm>
-        <a:off x="5305324" y="2309272"/>
-        <a:ext cx="1272410" cy="636205"/>
+        <a:off x="6013050" y="2735081"/>
+        <a:ext cx="1442149" cy="721074"/>
       </dsp:txXfrm>
     </dsp:sp>
     <dsp:sp modelId="{89752FAE-DDC6-4BA6-B63A-2BC24C5292D3}">
@@ -14307,8 +14307,8 @@
       </dsp:nvSpPr>
       <dsp:spPr>
         <a:xfrm>
-          <a:off x="6844941" y="2309272"/>
-          <a:ext cx="1272410" cy="636205"/>
+          <a:off x="7758050" y="2735081"/>
+          <a:ext cx="1442149" cy="721074"/>
         </a:xfrm>
         <a:prstGeom prst="rect">
           <a:avLst/>
@@ -14368,14 +14368,14 @@
           </a:pPr>
           <a:r>
             <a:rPr lang="en-US" sz="2000" kern="1200" dirty="0" smtClean="0"/>
-            <a:t>Minnow</a:t>
+            <a:t>Trout</a:t>
           </a:r>
           <a:endParaRPr lang="en-US" sz="2000" kern="1200" dirty="0"/>
         </a:p>
       </dsp:txBody>
       <dsp:txXfrm>
-        <a:off x="6844941" y="2309272"/>
-        <a:ext cx="1272410" cy="636205"/>
+        <a:off x="7758050" y="2735081"/>
+        <a:ext cx="1442149" cy="721074"/>
       </dsp:txXfrm>
     </dsp:sp>
     <dsp:sp modelId="{DBF797E2-5946-4EB3-B2E4-5100A83E0855}">
@@ -14385,8 +14385,8 @@
       </dsp:nvSpPr>
       <dsp:spPr>
         <a:xfrm>
-          <a:off x="8384558" y="2309272"/>
-          <a:ext cx="1272410" cy="636205"/>
+          <a:off x="9503051" y="2735081"/>
+          <a:ext cx="1442149" cy="721074"/>
         </a:xfrm>
         <a:prstGeom prst="rect">
           <a:avLst/>
@@ -14452,8 +14452,8 @@
         </a:p>
       </dsp:txBody>
       <dsp:txXfrm>
-        <a:off x="8384558" y="2309272"/>
-        <a:ext cx="1272410" cy="636205"/>
+        <a:off x="9503051" y="2735081"/>
+        <a:ext cx="1442149" cy="721074"/>
       </dsp:txXfrm>
     </dsp:sp>
   </dsp:spTree>
@@ -33804,6 +33804,151 @@
           <a:bodyPr/>
           <a:lstStyle/>
           <a:p>
+            <a:pPr marL="0" marR="0" indent="0" algn="l" defTabSz="914400" rtl="0" eaLnBrk="1" fontAlgn="auto" latinLnBrk="0" hangingPunct="1">
+              <a:lnSpc>
+                <a:spcPct val="100000"/>
+              </a:lnSpc>
+              <a:spcBef>
+                <a:spcPts val="0"/>
+              </a:spcBef>
+              <a:spcAft>
+                <a:spcPts val="0"/>
+              </a:spcAft>
+              <a:buClrTx/>
+              <a:buSzTx/>
+              <a:buFontTx/>
+              <a:buNone/>
+              <a:tabLst/>
+              <a:defRPr/>
+            </a:pPr>
+            <a:r>
+              <a:rPr lang="en-US" dirty="0" smtClean="0"/>
+              <a:t>Can pretty much ignore the long definition</a:t>
+            </a:r>
+          </a:p>
+          <a:p>
+            <a:endParaRPr lang="en-US" dirty="0"/>
+          </a:p>
+        </p:txBody>
+      </p:sp>
+      <p:sp>
+        <p:nvSpPr>
+          <p:cNvPr id="4" name="Slide Number Placeholder 3"/>
+          <p:cNvSpPr>
+            <a:spLocks noGrp="1"/>
+          </p:cNvSpPr>
+          <p:nvPr>
+            <p:ph type="sldNum" sz="quarter" idx="10"/>
+          </p:nvPr>
+        </p:nvSpPr>
+        <p:spPr/>
+        <p:txBody>
+          <a:bodyPr/>
+          <a:lstStyle/>
+          <a:p>
+            <a:fld id="{5E646BB7-50E9-43CE-B8D8-A01580F287EB}" type="slidenum">
+              <a:rPr lang="en-US" smtClean="0"/>
+              <a:t>2</a:t>
+            </a:fld>
+            <a:endParaRPr lang="en-US"/>
+          </a:p>
+        </p:txBody>
+      </p:sp>
+    </p:spTree>
+    <p:extLst>
+      <p:ext uri="{BB962C8B-B14F-4D97-AF65-F5344CB8AC3E}">
+        <p14:creationId xmlns:p14="http://schemas.microsoft.com/office/powerpoint/2010/main" val="614797265"/>
+      </p:ext>
+    </p:extLst>
+  </p:cSld>
+  <p:clrMapOvr>
+    <a:masterClrMapping/>
+  </p:clrMapOvr>
+</p:notes>
+</file>
+
+<file path=ppt/notesSlides/notesSlide3.xml><?xml version="1.0" encoding="utf-8"?>
+<p:notes xmlns:a="http://schemas.openxmlformats.org/drawingml/2006/main" xmlns:r="http://schemas.openxmlformats.org/officeDocument/2006/relationships" xmlns:p="http://schemas.openxmlformats.org/presentationml/2006/main">
+  <p:cSld>
+    <p:spTree>
+      <p:nvGrpSpPr>
+        <p:cNvPr id="1" name=""/>
+        <p:cNvGrpSpPr/>
+        <p:nvPr/>
+      </p:nvGrpSpPr>
+      <p:grpSpPr>
+        <a:xfrm>
+          <a:off x="0" y="0"/>
+          <a:ext cx="0" cy="0"/>
+          <a:chOff x="0" y="0"/>
+          <a:chExt cx="0" cy="0"/>
+        </a:xfrm>
+      </p:grpSpPr>
+      <p:sp>
+        <p:nvSpPr>
+          <p:cNvPr id="2" name="Slide Image Placeholder 1"/>
+          <p:cNvSpPr>
+            <a:spLocks noGrp="1" noRot="1" noChangeAspect="1"/>
+          </p:cNvSpPr>
+          <p:nvPr>
+            <p:ph type="sldImg"/>
+          </p:nvPr>
+        </p:nvSpPr>
+        <p:spPr/>
+      </p:sp>
+      <p:sp>
+        <p:nvSpPr>
+          <p:cNvPr id="3" name="Notes Placeholder 2"/>
+          <p:cNvSpPr>
+            <a:spLocks noGrp="1"/>
+          </p:cNvSpPr>
+          <p:nvPr>
+            <p:ph type="body" idx="1"/>
+          </p:nvPr>
+        </p:nvSpPr>
+        <p:spPr/>
+        <p:txBody>
+          <a:bodyPr/>
+          <a:lstStyle/>
+          <a:p>
+            <a:r>
+              <a:rPr lang="en-US" dirty="0" smtClean="0"/>
+              <a:t>-Ostrich and Penguin can’t fly</a:t>
+            </a:r>
+          </a:p>
+          <a:p>
+            <a:r>
+              <a:rPr lang="en-US" dirty="0" smtClean="0"/>
+              <a:t>-</a:t>
+            </a:r>
+            <a:r>
+              <a:rPr lang="en-US" dirty="0" err="1" smtClean="0"/>
+              <a:t>FlyingFish</a:t>
+            </a:r>
+            <a:r>
+              <a:rPr lang="en-US" baseline="0" dirty="0" smtClean="0"/>
+              <a:t> also flies</a:t>
+            </a:r>
+          </a:p>
+          <a:p>
+            <a:r>
+              <a:rPr lang="en-US" baseline="0" dirty="0" smtClean="0"/>
+              <a:t>-</a:t>
+            </a:r>
+            <a:r>
+              <a:rPr lang="en-US" baseline="0" dirty="0" err="1" smtClean="0"/>
+              <a:t>StarFish</a:t>
+            </a:r>
+            <a:r>
+              <a:rPr lang="en-US" baseline="0" dirty="0" smtClean="0"/>
+              <a:t> doesn’t swim (ignore that it is not a fish!)</a:t>
+            </a:r>
+          </a:p>
+          <a:p>
+            <a:r>
+              <a:rPr lang="en-US" baseline="0" smtClean="0"/>
+              <a:t>-Penguin </a:t>
+            </a:r>
             <a:endParaRPr lang="en-US" dirty="0"/>
           </a:p>
         </p:txBody>
@@ -33835,6 +33980,130 @@
     <p:extLst>
       <p:ext uri="{BB962C8B-B14F-4D97-AF65-F5344CB8AC3E}">
         <p14:creationId xmlns:p14="http://schemas.microsoft.com/office/powerpoint/2010/main" val="2737196556"/>
+      </p:ext>
+    </p:extLst>
+  </p:cSld>
+  <p:clrMapOvr>
+    <a:masterClrMapping/>
+  </p:clrMapOvr>
+</p:notes>
+</file>
+
+<file path=ppt/notesSlides/notesSlide4.xml><?xml version="1.0" encoding="utf-8"?>
+<p:notes xmlns:a="http://schemas.openxmlformats.org/drawingml/2006/main" xmlns:r="http://schemas.openxmlformats.org/officeDocument/2006/relationships" xmlns:p="http://schemas.openxmlformats.org/presentationml/2006/main">
+  <p:cSld>
+    <p:spTree>
+      <p:nvGrpSpPr>
+        <p:cNvPr id="1" name=""/>
+        <p:cNvGrpSpPr/>
+        <p:nvPr/>
+      </p:nvGrpSpPr>
+      <p:grpSpPr>
+        <a:xfrm>
+          <a:off x="0" y="0"/>
+          <a:ext cx="0" cy="0"/>
+          <a:chOff x="0" y="0"/>
+          <a:chExt cx="0" cy="0"/>
+        </a:xfrm>
+      </p:grpSpPr>
+      <p:sp>
+        <p:nvSpPr>
+          <p:cNvPr id="2" name="Slide Image Placeholder 1"/>
+          <p:cNvSpPr>
+            <a:spLocks noGrp="1" noRot="1" noChangeAspect="1"/>
+          </p:cNvSpPr>
+          <p:nvPr>
+            <p:ph type="sldImg"/>
+          </p:nvPr>
+        </p:nvSpPr>
+        <p:spPr/>
+      </p:sp>
+      <p:sp>
+        <p:nvSpPr>
+          <p:cNvPr id="3" name="Notes Placeholder 2"/>
+          <p:cNvSpPr>
+            <a:spLocks noGrp="1"/>
+          </p:cNvSpPr>
+          <p:nvPr>
+            <p:ph type="body" idx="1"/>
+          </p:nvPr>
+        </p:nvSpPr>
+        <p:spPr/>
+        <p:txBody>
+          <a:bodyPr/>
+          <a:lstStyle/>
+          <a:p>
+            <a:r>
+              <a:rPr lang="en-US" dirty="0" smtClean="0"/>
+              <a:t>Now, code that controls flight is only concerned about members</a:t>
+            </a:r>
+            <a:r>
+              <a:rPr lang="en-US" baseline="0" dirty="0" smtClean="0"/>
+              <a:t> related to flight.</a:t>
+            </a:r>
+          </a:p>
+          <a:p>
+            <a:r>
+              <a:rPr lang="en-US" baseline="0" dirty="0" smtClean="0"/>
+              <a:t>Code that controls swimming doesn’t have to deal with the noise of non-swim related members.</a:t>
+            </a:r>
+          </a:p>
+          <a:p>
+            <a:r>
+              <a:rPr lang="en-US" baseline="0" dirty="0" err="1" smtClean="0"/>
+              <a:t>Liskov</a:t>
+            </a:r>
+            <a:r>
+              <a:rPr lang="en-US" baseline="0" dirty="0" smtClean="0"/>
+              <a:t> can be at play now; code related to flight can work regardless of actual type.</a:t>
+            </a:r>
+          </a:p>
+          <a:p>
+            <a:r>
+              <a:rPr lang="en-US" baseline="0" dirty="0" smtClean="0"/>
+              <a:t>Room for improvement; since fish almost always swim, abstract base class </a:t>
+            </a:r>
+            <a:r>
+              <a:rPr lang="en-US" baseline="0" dirty="0" err="1" smtClean="0"/>
+              <a:t>SwimmingFish</a:t>
+            </a:r>
+            <a:r>
+              <a:rPr lang="en-US" baseline="0" dirty="0" smtClean="0"/>
+              <a:t> can be introduced</a:t>
+            </a:r>
+          </a:p>
+          <a:p>
+            <a:endParaRPr lang="en-US" dirty="0"/>
+          </a:p>
+        </p:txBody>
+      </p:sp>
+      <p:sp>
+        <p:nvSpPr>
+          <p:cNvPr id="4" name="Slide Number Placeholder 3"/>
+          <p:cNvSpPr>
+            <a:spLocks noGrp="1"/>
+          </p:cNvSpPr>
+          <p:nvPr>
+            <p:ph type="sldNum" sz="quarter" idx="10"/>
+          </p:nvPr>
+        </p:nvSpPr>
+        <p:spPr/>
+        <p:txBody>
+          <a:bodyPr/>
+          <a:lstStyle/>
+          <a:p>
+            <a:fld id="{5E646BB7-50E9-43CE-B8D8-A01580F287EB}" type="slidenum">
+              <a:rPr lang="en-US" smtClean="0"/>
+              <a:t>8</a:t>
+            </a:fld>
+            <a:endParaRPr lang="en-US"/>
+          </a:p>
+        </p:txBody>
+      </p:sp>
+    </p:spTree>
+    <p:extLst>
+      <p:ext uri="{BB962C8B-B14F-4D97-AF65-F5344CB8AC3E}">
+        <p14:creationId xmlns:p14="http://schemas.microsoft.com/office/powerpoint/2010/main" val="1557589058"/>
       </p:ext>
     </p:extLst>
   </p:cSld>
@@ -37941,11 +38210,7 @@
             <a:pPr lvl="1"/>
             <a:r>
               <a:rPr lang="en-US" sz="1800" dirty="0" smtClean="0"/>
-              <a:t>Aliens are substitutable for Obstacle or </a:t>
-            </a:r>
-            <a:r>
-              <a:rPr lang="en-US" sz="1800" dirty="0" smtClean="0"/>
-              <a:t>Crater</a:t>
+              <a:t>Aliens are substitutable for Obstacle or Crater</a:t>
             </a:r>
           </a:p>
           <a:p>
@@ -37959,11 +38224,7 @@
           <a:p>
             <a:r>
               <a:rPr lang="en-US" sz="2400" dirty="0" smtClean="0"/>
-              <a:t>ISP</a:t>
-            </a:r>
-            <a:r>
-              <a:rPr lang="en-US" sz="2400" dirty="0" smtClean="0"/>
-              <a:t>:</a:t>
+              <a:t>ISP:</a:t>
             </a:r>
           </a:p>
           <a:p>
@@ -38390,7 +38651,7 @@
     <p:bg>
       <p:bgPr>
         <a:blipFill dpi="0" rotWithShape="1">
-          <a:blip r:embed="rId2">
+          <a:blip r:embed="rId3">
             <a:lum/>
           </a:blip>
           <a:srcRect/>
@@ -38440,11 +38701,7 @@
             </a:r>
             <a:r>
               <a:rPr lang="en-US" dirty="0" smtClean="0"/>
-              <a:t> </a:t>
-            </a:r>
-            <a:r>
-              <a:rPr lang="en-US" dirty="0" smtClean="0"/>
-              <a:t>Substitution?</a:t>
+              <a:t> Substitution?</a:t>
             </a:r>
             <a:endParaRPr lang="en-US" dirty="0"/>
           </a:p>
@@ -38838,15 +39095,7 @@
           <a:p>
             <a:r>
               <a:rPr lang="en-US" dirty="0" smtClean="0"/>
-              <a:t>LOB Application</a:t>
-            </a:r>
-            <a:r>
-              <a:rPr lang="en-US" dirty="0" smtClean="0"/>
-              <a:t> </a:t>
-            </a:r>
-            <a:r>
-              <a:rPr lang="en-US" dirty="0" smtClean="0"/>
-              <a:t>Example</a:t>
+              <a:t>LOB Application Example</a:t>
             </a:r>
             <a:endParaRPr lang="en-US" dirty="0"/>
           </a:p>
@@ -39173,11 +39422,7 @@
           <a:p>
             <a:r>
               <a:rPr lang="en-US" dirty="0" smtClean="0"/>
-              <a:t>LOB Application Example </a:t>
-            </a:r>
-            <a:r>
-              <a:rPr lang="en-US" dirty="0" smtClean="0"/>
-              <a:t>Revisited</a:t>
+              <a:t>LOB Application Example Revisited</a:t>
             </a:r>
             <a:endParaRPr lang="en-US" dirty="0"/>
           </a:p>
@@ -39416,11 +39661,7 @@
           <a:p>
             <a:r>
               <a:rPr lang="en-US" dirty="0" smtClean="0"/>
-              <a:t>What is Interface </a:t>
-            </a:r>
-            <a:r>
-              <a:rPr lang="en-US" dirty="0" smtClean="0"/>
-              <a:t>Segregation?</a:t>
+              <a:t>What is Interface Segregation?</a:t>
             </a:r>
             <a:endParaRPr lang="en-US" dirty="0"/>
           </a:p>
@@ -39628,7 +39869,7 @@
     <p:bg>
       <p:bgPr>
         <a:blipFill dpi="0" rotWithShape="1">
-          <a:blip r:embed="rId2">
+          <a:blip r:embed="rId3">
             <a:lum/>
           </a:blip>
           <a:srcRect/>
@@ -39686,18 +39927,18 @@
             <p:ph idx="1"/>
             <p:extLst>
               <p:ext uri="{D42A27DB-BD31-4B8C-83A1-F6EECF244321}">
-                <p14:modId xmlns:p14="http://schemas.microsoft.com/office/powerpoint/2010/main" val="3235477127"/>
+                <p14:modId xmlns:p14="http://schemas.microsoft.com/office/powerpoint/2010/main" val="384627253"/>
               </p:ext>
             </p:extLst>
           </p:nvPr>
         </p:nvGraphicFramePr>
         <p:xfrm>
-          <a:off x="299357" y="2135868"/>
-          <a:ext cx="10515600" cy="4351338"/>
+          <a:off x="-342899" y="1690688"/>
+          <a:ext cx="11918372" cy="5167312"/>
         </p:xfrm>
         <a:graphic>
           <a:graphicData uri="http://schemas.openxmlformats.org/drawingml/2006/diagram">
-            <dgm:relIds xmlns:dgm="http://schemas.openxmlformats.org/drawingml/2006/diagram" xmlns:r="http://schemas.openxmlformats.org/officeDocument/2006/relationships" r:dm="rId3" r:lo="rId4" r:qs="rId5" r:cs="rId6"/>
+            <dgm:relIds xmlns:dgm="http://schemas.openxmlformats.org/drawingml/2006/diagram" xmlns:r="http://schemas.openxmlformats.org/officeDocument/2006/relationships" r:dm="rId4" r:lo="rId5" r:qs="rId6" r:cs="rId7"/>
           </a:graphicData>
         </a:graphic>
       </p:graphicFrame>
@@ -39709,8 +39950,8 @@
         </p:nvCxnSpPr>
         <p:spPr>
           <a:xfrm flipH="1">
-            <a:off x="3157946" y="2991394"/>
-            <a:ext cx="2024744" cy="1449977"/>
+            <a:off x="3157946" y="2991392"/>
+            <a:ext cx="1725781" cy="1449979"/>
           </a:xfrm>
           <a:prstGeom prst="line">
             <a:avLst/>
@@ -39769,8 +40010,8 @@
         </p:nvCxnSpPr>
         <p:spPr>
           <a:xfrm>
-            <a:off x="4983480" y="3082833"/>
-            <a:ext cx="1247503" cy="1358537"/>
+            <a:off x="4623955" y="2680855"/>
+            <a:ext cx="1607028" cy="1760515"/>
           </a:xfrm>
           <a:prstGeom prst="line">
             <a:avLst/>
@@ -39960,7 +40201,7 @@
           <p:nvPr>
             <p:extLst>
               <p:ext uri="{D42A27DB-BD31-4B8C-83A1-F6EECF244321}">
-                <p14:modId xmlns:p14="http://schemas.microsoft.com/office/powerpoint/2010/main" val="3535168947"/>
+                <p14:modId xmlns:p14="http://schemas.microsoft.com/office/powerpoint/2010/main" val="4010214320"/>
               </p:ext>
             </p:extLst>
           </p:nvPr>
@@ -39975,6 +40216,43 @@
           </a:graphicData>
         </a:graphic>
       </p:graphicFrame>
+      <p:cxnSp>
+        <p:nvCxnSpPr>
+          <p:cNvPr id="6" name="Straight Connector 5"/>
+          <p:cNvCxnSpPr/>
+          <p:nvPr/>
+        </p:nvCxnSpPr>
+        <p:spPr>
+          <a:xfrm>
+            <a:off x="7559040" y="4737735"/>
+            <a:ext cx="1293495" cy="215265"/>
+          </a:xfrm>
+          <a:prstGeom prst="bentConnector3">
+            <a:avLst>
+              <a:gd name="adj1" fmla="val 368"/>
+            </a:avLst>
+          </a:prstGeom>
+          <a:ln w="12700">
+            <a:solidFill>
+              <a:srgbClr val="528CC1"/>
+            </a:solidFill>
+          </a:ln>
+        </p:spPr>
+        <p:style>
+          <a:lnRef idx="1">
+            <a:schemeClr val="accent1"/>
+          </a:lnRef>
+          <a:fillRef idx="0">
+            <a:schemeClr val="accent1"/>
+          </a:fillRef>
+          <a:effectRef idx="0">
+            <a:schemeClr val="accent1"/>
+          </a:effectRef>
+          <a:fontRef idx="minor">
+            <a:schemeClr val="tx1"/>
+          </a:fontRef>
+        </p:style>
+      </p:cxnSp>
     </p:spTree>
     <p:extLst>
       <p:ext uri="{BB962C8B-B14F-4D97-AF65-F5344CB8AC3E}">

--- a/Presentations/LI Redux.pptx
+++ b/Presentations/LI Redux.pptx
@@ -5,24 +5,25 @@
     <p:sldMasterId id="2147483648" r:id="rId1"/>
   </p:sldMasterIdLst>
   <p:notesMasterIdLst>
-    <p:notesMasterId r:id="rId17"/>
+    <p:notesMasterId r:id="rId18"/>
   </p:notesMasterIdLst>
   <p:sldIdLst>
     <p:sldId id="256" r:id="rId2"/>
     <p:sldId id="274" r:id="rId3"/>
     <p:sldId id="275" r:id="rId4"/>
-    <p:sldId id="276" r:id="rId5"/>
-    <p:sldId id="277" r:id="rId6"/>
+    <p:sldId id="288" r:id="rId5"/>
+    <p:sldId id="276" r:id="rId6"/>
     <p:sldId id="278" r:id="rId7"/>
-    <p:sldId id="279" r:id="rId8"/>
-    <p:sldId id="280" r:id="rId9"/>
-    <p:sldId id="281" r:id="rId10"/>
-    <p:sldId id="282" r:id="rId11"/>
-    <p:sldId id="283" r:id="rId12"/>
-    <p:sldId id="284" r:id="rId13"/>
-    <p:sldId id="285" r:id="rId14"/>
-    <p:sldId id="286" r:id="rId15"/>
-    <p:sldId id="287" r:id="rId16"/>
+    <p:sldId id="289" r:id="rId8"/>
+    <p:sldId id="279" r:id="rId9"/>
+    <p:sldId id="280" r:id="rId10"/>
+    <p:sldId id="281" r:id="rId11"/>
+    <p:sldId id="282" r:id="rId12"/>
+    <p:sldId id="283" r:id="rId13"/>
+    <p:sldId id="284" r:id="rId14"/>
+    <p:sldId id="285" r:id="rId15"/>
+    <p:sldId id="286" r:id="rId16"/>
+    <p:sldId id="287" r:id="rId17"/>
   </p:sldIdLst>
   <p:sldSz cx="12192000" cy="6858000"/>
   <p:notesSz cx="6858000" cy="9144000"/>
@@ -5359,6 +5360,753 @@
 </file>
 
 <file path=ppt/diagrams/colors8.xml><?xml version="1.0" encoding="utf-8"?>
+<dgm:colorsDef xmlns:dgm="http://schemas.openxmlformats.org/drawingml/2006/diagram" xmlns:a="http://schemas.openxmlformats.org/drawingml/2006/main" uniqueId="urn:microsoft.com/office/officeart/2005/8/colors/accent1_2">
+  <dgm:title val=""/>
+  <dgm:desc val=""/>
+  <dgm:catLst>
+    <dgm:cat type="accent1" pri="11200"/>
+  </dgm:catLst>
+  <dgm:styleLbl name="node0">
+    <dgm:fillClrLst meth="repeat">
+      <a:schemeClr val="accent1"/>
+    </dgm:fillClrLst>
+    <dgm:linClrLst meth="repeat">
+      <a:schemeClr val="lt1"/>
+    </dgm:linClrLst>
+    <dgm:effectClrLst/>
+    <dgm:txLinClrLst/>
+    <dgm:txFillClrLst/>
+    <dgm:txEffectClrLst/>
+  </dgm:styleLbl>
+  <dgm:styleLbl name="alignNode1">
+    <dgm:fillClrLst meth="repeat">
+      <a:schemeClr val="accent1"/>
+    </dgm:fillClrLst>
+    <dgm:linClrLst meth="repeat">
+      <a:schemeClr val="accent1"/>
+    </dgm:linClrLst>
+    <dgm:effectClrLst/>
+    <dgm:txLinClrLst/>
+    <dgm:txFillClrLst/>
+    <dgm:txEffectClrLst/>
+  </dgm:styleLbl>
+  <dgm:styleLbl name="node1">
+    <dgm:fillClrLst meth="repeat">
+      <a:schemeClr val="accent1"/>
+    </dgm:fillClrLst>
+    <dgm:linClrLst meth="repeat">
+      <a:schemeClr val="lt1"/>
+    </dgm:linClrLst>
+    <dgm:effectClrLst/>
+    <dgm:txLinClrLst/>
+    <dgm:txFillClrLst/>
+    <dgm:txEffectClrLst/>
+  </dgm:styleLbl>
+  <dgm:styleLbl name="lnNode1">
+    <dgm:fillClrLst meth="repeat">
+      <a:schemeClr val="accent1"/>
+    </dgm:fillClrLst>
+    <dgm:linClrLst meth="repeat">
+      <a:schemeClr val="lt1"/>
+    </dgm:linClrLst>
+    <dgm:effectClrLst/>
+    <dgm:txLinClrLst/>
+    <dgm:txFillClrLst/>
+    <dgm:txEffectClrLst/>
+  </dgm:styleLbl>
+  <dgm:styleLbl name="vennNode1">
+    <dgm:fillClrLst meth="repeat">
+      <a:schemeClr val="accent1">
+        <a:alpha val="50000"/>
+      </a:schemeClr>
+    </dgm:fillClrLst>
+    <dgm:linClrLst meth="repeat">
+      <a:schemeClr val="lt1"/>
+    </dgm:linClrLst>
+    <dgm:effectClrLst/>
+    <dgm:txLinClrLst/>
+    <dgm:txFillClrLst/>
+    <dgm:txEffectClrLst/>
+  </dgm:styleLbl>
+  <dgm:styleLbl name="node2">
+    <dgm:fillClrLst meth="repeat">
+      <a:schemeClr val="accent1"/>
+    </dgm:fillClrLst>
+    <dgm:linClrLst meth="repeat">
+      <a:schemeClr val="lt1"/>
+    </dgm:linClrLst>
+    <dgm:effectClrLst/>
+    <dgm:txLinClrLst/>
+    <dgm:txFillClrLst/>
+    <dgm:txEffectClrLst/>
+  </dgm:styleLbl>
+  <dgm:styleLbl name="node3">
+    <dgm:fillClrLst meth="repeat">
+      <a:schemeClr val="accent1"/>
+    </dgm:fillClrLst>
+    <dgm:linClrLst meth="repeat">
+      <a:schemeClr val="lt1"/>
+    </dgm:linClrLst>
+    <dgm:effectClrLst/>
+    <dgm:txLinClrLst/>
+    <dgm:txFillClrLst/>
+    <dgm:txEffectClrLst/>
+  </dgm:styleLbl>
+  <dgm:styleLbl name="node4">
+    <dgm:fillClrLst meth="repeat">
+      <a:schemeClr val="accent1"/>
+    </dgm:fillClrLst>
+    <dgm:linClrLst meth="repeat">
+      <a:schemeClr val="lt1"/>
+    </dgm:linClrLst>
+    <dgm:effectClrLst/>
+    <dgm:txLinClrLst/>
+    <dgm:txFillClrLst/>
+    <dgm:txEffectClrLst/>
+  </dgm:styleLbl>
+  <dgm:styleLbl name="fgImgPlace1">
+    <dgm:fillClrLst meth="repeat">
+      <a:schemeClr val="accent1">
+        <a:tint val="50000"/>
+      </a:schemeClr>
+    </dgm:fillClrLst>
+    <dgm:linClrLst meth="repeat">
+      <a:schemeClr val="lt1"/>
+    </dgm:linClrLst>
+    <dgm:effectClrLst/>
+    <dgm:txLinClrLst/>
+    <dgm:txFillClrLst meth="repeat">
+      <a:schemeClr val="lt1"/>
+    </dgm:txFillClrLst>
+    <dgm:txEffectClrLst/>
+  </dgm:styleLbl>
+  <dgm:styleLbl name="alignImgPlace1">
+    <dgm:fillClrLst meth="repeat">
+      <a:schemeClr val="accent1">
+        <a:tint val="50000"/>
+      </a:schemeClr>
+    </dgm:fillClrLst>
+    <dgm:linClrLst meth="repeat">
+      <a:schemeClr val="lt1"/>
+    </dgm:linClrLst>
+    <dgm:effectClrLst/>
+    <dgm:txLinClrLst/>
+    <dgm:txFillClrLst meth="repeat">
+      <a:schemeClr val="lt1"/>
+    </dgm:txFillClrLst>
+    <dgm:txEffectClrLst/>
+  </dgm:styleLbl>
+  <dgm:styleLbl name="bgImgPlace1">
+    <dgm:fillClrLst meth="repeat">
+      <a:schemeClr val="accent1">
+        <a:tint val="50000"/>
+      </a:schemeClr>
+    </dgm:fillClrLst>
+    <dgm:linClrLst meth="repeat">
+      <a:schemeClr val="lt1"/>
+    </dgm:linClrLst>
+    <dgm:effectClrLst/>
+    <dgm:txLinClrLst/>
+    <dgm:txFillClrLst meth="repeat">
+      <a:schemeClr val="lt1"/>
+    </dgm:txFillClrLst>
+    <dgm:txEffectClrLst/>
+  </dgm:styleLbl>
+  <dgm:styleLbl name="sibTrans2D1">
+    <dgm:fillClrLst meth="repeat">
+      <a:schemeClr val="accent1">
+        <a:tint val="60000"/>
+      </a:schemeClr>
+    </dgm:fillClrLst>
+    <dgm:linClrLst meth="repeat">
+      <a:schemeClr val="accent1">
+        <a:tint val="60000"/>
+      </a:schemeClr>
+    </dgm:linClrLst>
+    <dgm:effectClrLst/>
+    <dgm:txLinClrLst/>
+    <dgm:txFillClrLst/>
+    <dgm:txEffectClrLst/>
+  </dgm:styleLbl>
+  <dgm:styleLbl name="fgSibTrans2D1">
+    <dgm:fillClrLst meth="repeat">
+      <a:schemeClr val="accent1">
+        <a:tint val="60000"/>
+      </a:schemeClr>
+    </dgm:fillClrLst>
+    <dgm:linClrLst meth="repeat">
+      <a:schemeClr val="accent1">
+        <a:tint val="60000"/>
+      </a:schemeClr>
+    </dgm:linClrLst>
+    <dgm:effectClrLst/>
+    <dgm:txLinClrLst/>
+    <dgm:txFillClrLst/>
+    <dgm:txEffectClrLst/>
+  </dgm:styleLbl>
+  <dgm:styleLbl name="bgSibTrans2D1">
+    <dgm:fillClrLst meth="repeat">
+      <a:schemeClr val="accent1">
+        <a:tint val="60000"/>
+      </a:schemeClr>
+    </dgm:fillClrLst>
+    <dgm:linClrLst meth="repeat">
+      <a:schemeClr val="accent1">
+        <a:tint val="60000"/>
+      </a:schemeClr>
+    </dgm:linClrLst>
+    <dgm:effectClrLst/>
+    <dgm:txLinClrLst/>
+    <dgm:txFillClrLst/>
+    <dgm:txEffectClrLst/>
+  </dgm:styleLbl>
+  <dgm:styleLbl name="sibTrans1D1">
+    <dgm:fillClrLst meth="repeat">
+      <a:schemeClr val="accent1"/>
+    </dgm:fillClrLst>
+    <dgm:linClrLst meth="repeat">
+      <a:schemeClr val="accent1"/>
+    </dgm:linClrLst>
+    <dgm:effectClrLst/>
+    <dgm:txLinClrLst/>
+    <dgm:txFillClrLst meth="repeat">
+      <a:schemeClr val="tx1"/>
+    </dgm:txFillClrLst>
+    <dgm:txEffectClrLst/>
+  </dgm:styleLbl>
+  <dgm:styleLbl name="callout">
+    <dgm:fillClrLst meth="repeat">
+      <a:schemeClr val="accent1"/>
+    </dgm:fillClrLst>
+    <dgm:linClrLst meth="repeat">
+      <a:schemeClr val="accent1">
+        <a:tint val="50000"/>
+      </a:schemeClr>
+    </dgm:linClrLst>
+    <dgm:effectClrLst/>
+    <dgm:txLinClrLst/>
+    <dgm:txFillClrLst meth="repeat">
+      <a:schemeClr val="tx1"/>
+    </dgm:txFillClrLst>
+    <dgm:txEffectClrLst/>
+  </dgm:styleLbl>
+  <dgm:styleLbl name="asst0">
+    <dgm:fillClrLst meth="repeat">
+      <a:schemeClr val="accent1"/>
+    </dgm:fillClrLst>
+    <dgm:linClrLst meth="repeat">
+      <a:schemeClr val="lt1"/>
+    </dgm:linClrLst>
+    <dgm:effectClrLst/>
+    <dgm:txLinClrLst/>
+    <dgm:txFillClrLst/>
+    <dgm:txEffectClrLst/>
+  </dgm:styleLbl>
+  <dgm:styleLbl name="asst1">
+    <dgm:fillClrLst meth="repeat">
+      <a:schemeClr val="accent1"/>
+    </dgm:fillClrLst>
+    <dgm:linClrLst meth="repeat">
+      <a:schemeClr val="lt1"/>
+    </dgm:linClrLst>
+    <dgm:effectClrLst/>
+    <dgm:txLinClrLst/>
+    <dgm:txFillClrLst/>
+    <dgm:txEffectClrLst/>
+  </dgm:styleLbl>
+  <dgm:styleLbl name="asst2">
+    <dgm:fillClrLst meth="repeat">
+      <a:schemeClr val="accent1"/>
+    </dgm:fillClrLst>
+    <dgm:linClrLst meth="repeat">
+      <a:schemeClr val="lt1"/>
+    </dgm:linClrLst>
+    <dgm:effectClrLst/>
+    <dgm:txLinClrLst/>
+    <dgm:txFillClrLst/>
+    <dgm:txEffectClrLst/>
+  </dgm:styleLbl>
+  <dgm:styleLbl name="asst3">
+    <dgm:fillClrLst meth="repeat">
+      <a:schemeClr val="accent1"/>
+    </dgm:fillClrLst>
+    <dgm:linClrLst meth="repeat">
+      <a:schemeClr val="lt1"/>
+    </dgm:linClrLst>
+    <dgm:effectClrLst/>
+    <dgm:txLinClrLst/>
+    <dgm:txFillClrLst/>
+    <dgm:txEffectClrLst/>
+  </dgm:styleLbl>
+  <dgm:styleLbl name="asst4">
+    <dgm:fillClrLst meth="repeat">
+      <a:schemeClr val="accent1"/>
+    </dgm:fillClrLst>
+    <dgm:linClrLst meth="repeat">
+      <a:schemeClr val="lt1"/>
+    </dgm:linClrLst>
+    <dgm:effectClrLst/>
+    <dgm:txLinClrLst/>
+    <dgm:txFillClrLst/>
+    <dgm:txEffectClrLst/>
+  </dgm:styleLbl>
+  <dgm:styleLbl name="parChTrans2D1">
+    <dgm:fillClrLst meth="repeat">
+      <a:schemeClr val="accent1">
+        <a:tint val="60000"/>
+      </a:schemeClr>
+    </dgm:fillClrLst>
+    <dgm:linClrLst meth="repeat">
+      <a:schemeClr val="accent1">
+        <a:tint val="60000"/>
+      </a:schemeClr>
+    </dgm:linClrLst>
+    <dgm:effectClrLst/>
+    <dgm:txLinClrLst/>
+    <dgm:txFillClrLst meth="repeat">
+      <a:schemeClr val="lt1"/>
+    </dgm:txFillClrLst>
+    <dgm:txEffectClrLst/>
+  </dgm:styleLbl>
+  <dgm:styleLbl name="parChTrans2D2">
+    <dgm:fillClrLst meth="repeat">
+      <a:schemeClr val="accent1"/>
+    </dgm:fillClrLst>
+    <dgm:linClrLst meth="repeat">
+      <a:schemeClr val="accent1"/>
+    </dgm:linClrLst>
+    <dgm:effectClrLst/>
+    <dgm:txLinClrLst/>
+    <dgm:txFillClrLst meth="repeat">
+      <a:schemeClr val="lt1"/>
+    </dgm:txFillClrLst>
+    <dgm:txEffectClrLst/>
+  </dgm:styleLbl>
+  <dgm:styleLbl name="parChTrans2D3">
+    <dgm:fillClrLst meth="repeat">
+      <a:schemeClr val="accent1"/>
+    </dgm:fillClrLst>
+    <dgm:linClrLst meth="repeat">
+      <a:schemeClr val="accent1"/>
+    </dgm:linClrLst>
+    <dgm:effectClrLst/>
+    <dgm:txLinClrLst/>
+    <dgm:txFillClrLst meth="repeat">
+      <a:schemeClr val="lt1"/>
+    </dgm:txFillClrLst>
+    <dgm:txEffectClrLst/>
+  </dgm:styleLbl>
+  <dgm:styleLbl name="parChTrans2D4">
+    <dgm:fillClrLst meth="repeat">
+      <a:schemeClr val="accent1"/>
+    </dgm:fillClrLst>
+    <dgm:linClrLst meth="repeat">
+      <a:schemeClr val="accent1"/>
+    </dgm:linClrLst>
+    <dgm:effectClrLst/>
+    <dgm:txLinClrLst/>
+    <dgm:txFillClrLst meth="repeat">
+      <a:schemeClr val="lt1"/>
+    </dgm:txFillClrLst>
+    <dgm:txEffectClrLst/>
+  </dgm:styleLbl>
+  <dgm:styleLbl name="parChTrans1D1">
+    <dgm:fillClrLst meth="repeat">
+      <a:schemeClr val="accent1"/>
+    </dgm:fillClrLst>
+    <dgm:linClrLst meth="repeat">
+      <a:schemeClr val="accent1">
+        <a:shade val="60000"/>
+      </a:schemeClr>
+    </dgm:linClrLst>
+    <dgm:effectClrLst/>
+    <dgm:txLinClrLst/>
+    <dgm:txFillClrLst meth="repeat">
+      <a:schemeClr val="tx1"/>
+    </dgm:txFillClrLst>
+    <dgm:txEffectClrLst/>
+  </dgm:styleLbl>
+  <dgm:styleLbl name="parChTrans1D2">
+    <dgm:fillClrLst meth="repeat">
+      <a:schemeClr val="accent1"/>
+    </dgm:fillClrLst>
+    <dgm:linClrLst meth="repeat">
+      <a:schemeClr val="accent1">
+        <a:shade val="60000"/>
+      </a:schemeClr>
+    </dgm:linClrLst>
+    <dgm:effectClrLst/>
+    <dgm:txLinClrLst/>
+    <dgm:txFillClrLst meth="repeat">
+      <a:schemeClr val="tx1"/>
+    </dgm:txFillClrLst>
+    <dgm:txEffectClrLst/>
+  </dgm:styleLbl>
+  <dgm:styleLbl name="parChTrans1D3">
+    <dgm:fillClrLst meth="repeat">
+      <a:schemeClr val="accent1"/>
+    </dgm:fillClrLst>
+    <dgm:linClrLst meth="repeat">
+      <a:schemeClr val="accent1">
+        <a:shade val="80000"/>
+      </a:schemeClr>
+    </dgm:linClrLst>
+    <dgm:effectClrLst/>
+    <dgm:txLinClrLst/>
+    <dgm:txFillClrLst meth="repeat">
+      <a:schemeClr val="tx1"/>
+    </dgm:txFillClrLst>
+    <dgm:txEffectClrLst/>
+  </dgm:styleLbl>
+  <dgm:styleLbl name="parChTrans1D4">
+    <dgm:fillClrLst meth="repeat">
+      <a:schemeClr val="accent1"/>
+    </dgm:fillClrLst>
+    <dgm:linClrLst meth="repeat">
+      <a:schemeClr val="accent1">
+        <a:shade val="80000"/>
+      </a:schemeClr>
+    </dgm:linClrLst>
+    <dgm:effectClrLst/>
+    <dgm:txLinClrLst/>
+    <dgm:txFillClrLst meth="repeat">
+      <a:schemeClr val="tx1"/>
+    </dgm:txFillClrLst>
+    <dgm:txEffectClrLst/>
+  </dgm:styleLbl>
+  <dgm:styleLbl name="fgAcc1">
+    <dgm:fillClrLst meth="repeat">
+      <a:schemeClr val="lt1">
+        <a:alpha val="90000"/>
+      </a:schemeClr>
+    </dgm:fillClrLst>
+    <dgm:linClrLst meth="repeat">
+      <a:schemeClr val="accent1"/>
+    </dgm:linClrLst>
+    <dgm:effectClrLst/>
+    <dgm:txLinClrLst/>
+    <dgm:txFillClrLst meth="repeat">
+      <a:schemeClr val="dk1"/>
+    </dgm:txFillClrLst>
+    <dgm:txEffectClrLst/>
+  </dgm:styleLbl>
+  <dgm:styleLbl name="conFgAcc1">
+    <dgm:fillClrLst meth="repeat">
+      <a:schemeClr val="lt1">
+        <a:alpha val="90000"/>
+      </a:schemeClr>
+    </dgm:fillClrLst>
+    <dgm:linClrLst meth="repeat">
+      <a:schemeClr val="accent1"/>
+    </dgm:linClrLst>
+    <dgm:effectClrLst/>
+    <dgm:txLinClrLst/>
+    <dgm:txFillClrLst meth="repeat">
+      <a:schemeClr val="dk1"/>
+    </dgm:txFillClrLst>
+    <dgm:txEffectClrLst/>
+  </dgm:styleLbl>
+  <dgm:styleLbl name="alignAcc1">
+    <dgm:fillClrLst meth="repeat">
+      <a:schemeClr val="lt1">
+        <a:alpha val="90000"/>
+      </a:schemeClr>
+    </dgm:fillClrLst>
+    <dgm:linClrLst meth="repeat">
+      <a:schemeClr val="accent1"/>
+    </dgm:linClrLst>
+    <dgm:effectClrLst/>
+    <dgm:txLinClrLst/>
+    <dgm:txFillClrLst meth="repeat">
+      <a:schemeClr val="dk1"/>
+    </dgm:txFillClrLst>
+    <dgm:txEffectClrLst/>
+  </dgm:styleLbl>
+  <dgm:styleLbl name="trAlignAcc1">
+    <dgm:fillClrLst meth="repeat">
+      <a:schemeClr val="lt1">
+        <a:alpha val="40000"/>
+      </a:schemeClr>
+    </dgm:fillClrLst>
+    <dgm:linClrLst meth="repeat">
+      <a:schemeClr val="accent1"/>
+    </dgm:linClrLst>
+    <dgm:effectClrLst/>
+    <dgm:txLinClrLst/>
+    <dgm:txFillClrLst meth="repeat">
+      <a:schemeClr val="dk1"/>
+    </dgm:txFillClrLst>
+    <dgm:txEffectClrLst/>
+  </dgm:styleLbl>
+  <dgm:styleLbl name="bgAcc1">
+    <dgm:fillClrLst meth="repeat">
+      <a:schemeClr val="lt1">
+        <a:alpha val="90000"/>
+      </a:schemeClr>
+    </dgm:fillClrLst>
+    <dgm:linClrLst meth="repeat">
+      <a:schemeClr val="accent1"/>
+    </dgm:linClrLst>
+    <dgm:effectClrLst/>
+    <dgm:txLinClrLst/>
+    <dgm:txFillClrLst meth="repeat">
+      <a:schemeClr val="dk1"/>
+    </dgm:txFillClrLst>
+    <dgm:txEffectClrLst/>
+  </dgm:styleLbl>
+  <dgm:styleLbl name="solidFgAcc1">
+    <dgm:fillClrLst meth="repeat">
+      <a:schemeClr val="lt1"/>
+    </dgm:fillClrLst>
+    <dgm:linClrLst meth="repeat">
+      <a:schemeClr val="accent1"/>
+    </dgm:linClrLst>
+    <dgm:effectClrLst/>
+    <dgm:txLinClrLst/>
+    <dgm:txFillClrLst meth="repeat">
+      <a:schemeClr val="dk1"/>
+    </dgm:txFillClrLst>
+    <dgm:txEffectClrLst/>
+  </dgm:styleLbl>
+  <dgm:styleLbl name="solidAlignAcc1">
+    <dgm:fillClrLst meth="repeat">
+      <a:schemeClr val="lt1"/>
+    </dgm:fillClrLst>
+    <dgm:linClrLst meth="repeat">
+      <a:schemeClr val="accent1"/>
+    </dgm:linClrLst>
+    <dgm:effectClrLst/>
+    <dgm:txLinClrLst/>
+    <dgm:txFillClrLst meth="repeat">
+      <a:schemeClr val="dk1"/>
+    </dgm:txFillClrLst>
+    <dgm:txEffectClrLst/>
+  </dgm:styleLbl>
+  <dgm:styleLbl name="solidBgAcc1">
+    <dgm:fillClrLst meth="repeat">
+      <a:schemeClr val="lt1"/>
+    </dgm:fillClrLst>
+    <dgm:linClrLst meth="repeat">
+      <a:schemeClr val="accent1"/>
+    </dgm:linClrLst>
+    <dgm:effectClrLst/>
+    <dgm:txLinClrLst/>
+    <dgm:txFillClrLst meth="repeat">
+      <a:schemeClr val="dk1"/>
+    </dgm:txFillClrLst>
+    <dgm:txEffectClrLst/>
+  </dgm:styleLbl>
+  <dgm:styleLbl name="fgAccFollowNode1">
+    <dgm:fillClrLst meth="repeat">
+      <a:schemeClr val="accent1">
+        <a:alpha val="90000"/>
+        <a:tint val="40000"/>
+      </a:schemeClr>
+    </dgm:fillClrLst>
+    <dgm:linClrLst meth="repeat">
+      <a:schemeClr val="accent1">
+        <a:alpha val="90000"/>
+        <a:tint val="40000"/>
+      </a:schemeClr>
+    </dgm:linClrLst>
+    <dgm:effectClrLst/>
+    <dgm:txLinClrLst/>
+    <dgm:txFillClrLst meth="repeat">
+      <a:schemeClr val="dk1"/>
+    </dgm:txFillClrLst>
+    <dgm:txEffectClrLst/>
+  </dgm:styleLbl>
+  <dgm:styleLbl name="alignAccFollowNode1">
+    <dgm:fillClrLst meth="repeat">
+      <a:schemeClr val="accent1">
+        <a:alpha val="90000"/>
+        <a:tint val="40000"/>
+      </a:schemeClr>
+    </dgm:fillClrLst>
+    <dgm:linClrLst meth="repeat">
+      <a:schemeClr val="accent1">
+        <a:alpha val="90000"/>
+        <a:tint val="40000"/>
+      </a:schemeClr>
+    </dgm:linClrLst>
+    <dgm:effectClrLst/>
+    <dgm:txLinClrLst/>
+    <dgm:txFillClrLst meth="repeat">
+      <a:schemeClr val="dk1"/>
+    </dgm:txFillClrLst>
+    <dgm:txEffectClrLst/>
+  </dgm:styleLbl>
+  <dgm:styleLbl name="bgAccFollowNode1">
+    <dgm:fillClrLst meth="repeat">
+      <a:schemeClr val="accent1">
+        <a:alpha val="90000"/>
+        <a:tint val="40000"/>
+      </a:schemeClr>
+    </dgm:fillClrLst>
+    <dgm:linClrLst meth="repeat">
+      <a:schemeClr val="accent1">
+        <a:alpha val="90000"/>
+        <a:tint val="40000"/>
+      </a:schemeClr>
+    </dgm:linClrLst>
+    <dgm:effectClrLst/>
+    <dgm:txLinClrLst/>
+    <dgm:txFillClrLst meth="repeat">
+      <a:schemeClr val="dk1"/>
+    </dgm:txFillClrLst>
+    <dgm:txEffectClrLst/>
+  </dgm:styleLbl>
+  <dgm:styleLbl name="fgAcc0">
+    <dgm:fillClrLst meth="repeat">
+      <a:schemeClr val="lt1">
+        <a:alpha val="90000"/>
+      </a:schemeClr>
+    </dgm:fillClrLst>
+    <dgm:linClrLst meth="repeat">
+      <a:schemeClr val="accent1"/>
+    </dgm:linClrLst>
+    <dgm:effectClrLst/>
+    <dgm:txLinClrLst/>
+    <dgm:txFillClrLst meth="repeat">
+      <a:schemeClr val="dk1"/>
+    </dgm:txFillClrLst>
+    <dgm:txEffectClrLst/>
+  </dgm:styleLbl>
+  <dgm:styleLbl name="fgAcc2">
+    <dgm:fillClrLst meth="repeat">
+      <a:schemeClr val="lt1">
+        <a:alpha val="90000"/>
+      </a:schemeClr>
+    </dgm:fillClrLst>
+    <dgm:linClrLst meth="repeat">
+      <a:schemeClr val="accent1"/>
+    </dgm:linClrLst>
+    <dgm:effectClrLst/>
+    <dgm:txLinClrLst/>
+    <dgm:txFillClrLst meth="repeat">
+      <a:schemeClr val="dk1"/>
+    </dgm:txFillClrLst>
+    <dgm:txEffectClrLst/>
+  </dgm:styleLbl>
+  <dgm:styleLbl name="fgAcc3">
+    <dgm:fillClrLst meth="repeat">
+      <a:schemeClr val="lt1">
+        <a:alpha val="90000"/>
+      </a:schemeClr>
+    </dgm:fillClrLst>
+    <dgm:linClrLst meth="repeat">
+      <a:schemeClr val="accent1"/>
+    </dgm:linClrLst>
+    <dgm:effectClrLst/>
+    <dgm:txLinClrLst/>
+    <dgm:txFillClrLst meth="repeat">
+      <a:schemeClr val="dk1"/>
+    </dgm:txFillClrLst>
+    <dgm:txEffectClrLst/>
+  </dgm:styleLbl>
+  <dgm:styleLbl name="fgAcc4">
+    <dgm:fillClrLst meth="repeat">
+      <a:schemeClr val="lt1">
+        <a:alpha val="90000"/>
+      </a:schemeClr>
+    </dgm:fillClrLst>
+    <dgm:linClrLst meth="repeat">
+      <a:schemeClr val="accent1"/>
+    </dgm:linClrLst>
+    <dgm:effectClrLst/>
+    <dgm:txLinClrLst/>
+    <dgm:txFillClrLst meth="repeat">
+      <a:schemeClr val="dk1"/>
+    </dgm:txFillClrLst>
+    <dgm:txEffectClrLst/>
+  </dgm:styleLbl>
+  <dgm:styleLbl name="bgShp">
+    <dgm:fillClrLst meth="repeat">
+      <a:schemeClr val="accent1">
+        <a:tint val="40000"/>
+      </a:schemeClr>
+    </dgm:fillClrLst>
+    <dgm:linClrLst meth="repeat">
+      <a:schemeClr val="accent1"/>
+    </dgm:linClrLst>
+    <dgm:effectClrLst/>
+    <dgm:txLinClrLst/>
+    <dgm:txFillClrLst meth="repeat">
+      <a:schemeClr val="dk1"/>
+    </dgm:txFillClrLst>
+    <dgm:txEffectClrLst/>
+  </dgm:styleLbl>
+  <dgm:styleLbl name="dkBgShp">
+    <dgm:fillClrLst meth="repeat">
+      <a:schemeClr val="accent1">
+        <a:shade val="80000"/>
+      </a:schemeClr>
+    </dgm:fillClrLst>
+    <dgm:linClrLst meth="repeat">
+      <a:schemeClr val="accent1"/>
+    </dgm:linClrLst>
+    <dgm:effectClrLst/>
+    <dgm:txLinClrLst/>
+    <dgm:txFillClrLst meth="repeat">
+      <a:schemeClr val="lt1"/>
+    </dgm:txFillClrLst>
+    <dgm:txEffectClrLst/>
+  </dgm:styleLbl>
+  <dgm:styleLbl name="trBgShp">
+    <dgm:fillClrLst meth="repeat">
+      <a:schemeClr val="accent1">
+        <a:tint val="50000"/>
+        <a:alpha val="40000"/>
+      </a:schemeClr>
+    </dgm:fillClrLst>
+    <dgm:linClrLst meth="repeat">
+      <a:schemeClr val="accent1"/>
+    </dgm:linClrLst>
+    <dgm:effectClrLst/>
+    <dgm:txLinClrLst/>
+    <dgm:txFillClrLst meth="repeat">
+      <a:schemeClr val="lt1"/>
+    </dgm:txFillClrLst>
+    <dgm:txEffectClrLst/>
+  </dgm:styleLbl>
+  <dgm:styleLbl name="fgShp">
+    <dgm:fillClrLst meth="repeat">
+      <a:schemeClr val="accent1">
+        <a:tint val="60000"/>
+      </a:schemeClr>
+    </dgm:fillClrLst>
+    <dgm:linClrLst meth="repeat">
+      <a:schemeClr val="lt1"/>
+    </dgm:linClrLst>
+    <dgm:effectClrLst/>
+    <dgm:txLinClrLst/>
+    <dgm:txFillClrLst meth="repeat">
+      <a:schemeClr val="dk1"/>
+    </dgm:txFillClrLst>
+    <dgm:txEffectClrLst/>
+  </dgm:styleLbl>
+  <dgm:styleLbl name="revTx">
+    <dgm:fillClrLst meth="repeat">
+      <a:schemeClr val="lt1">
+        <a:alpha val="0"/>
+      </a:schemeClr>
+    </dgm:fillClrLst>
+    <dgm:linClrLst meth="repeat">
+      <a:schemeClr val="dk1">
+        <a:alpha val="0"/>
+      </a:schemeClr>
+    </dgm:linClrLst>
+    <dgm:effectClrLst/>
+    <dgm:txLinClrLst/>
+    <dgm:txFillClrLst meth="repeat">
+      <a:schemeClr val="tx1"/>
+    </dgm:txFillClrLst>
+    <dgm:txEffectClrLst/>
+  </dgm:styleLbl>
+</dgm:colorsDef>
+</file>
+
+<file path=ppt/diagrams/colors9.xml><?xml version="1.0" encoding="utf-8"?>
 <dgm:colorsDef xmlns:dgm="http://schemas.openxmlformats.org/drawingml/2006/diagram" xmlns:a="http://schemas.openxmlformats.org/drawingml/2006/main" uniqueId="urn:microsoft.com/office/officeart/2005/8/colors/accent1_2">
   <dgm:title val=""/>
   <dgm:desc val=""/>
@@ -6414,6 +7162,514 @@
         <a:lstStyle/>
         <a:p>
           <a:r>
+            <a:rPr lang="en-US" sz="2400" dirty="0" smtClean="0"/>
+            <a:t>Printer</a:t>
+          </a:r>
+          <a:endParaRPr lang="en-US" sz="1700" dirty="0" smtClean="0"/>
+        </a:p>
+        <a:p>
+          <a:r>
+            <a:rPr lang="en-US" sz="1600" dirty="0" smtClean="0"/>
+            <a:t>void Print</a:t>
+          </a:r>
+        </a:p>
+        <a:p>
+          <a:r>
+            <a:rPr lang="en-US" sz="1600" dirty="0" smtClean="0"/>
+            <a:t>void </a:t>
+          </a:r>
+          <a:r>
+            <a:rPr lang="en-US" sz="1600" dirty="0" err="1" smtClean="0"/>
+            <a:t>LoadPaper</a:t>
+          </a:r>
+          <a:endParaRPr lang="en-US" sz="1600" dirty="0" smtClean="0"/>
+        </a:p>
+        <a:p>
+          <a:r>
+            <a:rPr lang="en-US" sz="1600" dirty="0" smtClean="0"/>
+            <a:t>void </a:t>
+          </a:r>
+          <a:r>
+            <a:rPr lang="en-US" sz="1600" dirty="0" err="1" smtClean="0"/>
+            <a:t>EjectedPrintedOutput</a:t>
+          </a:r>
+          <a:endParaRPr lang="en-US" sz="1600" dirty="0" smtClean="0"/>
+        </a:p>
+        <a:p>
+          <a:r>
+            <a:rPr lang="en-US" sz="1600" dirty="0" err="1" smtClean="0"/>
+            <a:t>bool</a:t>
+          </a:r>
+          <a:r>
+            <a:rPr lang="en-US" sz="1600" dirty="0" smtClean="0"/>
+            <a:t> </a:t>
+          </a:r>
+          <a:r>
+            <a:rPr lang="en-US" sz="1600" dirty="0" err="1" smtClean="0"/>
+            <a:t>IsReady</a:t>
+          </a:r>
+          <a:endParaRPr lang="en-US" sz="1600" dirty="0"/>
+        </a:p>
+      </dgm:t>
+    </dgm:pt>
+    <dgm:pt modelId="{D32F5343-105A-4751-97A8-5E0B2ED91114}" type="parTrans" cxnId="{9562C7D4-7204-4E2C-AC50-5649EC25B625}">
+      <dgm:prSet/>
+      <dgm:spPr/>
+      <dgm:t>
+        <a:bodyPr/>
+        <a:lstStyle/>
+        <a:p>
+          <a:endParaRPr lang="en-US"/>
+        </a:p>
+      </dgm:t>
+    </dgm:pt>
+    <dgm:pt modelId="{8D59C523-5CA1-45EB-947B-C360C2DD1A5B}" type="sibTrans" cxnId="{9562C7D4-7204-4E2C-AC50-5649EC25B625}">
+      <dgm:prSet/>
+      <dgm:spPr/>
+      <dgm:t>
+        <a:bodyPr/>
+        <a:lstStyle/>
+        <a:p>
+          <a:endParaRPr lang="en-US"/>
+        </a:p>
+      </dgm:t>
+    </dgm:pt>
+    <dgm:pt modelId="{5D17A5A9-B4D4-4BEF-BBD6-3C7E4280A3FD}">
+      <dgm:prSet phldrT="[Text]" custT="1"/>
+      <dgm:spPr/>
+      <dgm:t>
+        <a:bodyPr/>
+        <a:lstStyle/>
+        <a:p>
+          <a:r>
+            <a:rPr lang="en-US" sz="2400" dirty="0" err="1" smtClean="0"/>
+            <a:t>InkJetPrinter</a:t>
+          </a:r>
+          <a:endParaRPr lang="en-US" sz="1600" dirty="0"/>
+        </a:p>
+      </dgm:t>
+    </dgm:pt>
+    <dgm:pt modelId="{92358F88-CE6D-482C-BA11-824AB24F41EB}" type="parTrans" cxnId="{7782359D-F300-4517-A6B2-5D5EEC51F311}">
+      <dgm:prSet/>
+      <dgm:spPr/>
+      <dgm:t>
+        <a:bodyPr/>
+        <a:lstStyle/>
+        <a:p>
+          <a:endParaRPr lang="en-US"/>
+        </a:p>
+      </dgm:t>
+    </dgm:pt>
+    <dgm:pt modelId="{960D90CA-A948-44D8-ABED-49B6A3EE5FBD}" type="sibTrans" cxnId="{7782359D-F300-4517-A6B2-5D5EEC51F311}">
+      <dgm:prSet/>
+      <dgm:spPr/>
+      <dgm:t>
+        <a:bodyPr/>
+        <a:lstStyle/>
+        <a:p>
+          <a:endParaRPr lang="en-US"/>
+        </a:p>
+      </dgm:t>
+    </dgm:pt>
+    <dgm:pt modelId="{05A432F3-7CFD-4CDB-B18D-643F94492B47}">
+      <dgm:prSet phldrT="[Text]" custT="1"/>
+      <dgm:spPr/>
+      <dgm:t>
+        <a:bodyPr/>
+        <a:lstStyle/>
+        <a:p>
+          <a:r>
+            <a:rPr lang="en-US" sz="2400" dirty="0" err="1" smtClean="0"/>
+            <a:t>LaserPrinter</a:t>
+          </a:r>
+          <a:endParaRPr lang="en-US" sz="1600" dirty="0"/>
+        </a:p>
+      </dgm:t>
+    </dgm:pt>
+    <dgm:pt modelId="{3150507B-812D-4551-AE83-C4AA4627B517}" type="parTrans" cxnId="{920F1218-CDD1-41B6-922C-050FA4BA0FD1}">
+      <dgm:prSet/>
+      <dgm:spPr/>
+      <dgm:t>
+        <a:bodyPr/>
+        <a:lstStyle/>
+        <a:p>
+          <a:endParaRPr lang="en-US"/>
+        </a:p>
+      </dgm:t>
+    </dgm:pt>
+    <dgm:pt modelId="{B5313182-3319-4A2D-8328-5083D279D481}" type="sibTrans" cxnId="{920F1218-CDD1-41B6-922C-050FA4BA0FD1}">
+      <dgm:prSet/>
+      <dgm:spPr/>
+      <dgm:t>
+        <a:bodyPr/>
+        <a:lstStyle/>
+        <a:p>
+          <a:endParaRPr lang="en-US"/>
+        </a:p>
+      </dgm:t>
+    </dgm:pt>
+    <dgm:pt modelId="{F4A8544D-A266-460A-B37F-8250FCF61F12}">
+      <dgm:prSet phldrT="[Text]" custT="1"/>
+      <dgm:spPr/>
+      <dgm:t>
+        <a:bodyPr/>
+        <a:lstStyle/>
+        <a:p>
+          <a:r>
+            <a:rPr lang="en-US" sz="2400" dirty="0" smtClean="0"/>
+            <a:t>3DPrinter</a:t>
+          </a:r>
+        </a:p>
+        <a:p>
+          <a:r>
+            <a:rPr lang="en-US" sz="1600" dirty="0" err="1" smtClean="0"/>
+            <a:t>LoadPaper</a:t>
+          </a:r>
+          <a:r>
+            <a:rPr lang="en-US" sz="1600" dirty="0" smtClean="0"/>
+            <a:t>?</a:t>
+          </a:r>
+          <a:endParaRPr lang="en-US" sz="1600" dirty="0"/>
+        </a:p>
+      </dgm:t>
+    </dgm:pt>
+    <dgm:pt modelId="{88D4751E-1A4A-4AAC-9D5E-DA7096157CFB}" type="parTrans" cxnId="{396A170B-5A37-4564-919A-1154A8C4F040}">
+      <dgm:prSet/>
+      <dgm:spPr/>
+      <dgm:t>
+        <a:bodyPr/>
+        <a:lstStyle/>
+        <a:p>
+          <a:endParaRPr lang="en-US"/>
+        </a:p>
+      </dgm:t>
+    </dgm:pt>
+    <dgm:pt modelId="{4AA14347-1E7B-4A01-9DC4-1748DCCAECB3}" type="sibTrans" cxnId="{396A170B-5A37-4564-919A-1154A8C4F040}">
+      <dgm:prSet/>
+      <dgm:spPr/>
+      <dgm:t>
+        <a:bodyPr/>
+        <a:lstStyle/>
+        <a:p>
+          <a:endParaRPr lang="en-US"/>
+        </a:p>
+      </dgm:t>
+    </dgm:pt>
+    <dgm:pt modelId="{26484EEF-F588-45A7-ADFF-12575C451545}" type="pres">
+      <dgm:prSet presAssocID="{D3283816-78FE-4757-99BD-782DA3F06083}" presName="hierChild1" presStyleCnt="0">
+        <dgm:presLayoutVars>
+          <dgm:orgChart val="1"/>
+          <dgm:chPref val="1"/>
+          <dgm:dir/>
+          <dgm:animOne val="branch"/>
+          <dgm:animLvl val="lvl"/>
+          <dgm:resizeHandles/>
+        </dgm:presLayoutVars>
+      </dgm:prSet>
+      <dgm:spPr/>
+      <dgm:t>
+        <a:bodyPr/>
+        <a:lstStyle/>
+        <a:p>
+          <a:endParaRPr lang="en-US"/>
+        </a:p>
+      </dgm:t>
+    </dgm:pt>
+    <dgm:pt modelId="{4D0627E5-A5E8-4E97-97B9-9B0642003FD1}" type="pres">
+      <dgm:prSet presAssocID="{083F2388-16A7-4739-B139-80E2474205CE}" presName="hierRoot1" presStyleCnt="0">
+        <dgm:presLayoutVars>
+          <dgm:hierBranch val="init"/>
+        </dgm:presLayoutVars>
+      </dgm:prSet>
+      <dgm:spPr/>
+    </dgm:pt>
+    <dgm:pt modelId="{7F43208A-8D30-4D5B-B11B-6B61CA3FD9DD}" type="pres">
+      <dgm:prSet presAssocID="{083F2388-16A7-4739-B139-80E2474205CE}" presName="rootComposite1" presStyleCnt="0"/>
+      <dgm:spPr/>
+    </dgm:pt>
+    <dgm:pt modelId="{E2CFB2BF-E53E-4F52-B845-464EFDA84163}" type="pres">
+      <dgm:prSet presAssocID="{083F2388-16A7-4739-B139-80E2474205CE}" presName="rootText1" presStyleLbl="node0" presStyleIdx="0" presStyleCnt="1" custScaleY="138059" custLinFactNeighborX="8772" custLinFactNeighborY="-10098">
+        <dgm:presLayoutVars>
+          <dgm:chPref val="3"/>
+        </dgm:presLayoutVars>
+      </dgm:prSet>
+      <dgm:spPr/>
+      <dgm:t>
+        <a:bodyPr/>
+        <a:lstStyle/>
+        <a:p>
+          <a:endParaRPr lang="en-US"/>
+        </a:p>
+      </dgm:t>
+    </dgm:pt>
+    <dgm:pt modelId="{78EF2787-C93A-4C0D-A90A-3D5D5DA311C1}" type="pres">
+      <dgm:prSet presAssocID="{083F2388-16A7-4739-B139-80E2474205CE}" presName="rootConnector1" presStyleLbl="node1" presStyleIdx="0" presStyleCnt="0"/>
+      <dgm:spPr/>
+      <dgm:t>
+        <a:bodyPr/>
+        <a:lstStyle/>
+        <a:p>
+          <a:endParaRPr lang="en-US"/>
+        </a:p>
+      </dgm:t>
+    </dgm:pt>
+    <dgm:pt modelId="{64D215C2-C45A-45B1-95FC-F7BD78012B46}" type="pres">
+      <dgm:prSet presAssocID="{083F2388-16A7-4739-B139-80E2474205CE}" presName="hierChild2" presStyleCnt="0"/>
+      <dgm:spPr/>
+    </dgm:pt>
+    <dgm:pt modelId="{DEBF7090-9372-4FAF-8016-9A5B48FE2DA9}" type="pres">
+      <dgm:prSet presAssocID="{92358F88-CE6D-482C-BA11-824AB24F41EB}" presName="Name37" presStyleLbl="parChTrans1D2" presStyleIdx="0" presStyleCnt="3"/>
+      <dgm:spPr/>
+      <dgm:t>
+        <a:bodyPr/>
+        <a:lstStyle/>
+        <a:p>
+          <a:endParaRPr lang="en-US"/>
+        </a:p>
+      </dgm:t>
+    </dgm:pt>
+    <dgm:pt modelId="{390D527E-4E72-445C-B665-A18DBDCB6399}" type="pres">
+      <dgm:prSet presAssocID="{5D17A5A9-B4D4-4BEF-BBD6-3C7E4280A3FD}" presName="hierRoot2" presStyleCnt="0">
+        <dgm:presLayoutVars>
+          <dgm:hierBranch val="init"/>
+        </dgm:presLayoutVars>
+      </dgm:prSet>
+      <dgm:spPr/>
+    </dgm:pt>
+    <dgm:pt modelId="{DD80FE32-0B2A-4B91-8A6F-80A984C399F5}" type="pres">
+      <dgm:prSet presAssocID="{5D17A5A9-B4D4-4BEF-BBD6-3C7E4280A3FD}" presName="rootComposite" presStyleCnt="0"/>
+      <dgm:spPr/>
+    </dgm:pt>
+    <dgm:pt modelId="{8AC70D85-DFD0-41C5-A5FE-4AEE87E94A0C}" type="pres">
+      <dgm:prSet presAssocID="{5D17A5A9-B4D4-4BEF-BBD6-3C7E4280A3FD}" presName="rootText" presStyleLbl="node2" presStyleIdx="0" presStyleCnt="3" custScaleX="117385" custScaleY="85203">
+        <dgm:presLayoutVars>
+          <dgm:chPref val="3"/>
+        </dgm:presLayoutVars>
+      </dgm:prSet>
+      <dgm:spPr/>
+      <dgm:t>
+        <a:bodyPr/>
+        <a:lstStyle/>
+        <a:p>
+          <a:endParaRPr lang="en-US"/>
+        </a:p>
+      </dgm:t>
+    </dgm:pt>
+    <dgm:pt modelId="{EB8FEFE2-AD1D-4806-ACF9-819DF04A585E}" type="pres">
+      <dgm:prSet presAssocID="{5D17A5A9-B4D4-4BEF-BBD6-3C7E4280A3FD}" presName="rootConnector" presStyleLbl="node2" presStyleIdx="0" presStyleCnt="3"/>
+      <dgm:spPr/>
+      <dgm:t>
+        <a:bodyPr/>
+        <a:lstStyle/>
+        <a:p>
+          <a:endParaRPr lang="en-US"/>
+        </a:p>
+      </dgm:t>
+    </dgm:pt>
+    <dgm:pt modelId="{453B5793-BBF9-4D48-886A-E9EC742B0666}" type="pres">
+      <dgm:prSet presAssocID="{5D17A5A9-B4D4-4BEF-BBD6-3C7E4280A3FD}" presName="hierChild4" presStyleCnt="0"/>
+      <dgm:spPr/>
+    </dgm:pt>
+    <dgm:pt modelId="{9CA67922-99E3-4BDB-9F0C-61F849EBCC92}" type="pres">
+      <dgm:prSet presAssocID="{5D17A5A9-B4D4-4BEF-BBD6-3C7E4280A3FD}" presName="hierChild5" presStyleCnt="0"/>
+      <dgm:spPr/>
+    </dgm:pt>
+    <dgm:pt modelId="{59C72734-90A5-4DA4-855C-6C9589B4085D}" type="pres">
+      <dgm:prSet presAssocID="{3150507B-812D-4551-AE83-C4AA4627B517}" presName="Name37" presStyleLbl="parChTrans1D2" presStyleIdx="1" presStyleCnt="3"/>
+      <dgm:spPr/>
+      <dgm:t>
+        <a:bodyPr/>
+        <a:lstStyle/>
+        <a:p>
+          <a:endParaRPr lang="en-US"/>
+        </a:p>
+      </dgm:t>
+    </dgm:pt>
+    <dgm:pt modelId="{593E716A-24A2-41E7-A6EB-15761934F69A}" type="pres">
+      <dgm:prSet presAssocID="{05A432F3-7CFD-4CDB-B18D-643F94492B47}" presName="hierRoot2" presStyleCnt="0">
+        <dgm:presLayoutVars>
+          <dgm:hierBranch val="init"/>
+        </dgm:presLayoutVars>
+      </dgm:prSet>
+      <dgm:spPr/>
+    </dgm:pt>
+    <dgm:pt modelId="{4D8DF4DF-F717-4B63-BB6E-F52E7EF6B1BE}" type="pres">
+      <dgm:prSet presAssocID="{05A432F3-7CFD-4CDB-B18D-643F94492B47}" presName="rootComposite" presStyleCnt="0"/>
+      <dgm:spPr/>
+    </dgm:pt>
+    <dgm:pt modelId="{4FDC0DA7-637D-42FA-A790-1EA8A8D1606F}" type="pres">
+      <dgm:prSet presAssocID="{05A432F3-7CFD-4CDB-B18D-643F94492B47}" presName="rootText" presStyleLbl="node2" presStyleIdx="1" presStyleCnt="3" custScaleX="118269" custScaleY="86054">
+        <dgm:presLayoutVars>
+          <dgm:chPref val="3"/>
+        </dgm:presLayoutVars>
+      </dgm:prSet>
+      <dgm:spPr/>
+      <dgm:t>
+        <a:bodyPr/>
+        <a:lstStyle/>
+        <a:p>
+          <a:endParaRPr lang="en-US"/>
+        </a:p>
+      </dgm:t>
+    </dgm:pt>
+    <dgm:pt modelId="{D2CC8E9E-485B-4FD1-8F2F-3DFD8C0483EE}" type="pres">
+      <dgm:prSet presAssocID="{05A432F3-7CFD-4CDB-B18D-643F94492B47}" presName="rootConnector" presStyleLbl="node2" presStyleIdx="1" presStyleCnt="3"/>
+      <dgm:spPr/>
+      <dgm:t>
+        <a:bodyPr/>
+        <a:lstStyle/>
+        <a:p>
+          <a:endParaRPr lang="en-US"/>
+        </a:p>
+      </dgm:t>
+    </dgm:pt>
+    <dgm:pt modelId="{ADA0517F-9803-4B30-A544-B995C4BAD09C}" type="pres">
+      <dgm:prSet presAssocID="{05A432F3-7CFD-4CDB-B18D-643F94492B47}" presName="hierChild4" presStyleCnt="0"/>
+      <dgm:spPr/>
+    </dgm:pt>
+    <dgm:pt modelId="{6A493EDB-7F37-481C-A692-140878020B8A}" type="pres">
+      <dgm:prSet presAssocID="{05A432F3-7CFD-4CDB-B18D-643F94492B47}" presName="hierChild5" presStyleCnt="0"/>
+      <dgm:spPr/>
+    </dgm:pt>
+    <dgm:pt modelId="{3BABEC06-8EAB-402F-8FF5-0AAA17EB166C}" type="pres">
+      <dgm:prSet presAssocID="{88D4751E-1A4A-4AAC-9D5E-DA7096157CFB}" presName="Name37" presStyleLbl="parChTrans1D2" presStyleIdx="2" presStyleCnt="3"/>
+      <dgm:spPr/>
+      <dgm:t>
+        <a:bodyPr/>
+        <a:lstStyle/>
+        <a:p>
+          <a:endParaRPr lang="en-US"/>
+        </a:p>
+      </dgm:t>
+    </dgm:pt>
+    <dgm:pt modelId="{08CA2B00-D74C-4790-A7A8-9E3580A05954}" type="pres">
+      <dgm:prSet presAssocID="{F4A8544D-A266-460A-B37F-8250FCF61F12}" presName="hierRoot2" presStyleCnt="0">
+        <dgm:presLayoutVars>
+          <dgm:hierBranch val="init"/>
+        </dgm:presLayoutVars>
+      </dgm:prSet>
+      <dgm:spPr/>
+    </dgm:pt>
+    <dgm:pt modelId="{007566E5-552E-410B-8106-A3C8D177CAD3}" type="pres">
+      <dgm:prSet presAssocID="{F4A8544D-A266-460A-B37F-8250FCF61F12}" presName="rootComposite" presStyleCnt="0"/>
+      <dgm:spPr/>
+    </dgm:pt>
+    <dgm:pt modelId="{895AEE3A-FFC3-4569-8839-9B9184E6B9BC}" type="pres">
+      <dgm:prSet presAssocID="{F4A8544D-A266-460A-B37F-8250FCF61F12}" presName="rootText" presStyleLbl="node2" presStyleIdx="2" presStyleCnt="3" custScaleY="86078">
+        <dgm:presLayoutVars>
+          <dgm:chPref val="3"/>
+        </dgm:presLayoutVars>
+      </dgm:prSet>
+      <dgm:spPr/>
+      <dgm:t>
+        <a:bodyPr/>
+        <a:lstStyle/>
+        <a:p>
+          <a:endParaRPr lang="en-US"/>
+        </a:p>
+      </dgm:t>
+    </dgm:pt>
+    <dgm:pt modelId="{BF18C05C-32BB-41BC-B775-217DC1BE825E}" type="pres">
+      <dgm:prSet presAssocID="{F4A8544D-A266-460A-B37F-8250FCF61F12}" presName="rootConnector" presStyleLbl="node2" presStyleIdx="2" presStyleCnt="3"/>
+      <dgm:spPr/>
+      <dgm:t>
+        <a:bodyPr/>
+        <a:lstStyle/>
+        <a:p>
+          <a:endParaRPr lang="en-US"/>
+        </a:p>
+      </dgm:t>
+    </dgm:pt>
+    <dgm:pt modelId="{7E925913-9865-485F-AECD-FA28AA9611C8}" type="pres">
+      <dgm:prSet presAssocID="{F4A8544D-A266-460A-B37F-8250FCF61F12}" presName="hierChild4" presStyleCnt="0"/>
+      <dgm:spPr/>
+    </dgm:pt>
+    <dgm:pt modelId="{EA97513D-2AEF-48C2-84CF-7A694FB964FB}" type="pres">
+      <dgm:prSet presAssocID="{F4A8544D-A266-460A-B37F-8250FCF61F12}" presName="hierChild5" presStyleCnt="0"/>
+      <dgm:spPr/>
+    </dgm:pt>
+    <dgm:pt modelId="{4FAD5A79-E0C9-46D8-B355-49A9BB856ACE}" type="pres">
+      <dgm:prSet presAssocID="{083F2388-16A7-4739-B139-80E2474205CE}" presName="hierChild3" presStyleCnt="0"/>
+      <dgm:spPr/>
+    </dgm:pt>
+  </dgm:ptLst>
+  <dgm:cxnLst>
+    <dgm:cxn modelId="{7782359D-F300-4517-A6B2-5D5EEC51F311}" srcId="{083F2388-16A7-4739-B139-80E2474205CE}" destId="{5D17A5A9-B4D4-4BEF-BBD6-3C7E4280A3FD}" srcOrd="0" destOrd="0" parTransId="{92358F88-CE6D-482C-BA11-824AB24F41EB}" sibTransId="{960D90CA-A948-44D8-ABED-49B6A3EE5FBD}"/>
+    <dgm:cxn modelId="{2C136B6C-1564-4251-8084-7DCC3A059BB9}" type="presOf" srcId="{F4A8544D-A266-460A-B37F-8250FCF61F12}" destId="{BF18C05C-32BB-41BC-B775-217DC1BE825E}" srcOrd="1" destOrd="0" presId="urn:microsoft.com/office/officeart/2005/8/layout/orgChart1"/>
+    <dgm:cxn modelId="{396A170B-5A37-4564-919A-1154A8C4F040}" srcId="{083F2388-16A7-4739-B139-80E2474205CE}" destId="{F4A8544D-A266-460A-B37F-8250FCF61F12}" srcOrd="2" destOrd="0" parTransId="{88D4751E-1A4A-4AAC-9D5E-DA7096157CFB}" sibTransId="{4AA14347-1E7B-4A01-9DC4-1748DCCAECB3}"/>
+    <dgm:cxn modelId="{73CA01D9-8F8A-464C-AD53-BC31F4FDDA03}" type="presOf" srcId="{88D4751E-1A4A-4AAC-9D5E-DA7096157CFB}" destId="{3BABEC06-8EAB-402F-8FF5-0AAA17EB166C}" srcOrd="0" destOrd="0" presId="urn:microsoft.com/office/officeart/2005/8/layout/orgChart1"/>
+    <dgm:cxn modelId="{920F1218-CDD1-41B6-922C-050FA4BA0FD1}" srcId="{083F2388-16A7-4739-B139-80E2474205CE}" destId="{05A432F3-7CFD-4CDB-B18D-643F94492B47}" srcOrd="1" destOrd="0" parTransId="{3150507B-812D-4551-AE83-C4AA4627B517}" sibTransId="{B5313182-3319-4A2D-8328-5083D279D481}"/>
+    <dgm:cxn modelId="{E6B76687-5C12-4C20-BECA-5BDD39684C70}" type="presOf" srcId="{05A432F3-7CFD-4CDB-B18D-643F94492B47}" destId="{D2CC8E9E-485B-4FD1-8F2F-3DFD8C0483EE}" srcOrd="1" destOrd="0" presId="urn:microsoft.com/office/officeart/2005/8/layout/orgChart1"/>
+    <dgm:cxn modelId="{6DAEECD5-39B2-402E-B75A-098133AF1442}" type="presOf" srcId="{5D17A5A9-B4D4-4BEF-BBD6-3C7E4280A3FD}" destId="{EB8FEFE2-AD1D-4806-ACF9-819DF04A585E}" srcOrd="1" destOrd="0" presId="urn:microsoft.com/office/officeart/2005/8/layout/orgChart1"/>
+    <dgm:cxn modelId="{9562C7D4-7204-4E2C-AC50-5649EC25B625}" srcId="{D3283816-78FE-4757-99BD-782DA3F06083}" destId="{083F2388-16A7-4739-B139-80E2474205CE}" srcOrd="0" destOrd="0" parTransId="{D32F5343-105A-4751-97A8-5E0B2ED91114}" sibTransId="{8D59C523-5CA1-45EB-947B-C360C2DD1A5B}"/>
+    <dgm:cxn modelId="{F46C1A39-F623-4F5F-A385-1986228BE4F7}" type="presOf" srcId="{3150507B-812D-4551-AE83-C4AA4627B517}" destId="{59C72734-90A5-4DA4-855C-6C9589B4085D}" srcOrd="0" destOrd="0" presId="urn:microsoft.com/office/officeart/2005/8/layout/orgChart1"/>
+    <dgm:cxn modelId="{08D579BD-0487-494B-B23E-3569F6ADC634}" type="presOf" srcId="{083F2388-16A7-4739-B139-80E2474205CE}" destId="{78EF2787-C93A-4C0D-A90A-3D5D5DA311C1}" srcOrd="1" destOrd="0" presId="urn:microsoft.com/office/officeart/2005/8/layout/orgChart1"/>
+    <dgm:cxn modelId="{64C3FA0D-4D66-480A-AFE7-DB93BB040F3A}" type="presOf" srcId="{F4A8544D-A266-460A-B37F-8250FCF61F12}" destId="{895AEE3A-FFC3-4569-8839-9B9184E6B9BC}" srcOrd="0" destOrd="0" presId="urn:microsoft.com/office/officeart/2005/8/layout/orgChart1"/>
+    <dgm:cxn modelId="{E4887697-80F5-49B9-92C5-223A1244F51E}" type="presOf" srcId="{5D17A5A9-B4D4-4BEF-BBD6-3C7E4280A3FD}" destId="{8AC70D85-DFD0-41C5-A5FE-4AEE87E94A0C}" srcOrd="0" destOrd="0" presId="urn:microsoft.com/office/officeart/2005/8/layout/orgChart1"/>
+    <dgm:cxn modelId="{4E825CC8-DA93-444C-A680-C03B6FC97BA1}" type="presOf" srcId="{92358F88-CE6D-482C-BA11-824AB24F41EB}" destId="{DEBF7090-9372-4FAF-8016-9A5B48FE2DA9}" srcOrd="0" destOrd="0" presId="urn:microsoft.com/office/officeart/2005/8/layout/orgChart1"/>
+    <dgm:cxn modelId="{09F3BAFB-1ED9-42FE-B314-48E78F7A6C0C}" type="presOf" srcId="{D3283816-78FE-4757-99BD-782DA3F06083}" destId="{26484EEF-F588-45A7-ADFF-12575C451545}" srcOrd="0" destOrd="0" presId="urn:microsoft.com/office/officeart/2005/8/layout/orgChart1"/>
+    <dgm:cxn modelId="{E833C800-5E29-4079-91C2-DFBCD0D86C23}" type="presOf" srcId="{083F2388-16A7-4739-B139-80E2474205CE}" destId="{E2CFB2BF-E53E-4F52-B845-464EFDA84163}" srcOrd="0" destOrd="0" presId="urn:microsoft.com/office/officeart/2005/8/layout/orgChart1"/>
+    <dgm:cxn modelId="{733514BA-1116-4947-8CE7-AB71AC171694}" type="presOf" srcId="{05A432F3-7CFD-4CDB-B18D-643F94492B47}" destId="{4FDC0DA7-637D-42FA-A790-1EA8A8D1606F}" srcOrd="0" destOrd="0" presId="urn:microsoft.com/office/officeart/2005/8/layout/orgChart1"/>
+    <dgm:cxn modelId="{CE9F2B83-8A1C-4963-8903-1FB3AABD0D1F}" type="presParOf" srcId="{26484EEF-F588-45A7-ADFF-12575C451545}" destId="{4D0627E5-A5E8-4E97-97B9-9B0642003FD1}" srcOrd="0" destOrd="0" presId="urn:microsoft.com/office/officeart/2005/8/layout/orgChart1"/>
+    <dgm:cxn modelId="{7683DB59-0C23-47D0-B903-5E9FF1DCF0D7}" type="presParOf" srcId="{4D0627E5-A5E8-4E97-97B9-9B0642003FD1}" destId="{7F43208A-8D30-4D5B-B11B-6B61CA3FD9DD}" srcOrd="0" destOrd="0" presId="urn:microsoft.com/office/officeart/2005/8/layout/orgChart1"/>
+    <dgm:cxn modelId="{9A7B8D62-7A59-4E8D-8424-E0BB6CEBF731}" type="presParOf" srcId="{7F43208A-8D30-4D5B-B11B-6B61CA3FD9DD}" destId="{E2CFB2BF-E53E-4F52-B845-464EFDA84163}" srcOrd="0" destOrd="0" presId="urn:microsoft.com/office/officeart/2005/8/layout/orgChart1"/>
+    <dgm:cxn modelId="{4CF77D9F-A378-4B44-A89D-08523C5E1A9F}" type="presParOf" srcId="{7F43208A-8D30-4D5B-B11B-6B61CA3FD9DD}" destId="{78EF2787-C93A-4C0D-A90A-3D5D5DA311C1}" srcOrd="1" destOrd="0" presId="urn:microsoft.com/office/officeart/2005/8/layout/orgChart1"/>
+    <dgm:cxn modelId="{D13319AE-B411-4B18-9A1A-0DE53DD4841C}" type="presParOf" srcId="{4D0627E5-A5E8-4E97-97B9-9B0642003FD1}" destId="{64D215C2-C45A-45B1-95FC-F7BD78012B46}" srcOrd="1" destOrd="0" presId="urn:microsoft.com/office/officeart/2005/8/layout/orgChart1"/>
+    <dgm:cxn modelId="{5680080E-7DF7-4B79-B6C3-7A974DDA06E6}" type="presParOf" srcId="{64D215C2-C45A-45B1-95FC-F7BD78012B46}" destId="{DEBF7090-9372-4FAF-8016-9A5B48FE2DA9}" srcOrd="0" destOrd="0" presId="urn:microsoft.com/office/officeart/2005/8/layout/orgChart1"/>
+    <dgm:cxn modelId="{C644B7B2-D801-4705-AF1B-5B8CDBDD6BA0}" type="presParOf" srcId="{64D215C2-C45A-45B1-95FC-F7BD78012B46}" destId="{390D527E-4E72-445C-B665-A18DBDCB6399}" srcOrd="1" destOrd="0" presId="urn:microsoft.com/office/officeart/2005/8/layout/orgChart1"/>
+    <dgm:cxn modelId="{F298D878-F1D0-42B8-8804-D0B2E7E67D9A}" type="presParOf" srcId="{390D527E-4E72-445C-B665-A18DBDCB6399}" destId="{DD80FE32-0B2A-4B91-8A6F-80A984C399F5}" srcOrd="0" destOrd="0" presId="urn:microsoft.com/office/officeart/2005/8/layout/orgChart1"/>
+    <dgm:cxn modelId="{B31C1A3C-4E28-416D-9909-0C0C796200DC}" type="presParOf" srcId="{DD80FE32-0B2A-4B91-8A6F-80A984C399F5}" destId="{8AC70D85-DFD0-41C5-A5FE-4AEE87E94A0C}" srcOrd="0" destOrd="0" presId="urn:microsoft.com/office/officeart/2005/8/layout/orgChart1"/>
+    <dgm:cxn modelId="{3A6B6E25-657D-47F0-8601-2440BC2BF5E9}" type="presParOf" srcId="{DD80FE32-0B2A-4B91-8A6F-80A984C399F5}" destId="{EB8FEFE2-AD1D-4806-ACF9-819DF04A585E}" srcOrd="1" destOrd="0" presId="urn:microsoft.com/office/officeart/2005/8/layout/orgChart1"/>
+    <dgm:cxn modelId="{B97DED15-F4D7-4599-8D3D-DB6FEFCF81B5}" type="presParOf" srcId="{390D527E-4E72-445C-B665-A18DBDCB6399}" destId="{453B5793-BBF9-4D48-886A-E9EC742B0666}" srcOrd="1" destOrd="0" presId="urn:microsoft.com/office/officeart/2005/8/layout/orgChart1"/>
+    <dgm:cxn modelId="{DABFABAA-420E-4E57-86C5-54559DDA44CD}" type="presParOf" srcId="{390D527E-4E72-445C-B665-A18DBDCB6399}" destId="{9CA67922-99E3-4BDB-9F0C-61F849EBCC92}" srcOrd="2" destOrd="0" presId="urn:microsoft.com/office/officeart/2005/8/layout/orgChart1"/>
+    <dgm:cxn modelId="{0D56DC9C-3B00-4CC9-9C3D-D0E7B80D99B8}" type="presParOf" srcId="{64D215C2-C45A-45B1-95FC-F7BD78012B46}" destId="{59C72734-90A5-4DA4-855C-6C9589B4085D}" srcOrd="2" destOrd="0" presId="urn:microsoft.com/office/officeart/2005/8/layout/orgChart1"/>
+    <dgm:cxn modelId="{D3C7310B-42C1-496E-AC93-52170D7B347F}" type="presParOf" srcId="{64D215C2-C45A-45B1-95FC-F7BD78012B46}" destId="{593E716A-24A2-41E7-A6EB-15761934F69A}" srcOrd="3" destOrd="0" presId="urn:microsoft.com/office/officeart/2005/8/layout/orgChart1"/>
+    <dgm:cxn modelId="{AC0E7E4C-1024-4EA0-8AE1-9DBFB2B9420A}" type="presParOf" srcId="{593E716A-24A2-41E7-A6EB-15761934F69A}" destId="{4D8DF4DF-F717-4B63-BB6E-F52E7EF6B1BE}" srcOrd="0" destOrd="0" presId="urn:microsoft.com/office/officeart/2005/8/layout/orgChart1"/>
+    <dgm:cxn modelId="{0C907863-E69A-4F17-B459-22546AD58189}" type="presParOf" srcId="{4D8DF4DF-F717-4B63-BB6E-F52E7EF6B1BE}" destId="{4FDC0DA7-637D-42FA-A790-1EA8A8D1606F}" srcOrd="0" destOrd="0" presId="urn:microsoft.com/office/officeart/2005/8/layout/orgChart1"/>
+    <dgm:cxn modelId="{1B19CE10-630C-4807-8495-4CA3017A23E9}" type="presParOf" srcId="{4D8DF4DF-F717-4B63-BB6E-F52E7EF6B1BE}" destId="{D2CC8E9E-485B-4FD1-8F2F-3DFD8C0483EE}" srcOrd="1" destOrd="0" presId="urn:microsoft.com/office/officeart/2005/8/layout/orgChart1"/>
+    <dgm:cxn modelId="{15C0B06F-AC5D-4569-8CB4-82E32D494B89}" type="presParOf" srcId="{593E716A-24A2-41E7-A6EB-15761934F69A}" destId="{ADA0517F-9803-4B30-A544-B995C4BAD09C}" srcOrd="1" destOrd="0" presId="urn:microsoft.com/office/officeart/2005/8/layout/orgChart1"/>
+    <dgm:cxn modelId="{284DA164-D0A6-4481-B34E-57FA5B8118CE}" type="presParOf" srcId="{593E716A-24A2-41E7-A6EB-15761934F69A}" destId="{6A493EDB-7F37-481C-A692-140878020B8A}" srcOrd="2" destOrd="0" presId="urn:microsoft.com/office/officeart/2005/8/layout/orgChart1"/>
+    <dgm:cxn modelId="{BEEAE2E0-00AA-4E1E-A801-A97E4DED7803}" type="presParOf" srcId="{64D215C2-C45A-45B1-95FC-F7BD78012B46}" destId="{3BABEC06-8EAB-402F-8FF5-0AAA17EB166C}" srcOrd="4" destOrd="0" presId="urn:microsoft.com/office/officeart/2005/8/layout/orgChart1"/>
+    <dgm:cxn modelId="{373EC1CF-3F24-4F9E-89B8-C0D066326007}" type="presParOf" srcId="{64D215C2-C45A-45B1-95FC-F7BD78012B46}" destId="{08CA2B00-D74C-4790-A7A8-9E3580A05954}" srcOrd="5" destOrd="0" presId="urn:microsoft.com/office/officeart/2005/8/layout/orgChart1"/>
+    <dgm:cxn modelId="{BB067B67-80CF-4A93-8EFF-614771F26C65}" type="presParOf" srcId="{08CA2B00-D74C-4790-A7A8-9E3580A05954}" destId="{007566E5-552E-410B-8106-A3C8D177CAD3}" srcOrd="0" destOrd="0" presId="urn:microsoft.com/office/officeart/2005/8/layout/orgChart1"/>
+    <dgm:cxn modelId="{294F8219-04B1-4B2D-8C09-A8D0863AD552}" type="presParOf" srcId="{007566E5-552E-410B-8106-A3C8D177CAD3}" destId="{895AEE3A-FFC3-4569-8839-9B9184E6B9BC}" srcOrd="0" destOrd="0" presId="urn:microsoft.com/office/officeart/2005/8/layout/orgChart1"/>
+    <dgm:cxn modelId="{F040F3C2-961D-42E9-B5A4-1D9C3614BD20}" type="presParOf" srcId="{007566E5-552E-410B-8106-A3C8D177CAD3}" destId="{BF18C05C-32BB-41BC-B775-217DC1BE825E}" srcOrd="1" destOrd="0" presId="urn:microsoft.com/office/officeart/2005/8/layout/orgChart1"/>
+    <dgm:cxn modelId="{67750826-BD21-4F54-A0DB-152072D3A077}" type="presParOf" srcId="{08CA2B00-D74C-4790-A7A8-9E3580A05954}" destId="{7E925913-9865-485F-AECD-FA28AA9611C8}" srcOrd="1" destOrd="0" presId="urn:microsoft.com/office/officeart/2005/8/layout/orgChart1"/>
+    <dgm:cxn modelId="{D524F5C1-F789-471C-BD7E-6A5DE2BF3BCA}" type="presParOf" srcId="{08CA2B00-D74C-4790-A7A8-9E3580A05954}" destId="{EA97513D-2AEF-48C2-84CF-7A694FB964FB}" srcOrd="2" destOrd="0" presId="urn:microsoft.com/office/officeart/2005/8/layout/orgChart1"/>
+    <dgm:cxn modelId="{AC8408A5-37C0-457E-81B2-EFEC4D3CA12C}" type="presParOf" srcId="{4D0627E5-A5E8-4E97-97B9-9B0642003FD1}" destId="{4FAD5A79-E0C9-46D8-B355-49A9BB856ACE}" srcOrd="2" destOrd="0" presId="urn:microsoft.com/office/officeart/2005/8/layout/orgChart1"/>
+  </dgm:cxnLst>
+  <dgm:bg/>
+  <dgm:whole/>
+  <dgm:extLst>
+    <a:ext uri="http://schemas.microsoft.com/office/drawing/2008/diagram">
+      <dsp:dataModelExt xmlns:dsp="http://schemas.microsoft.com/office/drawing/2008/diagram" relId="rId8" minVer="http://schemas.openxmlformats.org/drawingml/2006/diagram"/>
+    </a:ext>
+  </dgm:extLst>
+</dgm:dataModel>
+</file>
+
+<file path=ppt/diagrams/data3.xml><?xml version="1.0" encoding="utf-8"?>
+<dgm:dataModel xmlns:dgm="http://schemas.openxmlformats.org/drawingml/2006/diagram" xmlns:a="http://schemas.openxmlformats.org/drawingml/2006/main">
+  <dgm:ptLst>
+    <dgm:pt modelId="{D3283816-78FE-4757-99BD-782DA3F06083}" type="doc">
+      <dgm:prSet loTypeId="urn:microsoft.com/office/officeart/2005/8/layout/orgChart1" loCatId="hierarchy" qsTypeId="urn:microsoft.com/office/officeart/2005/8/quickstyle/simple1" qsCatId="simple" csTypeId="urn:microsoft.com/office/officeart/2005/8/colors/accent1_2" csCatId="accent1" phldr="1"/>
+      <dgm:spPr/>
+      <dgm:t>
+        <a:bodyPr/>
+        <a:lstStyle/>
+        <a:p>
+          <a:endParaRPr lang="en-US"/>
+        </a:p>
+      </dgm:t>
+    </dgm:pt>
+    <dgm:pt modelId="{083F2388-16A7-4739-B139-80E2474205CE}">
+      <dgm:prSet phldrT="[Text]" custT="1"/>
+      <dgm:spPr/>
+      <dgm:t>
+        <a:bodyPr/>
+        <a:lstStyle/>
+        <a:p>
+          <a:r>
             <a:rPr lang="en-US" sz="2400" dirty="0" err="1" smtClean="0"/>
             <a:t>ICustomer</a:t>
           </a:r>
@@ -6683,7 +7939,7 @@
       <dgm:spPr/>
     </dgm:pt>
     <dgm:pt modelId="{8AC70D85-DFD0-41C5-A5FE-4AEE87E94A0C}" type="pres">
-      <dgm:prSet presAssocID="{5D17A5A9-B4D4-4BEF-BBD6-3C7E4280A3FD}" presName="rootText" presStyleLbl="node2" presStyleIdx="0" presStyleCnt="2" custScaleX="117385" custScaleY="85203">
+      <dgm:prSet presAssocID="{5D17A5A9-B4D4-4BEF-BBD6-3C7E4280A3FD}" presName="rootText" presStyleLbl="node2" presStyleIdx="0" presStyleCnt="2" custScaleX="117385" custScaleY="85203" custLinFactNeighborX="6678">
         <dgm:presLayoutVars>
           <dgm:chPref val="3"/>
         </dgm:presLayoutVars>
@@ -6816,13 +8072,13 @@
   <dgm:whole/>
   <dgm:extLst>
     <a:ext uri="http://schemas.microsoft.com/office/drawing/2008/diagram">
-      <dsp:dataModelExt xmlns:dsp="http://schemas.microsoft.com/office/drawing/2008/diagram" relId="rId7" minVer="http://schemas.openxmlformats.org/drawingml/2006/diagram"/>
+      <dsp:dataModelExt xmlns:dsp="http://schemas.microsoft.com/office/drawing/2008/diagram" relId="rId8" minVer="http://schemas.openxmlformats.org/drawingml/2006/diagram"/>
     </a:ext>
   </dgm:extLst>
 </dgm:dataModel>
 </file>
 
-<file path=ppt/diagrams/data3.xml><?xml version="1.0" encoding="utf-8"?>
+<file path=ppt/diagrams/data4.xml><?xml version="1.0" encoding="utf-8"?>
 <dgm:dataModel xmlns:dgm="http://schemas.openxmlformats.org/drawingml/2006/diagram" xmlns:a="http://schemas.openxmlformats.org/drawingml/2006/main">
   <dgm:ptLst>
     <dgm:pt modelId="{9D820CB8-269E-48F2-861F-C48B61090726}" type="doc">
@@ -6890,7 +8146,19 @@
     </dgm:pt>
     <dgm:pt modelId="{607CC2C5-AD42-4C05-8A79-5789FBD3CE09}" type="parTrans" cxnId="{9E812CFB-5728-452D-B419-40DD970F6D70}">
       <dgm:prSet/>
-      <dgm:spPr/>
+      <dgm:spPr>
+        <a:ln>
+          <a:solidFill>
+            <a:schemeClr val="accent1">
+              <a:shade val="60000"/>
+              <a:hueOff val="0"/>
+              <a:satOff val="0"/>
+              <a:lumOff val="0"/>
+              <a:alpha val="0"/>
+            </a:schemeClr>
+          </a:solidFill>
+        </a:ln>
+      </dgm:spPr>
       <dgm:t>
         <a:bodyPr/>
         <a:lstStyle/>
@@ -7317,72 +8585,72 @@
     </dgm:pt>
   </dgm:ptLst>
   <dgm:cxnLst>
-    <dgm:cxn modelId="{5AF63C38-E13A-4902-8280-604B9E995D50}" type="presOf" srcId="{FCAF5CA3-E407-42DF-BFAF-B4C790CEB42E}" destId="{E7E9096E-5B85-4DAE-8A92-B32122D554DA}" srcOrd="1" destOrd="0" presId="urn:microsoft.com/office/officeart/2005/8/layout/orgChart1"/>
-    <dgm:cxn modelId="{29660F9A-89BE-48AE-B089-F2B39D4EBCC0}" type="presOf" srcId="{8F9F58D1-0DA3-4D3A-897E-8C49B63C9BEF}" destId="{D06A42CE-78DA-4F9F-AE2C-74462883B9DB}" srcOrd="1" destOrd="0" presId="urn:microsoft.com/office/officeart/2005/8/layout/orgChart1"/>
+    <dgm:cxn modelId="{D8B03971-C8A4-4705-8B3A-D90EC0FEABAC}" type="presOf" srcId="{15DD8198-1C9F-4FA9-8394-597982486E4D}" destId="{DE84DD93-A530-4686-933C-FF082EAE8304}" srcOrd="0" destOrd="0" presId="urn:microsoft.com/office/officeart/2005/8/layout/orgChart1"/>
     <dgm:cxn modelId="{D56CC31F-F06E-4A7D-A48C-D62B171D1499}" srcId="{B69E64D2-89D0-408B-A1D9-F96429CDF80B}" destId="{FCAF5CA3-E407-42DF-BFAF-B4C790CEB42E}" srcOrd="1" destOrd="0" parTransId="{BC546687-0DC4-454F-A03E-BB4296CBA200}" sibTransId="{283D4E02-75F1-4285-AC65-2DF13910958D}"/>
-    <dgm:cxn modelId="{8FF1B0F9-E8AB-4099-8D4F-1C60B90738DC}" type="presOf" srcId="{BC546687-0DC4-454F-A03E-BB4296CBA200}" destId="{FAEA7500-A76E-4BA4-86A9-A28FB4FFBE65}" srcOrd="0" destOrd="0" presId="urn:microsoft.com/office/officeart/2005/8/layout/orgChart1"/>
-    <dgm:cxn modelId="{DC4A9BF3-978C-4B95-9987-2CF269963572}" type="presOf" srcId="{15DD8198-1C9F-4FA9-8394-597982486E4D}" destId="{DE84DD93-A530-4686-933C-FF082EAE8304}" srcOrd="0" destOrd="0" presId="urn:microsoft.com/office/officeart/2005/8/layout/orgChart1"/>
-    <dgm:cxn modelId="{0360CDF7-6B64-4E30-BBAD-90A953E8648F}" type="presOf" srcId="{607CC2C5-AD42-4C05-8A79-5789FBD3CE09}" destId="{9236482F-9E78-45CF-983F-8C94FFC7C1E1}" srcOrd="0" destOrd="0" presId="urn:microsoft.com/office/officeart/2005/8/layout/orgChart1"/>
-    <dgm:cxn modelId="{EA066953-C9E9-4EE1-99AC-D455D630452A}" type="presOf" srcId="{15DD8198-1C9F-4FA9-8394-597982486E4D}" destId="{61A15FF2-A3B1-4858-804C-74AD7697E385}" srcOrd="1" destOrd="0" presId="urn:microsoft.com/office/officeart/2005/8/layout/orgChart1"/>
+    <dgm:cxn modelId="{74BECB61-0730-467F-8D5B-44EF1D387417}" type="presOf" srcId="{B69E64D2-89D0-408B-A1D9-F96429CDF80B}" destId="{99F55C7A-3A6D-46F6-AD23-25BA8E6295F1}" srcOrd="1" destOrd="0" presId="urn:microsoft.com/office/officeart/2005/8/layout/orgChart1"/>
     <dgm:cxn modelId="{6F6678B4-86DC-432B-8C89-12A55E66A3A9}" srcId="{15DD8198-1C9F-4FA9-8394-597982486E4D}" destId="{8F9F58D1-0DA3-4D3A-897E-8C49B63C9BEF}" srcOrd="1" destOrd="0" parTransId="{CE6ACA6B-6BAA-482F-9E8D-2F3FC7DAE7DB}" sibTransId="{2C2D4979-FB0F-428C-BF60-B11D3780B9D8}"/>
-    <dgm:cxn modelId="{107B2B8D-87C2-4E0F-A3CD-9D7343E8B699}" type="presOf" srcId="{AE1AB59A-4FA1-4929-8E30-2FC6FDE5598D}" destId="{10031303-D6CC-460D-8477-671AC540691F}" srcOrd="0" destOrd="0" presId="urn:microsoft.com/office/officeart/2005/8/layout/orgChart1"/>
-    <dgm:cxn modelId="{B1A29108-2EDA-4316-966D-7F3ED53E74A9}" type="presOf" srcId="{DC6F2820-4AB9-43D4-A9D8-697C7303C4B0}" destId="{30763E42-66EC-4DE4-A0FD-8EFA5B2B8A7A}" srcOrd="1" destOrd="0" presId="urn:microsoft.com/office/officeart/2005/8/layout/orgChart1"/>
-    <dgm:cxn modelId="{113F6B0F-3611-4833-84CE-B01B79A6D04B}" type="presOf" srcId="{FCAF5CA3-E407-42DF-BFAF-B4C790CEB42E}" destId="{EB7685EF-9290-4471-AB78-B49D313A5DC1}" srcOrd="0" destOrd="0" presId="urn:microsoft.com/office/officeart/2005/8/layout/orgChart1"/>
-    <dgm:cxn modelId="{067A7385-8CCC-4E30-9A31-11883FA5D780}" type="presOf" srcId="{CE6ACA6B-6BAA-482F-9E8D-2F3FC7DAE7DB}" destId="{196C9AFB-3008-4ADE-AE21-853A5A81A889}" srcOrd="0" destOrd="0" presId="urn:microsoft.com/office/officeart/2005/8/layout/orgChart1"/>
-    <dgm:cxn modelId="{BFD674E8-E744-45B8-B648-95B886AA1C4D}" type="presOf" srcId="{8F9F58D1-0DA3-4D3A-897E-8C49B63C9BEF}" destId="{7516BFC7-C7EE-429F-8028-4E746B74A110}" srcOrd="0" destOrd="0" presId="urn:microsoft.com/office/officeart/2005/8/layout/orgChart1"/>
+    <dgm:cxn modelId="{51D50744-FDE4-4638-9B23-C35F160337D0}" type="presOf" srcId="{15DD8198-1C9F-4FA9-8394-597982486E4D}" destId="{61A15FF2-A3B1-4858-804C-74AD7697E385}" srcOrd="1" destOrd="0" presId="urn:microsoft.com/office/officeart/2005/8/layout/orgChart1"/>
+    <dgm:cxn modelId="{12EFDF6D-3397-44EA-BE76-BDE23A5856C2}" type="presOf" srcId="{AE1AB59A-4FA1-4929-8E30-2FC6FDE5598D}" destId="{10031303-D6CC-460D-8477-671AC540691F}" srcOrd="0" destOrd="0" presId="urn:microsoft.com/office/officeart/2005/8/layout/orgChart1"/>
+    <dgm:cxn modelId="{118BD7AF-6416-4F72-BA1C-EB724721845B}" type="presOf" srcId="{FCAF5CA3-E407-42DF-BFAF-B4C790CEB42E}" destId="{E7E9096E-5B85-4DAE-8A92-B32122D554DA}" srcOrd="1" destOrd="0" presId="urn:microsoft.com/office/officeart/2005/8/layout/orgChart1"/>
+    <dgm:cxn modelId="{CA7A2DDE-F3C9-46B1-9D25-72CFE6E83895}" type="presOf" srcId="{9D820CB8-269E-48F2-861F-C48B61090726}" destId="{8A67DA3C-0C84-4FD5-B299-37F023E8DB22}" srcOrd="0" destOrd="0" presId="urn:microsoft.com/office/officeart/2005/8/layout/orgChart1"/>
+    <dgm:cxn modelId="{A9B4742D-02A4-401A-8F2D-3DF98A501930}" type="presOf" srcId="{B69E64D2-89D0-408B-A1D9-F96429CDF80B}" destId="{350C89A5-4C33-41CD-BE00-D45BB782986B}" srcOrd="0" destOrd="0" presId="urn:microsoft.com/office/officeart/2005/8/layout/orgChart1"/>
+    <dgm:cxn modelId="{73E12EEA-8DAF-481C-AB4D-D116E6BD09FC}" type="presOf" srcId="{DC6F2820-4AB9-43D4-A9D8-697C7303C4B0}" destId="{73A11444-7B4F-40B6-B2AC-83417D2CA7EE}" srcOrd="0" destOrd="0" presId="urn:microsoft.com/office/officeart/2005/8/layout/orgChart1"/>
     <dgm:cxn modelId="{059285C9-5579-4FCA-BB1C-34A733C69A75}" srcId="{9D820CB8-269E-48F2-861F-C48B61090726}" destId="{15DD8198-1C9F-4FA9-8394-597982486E4D}" srcOrd="0" destOrd="0" parTransId="{CF590942-ED7C-49A2-ADD8-EB6743F9C33E}" sibTransId="{DE8368E9-438C-4C2D-A3F7-5EA164ED6C83}"/>
-    <dgm:cxn modelId="{14CBF639-C411-47CE-83BF-0CE468DA3C17}" type="presOf" srcId="{B69E64D2-89D0-408B-A1D9-F96429CDF80B}" destId="{350C89A5-4C33-41CD-BE00-D45BB782986B}" srcOrd="0" destOrd="0" presId="urn:microsoft.com/office/officeart/2005/8/layout/orgChart1"/>
+    <dgm:cxn modelId="{BB9C5580-FE57-44C1-96F8-4A46C7A4D6AC}" type="presOf" srcId="{8F9F58D1-0DA3-4D3A-897E-8C49B63C9BEF}" destId="{D06A42CE-78DA-4F9F-AE2C-74462883B9DB}" srcOrd="1" destOrd="0" presId="urn:microsoft.com/office/officeart/2005/8/layout/orgChart1"/>
+    <dgm:cxn modelId="{1F796975-CE98-4D6A-9D36-117874B67791}" type="presOf" srcId="{DC6F2820-4AB9-43D4-A9D8-697C7303C4B0}" destId="{30763E42-66EC-4DE4-A0FD-8EFA5B2B8A7A}" srcOrd="1" destOrd="0" presId="urn:microsoft.com/office/officeart/2005/8/layout/orgChart1"/>
     <dgm:cxn modelId="{9E812CFB-5728-452D-B419-40DD970F6D70}" srcId="{15DD8198-1C9F-4FA9-8394-597982486E4D}" destId="{B69E64D2-89D0-408B-A1D9-F96429CDF80B}" srcOrd="0" destOrd="0" parTransId="{607CC2C5-AD42-4C05-8A79-5789FBD3CE09}" sibTransId="{D430B5EE-BC02-4AB3-96FC-C1AAE8FD5328}"/>
-    <dgm:cxn modelId="{CE80B067-4F22-494C-83A0-CD1D9D30B6E1}" type="presOf" srcId="{DC6F2820-4AB9-43D4-A9D8-697C7303C4B0}" destId="{73A11444-7B4F-40B6-B2AC-83417D2CA7EE}" srcOrd="0" destOrd="0" presId="urn:microsoft.com/office/officeart/2005/8/layout/orgChart1"/>
+    <dgm:cxn modelId="{182893F2-5640-4783-AB31-174A23E480A9}" type="presOf" srcId="{8F9F58D1-0DA3-4D3A-897E-8C49B63C9BEF}" destId="{7516BFC7-C7EE-429F-8028-4E746B74A110}" srcOrd="0" destOrd="0" presId="urn:microsoft.com/office/officeart/2005/8/layout/orgChart1"/>
+    <dgm:cxn modelId="{1BC64998-7F0D-4247-920E-EA1C7A0B9A60}" type="presOf" srcId="{607CC2C5-AD42-4C05-8A79-5789FBD3CE09}" destId="{9236482F-9E78-45CF-983F-8C94FFC7C1E1}" srcOrd="0" destOrd="0" presId="urn:microsoft.com/office/officeart/2005/8/layout/orgChart1"/>
     <dgm:cxn modelId="{70441886-EDB0-4867-9320-237BFC021E91}" srcId="{B69E64D2-89D0-408B-A1D9-F96429CDF80B}" destId="{DC6F2820-4AB9-43D4-A9D8-697C7303C4B0}" srcOrd="0" destOrd="0" parTransId="{AE1AB59A-4FA1-4929-8E30-2FC6FDE5598D}" sibTransId="{44C8FFF2-6313-41B8-9361-A8DBF595D1F3}"/>
-    <dgm:cxn modelId="{F2EC755B-6355-418F-9174-403DC415B6F3}" type="presOf" srcId="{9D820CB8-269E-48F2-861F-C48B61090726}" destId="{8A67DA3C-0C84-4FD5-B299-37F023E8DB22}" srcOrd="0" destOrd="0" presId="urn:microsoft.com/office/officeart/2005/8/layout/orgChart1"/>
-    <dgm:cxn modelId="{93F051B7-D746-4255-A0A1-9088C916F825}" type="presOf" srcId="{B69E64D2-89D0-408B-A1D9-F96429CDF80B}" destId="{99F55C7A-3A6D-46F6-AD23-25BA8E6295F1}" srcOrd="1" destOrd="0" presId="urn:microsoft.com/office/officeart/2005/8/layout/orgChart1"/>
-    <dgm:cxn modelId="{46C6F705-A657-4094-95E8-28505100265E}" type="presParOf" srcId="{8A67DA3C-0C84-4FD5-B299-37F023E8DB22}" destId="{52407019-8438-4C22-9D70-879C08D9D38F}" srcOrd="0" destOrd="0" presId="urn:microsoft.com/office/officeart/2005/8/layout/orgChart1"/>
-    <dgm:cxn modelId="{362E0794-7351-45E4-832B-395E19408644}" type="presParOf" srcId="{52407019-8438-4C22-9D70-879C08D9D38F}" destId="{20F4FDFB-665E-408B-AF4D-479A34508253}" srcOrd="0" destOrd="0" presId="urn:microsoft.com/office/officeart/2005/8/layout/orgChart1"/>
-    <dgm:cxn modelId="{E4C1E5B6-8410-4F27-9601-1EC597EA4A35}" type="presParOf" srcId="{20F4FDFB-665E-408B-AF4D-479A34508253}" destId="{DE84DD93-A530-4686-933C-FF082EAE8304}" srcOrd="0" destOrd="0" presId="urn:microsoft.com/office/officeart/2005/8/layout/orgChart1"/>
-    <dgm:cxn modelId="{2F25EFD1-C3E3-4D3A-A884-C760F7A92D2D}" type="presParOf" srcId="{20F4FDFB-665E-408B-AF4D-479A34508253}" destId="{61A15FF2-A3B1-4858-804C-74AD7697E385}" srcOrd="1" destOrd="0" presId="urn:microsoft.com/office/officeart/2005/8/layout/orgChart1"/>
-    <dgm:cxn modelId="{CB10F164-B185-4C5D-AC9A-8055C2EAF9F2}" type="presParOf" srcId="{52407019-8438-4C22-9D70-879C08D9D38F}" destId="{306A379E-C1C6-4675-B242-2EF3DFF75286}" srcOrd="1" destOrd="0" presId="urn:microsoft.com/office/officeart/2005/8/layout/orgChart1"/>
-    <dgm:cxn modelId="{F977132B-A521-47C4-9082-D8D36C88C677}" type="presParOf" srcId="{306A379E-C1C6-4675-B242-2EF3DFF75286}" destId="{9236482F-9E78-45CF-983F-8C94FFC7C1E1}" srcOrd="0" destOrd="0" presId="urn:microsoft.com/office/officeart/2005/8/layout/orgChart1"/>
-    <dgm:cxn modelId="{1DAC9C29-FF21-4C05-BAC9-D5997F7E06DA}" type="presParOf" srcId="{306A379E-C1C6-4675-B242-2EF3DFF75286}" destId="{6BE577AF-6307-4140-9603-B965B780DC9C}" srcOrd="1" destOrd="0" presId="urn:microsoft.com/office/officeart/2005/8/layout/orgChart1"/>
-    <dgm:cxn modelId="{5BA98F23-D3AA-4A68-8838-FA8E18C9FE3E}" type="presParOf" srcId="{6BE577AF-6307-4140-9603-B965B780DC9C}" destId="{C532B48E-16AB-4C7D-8240-5366C052AB1F}" srcOrd="0" destOrd="0" presId="urn:microsoft.com/office/officeart/2005/8/layout/orgChart1"/>
-    <dgm:cxn modelId="{35277941-EDE9-43FB-A827-D2B7606525C1}" type="presParOf" srcId="{C532B48E-16AB-4C7D-8240-5366C052AB1F}" destId="{350C89A5-4C33-41CD-BE00-D45BB782986B}" srcOrd="0" destOrd="0" presId="urn:microsoft.com/office/officeart/2005/8/layout/orgChart1"/>
-    <dgm:cxn modelId="{0E73F100-8BB1-4451-AD3D-EC1BB3723F7A}" type="presParOf" srcId="{C532B48E-16AB-4C7D-8240-5366C052AB1F}" destId="{99F55C7A-3A6D-46F6-AD23-25BA8E6295F1}" srcOrd="1" destOrd="0" presId="urn:microsoft.com/office/officeart/2005/8/layout/orgChart1"/>
-    <dgm:cxn modelId="{9C852D52-6DE8-4D04-958B-5A452C5F02D9}" type="presParOf" srcId="{6BE577AF-6307-4140-9603-B965B780DC9C}" destId="{71F4B0F3-D811-4BDA-BE6B-8EFDBA2D8AED}" srcOrd="1" destOrd="0" presId="urn:microsoft.com/office/officeart/2005/8/layout/orgChart1"/>
-    <dgm:cxn modelId="{69182812-593A-4B81-89B4-E8847282EC6C}" type="presParOf" srcId="{71F4B0F3-D811-4BDA-BE6B-8EFDBA2D8AED}" destId="{10031303-D6CC-460D-8477-671AC540691F}" srcOrd="0" destOrd="0" presId="urn:microsoft.com/office/officeart/2005/8/layout/orgChart1"/>
-    <dgm:cxn modelId="{CD3746A7-06A3-48B1-B1E2-05765CEDF687}" type="presParOf" srcId="{71F4B0F3-D811-4BDA-BE6B-8EFDBA2D8AED}" destId="{7A63EBB7-17A9-4312-B54A-112F0EE2449A}" srcOrd="1" destOrd="0" presId="urn:microsoft.com/office/officeart/2005/8/layout/orgChart1"/>
-    <dgm:cxn modelId="{FBCB6DDB-C587-4C57-A67D-0E4F013CC42C}" type="presParOf" srcId="{7A63EBB7-17A9-4312-B54A-112F0EE2449A}" destId="{1595364F-B164-43B7-B691-C6DECB3D7178}" srcOrd="0" destOrd="0" presId="urn:microsoft.com/office/officeart/2005/8/layout/orgChart1"/>
-    <dgm:cxn modelId="{DDF7C6E0-5C55-44F8-82FD-15437B944450}" type="presParOf" srcId="{1595364F-B164-43B7-B691-C6DECB3D7178}" destId="{73A11444-7B4F-40B6-B2AC-83417D2CA7EE}" srcOrd="0" destOrd="0" presId="urn:microsoft.com/office/officeart/2005/8/layout/orgChart1"/>
-    <dgm:cxn modelId="{F54375BE-CF3D-437B-8CEF-4D6E0A8D17D9}" type="presParOf" srcId="{1595364F-B164-43B7-B691-C6DECB3D7178}" destId="{30763E42-66EC-4DE4-A0FD-8EFA5B2B8A7A}" srcOrd="1" destOrd="0" presId="urn:microsoft.com/office/officeart/2005/8/layout/orgChart1"/>
-    <dgm:cxn modelId="{462AC968-2103-4D35-B2EF-D87DF3925CD1}" type="presParOf" srcId="{7A63EBB7-17A9-4312-B54A-112F0EE2449A}" destId="{A89E9F4C-D242-4ACD-8150-008EA6F68A2F}" srcOrd="1" destOrd="0" presId="urn:microsoft.com/office/officeart/2005/8/layout/orgChart1"/>
-    <dgm:cxn modelId="{144F97E2-7071-41F6-801C-8D94C3A716F6}" type="presParOf" srcId="{7A63EBB7-17A9-4312-B54A-112F0EE2449A}" destId="{8BFF7AF2-2479-4266-86BC-D750EED5C377}" srcOrd="2" destOrd="0" presId="urn:microsoft.com/office/officeart/2005/8/layout/orgChart1"/>
-    <dgm:cxn modelId="{4FD730C4-1B17-4E33-AC11-F95CBC0FB84C}" type="presParOf" srcId="{71F4B0F3-D811-4BDA-BE6B-8EFDBA2D8AED}" destId="{FAEA7500-A76E-4BA4-86A9-A28FB4FFBE65}" srcOrd="2" destOrd="0" presId="urn:microsoft.com/office/officeart/2005/8/layout/orgChart1"/>
-    <dgm:cxn modelId="{0BFAC1B6-6097-4DD3-A946-DE1451577876}" type="presParOf" srcId="{71F4B0F3-D811-4BDA-BE6B-8EFDBA2D8AED}" destId="{959CE7DC-067E-4D32-A09F-DC620D6F9979}" srcOrd="3" destOrd="0" presId="urn:microsoft.com/office/officeart/2005/8/layout/orgChart1"/>
-    <dgm:cxn modelId="{78086EAB-126E-4E78-A812-10C270ED9722}" type="presParOf" srcId="{959CE7DC-067E-4D32-A09F-DC620D6F9979}" destId="{0797E2FB-35F2-49E8-BFFD-467A3763300A}" srcOrd="0" destOrd="0" presId="urn:microsoft.com/office/officeart/2005/8/layout/orgChart1"/>
-    <dgm:cxn modelId="{AFF78014-0B3A-4753-8A0F-11FD20D91814}" type="presParOf" srcId="{0797E2FB-35F2-49E8-BFFD-467A3763300A}" destId="{EB7685EF-9290-4471-AB78-B49D313A5DC1}" srcOrd="0" destOrd="0" presId="urn:microsoft.com/office/officeart/2005/8/layout/orgChart1"/>
-    <dgm:cxn modelId="{380F8814-B10C-4B98-822C-16730C9C1819}" type="presParOf" srcId="{0797E2FB-35F2-49E8-BFFD-467A3763300A}" destId="{E7E9096E-5B85-4DAE-8A92-B32122D554DA}" srcOrd="1" destOrd="0" presId="urn:microsoft.com/office/officeart/2005/8/layout/orgChart1"/>
-    <dgm:cxn modelId="{0BFADF38-CB44-45DB-A286-EBDF6036C8C8}" type="presParOf" srcId="{959CE7DC-067E-4D32-A09F-DC620D6F9979}" destId="{60CD033D-F16C-4F63-9EF8-5FC60D8842B9}" srcOrd="1" destOrd="0" presId="urn:microsoft.com/office/officeart/2005/8/layout/orgChart1"/>
-    <dgm:cxn modelId="{22181EE5-7FB8-4F66-B9EC-8F07D7458BA2}" type="presParOf" srcId="{959CE7DC-067E-4D32-A09F-DC620D6F9979}" destId="{4443C065-8D5D-4627-8DA8-E5405478BFEC}" srcOrd="2" destOrd="0" presId="urn:microsoft.com/office/officeart/2005/8/layout/orgChart1"/>
-    <dgm:cxn modelId="{7BF708D8-FDB0-43BA-8BED-BA94B517677B}" type="presParOf" srcId="{6BE577AF-6307-4140-9603-B965B780DC9C}" destId="{887F5AE4-92E5-438E-A616-8F1C6758AA13}" srcOrd="2" destOrd="0" presId="urn:microsoft.com/office/officeart/2005/8/layout/orgChart1"/>
-    <dgm:cxn modelId="{F6EC1C62-4469-4195-BF97-125C8CAABE88}" type="presParOf" srcId="{306A379E-C1C6-4675-B242-2EF3DFF75286}" destId="{196C9AFB-3008-4ADE-AE21-853A5A81A889}" srcOrd="2" destOrd="0" presId="urn:microsoft.com/office/officeart/2005/8/layout/orgChart1"/>
-    <dgm:cxn modelId="{462ED83A-61EE-4BEE-BF8C-9E473E3D2C77}" type="presParOf" srcId="{306A379E-C1C6-4675-B242-2EF3DFF75286}" destId="{7A56CFF7-D0F7-429D-859D-542846B67EDE}" srcOrd="3" destOrd="0" presId="urn:microsoft.com/office/officeart/2005/8/layout/orgChart1"/>
-    <dgm:cxn modelId="{A0C043BC-B0B6-40DF-9705-62C3C8F2410F}" type="presParOf" srcId="{7A56CFF7-D0F7-429D-859D-542846B67EDE}" destId="{F7475E46-1631-4F1A-8D55-C9D64F40294E}" srcOrd="0" destOrd="0" presId="urn:microsoft.com/office/officeart/2005/8/layout/orgChart1"/>
-    <dgm:cxn modelId="{208DF9FD-DB47-40DA-8101-2EBAD6617BA0}" type="presParOf" srcId="{F7475E46-1631-4F1A-8D55-C9D64F40294E}" destId="{7516BFC7-C7EE-429F-8028-4E746B74A110}" srcOrd="0" destOrd="0" presId="urn:microsoft.com/office/officeart/2005/8/layout/orgChart1"/>
-    <dgm:cxn modelId="{015C2422-7DC0-4781-BA63-7117E768D94A}" type="presParOf" srcId="{F7475E46-1631-4F1A-8D55-C9D64F40294E}" destId="{D06A42CE-78DA-4F9F-AE2C-74462883B9DB}" srcOrd="1" destOrd="0" presId="urn:microsoft.com/office/officeart/2005/8/layout/orgChart1"/>
-    <dgm:cxn modelId="{DB7DA904-8D12-42F5-BE57-C079C4AA5AA9}" type="presParOf" srcId="{7A56CFF7-D0F7-429D-859D-542846B67EDE}" destId="{E619850C-BCCA-41D9-B4C1-69818E04516C}" srcOrd="1" destOrd="0" presId="urn:microsoft.com/office/officeart/2005/8/layout/orgChart1"/>
-    <dgm:cxn modelId="{1BC62325-A9A5-4730-B293-CF02B258D29E}" type="presParOf" srcId="{7A56CFF7-D0F7-429D-859D-542846B67EDE}" destId="{470D7942-75B1-4E99-8405-AF734CE6688B}" srcOrd="2" destOrd="0" presId="urn:microsoft.com/office/officeart/2005/8/layout/orgChart1"/>
-    <dgm:cxn modelId="{A30FC69E-878B-4B7F-A022-934040785207}" type="presParOf" srcId="{52407019-8438-4C22-9D70-879C08D9D38F}" destId="{96602300-B607-4A9F-BFD7-CA0D304F441E}" srcOrd="2" destOrd="0" presId="urn:microsoft.com/office/officeart/2005/8/layout/orgChart1"/>
+    <dgm:cxn modelId="{68437985-04A0-49E0-9238-EF2816856E7E}" type="presOf" srcId="{FCAF5CA3-E407-42DF-BFAF-B4C790CEB42E}" destId="{EB7685EF-9290-4471-AB78-B49D313A5DC1}" srcOrd="0" destOrd="0" presId="urn:microsoft.com/office/officeart/2005/8/layout/orgChart1"/>
+    <dgm:cxn modelId="{0219EEDF-463C-4553-9FD4-25F2977A89CB}" type="presOf" srcId="{BC546687-0DC4-454F-A03E-BB4296CBA200}" destId="{FAEA7500-A76E-4BA4-86A9-A28FB4FFBE65}" srcOrd="0" destOrd="0" presId="urn:microsoft.com/office/officeart/2005/8/layout/orgChart1"/>
+    <dgm:cxn modelId="{C8CE4479-A368-4436-8514-81132F5D12D0}" type="presOf" srcId="{CE6ACA6B-6BAA-482F-9E8D-2F3FC7DAE7DB}" destId="{196C9AFB-3008-4ADE-AE21-853A5A81A889}" srcOrd="0" destOrd="0" presId="urn:microsoft.com/office/officeart/2005/8/layout/orgChart1"/>
+    <dgm:cxn modelId="{7F00C632-4DF8-49EC-A936-E861D4147059}" type="presParOf" srcId="{8A67DA3C-0C84-4FD5-B299-37F023E8DB22}" destId="{52407019-8438-4C22-9D70-879C08D9D38F}" srcOrd="0" destOrd="0" presId="urn:microsoft.com/office/officeart/2005/8/layout/orgChart1"/>
+    <dgm:cxn modelId="{9DF21B7A-E410-417E-844B-2EAC9539464C}" type="presParOf" srcId="{52407019-8438-4C22-9D70-879C08D9D38F}" destId="{20F4FDFB-665E-408B-AF4D-479A34508253}" srcOrd="0" destOrd="0" presId="urn:microsoft.com/office/officeart/2005/8/layout/orgChart1"/>
+    <dgm:cxn modelId="{15CD3B3A-BD9A-4994-8BF0-563136F1EACE}" type="presParOf" srcId="{20F4FDFB-665E-408B-AF4D-479A34508253}" destId="{DE84DD93-A530-4686-933C-FF082EAE8304}" srcOrd="0" destOrd="0" presId="urn:microsoft.com/office/officeart/2005/8/layout/orgChart1"/>
+    <dgm:cxn modelId="{A56CE334-A1DB-4791-A120-2AFD7DB4BD71}" type="presParOf" srcId="{20F4FDFB-665E-408B-AF4D-479A34508253}" destId="{61A15FF2-A3B1-4858-804C-74AD7697E385}" srcOrd="1" destOrd="0" presId="urn:microsoft.com/office/officeart/2005/8/layout/orgChart1"/>
+    <dgm:cxn modelId="{5DA1C50D-0778-4898-848B-3ACABA527817}" type="presParOf" srcId="{52407019-8438-4C22-9D70-879C08D9D38F}" destId="{306A379E-C1C6-4675-B242-2EF3DFF75286}" srcOrd="1" destOrd="0" presId="urn:microsoft.com/office/officeart/2005/8/layout/orgChart1"/>
+    <dgm:cxn modelId="{7678FAEA-8FC6-410F-BF2A-EF9F7F56A2AC}" type="presParOf" srcId="{306A379E-C1C6-4675-B242-2EF3DFF75286}" destId="{9236482F-9E78-45CF-983F-8C94FFC7C1E1}" srcOrd="0" destOrd="0" presId="urn:microsoft.com/office/officeart/2005/8/layout/orgChart1"/>
+    <dgm:cxn modelId="{FCE53775-E1ED-48E8-BD7F-C1F746200A76}" type="presParOf" srcId="{306A379E-C1C6-4675-B242-2EF3DFF75286}" destId="{6BE577AF-6307-4140-9603-B965B780DC9C}" srcOrd="1" destOrd="0" presId="urn:microsoft.com/office/officeart/2005/8/layout/orgChart1"/>
+    <dgm:cxn modelId="{C93BF86D-0817-4DD7-953A-A563A9A6EB3C}" type="presParOf" srcId="{6BE577AF-6307-4140-9603-B965B780DC9C}" destId="{C532B48E-16AB-4C7D-8240-5366C052AB1F}" srcOrd="0" destOrd="0" presId="urn:microsoft.com/office/officeart/2005/8/layout/orgChart1"/>
+    <dgm:cxn modelId="{CC1E966D-2494-4238-942D-CA94733C3BD1}" type="presParOf" srcId="{C532B48E-16AB-4C7D-8240-5366C052AB1F}" destId="{350C89A5-4C33-41CD-BE00-D45BB782986B}" srcOrd="0" destOrd="0" presId="urn:microsoft.com/office/officeart/2005/8/layout/orgChart1"/>
+    <dgm:cxn modelId="{413DF656-391E-458B-948B-C08F33579675}" type="presParOf" srcId="{C532B48E-16AB-4C7D-8240-5366C052AB1F}" destId="{99F55C7A-3A6D-46F6-AD23-25BA8E6295F1}" srcOrd="1" destOrd="0" presId="urn:microsoft.com/office/officeart/2005/8/layout/orgChart1"/>
+    <dgm:cxn modelId="{50CEC80E-E12D-4CCD-9649-908E8BF1DEE6}" type="presParOf" srcId="{6BE577AF-6307-4140-9603-B965B780DC9C}" destId="{71F4B0F3-D811-4BDA-BE6B-8EFDBA2D8AED}" srcOrd="1" destOrd="0" presId="urn:microsoft.com/office/officeart/2005/8/layout/orgChart1"/>
+    <dgm:cxn modelId="{06087401-4DF6-4446-9342-00BD92B15003}" type="presParOf" srcId="{71F4B0F3-D811-4BDA-BE6B-8EFDBA2D8AED}" destId="{10031303-D6CC-460D-8477-671AC540691F}" srcOrd="0" destOrd="0" presId="urn:microsoft.com/office/officeart/2005/8/layout/orgChart1"/>
+    <dgm:cxn modelId="{74210C1E-9D75-4736-A91F-95005DCB8472}" type="presParOf" srcId="{71F4B0F3-D811-4BDA-BE6B-8EFDBA2D8AED}" destId="{7A63EBB7-17A9-4312-B54A-112F0EE2449A}" srcOrd="1" destOrd="0" presId="urn:microsoft.com/office/officeart/2005/8/layout/orgChart1"/>
+    <dgm:cxn modelId="{45B09708-D1A6-47C9-845E-52D6F3B922CA}" type="presParOf" srcId="{7A63EBB7-17A9-4312-B54A-112F0EE2449A}" destId="{1595364F-B164-43B7-B691-C6DECB3D7178}" srcOrd="0" destOrd="0" presId="urn:microsoft.com/office/officeart/2005/8/layout/orgChart1"/>
+    <dgm:cxn modelId="{CDC1AFAF-4B01-4215-987C-BC2223164784}" type="presParOf" srcId="{1595364F-B164-43B7-B691-C6DECB3D7178}" destId="{73A11444-7B4F-40B6-B2AC-83417D2CA7EE}" srcOrd="0" destOrd="0" presId="urn:microsoft.com/office/officeart/2005/8/layout/orgChart1"/>
+    <dgm:cxn modelId="{A8479A51-5800-4B08-9334-16803934D71F}" type="presParOf" srcId="{1595364F-B164-43B7-B691-C6DECB3D7178}" destId="{30763E42-66EC-4DE4-A0FD-8EFA5B2B8A7A}" srcOrd="1" destOrd="0" presId="urn:microsoft.com/office/officeart/2005/8/layout/orgChart1"/>
+    <dgm:cxn modelId="{EDECA79C-70CA-4A0F-9F8F-E6DA5DFE2E6D}" type="presParOf" srcId="{7A63EBB7-17A9-4312-B54A-112F0EE2449A}" destId="{A89E9F4C-D242-4ACD-8150-008EA6F68A2F}" srcOrd="1" destOrd="0" presId="urn:microsoft.com/office/officeart/2005/8/layout/orgChart1"/>
+    <dgm:cxn modelId="{B9B9675A-E719-4B9A-B205-CA70931B1A7C}" type="presParOf" srcId="{7A63EBB7-17A9-4312-B54A-112F0EE2449A}" destId="{8BFF7AF2-2479-4266-86BC-D750EED5C377}" srcOrd="2" destOrd="0" presId="urn:microsoft.com/office/officeart/2005/8/layout/orgChart1"/>
+    <dgm:cxn modelId="{3B31CF11-EF25-462C-B07D-C4582D36EEC8}" type="presParOf" srcId="{71F4B0F3-D811-4BDA-BE6B-8EFDBA2D8AED}" destId="{FAEA7500-A76E-4BA4-86A9-A28FB4FFBE65}" srcOrd="2" destOrd="0" presId="urn:microsoft.com/office/officeart/2005/8/layout/orgChart1"/>
+    <dgm:cxn modelId="{D27AE57B-C3D0-4CF6-BA4B-99932BD22AEA}" type="presParOf" srcId="{71F4B0F3-D811-4BDA-BE6B-8EFDBA2D8AED}" destId="{959CE7DC-067E-4D32-A09F-DC620D6F9979}" srcOrd="3" destOrd="0" presId="urn:microsoft.com/office/officeart/2005/8/layout/orgChart1"/>
+    <dgm:cxn modelId="{36DB7DC9-DB81-4CC0-A82B-682372DD016F}" type="presParOf" srcId="{959CE7DC-067E-4D32-A09F-DC620D6F9979}" destId="{0797E2FB-35F2-49E8-BFFD-467A3763300A}" srcOrd="0" destOrd="0" presId="urn:microsoft.com/office/officeart/2005/8/layout/orgChart1"/>
+    <dgm:cxn modelId="{45D03E9A-ED61-475D-8CAD-4A50AA1F8095}" type="presParOf" srcId="{0797E2FB-35F2-49E8-BFFD-467A3763300A}" destId="{EB7685EF-9290-4471-AB78-B49D313A5DC1}" srcOrd="0" destOrd="0" presId="urn:microsoft.com/office/officeart/2005/8/layout/orgChart1"/>
+    <dgm:cxn modelId="{D6B66EEF-93A5-44E6-8866-3CA0FC6602A3}" type="presParOf" srcId="{0797E2FB-35F2-49E8-BFFD-467A3763300A}" destId="{E7E9096E-5B85-4DAE-8A92-B32122D554DA}" srcOrd="1" destOrd="0" presId="urn:microsoft.com/office/officeart/2005/8/layout/orgChart1"/>
+    <dgm:cxn modelId="{57B92AAA-DBD9-411F-9105-0E498BB39595}" type="presParOf" srcId="{959CE7DC-067E-4D32-A09F-DC620D6F9979}" destId="{60CD033D-F16C-4F63-9EF8-5FC60D8842B9}" srcOrd="1" destOrd="0" presId="urn:microsoft.com/office/officeart/2005/8/layout/orgChart1"/>
+    <dgm:cxn modelId="{6FAE577C-1FFC-4130-933E-CCB73C2E6154}" type="presParOf" srcId="{959CE7DC-067E-4D32-A09F-DC620D6F9979}" destId="{4443C065-8D5D-4627-8DA8-E5405478BFEC}" srcOrd="2" destOrd="0" presId="urn:microsoft.com/office/officeart/2005/8/layout/orgChart1"/>
+    <dgm:cxn modelId="{397EFDA9-CDCE-4348-8644-D40CD82EFBCE}" type="presParOf" srcId="{6BE577AF-6307-4140-9603-B965B780DC9C}" destId="{887F5AE4-92E5-438E-A616-8F1C6758AA13}" srcOrd="2" destOrd="0" presId="urn:microsoft.com/office/officeart/2005/8/layout/orgChart1"/>
+    <dgm:cxn modelId="{A797A512-DC36-425D-93E8-478D41EF2A43}" type="presParOf" srcId="{306A379E-C1C6-4675-B242-2EF3DFF75286}" destId="{196C9AFB-3008-4ADE-AE21-853A5A81A889}" srcOrd="2" destOrd="0" presId="urn:microsoft.com/office/officeart/2005/8/layout/orgChart1"/>
+    <dgm:cxn modelId="{32A364DC-10DB-4812-8D2B-5E155D696B03}" type="presParOf" srcId="{306A379E-C1C6-4675-B242-2EF3DFF75286}" destId="{7A56CFF7-D0F7-429D-859D-542846B67EDE}" srcOrd="3" destOrd="0" presId="urn:microsoft.com/office/officeart/2005/8/layout/orgChart1"/>
+    <dgm:cxn modelId="{238BA447-1A7C-4672-A7FE-94165E2E1367}" type="presParOf" srcId="{7A56CFF7-D0F7-429D-859D-542846B67EDE}" destId="{F7475E46-1631-4F1A-8D55-C9D64F40294E}" srcOrd="0" destOrd="0" presId="urn:microsoft.com/office/officeart/2005/8/layout/orgChart1"/>
+    <dgm:cxn modelId="{D054974D-73D1-4001-BD98-480D3C09C513}" type="presParOf" srcId="{F7475E46-1631-4F1A-8D55-C9D64F40294E}" destId="{7516BFC7-C7EE-429F-8028-4E746B74A110}" srcOrd="0" destOrd="0" presId="urn:microsoft.com/office/officeart/2005/8/layout/orgChart1"/>
+    <dgm:cxn modelId="{DC569CAB-6976-4A9A-A7F4-88E38B9F01FC}" type="presParOf" srcId="{F7475E46-1631-4F1A-8D55-C9D64F40294E}" destId="{D06A42CE-78DA-4F9F-AE2C-74462883B9DB}" srcOrd="1" destOrd="0" presId="urn:microsoft.com/office/officeart/2005/8/layout/orgChart1"/>
+    <dgm:cxn modelId="{31CF5C19-EB39-47D5-8C44-C50CABEEFE75}" type="presParOf" srcId="{7A56CFF7-D0F7-429D-859D-542846B67EDE}" destId="{E619850C-BCCA-41D9-B4C1-69818E04516C}" srcOrd="1" destOrd="0" presId="urn:microsoft.com/office/officeart/2005/8/layout/orgChart1"/>
+    <dgm:cxn modelId="{FBFB4F9A-ED95-4583-A680-7A1E8FF2FB6D}" type="presParOf" srcId="{7A56CFF7-D0F7-429D-859D-542846B67EDE}" destId="{470D7942-75B1-4E99-8405-AF734CE6688B}" srcOrd="2" destOrd="0" presId="urn:microsoft.com/office/officeart/2005/8/layout/orgChart1"/>
+    <dgm:cxn modelId="{F2629C48-FB66-4257-92D3-0D490277F09E}" type="presParOf" srcId="{52407019-8438-4C22-9D70-879C08D9D38F}" destId="{96602300-B607-4A9F-BFD7-CA0D304F441E}" srcOrd="2" destOrd="0" presId="urn:microsoft.com/office/officeart/2005/8/layout/orgChart1"/>
   </dgm:cxnLst>
   <dgm:bg/>
   <dgm:whole/>
   <dgm:extLst>
     <a:ext uri="http://schemas.microsoft.com/office/drawing/2008/diagram">
-      <dsp:dataModelExt xmlns:dsp="http://schemas.microsoft.com/office/drawing/2008/diagram" relId="rId7" minVer="http://schemas.openxmlformats.org/drawingml/2006/diagram"/>
+      <dsp:dataModelExt xmlns:dsp="http://schemas.microsoft.com/office/drawing/2008/diagram" relId="rId6" minVer="http://schemas.openxmlformats.org/drawingml/2006/diagram"/>
     </a:ext>
   </dgm:extLst>
 </dgm:dataModel>
 </file>
 
-<file path=ppt/diagrams/data4.xml><?xml version="1.0" encoding="utf-8"?>
+<file path=ppt/diagrams/data5.xml><?xml version="1.0" encoding="utf-8"?>
 <dgm:dataModel xmlns:dgm="http://schemas.openxmlformats.org/drawingml/2006/diagram" xmlns:a="http://schemas.openxmlformats.org/drawingml/2006/main">
   <dgm:ptLst>
     <dgm:pt modelId="{14A8950B-62A0-4DAD-925A-2905D54F7A1D}" type="doc">
@@ -7855,7 +9123,7 @@
 </dgm:dataModel>
 </file>
 
-<file path=ppt/diagrams/data5.xml><?xml version="1.0" encoding="utf-8"?>
+<file path=ppt/diagrams/data6.xml><?xml version="1.0" encoding="utf-8"?>
 <dgm:dataModel xmlns:dgm="http://schemas.openxmlformats.org/drawingml/2006/diagram" xmlns:a="http://schemas.openxmlformats.org/drawingml/2006/main">
   <dgm:ptLst>
     <dgm:pt modelId="{6FFF5805-74ED-4CBB-AA9C-6D5592CE2DEB}" type="doc">
@@ -8327,7 +9595,7 @@
 </dgm:dataModel>
 </file>
 
-<file path=ppt/diagrams/data6.xml><?xml version="1.0" encoding="utf-8"?>
+<file path=ppt/diagrams/data7.xml><?xml version="1.0" encoding="utf-8"?>
 <dgm:dataModel xmlns:dgm="http://schemas.openxmlformats.org/drawingml/2006/diagram" xmlns:a="http://schemas.openxmlformats.org/drawingml/2006/main">
   <dgm:ptLst>
     <dgm:pt modelId="{E4157B51-576D-4343-9B52-24016537921A}" type="doc">
@@ -9373,7 +10641,7 @@
 </dgm:dataModel>
 </file>
 
-<file path=ppt/diagrams/data7.xml><?xml version="1.0" encoding="utf-8"?>
+<file path=ppt/diagrams/data8.xml><?xml version="1.0" encoding="utf-8"?>
 <dgm:dataModel xmlns:dgm="http://schemas.openxmlformats.org/drawingml/2006/diagram" xmlns:a="http://schemas.openxmlformats.org/drawingml/2006/main">
   <dgm:ptLst>
     <dgm:pt modelId="{5BFB5706-00DD-42BD-8484-3F0A58F8E3CE}" type="doc">
@@ -9920,7 +11188,7 @@
 </dgm:dataModel>
 </file>
 
-<file path=ppt/diagrams/data8.xml><?xml version="1.0" encoding="utf-8"?>
+<file path=ppt/diagrams/data9.xml><?xml version="1.0" encoding="utf-8"?>
 <dgm:dataModel xmlns:dgm="http://schemas.openxmlformats.org/drawingml/2006/diagram" xmlns:a="http://schemas.openxmlformats.org/drawingml/2006/main">
   <dgm:ptLst>
     <dgm:pt modelId="{B031DAD4-69FD-42E4-818C-7AAFED58E368}" type="doc">
@@ -10995,6 +12263,624 @@
       <dsp:cNvGrpSpPr/>
     </dsp:nvGrpSpPr>
     <dsp:grpSpPr/>
+    <dsp:sp modelId="{3BABEC06-8EAB-402F-8FF5-0AAA17EB166C}">
+      <dsp:nvSpPr>
+        <dsp:cNvPr id="0" name=""/>
+        <dsp:cNvSpPr/>
+      </dsp:nvSpPr>
+      <dsp:spPr>
+        <a:xfrm>
+          <a:off x="4969332" y="2111493"/>
+          <a:ext cx="3268275" cy="654609"/>
+        </a:xfrm>
+        <a:custGeom>
+          <a:avLst/>
+          <a:gdLst/>
+          <a:ahLst/>
+          <a:cxnLst/>
+          <a:rect l="0" t="0" r="0" b="0"/>
+          <a:pathLst>
+            <a:path>
+              <a:moveTo>
+                <a:pt x="0" y="0"/>
+              </a:moveTo>
+              <a:lnTo>
+                <a:pt x="0" y="390745"/>
+              </a:lnTo>
+              <a:lnTo>
+                <a:pt x="3268275" y="390745"/>
+              </a:lnTo>
+              <a:lnTo>
+                <a:pt x="3268275" y="654609"/>
+              </a:lnTo>
+            </a:path>
+          </a:pathLst>
+        </a:custGeom>
+        <a:noFill/>
+        <a:ln w="12700" cap="flat" cmpd="sng" algn="ctr">
+          <a:solidFill>
+            <a:schemeClr val="accent1">
+              <a:shade val="60000"/>
+              <a:hueOff val="0"/>
+              <a:satOff val="0"/>
+              <a:lumOff val="0"/>
+              <a:alphaOff val="0"/>
+            </a:schemeClr>
+          </a:solidFill>
+          <a:prstDash val="solid"/>
+          <a:miter lim="800000"/>
+        </a:ln>
+        <a:effectLst/>
+      </dsp:spPr>
+      <dsp:style>
+        <a:lnRef idx="2">
+          <a:scrgbClr r="0" g="0" b="0"/>
+        </a:lnRef>
+        <a:fillRef idx="0">
+          <a:scrgbClr r="0" g="0" b="0"/>
+        </a:fillRef>
+        <a:effectRef idx="0">
+          <a:scrgbClr r="0" g="0" b="0"/>
+        </a:effectRef>
+        <a:fontRef idx="minor"/>
+      </dsp:style>
+    </dsp:sp>
+    <dsp:sp modelId="{59C72734-90A5-4DA4-855C-6C9589B4085D}">
+      <dsp:nvSpPr>
+        <dsp:cNvPr id="0" name=""/>
+        <dsp:cNvSpPr/>
+      </dsp:nvSpPr>
+      <dsp:spPr>
+        <a:xfrm>
+          <a:off x="4921615" y="2111493"/>
+          <a:ext cx="91440" cy="654609"/>
+        </a:xfrm>
+        <a:custGeom>
+          <a:avLst/>
+          <a:gdLst/>
+          <a:ahLst/>
+          <a:cxnLst/>
+          <a:rect l="0" t="0" r="0" b="0"/>
+          <a:pathLst>
+            <a:path>
+              <a:moveTo>
+                <a:pt x="47717" y="0"/>
+              </a:moveTo>
+              <a:lnTo>
+                <a:pt x="47717" y="390745"/>
+              </a:lnTo>
+              <a:lnTo>
+                <a:pt x="45720" y="390745"/>
+              </a:lnTo>
+              <a:lnTo>
+                <a:pt x="45720" y="654609"/>
+              </a:lnTo>
+            </a:path>
+          </a:pathLst>
+        </a:custGeom>
+        <a:noFill/>
+        <a:ln w="12700" cap="flat" cmpd="sng" algn="ctr">
+          <a:solidFill>
+            <a:schemeClr val="accent1">
+              <a:shade val="60000"/>
+              <a:hueOff val="0"/>
+              <a:satOff val="0"/>
+              <a:lumOff val="0"/>
+              <a:alphaOff val="0"/>
+            </a:schemeClr>
+          </a:solidFill>
+          <a:prstDash val="solid"/>
+          <a:miter lim="800000"/>
+        </a:ln>
+        <a:effectLst/>
+      </dsp:spPr>
+      <dsp:style>
+        <a:lnRef idx="2">
+          <a:scrgbClr r="0" g="0" b="0"/>
+        </a:lnRef>
+        <a:fillRef idx="0">
+          <a:scrgbClr r="0" g="0" b="0"/>
+        </a:fillRef>
+        <a:effectRef idx="0">
+          <a:scrgbClr r="0" g="0" b="0"/>
+        </a:effectRef>
+        <a:fontRef idx="minor"/>
+      </dsp:style>
+    </dsp:sp>
+    <dsp:sp modelId="{DEBF7090-9372-4FAF-8016-9A5B48FE2DA9}">
+      <dsp:nvSpPr>
+        <dsp:cNvPr id="0" name=""/>
+        <dsp:cNvSpPr/>
+      </dsp:nvSpPr>
+      <dsp:spPr>
+        <a:xfrm>
+          <a:off x="1478620" y="2111493"/>
+          <a:ext cx="3490712" cy="654609"/>
+        </a:xfrm>
+        <a:custGeom>
+          <a:avLst/>
+          <a:gdLst/>
+          <a:ahLst/>
+          <a:cxnLst/>
+          <a:rect l="0" t="0" r="0" b="0"/>
+          <a:pathLst>
+            <a:path>
+              <a:moveTo>
+                <a:pt x="3490712" y="0"/>
+              </a:moveTo>
+              <a:lnTo>
+                <a:pt x="3490712" y="390745"/>
+              </a:lnTo>
+              <a:lnTo>
+                <a:pt x="0" y="390745"/>
+              </a:lnTo>
+              <a:lnTo>
+                <a:pt x="0" y="654609"/>
+              </a:lnTo>
+            </a:path>
+          </a:pathLst>
+        </a:custGeom>
+        <a:noFill/>
+        <a:ln w="12700" cap="flat" cmpd="sng" algn="ctr">
+          <a:solidFill>
+            <a:schemeClr val="accent1">
+              <a:shade val="60000"/>
+              <a:hueOff val="0"/>
+              <a:satOff val="0"/>
+              <a:lumOff val="0"/>
+              <a:alphaOff val="0"/>
+            </a:schemeClr>
+          </a:solidFill>
+          <a:prstDash val="solid"/>
+          <a:miter lim="800000"/>
+        </a:ln>
+        <a:effectLst/>
+      </dsp:spPr>
+      <dsp:style>
+        <a:lnRef idx="2">
+          <a:scrgbClr r="0" g="0" b="0"/>
+        </a:lnRef>
+        <a:fillRef idx="0">
+          <a:scrgbClr r="0" g="0" b="0"/>
+        </a:fillRef>
+        <a:effectRef idx="0">
+          <a:scrgbClr r="0" g="0" b="0"/>
+        </a:effectRef>
+        <a:fontRef idx="minor"/>
+      </dsp:style>
+    </dsp:sp>
+    <dsp:sp modelId="{E2CFB2BF-E53E-4F52-B845-464EFDA84163}">
+      <dsp:nvSpPr>
+        <dsp:cNvPr id="0" name=""/>
+        <dsp:cNvSpPr/>
+      </dsp:nvSpPr>
+      <dsp:spPr>
+        <a:xfrm>
+          <a:off x="3712835" y="376785"/>
+          <a:ext cx="2512994" cy="1734707"/>
+        </a:xfrm>
+        <a:prstGeom prst="rect">
+          <a:avLst/>
+        </a:prstGeom>
+        <a:solidFill>
+          <a:schemeClr val="accent1">
+            <a:hueOff val="0"/>
+            <a:satOff val="0"/>
+            <a:lumOff val="0"/>
+            <a:alphaOff val="0"/>
+          </a:schemeClr>
+        </a:solidFill>
+        <a:ln w="12700" cap="flat" cmpd="sng" algn="ctr">
+          <a:solidFill>
+            <a:schemeClr val="lt1">
+              <a:hueOff val="0"/>
+              <a:satOff val="0"/>
+              <a:lumOff val="0"/>
+              <a:alphaOff val="0"/>
+            </a:schemeClr>
+          </a:solidFill>
+          <a:prstDash val="solid"/>
+          <a:miter lim="800000"/>
+        </a:ln>
+        <a:effectLst/>
+      </dsp:spPr>
+      <dsp:style>
+        <a:lnRef idx="2">
+          <a:scrgbClr r="0" g="0" b="0"/>
+        </a:lnRef>
+        <a:fillRef idx="1">
+          <a:scrgbClr r="0" g="0" b="0"/>
+        </a:fillRef>
+        <a:effectRef idx="0">
+          <a:scrgbClr r="0" g="0" b="0"/>
+        </a:effectRef>
+        <a:fontRef idx="minor">
+          <a:schemeClr val="lt1"/>
+        </a:fontRef>
+      </dsp:style>
+      <dsp:txBody>
+        <a:bodyPr spcFirstLastPara="0" vert="horz" wrap="square" lIns="15240" tIns="15240" rIns="15240" bIns="15240" numCol="1" spcCol="1270" anchor="ctr" anchorCtr="0">
+          <a:noAutofit/>
+        </a:bodyPr>
+        <a:lstStyle/>
+        <a:p>
+          <a:pPr lvl="0" algn="ctr" defTabSz="1066800">
+            <a:lnSpc>
+              <a:spcPct val="90000"/>
+            </a:lnSpc>
+            <a:spcBef>
+              <a:spcPct val="0"/>
+            </a:spcBef>
+            <a:spcAft>
+              <a:spcPct val="35000"/>
+            </a:spcAft>
+          </a:pPr>
+          <a:r>
+            <a:rPr lang="en-US" sz="2400" kern="1200" dirty="0" smtClean="0"/>
+            <a:t>Printer</a:t>
+          </a:r>
+          <a:endParaRPr lang="en-US" sz="1700" kern="1200" dirty="0" smtClean="0"/>
+        </a:p>
+        <a:p>
+          <a:pPr lvl="0" algn="ctr" defTabSz="1066800">
+            <a:lnSpc>
+              <a:spcPct val="90000"/>
+            </a:lnSpc>
+            <a:spcBef>
+              <a:spcPct val="0"/>
+            </a:spcBef>
+            <a:spcAft>
+              <a:spcPct val="35000"/>
+            </a:spcAft>
+          </a:pPr>
+          <a:r>
+            <a:rPr lang="en-US" sz="1600" kern="1200" dirty="0" smtClean="0"/>
+            <a:t>void Print</a:t>
+          </a:r>
+        </a:p>
+        <a:p>
+          <a:pPr lvl="0" algn="ctr" defTabSz="1066800">
+            <a:lnSpc>
+              <a:spcPct val="90000"/>
+            </a:lnSpc>
+            <a:spcBef>
+              <a:spcPct val="0"/>
+            </a:spcBef>
+            <a:spcAft>
+              <a:spcPct val="35000"/>
+            </a:spcAft>
+          </a:pPr>
+          <a:r>
+            <a:rPr lang="en-US" sz="1600" kern="1200" dirty="0" smtClean="0"/>
+            <a:t>void </a:t>
+          </a:r>
+          <a:r>
+            <a:rPr lang="en-US" sz="1600" kern="1200" dirty="0" err="1" smtClean="0"/>
+            <a:t>LoadPaper</a:t>
+          </a:r>
+          <a:endParaRPr lang="en-US" sz="1600" kern="1200" dirty="0" smtClean="0"/>
+        </a:p>
+        <a:p>
+          <a:pPr lvl="0" algn="ctr" defTabSz="1066800">
+            <a:lnSpc>
+              <a:spcPct val="90000"/>
+            </a:lnSpc>
+            <a:spcBef>
+              <a:spcPct val="0"/>
+            </a:spcBef>
+            <a:spcAft>
+              <a:spcPct val="35000"/>
+            </a:spcAft>
+          </a:pPr>
+          <a:r>
+            <a:rPr lang="en-US" sz="1600" kern="1200" dirty="0" smtClean="0"/>
+            <a:t>void </a:t>
+          </a:r>
+          <a:r>
+            <a:rPr lang="en-US" sz="1600" kern="1200" dirty="0" err="1" smtClean="0"/>
+            <a:t>EjectedPrintedOutput</a:t>
+          </a:r>
+          <a:endParaRPr lang="en-US" sz="1600" kern="1200" dirty="0" smtClean="0"/>
+        </a:p>
+        <a:p>
+          <a:pPr lvl="0" algn="ctr" defTabSz="1066800">
+            <a:lnSpc>
+              <a:spcPct val="90000"/>
+            </a:lnSpc>
+            <a:spcBef>
+              <a:spcPct val="0"/>
+            </a:spcBef>
+            <a:spcAft>
+              <a:spcPct val="35000"/>
+            </a:spcAft>
+          </a:pPr>
+          <a:r>
+            <a:rPr lang="en-US" sz="1600" kern="1200" dirty="0" err="1" smtClean="0"/>
+            <a:t>bool</a:t>
+          </a:r>
+          <a:r>
+            <a:rPr lang="en-US" sz="1600" kern="1200" dirty="0" smtClean="0"/>
+            <a:t> </a:t>
+          </a:r>
+          <a:r>
+            <a:rPr lang="en-US" sz="1600" kern="1200" dirty="0" err="1" smtClean="0"/>
+            <a:t>IsReady</a:t>
+          </a:r>
+          <a:endParaRPr lang="en-US" sz="1600" kern="1200" dirty="0"/>
+        </a:p>
+      </dsp:txBody>
+      <dsp:txXfrm>
+        <a:off x="3712835" y="376785"/>
+        <a:ext cx="2512994" cy="1734707"/>
+      </dsp:txXfrm>
+    </dsp:sp>
+    <dsp:sp modelId="{8AC70D85-DFD0-41C5-A5FE-4AEE87E94A0C}">
+      <dsp:nvSpPr>
+        <dsp:cNvPr id="0" name=""/>
+        <dsp:cNvSpPr/>
+      </dsp:nvSpPr>
+      <dsp:spPr>
+        <a:xfrm>
+          <a:off x="3680" y="2766103"/>
+          <a:ext cx="2949878" cy="1070573"/>
+        </a:xfrm>
+        <a:prstGeom prst="rect">
+          <a:avLst/>
+        </a:prstGeom>
+        <a:solidFill>
+          <a:schemeClr val="accent1">
+            <a:hueOff val="0"/>
+            <a:satOff val="0"/>
+            <a:lumOff val="0"/>
+            <a:alphaOff val="0"/>
+          </a:schemeClr>
+        </a:solidFill>
+        <a:ln w="12700" cap="flat" cmpd="sng" algn="ctr">
+          <a:solidFill>
+            <a:schemeClr val="lt1">
+              <a:hueOff val="0"/>
+              <a:satOff val="0"/>
+              <a:lumOff val="0"/>
+              <a:alphaOff val="0"/>
+            </a:schemeClr>
+          </a:solidFill>
+          <a:prstDash val="solid"/>
+          <a:miter lim="800000"/>
+        </a:ln>
+        <a:effectLst/>
+      </dsp:spPr>
+      <dsp:style>
+        <a:lnRef idx="2">
+          <a:scrgbClr r="0" g="0" b="0"/>
+        </a:lnRef>
+        <a:fillRef idx="1">
+          <a:scrgbClr r="0" g="0" b="0"/>
+        </a:fillRef>
+        <a:effectRef idx="0">
+          <a:scrgbClr r="0" g="0" b="0"/>
+        </a:effectRef>
+        <a:fontRef idx="minor">
+          <a:schemeClr val="lt1"/>
+        </a:fontRef>
+      </dsp:style>
+      <dsp:txBody>
+        <a:bodyPr spcFirstLastPara="0" vert="horz" wrap="square" lIns="15240" tIns="15240" rIns="15240" bIns="15240" numCol="1" spcCol="1270" anchor="ctr" anchorCtr="0">
+          <a:noAutofit/>
+        </a:bodyPr>
+        <a:lstStyle/>
+        <a:p>
+          <a:pPr lvl="0" algn="ctr" defTabSz="1066800">
+            <a:lnSpc>
+              <a:spcPct val="90000"/>
+            </a:lnSpc>
+            <a:spcBef>
+              <a:spcPct val="0"/>
+            </a:spcBef>
+            <a:spcAft>
+              <a:spcPct val="35000"/>
+            </a:spcAft>
+          </a:pPr>
+          <a:r>
+            <a:rPr lang="en-US" sz="2400" kern="1200" dirty="0" err="1" smtClean="0"/>
+            <a:t>InkJetPrinter</a:t>
+          </a:r>
+          <a:endParaRPr lang="en-US" sz="1600" kern="1200" dirty="0"/>
+        </a:p>
+      </dsp:txBody>
+      <dsp:txXfrm>
+        <a:off x="3680" y="2766103"/>
+        <a:ext cx="2949878" cy="1070573"/>
+      </dsp:txXfrm>
+    </dsp:sp>
+    <dsp:sp modelId="{4FDC0DA7-637D-42FA-A790-1EA8A8D1606F}">
+      <dsp:nvSpPr>
+        <dsp:cNvPr id="0" name=""/>
+        <dsp:cNvSpPr/>
+      </dsp:nvSpPr>
+      <dsp:spPr>
+        <a:xfrm>
+          <a:off x="3481288" y="2766103"/>
+          <a:ext cx="2972093" cy="1081266"/>
+        </a:xfrm>
+        <a:prstGeom prst="rect">
+          <a:avLst/>
+        </a:prstGeom>
+        <a:solidFill>
+          <a:schemeClr val="accent1">
+            <a:hueOff val="0"/>
+            <a:satOff val="0"/>
+            <a:lumOff val="0"/>
+            <a:alphaOff val="0"/>
+          </a:schemeClr>
+        </a:solidFill>
+        <a:ln w="12700" cap="flat" cmpd="sng" algn="ctr">
+          <a:solidFill>
+            <a:schemeClr val="lt1">
+              <a:hueOff val="0"/>
+              <a:satOff val="0"/>
+              <a:lumOff val="0"/>
+              <a:alphaOff val="0"/>
+            </a:schemeClr>
+          </a:solidFill>
+          <a:prstDash val="solid"/>
+          <a:miter lim="800000"/>
+        </a:ln>
+        <a:effectLst/>
+      </dsp:spPr>
+      <dsp:style>
+        <a:lnRef idx="2">
+          <a:scrgbClr r="0" g="0" b="0"/>
+        </a:lnRef>
+        <a:fillRef idx="1">
+          <a:scrgbClr r="0" g="0" b="0"/>
+        </a:fillRef>
+        <a:effectRef idx="0">
+          <a:scrgbClr r="0" g="0" b="0"/>
+        </a:effectRef>
+        <a:fontRef idx="minor">
+          <a:schemeClr val="lt1"/>
+        </a:fontRef>
+      </dsp:style>
+      <dsp:txBody>
+        <a:bodyPr spcFirstLastPara="0" vert="horz" wrap="square" lIns="15240" tIns="15240" rIns="15240" bIns="15240" numCol="1" spcCol="1270" anchor="ctr" anchorCtr="0">
+          <a:noAutofit/>
+        </a:bodyPr>
+        <a:lstStyle/>
+        <a:p>
+          <a:pPr lvl="0" algn="ctr" defTabSz="1066800">
+            <a:lnSpc>
+              <a:spcPct val="90000"/>
+            </a:lnSpc>
+            <a:spcBef>
+              <a:spcPct val="0"/>
+            </a:spcBef>
+            <a:spcAft>
+              <a:spcPct val="35000"/>
+            </a:spcAft>
+          </a:pPr>
+          <a:r>
+            <a:rPr lang="en-US" sz="2400" kern="1200" dirty="0" err="1" smtClean="0"/>
+            <a:t>LaserPrinter</a:t>
+          </a:r>
+          <a:endParaRPr lang="en-US" sz="1600" kern="1200" dirty="0"/>
+        </a:p>
+      </dsp:txBody>
+      <dsp:txXfrm>
+        <a:off x="3481288" y="2766103"/>
+        <a:ext cx="2972093" cy="1081266"/>
+      </dsp:txXfrm>
+    </dsp:sp>
+    <dsp:sp modelId="{895AEE3A-FFC3-4569-8839-9B9184E6B9BC}">
+      <dsp:nvSpPr>
+        <dsp:cNvPr id="0" name=""/>
+        <dsp:cNvSpPr/>
+      </dsp:nvSpPr>
+      <dsp:spPr>
+        <a:xfrm>
+          <a:off x="6981110" y="2766103"/>
+          <a:ext cx="2512994" cy="1081567"/>
+        </a:xfrm>
+        <a:prstGeom prst="rect">
+          <a:avLst/>
+        </a:prstGeom>
+        <a:solidFill>
+          <a:schemeClr val="accent1">
+            <a:hueOff val="0"/>
+            <a:satOff val="0"/>
+            <a:lumOff val="0"/>
+            <a:alphaOff val="0"/>
+          </a:schemeClr>
+        </a:solidFill>
+        <a:ln w="12700" cap="flat" cmpd="sng" algn="ctr">
+          <a:solidFill>
+            <a:schemeClr val="lt1">
+              <a:hueOff val="0"/>
+              <a:satOff val="0"/>
+              <a:lumOff val="0"/>
+              <a:alphaOff val="0"/>
+            </a:schemeClr>
+          </a:solidFill>
+          <a:prstDash val="solid"/>
+          <a:miter lim="800000"/>
+        </a:ln>
+        <a:effectLst/>
+      </dsp:spPr>
+      <dsp:style>
+        <a:lnRef idx="2">
+          <a:scrgbClr r="0" g="0" b="0"/>
+        </a:lnRef>
+        <a:fillRef idx="1">
+          <a:scrgbClr r="0" g="0" b="0"/>
+        </a:fillRef>
+        <a:effectRef idx="0">
+          <a:scrgbClr r="0" g="0" b="0"/>
+        </a:effectRef>
+        <a:fontRef idx="minor">
+          <a:schemeClr val="lt1"/>
+        </a:fontRef>
+      </dsp:style>
+      <dsp:txBody>
+        <a:bodyPr spcFirstLastPara="0" vert="horz" wrap="square" lIns="15240" tIns="15240" rIns="15240" bIns="15240" numCol="1" spcCol="1270" anchor="ctr" anchorCtr="0">
+          <a:noAutofit/>
+        </a:bodyPr>
+        <a:lstStyle/>
+        <a:p>
+          <a:pPr lvl="0" algn="ctr" defTabSz="1066800">
+            <a:lnSpc>
+              <a:spcPct val="90000"/>
+            </a:lnSpc>
+            <a:spcBef>
+              <a:spcPct val="0"/>
+            </a:spcBef>
+            <a:spcAft>
+              <a:spcPct val="35000"/>
+            </a:spcAft>
+          </a:pPr>
+          <a:r>
+            <a:rPr lang="en-US" sz="2400" kern="1200" dirty="0" smtClean="0"/>
+            <a:t>3DPrinter</a:t>
+          </a:r>
+        </a:p>
+        <a:p>
+          <a:pPr lvl="0" algn="ctr" defTabSz="1066800">
+            <a:lnSpc>
+              <a:spcPct val="90000"/>
+            </a:lnSpc>
+            <a:spcBef>
+              <a:spcPct val="0"/>
+            </a:spcBef>
+            <a:spcAft>
+              <a:spcPct val="35000"/>
+            </a:spcAft>
+          </a:pPr>
+          <a:r>
+            <a:rPr lang="en-US" sz="1600" kern="1200" dirty="0" err="1" smtClean="0"/>
+            <a:t>LoadPaper</a:t>
+          </a:r>
+          <a:r>
+            <a:rPr lang="en-US" sz="1600" kern="1200" dirty="0" smtClean="0"/>
+            <a:t>?</a:t>
+          </a:r>
+          <a:endParaRPr lang="en-US" sz="1600" kern="1200" dirty="0"/>
+        </a:p>
+      </dsp:txBody>
+      <dsp:txXfrm>
+        <a:off x="6981110" y="2766103"/>
+        <a:ext cx="2512994" cy="1081567"/>
+      </dsp:txXfrm>
+    </dsp:sp>
+  </dsp:spTree>
+</dsp:drawing>
+</file>
+
+<file path=ppt/diagrams/drawing3.xml><?xml version="1.0" encoding="utf-8"?>
+<dsp:drawing xmlns:dgm="http://schemas.openxmlformats.org/drawingml/2006/diagram" xmlns:dsp="http://schemas.microsoft.com/office/drawing/2008/diagram" xmlns:a="http://schemas.openxmlformats.org/drawingml/2006/main">
+  <dsp:spTree>
+    <dsp:nvGrpSpPr>
+      <dsp:cNvPr id="0" name=""/>
+      <dsp:cNvGrpSpPr/>
+    </dsp:nvGrpSpPr>
+    <dsp:grpSpPr/>
     <dsp:sp modelId="{59C72734-90A5-4DA4-855C-6C9589B4085D}">
       <dsp:nvSpPr>
         <dsp:cNvPr id="0" name=""/>
@@ -11064,8 +12950,8 @@
       </dsp:nvSpPr>
       <dsp:spPr>
         <a:xfrm>
-          <a:off x="2472191" y="2256920"/>
-          <a:ext cx="806177" cy="687122"/>
+          <a:off x="2690529" y="2256920"/>
+          <a:ext cx="587840" cy="687122"/>
         </a:xfrm>
         <a:custGeom>
           <a:avLst/>
@@ -11076,10 +12962,10 @@
           <a:pathLst>
             <a:path>
               <a:moveTo>
-                <a:pt x="806177" y="0"/>
+                <a:pt x="587840" y="0"/>
               </a:moveTo>
               <a:lnTo>
-                <a:pt x="806177" y="343824"/>
+                <a:pt x="587840" y="343824"/>
               </a:lnTo>
               <a:lnTo>
                 <a:pt x="0" y="343824"/>
@@ -11294,7 +13180,7 @@
       </dsp:nvSpPr>
       <dsp:spPr>
         <a:xfrm>
-          <a:off x="553239" y="2944042"/>
+          <a:off x="771577" y="2944042"/>
           <a:ext cx="3837904" cy="1392856"/>
         </a:xfrm>
         <a:prstGeom prst="rect">
@@ -11400,7 +13286,7 @@
         </a:p>
       </dsp:txBody>
       <dsp:txXfrm>
-        <a:off x="553239" y="2944042"/>
+        <a:off x="771577" y="2944042"/>
         <a:ext cx="3837904" cy="1392856"/>
       </dsp:txXfrm>
     </dsp:sp>
@@ -11547,7 +13433,7 @@
 </dsp:drawing>
 </file>
 
-<file path=ppt/diagrams/drawing3.xml><?xml version="1.0" encoding="utf-8"?>
+<file path=ppt/diagrams/drawing4.xml><?xml version="1.0" encoding="utf-8"?>
 <dsp:drawing xmlns:dgm="http://schemas.openxmlformats.org/drawingml/2006/diagram" xmlns:dsp="http://schemas.microsoft.com/office/drawing/2008/diagram" xmlns:a="http://schemas.openxmlformats.org/drawingml/2006/main">
   <dsp:spTree>
     <dsp:nvGrpSpPr>
@@ -11782,7 +13668,7 @@
               <a:hueOff val="0"/>
               <a:satOff val="0"/>
               <a:lumOff val="0"/>
-              <a:alphaOff val="0"/>
+              <a:alpha val="0"/>
             </a:schemeClr>
           </a:solidFill>
           <a:prstDash val="solid"/>
@@ -12197,7 +14083,7 @@
 </dsp:drawing>
 </file>
 
-<file path=ppt/diagrams/drawing4.xml><?xml version="1.0" encoding="utf-8"?>
+<file path=ppt/diagrams/drawing5.xml><?xml version="1.0" encoding="utf-8"?>
 <dsp:drawing xmlns:dgm="http://schemas.openxmlformats.org/drawingml/2006/diagram" xmlns:dsp="http://schemas.microsoft.com/office/drawing/2008/diagram" xmlns:a="http://schemas.openxmlformats.org/drawingml/2006/main">
   <dsp:spTree>
     <dsp:nvGrpSpPr>
@@ -12747,7 +14633,7 @@
 </dsp:drawing>
 </file>
 
-<file path=ppt/diagrams/drawing5.xml><?xml version="1.0" encoding="utf-8"?>
+<file path=ppt/diagrams/drawing6.xml><?xml version="1.0" encoding="utf-8"?>
 <dsp:drawing xmlns:dgm="http://schemas.openxmlformats.org/drawingml/2006/diagram" xmlns:dsp="http://schemas.microsoft.com/office/drawing/2008/diagram" xmlns:a="http://schemas.openxmlformats.org/drawingml/2006/main">
   <dsp:spTree>
     <dsp:nvGrpSpPr>
@@ -13296,7 +15182,7 @@
 </dsp:drawing>
 </file>
 
-<file path=ppt/diagrams/drawing6.xml><?xml version="1.0" encoding="utf-8"?>
+<file path=ppt/diagrams/drawing7.xml><?xml version="1.0" encoding="utf-8"?>
 <dsp:drawing xmlns:dgm="http://schemas.openxmlformats.org/drawingml/2006/diagram" xmlns:dsp="http://schemas.microsoft.com/office/drawing/2008/diagram" xmlns:a="http://schemas.openxmlformats.org/drawingml/2006/main">
   <dsp:spTree>
     <dsp:nvGrpSpPr>
@@ -14460,7 +16346,7 @@
 </dsp:drawing>
 </file>
 
-<file path=ppt/diagrams/drawing7.xml><?xml version="1.0" encoding="utf-8"?>
+<file path=ppt/diagrams/drawing8.xml><?xml version="1.0" encoding="utf-8"?>
 <dsp:drawing xmlns:dgm="http://schemas.openxmlformats.org/drawingml/2006/diagram" xmlns:dsp="http://schemas.microsoft.com/office/drawing/2008/diagram" xmlns:a="http://schemas.openxmlformats.org/drawingml/2006/main">
   <dsp:spTree>
     <dsp:nvGrpSpPr>
@@ -15036,7 +16922,7 @@
 </dsp:drawing>
 </file>
 
-<file path=ppt/diagrams/drawing8.xml><?xml version="1.0" encoding="utf-8"?>
+<file path=ppt/diagrams/drawing9.xml><?xml version="1.0" encoding="utf-8"?>
 <dsp:drawing xmlns:dgm="http://schemas.openxmlformats.org/drawingml/2006/diagram" xmlns:dsp="http://schemas.microsoft.com/office/drawing/2008/diagram" xmlns:a="http://schemas.openxmlformats.org/drawingml/2006/main">
   <dsp:spTree>
     <dsp:nvGrpSpPr>
@@ -25054,6 +26940,1152 @@
 </dgm:layoutDef>
 </file>
 
+<file path=ppt/diagrams/layout9.xml><?xml version="1.0" encoding="utf-8"?>
+<dgm:layoutDef xmlns:dgm="http://schemas.openxmlformats.org/drawingml/2006/diagram" xmlns:a="http://schemas.openxmlformats.org/drawingml/2006/main" uniqueId="urn:microsoft.com/office/officeart/2005/8/layout/orgChart1">
+  <dgm:title val=""/>
+  <dgm:desc val=""/>
+  <dgm:catLst>
+    <dgm:cat type="hierarchy" pri="1000"/>
+    <dgm:cat type="convert" pri="6000"/>
+  </dgm:catLst>
+  <dgm:sampData>
+    <dgm:dataModel>
+      <dgm:ptLst>
+        <dgm:pt modelId="0" type="doc"/>
+        <dgm:pt modelId="1">
+          <dgm:prSet phldr="1"/>
+        </dgm:pt>
+        <dgm:pt modelId="2" type="asst">
+          <dgm:prSet phldr="1"/>
+        </dgm:pt>
+        <dgm:pt modelId="3">
+          <dgm:prSet phldr="1"/>
+        </dgm:pt>
+        <dgm:pt modelId="4">
+          <dgm:prSet phldr="1"/>
+        </dgm:pt>
+        <dgm:pt modelId="5">
+          <dgm:prSet phldr="1"/>
+        </dgm:pt>
+      </dgm:ptLst>
+      <dgm:cxnLst>
+        <dgm:cxn modelId="5" srcId="0" destId="1" srcOrd="0" destOrd="0"/>
+        <dgm:cxn modelId="6" srcId="1" destId="2" srcOrd="0" destOrd="0"/>
+        <dgm:cxn modelId="7" srcId="1" destId="3" srcOrd="1" destOrd="0"/>
+        <dgm:cxn modelId="8" srcId="1" destId="4" srcOrd="2" destOrd="0"/>
+        <dgm:cxn modelId="9" srcId="1" destId="5" srcOrd="3" destOrd="0"/>
+      </dgm:cxnLst>
+      <dgm:bg/>
+      <dgm:whole/>
+    </dgm:dataModel>
+  </dgm:sampData>
+  <dgm:styleData>
+    <dgm:dataModel>
+      <dgm:ptLst>
+        <dgm:pt modelId="0" type="doc"/>
+        <dgm:pt modelId="1"/>
+        <dgm:pt modelId="12"/>
+        <dgm:pt modelId="13"/>
+      </dgm:ptLst>
+      <dgm:cxnLst>
+        <dgm:cxn modelId="2" srcId="0" destId="1" srcOrd="0" destOrd="0"/>
+        <dgm:cxn modelId="16" srcId="1" destId="12" srcOrd="1" destOrd="0"/>
+        <dgm:cxn modelId="17" srcId="1" destId="13" srcOrd="2" destOrd="0"/>
+      </dgm:cxnLst>
+      <dgm:bg/>
+      <dgm:whole/>
+    </dgm:dataModel>
+  </dgm:styleData>
+  <dgm:clrData>
+    <dgm:dataModel>
+      <dgm:ptLst>
+        <dgm:pt modelId="0" type="doc"/>
+        <dgm:pt modelId="1"/>
+        <dgm:pt modelId="11" type="asst"/>
+        <dgm:pt modelId="12"/>
+        <dgm:pt modelId="13"/>
+        <dgm:pt modelId="14"/>
+      </dgm:ptLst>
+      <dgm:cxnLst>
+        <dgm:cxn modelId="2" srcId="0" destId="1" srcOrd="0" destOrd="0"/>
+        <dgm:cxn modelId="15" srcId="1" destId="11" srcOrd="0" destOrd="0"/>
+        <dgm:cxn modelId="16" srcId="1" destId="12" srcOrd="1" destOrd="0"/>
+        <dgm:cxn modelId="17" srcId="1" destId="13" srcOrd="2" destOrd="0"/>
+        <dgm:cxn modelId="18" srcId="1" destId="14" srcOrd="2" destOrd="0"/>
+      </dgm:cxnLst>
+      <dgm:bg/>
+      <dgm:whole/>
+    </dgm:dataModel>
+  </dgm:clrData>
+  <dgm:layoutNode name="hierChild1">
+    <dgm:varLst>
+      <dgm:orgChart val="1"/>
+      <dgm:chPref val="1"/>
+      <dgm:dir/>
+      <dgm:animOne val="branch"/>
+      <dgm:animLvl val="lvl"/>
+      <dgm:resizeHandles/>
+    </dgm:varLst>
+    <dgm:choose name="Name0">
+      <dgm:if name="Name1" func="var" arg="dir" op="equ" val="norm">
+        <dgm:alg type="hierChild">
+          <dgm:param type="linDir" val="fromL"/>
+        </dgm:alg>
+      </dgm:if>
+      <dgm:else name="Name2">
+        <dgm:alg type="hierChild">
+          <dgm:param type="linDir" val="fromR"/>
+        </dgm:alg>
+      </dgm:else>
+    </dgm:choose>
+    <dgm:shape xmlns:r="http://schemas.openxmlformats.org/officeDocument/2006/relationships" r:blip="">
+      <dgm:adjLst/>
+    </dgm:shape>
+    <dgm:presOf/>
+    <dgm:constrLst>
+      <dgm:constr type="w" for="des" forName="rootComposite1" refType="w" fact="10"/>
+      <dgm:constr type="h" for="des" forName="rootComposite1" refType="w" refFor="des" refForName="rootComposite1" fact="0.5"/>
+      <dgm:constr type="w" for="des" forName="rootComposite" refType="w" fact="10"/>
+      <dgm:constr type="h" for="des" forName="rootComposite" refType="w" refFor="des" refForName="rootComposite1" fact="0.5"/>
+      <dgm:constr type="w" for="des" forName="rootComposite3" refType="w" fact="10"/>
+      <dgm:constr type="h" for="des" forName="rootComposite3" refType="w" refFor="des" refForName="rootComposite1" fact="0.5"/>
+      <dgm:constr type="primFontSz" for="des" ptType="node" op="equ"/>
+      <dgm:constr type="sp" for="des" op="equ"/>
+      <dgm:constr type="sp" for="des" forName="hierRoot1" refType="w" refFor="des" refForName="rootComposite1" fact="0.21"/>
+      <dgm:constr type="sp" for="des" forName="hierRoot2" refType="sp" refFor="des" refForName="hierRoot1"/>
+      <dgm:constr type="sp" for="des" forName="hierRoot3" refType="sp" refFor="des" refForName="hierRoot1"/>
+      <dgm:constr type="sibSp" refType="w" refFor="des" refForName="rootComposite1" fact="0.21"/>
+      <dgm:constr type="sibSp" for="des" forName="hierChild2" refType="sibSp"/>
+      <dgm:constr type="sibSp" for="des" forName="hierChild3" refType="sibSp"/>
+      <dgm:constr type="sibSp" for="des" forName="hierChild4" refType="sibSp"/>
+      <dgm:constr type="sibSp" for="des" forName="hierChild5" refType="sibSp"/>
+      <dgm:constr type="sibSp" for="des" forName="hierChild6" refType="sibSp"/>
+      <dgm:constr type="sibSp" for="des" forName="hierChild7" refType="sibSp"/>
+      <dgm:constr type="secSibSp" refType="w" refFor="des" refForName="rootComposite1" fact="0.21"/>
+      <dgm:constr type="secSibSp" for="des" forName="hierChild2" refType="secSibSp"/>
+      <dgm:constr type="secSibSp" for="des" forName="hierChild3" refType="secSibSp"/>
+      <dgm:constr type="secSibSp" for="des" forName="hierChild4" refType="secSibSp"/>
+      <dgm:constr type="secSibSp" for="des" forName="hierChild5" refType="secSibSp"/>
+      <dgm:constr type="secSibSp" for="des" forName="hierChild6" refType="secSibSp"/>
+      <dgm:constr type="secSibSp" for="des" forName="hierChild7" refType="secSibSp"/>
+    </dgm:constrLst>
+    <dgm:ruleLst/>
+    <dgm:forEach name="Name3" axis="ch">
+      <dgm:forEach name="Name4" axis="self" ptType="node">
+        <dgm:layoutNode name="hierRoot1">
+          <dgm:varLst>
+            <dgm:hierBranch val="init"/>
+          </dgm:varLst>
+          <dgm:choose name="Name5">
+            <dgm:if name="Name6" func="var" arg="hierBranch" op="equ" val="l">
+              <dgm:choose name="Name7">
+                <dgm:if name="Name8" axis="ch" ptType="asst" func="cnt" op="gte" val="1">
+                  <dgm:alg type="hierRoot">
+                    <dgm:param type="hierAlign" val="tR"/>
+                  </dgm:alg>
+                  <dgm:constrLst>
+                    <dgm:constr type="alignOff" val="0.65"/>
+                  </dgm:constrLst>
+                </dgm:if>
+                <dgm:else name="Name9">
+                  <dgm:alg type="hierRoot">
+                    <dgm:param type="hierAlign" val="tR"/>
+                  </dgm:alg>
+                  <dgm:constrLst>
+                    <dgm:constr type="alignOff" val="0.25"/>
+                  </dgm:constrLst>
+                </dgm:else>
+              </dgm:choose>
+            </dgm:if>
+            <dgm:if name="Name10" func="var" arg="hierBranch" op="equ" val="r">
+              <dgm:choose name="Name11">
+                <dgm:if name="Name12" axis="ch" ptType="asst" func="cnt" op="gte" val="1">
+                  <dgm:alg type="hierRoot">
+                    <dgm:param type="hierAlign" val="tL"/>
+                  </dgm:alg>
+                  <dgm:constrLst>
+                    <dgm:constr type="alignOff" val="0.65"/>
+                  </dgm:constrLst>
+                </dgm:if>
+                <dgm:else name="Name13">
+                  <dgm:alg type="hierRoot">
+                    <dgm:param type="hierAlign" val="tL"/>
+                  </dgm:alg>
+                  <dgm:constrLst>
+                    <dgm:constr type="alignOff" val="0.25"/>
+                  </dgm:constrLst>
+                </dgm:else>
+              </dgm:choose>
+            </dgm:if>
+            <dgm:if name="Name14" func="var" arg="hierBranch" op="equ" val="hang">
+              <dgm:alg type="hierRoot"/>
+              <dgm:constrLst>
+                <dgm:constr type="alignOff" val="0.65"/>
+              </dgm:constrLst>
+            </dgm:if>
+            <dgm:else name="Name15">
+              <dgm:alg type="hierRoot"/>
+              <dgm:constrLst>
+                <dgm:constr type="alignOff"/>
+                <dgm:constr type="bendDist" for="des" ptType="parTrans" refType="sp" fact="0.5"/>
+              </dgm:constrLst>
+            </dgm:else>
+          </dgm:choose>
+          <dgm:shape xmlns:r="http://schemas.openxmlformats.org/officeDocument/2006/relationships" r:blip="">
+            <dgm:adjLst/>
+          </dgm:shape>
+          <dgm:presOf/>
+          <dgm:ruleLst/>
+          <dgm:layoutNode name="rootComposite1">
+            <dgm:alg type="composite"/>
+            <dgm:shape xmlns:r="http://schemas.openxmlformats.org/officeDocument/2006/relationships" r:blip="">
+              <dgm:adjLst/>
+            </dgm:shape>
+            <dgm:presOf axis="self" ptType="node" cnt="1"/>
+            <dgm:choose name="Name16">
+              <dgm:if name="Name17" func="var" arg="hierBranch" op="equ" val="init">
+                <dgm:constrLst>
+                  <dgm:constr type="l" for="ch" forName="rootText1"/>
+                  <dgm:constr type="t" for="ch" forName="rootText1"/>
+                  <dgm:constr type="w" for="ch" forName="rootText1" refType="w"/>
+                  <dgm:constr type="h" for="ch" forName="rootText1" refType="h"/>
+                  <dgm:constr type="l" for="ch" forName="rootConnector1"/>
+                  <dgm:constr type="t" for="ch" forName="rootConnector1"/>
+                  <dgm:constr type="w" for="ch" forName="rootConnector1" refType="w" refFor="ch" refForName="rootText1" fact="0.2"/>
+                  <dgm:constr type="h" for="ch" forName="rootConnector1" refType="h" refFor="ch" refForName="rootText1"/>
+                </dgm:constrLst>
+              </dgm:if>
+              <dgm:if name="Name18" func="var" arg="hierBranch" op="equ" val="l">
+                <dgm:constrLst>
+                  <dgm:constr type="l" for="ch" forName="rootText1"/>
+                  <dgm:constr type="t" for="ch" forName="rootText1"/>
+                  <dgm:constr type="w" for="ch" forName="rootText1" refType="w"/>
+                  <dgm:constr type="h" for="ch" forName="rootText1" refType="h"/>
+                  <dgm:constr type="r" for="ch" forName="rootConnector1" refType="w"/>
+                  <dgm:constr type="t" for="ch" forName="rootConnector1"/>
+                  <dgm:constr type="w" for="ch" forName="rootConnector1" refType="w" refFor="ch" refForName="rootText1" fact="0.2"/>
+                  <dgm:constr type="h" for="ch" forName="rootConnector1" refType="h" refFor="ch" refForName="rootText1"/>
+                </dgm:constrLst>
+              </dgm:if>
+              <dgm:if name="Name19" func="var" arg="hierBranch" op="equ" val="r">
+                <dgm:constrLst>
+                  <dgm:constr type="l" for="ch" forName="rootText1"/>
+                  <dgm:constr type="t" for="ch" forName="rootText1"/>
+                  <dgm:constr type="w" for="ch" forName="rootText1" refType="w"/>
+                  <dgm:constr type="h" for="ch" forName="rootText1" refType="h"/>
+                  <dgm:constr type="l" for="ch" forName="rootConnector1"/>
+                  <dgm:constr type="t" for="ch" forName="rootConnector1"/>
+                  <dgm:constr type="w" for="ch" forName="rootConnector1" refType="w" refFor="ch" refForName="rootText1" fact="0.2"/>
+                  <dgm:constr type="h" for="ch" forName="rootConnector1" refType="h" refFor="ch" refForName="rootText1"/>
+                </dgm:constrLst>
+              </dgm:if>
+              <dgm:else name="Name20">
+                <dgm:constrLst>
+                  <dgm:constr type="l" for="ch" forName="rootText1"/>
+                  <dgm:constr type="t" for="ch" forName="rootText1"/>
+                  <dgm:constr type="w" for="ch" forName="rootText1" refType="w"/>
+                  <dgm:constr type="h" for="ch" forName="rootText1" refType="h"/>
+                  <dgm:constr type="r" for="ch" forName="rootConnector1" refType="w"/>
+                  <dgm:constr type="t" for="ch" forName="rootConnector1"/>
+                  <dgm:constr type="w" for="ch" forName="rootConnector1" refType="w" refFor="ch" refForName="rootText1" fact="0.2"/>
+                  <dgm:constr type="h" for="ch" forName="rootConnector1" refType="h" refFor="ch" refForName="rootText1"/>
+                </dgm:constrLst>
+              </dgm:else>
+            </dgm:choose>
+            <dgm:ruleLst/>
+            <dgm:layoutNode name="rootText1" styleLbl="node0">
+              <dgm:varLst>
+                <dgm:chPref val="3"/>
+              </dgm:varLst>
+              <dgm:alg type="tx"/>
+              <dgm:shape xmlns:r="http://schemas.openxmlformats.org/officeDocument/2006/relationships" type="rect" r:blip="">
+                <dgm:adjLst/>
+              </dgm:shape>
+              <dgm:presOf axis="self" ptType="node" cnt="1"/>
+              <dgm:constrLst>
+                <dgm:constr type="primFontSz" val="65"/>
+                <dgm:constr type="lMarg" refType="primFontSz" fact="0.05"/>
+                <dgm:constr type="rMarg" refType="primFontSz" fact="0.05"/>
+                <dgm:constr type="tMarg" refType="primFontSz" fact="0.05"/>
+                <dgm:constr type="bMarg" refType="primFontSz" fact="0.05"/>
+              </dgm:constrLst>
+              <dgm:ruleLst>
+                <dgm:rule type="primFontSz" val="5" fact="NaN" max="NaN"/>
+              </dgm:ruleLst>
+            </dgm:layoutNode>
+            <dgm:layoutNode name="rootConnector1" moveWith="rootText1">
+              <dgm:alg type="sp"/>
+              <dgm:shape xmlns:r="http://schemas.openxmlformats.org/officeDocument/2006/relationships" type="rect" r:blip="" hideGeom="1">
+                <dgm:adjLst/>
+              </dgm:shape>
+              <dgm:presOf axis="self" ptType="node" cnt="1"/>
+              <dgm:constrLst/>
+              <dgm:ruleLst/>
+            </dgm:layoutNode>
+          </dgm:layoutNode>
+          <dgm:layoutNode name="hierChild2">
+            <dgm:choose name="Name21">
+              <dgm:if name="Name22" func="var" arg="hierBranch" op="equ" val="l">
+                <dgm:alg type="hierChild">
+                  <dgm:param type="chAlign" val="r"/>
+                  <dgm:param type="linDir" val="fromT"/>
+                </dgm:alg>
+              </dgm:if>
+              <dgm:if name="Name23" func="var" arg="hierBranch" op="equ" val="r">
+                <dgm:alg type="hierChild">
+                  <dgm:param type="chAlign" val="l"/>
+                  <dgm:param type="linDir" val="fromT"/>
+                </dgm:alg>
+              </dgm:if>
+              <dgm:if name="Name24" func="var" arg="hierBranch" op="equ" val="hang">
+                <dgm:choose name="Name25">
+                  <dgm:if name="Name26" func="var" arg="dir" op="equ" val="norm">
+                    <dgm:alg type="hierChild">
+                      <dgm:param type="chAlign" val="l"/>
+                      <dgm:param type="linDir" val="fromL"/>
+                      <dgm:param type="secChAlign" val="t"/>
+                      <dgm:param type="secLinDir" val="fromT"/>
+                    </dgm:alg>
+                  </dgm:if>
+                  <dgm:else name="Name27">
+                    <dgm:alg type="hierChild">
+                      <dgm:param type="chAlign" val="l"/>
+                      <dgm:param type="linDir" val="fromR"/>
+                      <dgm:param type="secChAlign" val="t"/>
+                      <dgm:param type="secLinDir" val="fromT"/>
+                    </dgm:alg>
+                  </dgm:else>
+                </dgm:choose>
+              </dgm:if>
+              <dgm:else name="Name28">
+                <dgm:choose name="Name29">
+                  <dgm:if name="Name30" func="var" arg="dir" op="equ" val="norm">
+                    <dgm:alg type="hierChild"/>
+                  </dgm:if>
+                  <dgm:else name="Name31">
+                    <dgm:alg type="hierChild">
+                      <dgm:param type="linDir" val="fromR"/>
+                    </dgm:alg>
+                  </dgm:else>
+                </dgm:choose>
+              </dgm:else>
+            </dgm:choose>
+            <dgm:shape xmlns:r="http://schemas.openxmlformats.org/officeDocument/2006/relationships" r:blip="">
+              <dgm:adjLst/>
+            </dgm:shape>
+            <dgm:presOf/>
+            <dgm:constrLst/>
+            <dgm:ruleLst/>
+            <dgm:forEach name="rep2a" axis="ch" ptType="nonAsst">
+              <dgm:forEach name="Name32" axis="precedSib" ptType="parTrans" st="-1" cnt="1">
+                <dgm:choose name="Name33">
+                  <dgm:if name="Name34" func="var" arg="hierBranch" op="equ" val="std">
+                    <dgm:layoutNode name="Name35">
+                      <dgm:alg type="conn">
+                        <dgm:param type="connRout" val="bend"/>
+                        <dgm:param type="dim" val="1D"/>
+                        <dgm:param type="endSty" val="noArr"/>
+                        <dgm:param type="begPts" val="bCtr"/>
+                        <dgm:param type="endPts" val="tCtr"/>
+                        <dgm:param type="bendPt" val="end"/>
+                      </dgm:alg>
+                      <dgm:shape xmlns:r="http://schemas.openxmlformats.org/officeDocument/2006/relationships" type="conn" r:blip="" zOrderOff="-99999">
+                        <dgm:adjLst/>
+                      </dgm:shape>
+                      <dgm:presOf axis="self"/>
+                      <dgm:constrLst>
+                        <dgm:constr type="begPad"/>
+                        <dgm:constr type="endPad"/>
+                      </dgm:constrLst>
+                      <dgm:ruleLst/>
+                    </dgm:layoutNode>
+                  </dgm:if>
+                  <dgm:if name="Name36" func="var" arg="hierBranch" op="equ" val="init">
+                    <dgm:layoutNode name="Name37">
+                      <dgm:choose name="Name38">
+                        <dgm:if name="Name39" axis="self" func="depth" op="lte" val="2">
+                          <dgm:alg type="conn">
+                            <dgm:param type="connRout" val="bend"/>
+                            <dgm:param type="dim" val="1D"/>
+                            <dgm:param type="endSty" val="noArr"/>
+                            <dgm:param type="begPts" val="bCtr"/>
+                            <dgm:param type="endPts" val="tCtr"/>
+                            <dgm:param type="bendPt" val="end"/>
+                          </dgm:alg>
+                        </dgm:if>
+                        <dgm:else name="Name40">
+                          <dgm:choose name="Name41">
+                            <dgm:if name="Name42" axis="par des" func="maxDepth" op="lte" val="1">
+                              <dgm:choose name="Name43">
+                                <dgm:if name="Name44" axis="par ch" ptType="node asst" func="cnt" op="gte" val="1">
+                                  <dgm:alg type="conn">
+                                    <dgm:param type="connRout" val="bend"/>
+                                    <dgm:param type="dim" val="1D"/>
+                                    <dgm:param type="endSty" val="noArr"/>
+                                    <dgm:param type="begPts" val="bCtr"/>
+                                    <dgm:param type="endPts" val="midL midR"/>
+                                  </dgm:alg>
+                                </dgm:if>
+                                <dgm:else name="Name45">
+                                  <dgm:alg type="conn">
+                                    <dgm:param type="connRout" val="bend"/>
+                                    <dgm:param type="dim" val="1D"/>
+                                    <dgm:param type="endSty" val="noArr"/>
+                                    <dgm:param type="begPts" val="bCtr"/>
+                                    <dgm:param type="endPts" val="midL midR"/>
+                                    <dgm:param type="srcNode" val="rootConnector"/>
+                                  </dgm:alg>
+                                </dgm:else>
+                              </dgm:choose>
+                            </dgm:if>
+                            <dgm:else name="Name46">
+                              <dgm:alg type="conn">
+                                <dgm:param type="connRout" val="bend"/>
+                                <dgm:param type="dim" val="1D"/>
+                                <dgm:param type="endSty" val="noArr"/>
+                                <dgm:param type="begPts" val="bCtr"/>
+                                <dgm:param type="endPts" val="tCtr"/>
+                                <dgm:param type="bendPt" val="end"/>
+                              </dgm:alg>
+                            </dgm:else>
+                          </dgm:choose>
+                        </dgm:else>
+                      </dgm:choose>
+                      <dgm:shape xmlns:r="http://schemas.openxmlformats.org/officeDocument/2006/relationships" type="conn" r:blip="" zOrderOff="-99999">
+                        <dgm:adjLst/>
+                      </dgm:shape>
+                      <dgm:presOf axis="self"/>
+                      <dgm:constrLst>
+                        <dgm:constr type="begPad"/>
+                        <dgm:constr type="endPad"/>
+                      </dgm:constrLst>
+                      <dgm:ruleLst/>
+                    </dgm:layoutNode>
+                  </dgm:if>
+                  <dgm:if name="Name47" func="var" arg="hierBranch" op="equ" val="hang">
+                    <dgm:layoutNode name="Name48">
+                      <dgm:alg type="conn">
+                        <dgm:param type="connRout" val="bend"/>
+                        <dgm:param type="dim" val="1D"/>
+                        <dgm:param type="endSty" val="noArr"/>
+                        <dgm:param type="begPts" val="bCtr"/>
+                        <dgm:param type="endPts" val="midL midR"/>
+                      </dgm:alg>
+                      <dgm:shape xmlns:r="http://schemas.openxmlformats.org/officeDocument/2006/relationships" type="conn" r:blip="" zOrderOff="-99999">
+                        <dgm:adjLst/>
+                      </dgm:shape>
+                      <dgm:presOf axis="self"/>
+                      <dgm:constrLst>
+                        <dgm:constr type="begPad"/>
+                        <dgm:constr type="endPad"/>
+                      </dgm:constrLst>
+                      <dgm:ruleLst/>
+                    </dgm:layoutNode>
+                  </dgm:if>
+                  <dgm:else name="Name49">
+                    <dgm:layoutNode name="Name50">
+                      <dgm:choose name="Name51">
+                        <dgm:if name="Name52" axis="self" func="depth" op="lte" val="2">
+                          <dgm:choose name="Name53">
+                            <dgm:if name="Name54" axis="par ch" ptType="node asst" func="cnt" op="gte" val="1">
+                              <dgm:alg type="conn">
+                                <dgm:param type="connRout" val="bend"/>
+                                <dgm:param type="dim" val="1D"/>
+                                <dgm:param type="endSty" val="noArr"/>
+                                <dgm:param type="begPts" val="bCtr"/>
+                                <dgm:param type="endPts" val="midL midR"/>
+                              </dgm:alg>
+                            </dgm:if>
+                            <dgm:else name="Name55">
+                              <dgm:alg type="conn">
+                                <dgm:param type="connRout" val="bend"/>
+                                <dgm:param type="dim" val="1D"/>
+                                <dgm:param type="endSty" val="noArr"/>
+                                <dgm:param type="begPts" val="bCtr"/>
+                                <dgm:param type="endPts" val="midL midR"/>
+                                <dgm:param type="srcNode" val="rootConnector1"/>
+                              </dgm:alg>
+                            </dgm:else>
+                          </dgm:choose>
+                        </dgm:if>
+                        <dgm:else name="Name56">
+                          <dgm:choose name="Name57">
+                            <dgm:if name="Name58" axis="par ch" ptType="node asst" func="cnt" op="gte" val="1">
+                              <dgm:alg type="conn">
+                                <dgm:param type="connRout" val="bend"/>
+                                <dgm:param type="dim" val="1D"/>
+                                <dgm:param type="endSty" val="noArr"/>
+                                <dgm:param type="begPts" val="bCtr"/>
+                                <dgm:param type="endPts" val="midL midR"/>
+                              </dgm:alg>
+                            </dgm:if>
+                            <dgm:else name="Name59">
+                              <dgm:alg type="conn">
+                                <dgm:param type="connRout" val="bend"/>
+                                <dgm:param type="dim" val="1D"/>
+                                <dgm:param type="endSty" val="noArr"/>
+                                <dgm:param type="begPts" val="bCtr"/>
+                                <dgm:param type="endPts" val="midL midR"/>
+                                <dgm:param type="srcNode" val="rootConnector"/>
+                              </dgm:alg>
+                            </dgm:else>
+                          </dgm:choose>
+                        </dgm:else>
+                      </dgm:choose>
+                      <dgm:shape xmlns:r="http://schemas.openxmlformats.org/officeDocument/2006/relationships" type="conn" r:blip="" zOrderOff="-99999">
+                        <dgm:adjLst/>
+                      </dgm:shape>
+                      <dgm:presOf axis="self"/>
+                      <dgm:constrLst>
+                        <dgm:constr type="begPad"/>
+                        <dgm:constr type="endPad"/>
+                      </dgm:constrLst>
+                      <dgm:ruleLst/>
+                    </dgm:layoutNode>
+                  </dgm:else>
+                </dgm:choose>
+              </dgm:forEach>
+              <dgm:layoutNode name="hierRoot2">
+                <dgm:varLst>
+                  <dgm:hierBranch val="init"/>
+                </dgm:varLst>
+                <dgm:choose name="Name60">
+                  <dgm:if name="Name61" func="var" arg="hierBranch" op="equ" val="l">
+                    <dgm:choose name="Name62">
+                      <dgm:if name="Name63" axis="ch" ptType="asst" func="cnt" op="gte" val="1">
+                        <dgm:alg type="hierRoot">
+                          <dgm:param type="hierAlign" val="tR"/>
+                        </dgm:alg>
+                        <dgm:shape xmlns:r="http://schemas.openxmlformats.org/officeDocument/2006/relationships" r:blip="">
+                          <dgm:adjLst/>
+                        </dgm:shape>
+                        <dgm:presOf/>
+                        <dgm:constrLst>
+                          <dgm:constr type="alignOff" val="0.65"/>
+                        </dgm:constrLst>
+                      </dgm:if>
+                      <dgm:else name="Name64">
+                        <dgm:alg type="hierRoot">
+                          <dgm:param type="hierAlign" val="tR"/>
+                        </dgm:alg>
+                        <dgm:shape xmlns:r="http://schemas.openxmlformats.org/officeDocument/2006/relationships" r:blip="">
+                          <dgm:adjLst/>
+                        </dgm:shape>
+                        <dgm:presOf/>
+                        <dgm:constrLst>
+                          <dgm:constr type="alignOff" val="0.25"/>
+                        </dgm:constrLst>
+                      </dgm:else>
+                    </dgm:choose>
+                  </dgm:if>
+                  <dgm:if name="Name65" func="var" arg="hierBranch" op="equ" val="r">
+                    <dgm:choose name="Name66">
+                      <dgm:if name="Name67" axis="ch" ptType="asst" func="cnt" op="gte" val="1">
+                        <dgm:alg type="hierRoot">
+                          <dgm:param type="hierAlign" val="tL"/>
+                        </dgm:alg>
+                        <dgm:shape xmlns:r="http://schemas.openxmlformats.org/officeDocument/2006/relationships" r:blip="">
+                          <dgm:adjLst/>
+                        </dgm:shape>
+                        <dgm:presOf/>
+                        <dgm:constrLst>
+                          <dgm:constr type="alignOff" val="0.65"/>
+                        </dgm:constrLst>
+                      </dgm:if>
+                      <dgm:else name="Name68">
+                        <dgm:alg type="hierRoot">
+                          <dgm:param type="hierAlign" val="tL"/>
+                        </dgm:alg>
+                        <dgm:shape xmlns:r="http://schemas.openxmlformats.org/officeDocument/2006/relationships" r:blip="">
+                          <dgm:adjLst/>
+                        </dgm:shape>
+                        <dgm:presOf/>
+                        <dgm:constrLst>
+                          <dgm:constr type="alignOff" val="0.25"/>
+                        </dgm:constrLst>
+                      </dgm:else>
+                    </dgm:choose>
+                  </dgm:if>
+                  <dgm:if name="Name69" func="var" arg="hierBranch" op="equ" val="std">
+                    <dgm:alg type="hierRoot"/>
+                    <dgm:shape xmlns:r="http://schemas.openxmlformats.org/officeDocument/2006/relationships" r:blip="">
+                      <dgm:adjLst/>
+                    </dgm:shape>
+                    <dgm:presOf/>
+                    <dgm:constrLst>
+                      <dgm:constr type="alignOff"/>
+                      <dgm:constr type="bendDist" for="des" ptType="parTrans" refType="sp" fact="0.5"/>
+                    </dgm:constrLst>
+                  </dgm:if>
+                  <dgm:if name="Name70" func="var" arg="hierBranch" op="equ" val="init">
+                    <dgm:choose name="Name71">
+                      <dgm:if name="Name72" axis="des" func="maxDepth" op="lte" val="1">
+                        <dgm:choose name="Name73">
+                          <dgm:if name="Name74" axis="ch" ptType="asst" func="cnt" op="gte" val="1">
+                            <dgm:alg type="hierRoot">
+                              <dgm:param type="hierAlign" val="tL"/>
+                            </dgm:alg>
+                            <dgm:shape xmlns:r="http://schemas.openxmlformats.org/officeDocument/2006/relationships" r:blip="">
+                              <dgm:adjLst/>
+                            </dgm:shape>
+                            <dgm:presOf/>
+                            <dgm:constrLst>
+                              <dgm:constr type="alignOff" val="0.65"/>
+                            </dgm:constrLst>
+                          </dgm:if>
+                          <dgm:else name="Name75">
+                            <dgm:alg type="hierRoot">
+                              <dgm:param type="hierAlign" val="tL"/>
+                            </dgm:alg>
+                            <dgm:shape xmlns:r="http://schemas.openxmlformats.org/officeDocument/2006/relationships" r:blip="">
+                              <dgm:adjLst/>
+                            </dgm:shape>
+                            <dgm:presOf/>
+                            <dgm:constrLst>
+                              <dgm:constr type="alignOff" val="0.25"/>
+                            </dgm:constrLst>
+                          </dgm:else>
+                        </dgm:choose>
+                      </dgm:if>
+                      <dgm:else name="Name76">
+                        <dgm:alg type="hierRoot"/>
+                        <dgm:shape xmlns:r="http://schemas.openxmlformats.org/officeDocument/2006/relationships" r:blip="">
+                          <dgm:adjLst/>
+                        </dgm:shape>
+                        <dgm:presOf/>
+                        <dgm:constrLst>
+                          <dgm:constr type="alignOff"/>
+                          <dgm:constr type="bendDist" for="des" ptType="parTrans" refType="sp" fact="0.5"/>
+                        </dgm:constrLst>
+                      </dgm:else>
+                    </dgm:choose>
+                  </dgm:if>
+                  <dgm:else name="Name77">
+                    <dgm:alg type="hierRoot"/>
+                    <dgm:shape xmlns:r="http://schemas.openxmlformats.org/officeDocument/2006/relationships" r:blip="">
+                      <dgm:adjLst/>
+                    </dgm:shape>
+                    <dgm:presOf/>
+                    <dgm:constrLst>
+                      <dgm:constr type="alignOff" val="0.65"/>
+                    </dgm:constrLst>
+                  </dgm:else>
+                </dgm:choose>
+                <dgm:ruleLst/>
+                <dgm:layoutNode name="rootComposite">
+                  <dgm:alg type="composite"/>
+                  <dgm:shape xmlns:r="http://schemas.openxmlformats.org/officeDocument/2006/relationships" r:blip="">
+                    <dgm:adjLst/>
+                  </dgm:shape>
+                  <dgm:presOf axis="self" ptType="node" cnt="1"/>
+                  <dgm:choose name="Name78">
+                    <dgm:if name="Name79" func="var" arg="hierBranch" op="equ" val="init">
+                      <dgm:constrLst>
+                        <dgm:constr type="l" for="ch" forName="rootText"/>
+                        <dgm:constr type="t" for="ch" forName="rootText"/>
+                        <dgm:constr type="w" for="ch" forName="rootText" refType="w"/>
+                        <dgm:constr type="h" for="ch" forName="rootText" refType="h"/>
+                        <dgm:constr type="l" for="ch" forName="rootConnector"/>
+                        <dgm:constr type="t" for="ch" forName="rootConnector"/>
+                        <dgm:constr type="w" for="ch" forName="rootConnector" refType="w" refFor="ch" refForName="rootText" fact="0.2"/>
+                        <dgm:constr type="h" for="ch" forName="rootConnector" refType="h" refFor="ch" refForName="rootText"/>
+                      </dgm:constrLst>
+                    </dgm:if>
+                    <dgm:if name="Name80" func="var" arg="hierBranch" op="equ" val="l">
+                      <dgm:constrLst>
+                        <dgm:constr type="l" for="ch" forName="rootText"/>
+                        <dgm:constr type="t" for="ch" forName="rootText"/>
+                        <dgm:constr type="w" for="ch" forName="rootText" refType="w"/>
+                        <dgm:constr type="h" for="ch" forName="rootText" refType="h"/>
+                        <dgm:constr type="r" for="ch" forName="rootConnector" refType="w"/>
+                        <dgm:constr type="t" for="ch" forName="rootConnector"/>
+                        <dgm:constr type="w" for="ch" forName="rootConnector" refType="w" refFor="ch" refForName="rootText" fact="0.2"/>
+                        <dgm:constr type="h" for="ch" forName="rootConnector" refType="h" refFor="ch" refForName="rootText"/>
+                      </dgm:constrLst>
+                    </dgm:if>
+                    <dgm:if name="Name81" func="var" arg="hierBranch" op="equ" val="r">
+                      <dgm:constrLst>
+                        <dgm:constr type="l" for="ch" forName="rootText"/>
+                        <dgm:constr type="t" for="ch" forName="rootText"/>
+                        <dgm:constr type="w" for="ch" forName="rootText" refType="w"/>
+                        <dgm:constr type="h" for="ch" forName="rootText" refType="h"/>
+                        <dgm:constr type="l" for="ch" forName="rootConnector"/>
+                        <dgm:constr type="t" for="ch" forName="rootConnector"/>
+                        <dgm:constr type="w" for="ch" forName="rootConnector" refType="w" refFor="ch" refForName="rootText" fact="0.2"/>
+                        <dgm:constr type="h" for="ch" forName="rootConnector" refType="h" refFor="ch" refForName="rootText"/>
+                      </dgm:constrLst>
+                    </dgm:if>
+                    <dgm:else name="Name82">
+                      <dgm:constrLst>
+                        <dgm:constr type="l" for="ch" forName="rootText"/>
+                        <dgm:constr type="t" for="ch" forName="rootText"/>
+                        <dgm:constr type="w" for="ch" forName="rootText" refType="w"/>
+                        <dgm:constr type="h" for="ch" forName="rootText" refType="h"/>
+                        <dgm:constr type="r" for="ch" forName="rootConnector" refType="w"/>
+                        <dgm:constr type="t" for="ch" forName="rootConnector"/>
+                        <dgm:constr type="w" for="ch" forName="rootConnector" refType="w" refFor="ch" refForName="rootText" fact="0.2"/>
+                        <dgm:constr type="h" for="ch" forName="rootConnector" refType="h" refFor="ch" refForName="rootText"/>
+                      </dgm:constrLst>
+                    </dgm:else>
+                  </dgm:choose>
+                  <dgm:ruleLst/>
+                  <dgm:layoutNode name="rootText">
+                    <dgm:varLst>
+                      <dgm:chPref val="3"/>
+                    </dgm:varLst>
+                    <dgm:alg type="tx"/>
+                    <dgm:shape xmlns:r="http://schemas.openxmlformats.org/officeDocument/2006/relationships" type="rect" r:blip="">
+                      <dgm:adjLst/>
+                    </dgm:shape>
+                    <dgm:presOf axis="self" ptType="node" cnt="1"/>
+                    <dgm:constrLst>
+                      <dgm:constr type="primFontSz" val="65"/>
+                      <dgm:constr type="lMarg" refType="primFontSz" fact="0.05"/>
+                      <dgm:constr type="rMarg" refType="primFontSz" fact="0.05"/>
+                      <dgm:constr type="tMarg" refType="primFontSz" fact="0.05"/>
+                      <dgm:constr type="bMarg" refType="primFontSz" fact="0.05"/>
+                    </dgm:constrLst>
+                    <dgm:ruleLst>
+                      <dgm:rule type="primFontSz" val="5" fact="NaN" max="NaN"/>
+                    </dgm:ruleLst>
+                  </dgm:layoutNode>
+                  <dgm:layoutNode name="rootConnector" moveWith="rootText">
+                    <dgm:alg type="sp"/>
+                    <dgm:shape xmlns:r="http://schemas.openxmlformats.org/officeDocument/2006/relationships" type="rect" r:blip="" hideGeom="1">
+                      <dgm:adjLst/>
+                    </dgm:shape>
+                    <dgm:presOf axis="self" ptType="node" cnt="1"/>
+                    <dgm:constrLst/>
+                    <dgm:ruleLst/>
+                  </dgm:layoutNode>
+                </dgm:layoutNode>
+                <dgm:layoutNode name="hierChild4">
+                  <dgm:choose name="Name83">
+                    <dgm:if name="Name84" func="var" arg="hierBranch" op="equ" val="l">
+                      <dgm:alg type="hierChild">
+                        <dgm:param type="chAlign" val="r"/>
+                        <dgm:param type="linDir" val="fromT"/>
+                      </dgm:alg>
+                    </dgm:if>
+                    <dgm:if name="Name85" func="var" arg="hierBranch" op="equ" val="r">
+                      <dgm:alg type="hierChild">
+                        <dgm:param type="chAlign" val="l"/>
+                        <dgm:param type="linDir" val="fromT"/>
+                      </dgm:alg>
+                    </dgm:if>
+                    <dgm:if name="Name86" func="var" arg="hierBranch" op="equ" val="hang">
+                      <dgm:choose name="Name87">
+                        <dgm:if name="Name88" func="var" arg="dir" op="equ" val="norm">
+                          <dgm:alg type="hierChild">
+                            <dgm:param type="chAlign" val="l"/>
+                            <dgm:param type="linDir" val="fromL"/>
+                            <dgm:param type="secChAlign" val="t"/>
+                            <dgm:param type="secLinDir" val="fromT"/>
+                          </dgm:alg>
+                        </dgm:if>
+                        <dgm:else name="Name89">
+                          <dgm:alg type="hierChild">
+                            <dgm:param type="chAlign" val="l"/>
+                            <dgm:param type="linDir" val="fromR"/>
+                            <dgm:param type="secChAlign" val="t"/>
+                            <dgm:param type="secLinDir" val="fromT"/>
+                          </dgm:alg>
+                        </dgm:else>
+                      </dgm:choose>
+                    </dgm:if>
+                    <dgm:if name="Name90" func="var" arg="hierBranch" op="equ" val="std">
+                      <dgm:choose name="Name91">
+                        <dgm:if name="Name92" func="var" arg="dir" op="equ" val="norm">
+                          <dgm:alg type="hierChild"/>
+                        </dgm:if>
+                        <dgm:else name="Name93">
+                          <dgm:alg type="hierChild">
+                            <dgm:param type="linDir" val="fromR"/>
+                          </dgm:alg>
+                        </dgm:else>
+                      </dgm:choose>
+                    </dgm:if>
+                    <dgm:if name="Name94" func="var" arg="hierBranch" op="equ" val="init">
+                      <dgm:choose name="Name95">
+                        <dgm:if name="Name96" axis="des" func="maxDepth" op="lte" val="1">
+                          <dgm:alg type="hierChild">
+                            <dgm:param type="chAlign" val="l"/>
+                            <dgm:param type="linDir" val="fromT"/>
+                          </dgm:alg>
+                        </dgm:if>
+                        <dgm:else name="Name97">
+                          <dgm:choose name="Name98">
+                            <dgm:if name="Name99" func="var" arg="dir" op="equ" val="norm">
+                              <dgm:alg type="hierChild"/>
+                            </dgm:if>
+                            <dgm:else name="Name100">
+                              <dgm:alg type="hierChild">
+                                <dgm:param type="linDir" val="fromR"/>
+                              </dgm:alg>
+                            </dgm:else>
+                          </dgm:choose>
+                        </dgm:else>
+                      </dgm:choose>
+                    </dgm:if>
+                    <dgm:else name="Name101"/>
+                  </dgm:choose>
+                  <dgm:shape xmlns:r="http://schemas.openxmlformats.org/officeDocument/2006/relationships" r:blip="">
+                    <dgm:adjLst/>
+                  </dgm:shape>
+                  <dgm:presOf/>
+                  <dgm:constrLst/>
+                  <dgm:ruleLst/>
+                  <dgm:forEach name="Name102" ref="rep2a"/>
+                </dgm:layoutNode>
+                <dgm:layoutNode name="hierChild5">
+                  <dgm:choose name="Name103">
+                    <dgm:if name="Name104" func="var" arg="dir" op="equ" val="norm">
+                      <dgm:alg type="hierChild">
+                        <dgm:param type="chAlign" val="l"/>
+                        <dgm:param type="linDir" val="fromL"/>
+                        <dgm:param type="secChAlign" val="t"/>
+                        <dgm:param type="secLinDir" val="fromT"/>
+                      </dgm:alg>
+                    </dgm:if>
+                    <dgm:else name="Name105">
+                      <dgm:alg type="hierChild">
+                        <dgm:param type="chAlign" val="l"/>
+                        <dgm:param type="linDir" val="fromR"/>
+                        <dgm:param type="secChAlign" val="t"/>
+                        <dgm:param type="secLinDir" val="fromT"/>
+                      </dgm:alg>
+                    </dgm:else>
+                  </dgm:choose>
+                  <dgm:shape xmlns:r="http://schemas.openxmlformats.org/officeDocument/2006/relationships" r:blip="">
+                    <dgm:adjLst/>
+                  </dgm:shape>
+                  <dgm:presOf/>
+                  <dgm:constrLst/>
+                  <dgm:ruleLst/>
+                  <dgm:forEach name="Name106" ref="rep2b"/>
+                </dgm:layoutNode>
+              </dgm:layoutNode>
+            </dgm:forEach>
+          </dgm:layoutNode>
+          <dgm:layoutNode name="hierChild3">
+            <dgm:choose name="Name107">
+              <dgm:if name="Name108" func="var" arg="dir" op="equ" val="norm">
+                <dgm:alg type="hierChild">
+                  <dgm:param type="chAlign" val="l"/>
+                  <dgm:param type="linDir" val="fromL"/>
+                  <dgm:param type="secChAlign" val="t"/>
+                  <dgm:param type="secLinDir" val="fromT"/>
+                </dgm:alg>
+              </dgm:if>
+              <dgm:else name="Name109">
+                <dgm:alg type="hierChild">
+                  <dgm:param type="chAlign" val="l"/>
+                  <dgm:param type="linDir" val="fromR"/>
+                  <dgm:param type="secChAlign" val="t"/>
+                  <dgm:param type="secLinDir" val="fromT"/>
+                </dgm:alg>
+              </dgm:else>
+            </dgm:choose>
+            <dgm:shape xmlns:r="http://schemas.openxmlformats.org/officeDocument/2006/relationships" r:blip="">
+              <dgm:adjLst/>
+            </dgm:shape>
+            <dgm:presOf/>
+            <dgm:constrLst/>
+            <dgm:ruleLst/>
+            <dgm:forEach name="rep2b" axis="ch" ptType="asst">
+              <dgm:forEach name="Name110" axis="precedSib" ptType="parTrans" st="-1" cnt="1">
+                <dgm:layoutNode name="Name111">
+                  <dgm:alg type="conn">
+                    <dgm:param type="connRout" val="bend"/>
+                    <dgm:param type="dim" val="1D"/>
+                    <dgm:param type="endSty" val="noArr"/>
+                    <dgm:param type="begPts" val="bCtr"/>
+                    <dgm:param type="endPts" val="midL midR"/>
+                  </dgm:alg>
+                  <dgm:shape xmlns:r="http://schemas.openxmlformats.org/officeDocument/2006/relationships" type="conn" r:blip="" zOrderOff="-99999">
+                    <dgm:adjLst/>
+                  </dgm:shape>
+                  <dgm:presOf axis="self"/>
+                  <dgm:constrLst>
+                    <dgm:constr type="begPad"/>
+                    <dgm:constr type="endPad"/>
+                  </dgm:constrLst>
+                  <dgm:ruleLst/>
+                </dgm:layoutNode>
+              </dgm:forEach>
+              <dgm:layoutNode name="hierRoot3">
+                <dgm:varLst>
+                  <dgm:hierBranch val="init"/>
+                </dgm:varLst>
+                <dgm:choose name="Name112">
+                  <dgm:if name="Name113" func="var" arg="hierBranch" op="equ" val="l">
+                    <dgm:alg type="hierRoot">
+                      <dgm:param type="hierAlign" val="tR"/>
+                    </dgm:alg>
+                    <dgm:shape xmlns:r="http://schemas.openxmlformats.org/officeDocument/2006/relationships" r:blip="">
+                      <dgm:adjLst/>
+                    </dgm:shape>
+                    <dgm:presOf/>
+                    <dgm:constrLst>
+                      <dgm:constr type="alignOff" val="0.65"/>
+                    </dgm:constrLst>
+                  </dgm:if>
+                  <dgm:if name="Name114" func="var" arg="hierBranch" op="equ" val="r">
+                    <dgm:alg type="hierRoot">
+                      <dgm:param type="hierAlign" val="tL"/>
+                    </dgm:alg>
+                    <dgm:shape xmlns:r="http://schemas.openxmlformats.org/officeDocument/2006/relationships" r:blip="">
+                      <dgm:adjLst/>
+                    </dgm:shape>
+                    <dgm:presOf/>
+                    <dgm:constrLst>
+                      <dgm:constr type="alignOff" val="0.65"/>
+                    </dgm:constrLst>
+                  </dgm:if>
+                  <dgm:if name="Name115" func="var" arg="hierBranch" op="equ" val="hang">
+                    <dgm:alg type="hierRoot"/>
+                    <dgm:shape xmlns:r="http://schemas.openxmlformats.org/officeDocument/2006/relationships" r:blip="">
+                      <dgm:adjLst/>
+                    </dgm:shape>
+                    <dgm:presOf/>
+                    <dgm:constrLst>
+                      <dgm:constr type="alignOff" val="0.65"/>
+                    </dgm:constrLst>
+                  </dgm:if>
+                  <dgm:if name="Name116" func="var" arg="hierBranch" op="equ" val="std">
+                    <dgm:alg type="hierRoot"/>
+                    <dgm:shape xmlns:r="http://schemas.openxmlformats.org/officeDocument/2006/relationships" r:blip="">
+                      <dgm:adjLst/>
+                    </dgm:shape>
+                    <dgm:presOf/>
+                    <dgm:constrLst>
+                      <dgm:constr type="alignOff"/>
+                      <dgm:constr type="bendDist" for="des" ptType="parTrans" refType="sp" fact="0.5"/>
+                    </dgm:constrLst>
+                  </dgm:if>
+                  <dgm:if name="Name117" func="var" arg="hierBranch" op="equ" val="init">
+                    <dgm:choose name="Name118">
+                      <dgm:if name="Name119" axis="des" func="maxDepth" op="lte" val="1">
+                        <dgm:alg type="hierRoot">
+                          <dgm:param type="hierAlign" val="tL"/>
+                        </dgm:alg>
+                        <dgm:shape xmlns:r="http://schemas.openxmlformats.org/officeDocument/2006/relationships" r:blip="">
+                          <dgm:adjLst/>
+                        </dgm:shape>
+                        <dgm:presOf/>
+                        <dgm:constrLst>
+                          <dgm:constr type="alignOff" val="0.65"/>
+                        </dgm:constrLst>
+                      </dgm:if>
+                      <dgm:else name="Name120">
+                        <dgm:alg type="hierRoot"/>
+                        <dgm:shape xmlns:r="http://schemas.openxmlformats.org/officeDocument/2006/relationships" r:blip="">
+                          <dgm:adjLst/>
+                        </dgm:shape>
+                        <dgm:presOf/>
+                        <dgm:constrLst>
+                          <dgm:constr type="alignOff"/>
+                          <dgm:constr type="bendDist" for="des" ptType="parTrans" refType="sp" fact="0.5"/>
+                        </dgm:constrLst>
+                      </dgm:else>
+                    </dgm:choose>
+                  </dgm:if>
+                  <dgm:else name="Name121"/>
+                </dgm:choose>
+                <dgm:ruleLst/>
+                <dgm:layoutNode name="rootComposite3">
+                  <dgm:alg type="composite"/>
+                  <dgm:shape xmlns:r="http://schemas.openxmlformats.org/officeDocument/2006/relationships" r:blip="">
+                    <dgm:adjLst/>
+                  </dgm:shape>
+                  <dgm:presOf axis="self" ptType="node" cnt="1"/>
+                  <dgm:choose name="Name122">
+                    <dgm:if name="Name123" func="var" arg="hierBranch" op="equ" val="init">
+                      <dgm:constrLst>
+                        <dgm:constr type="l" for="ch" forName="rootText3"/>
+                        <dgm:constr type="t" for="ch" forName="rootText3"/>
+                        <dgm:constr type="w" for="ch" forName="rootText3" refType="w"/>
+                        <dgm:constr type="h" for="ch" forName="rootText3" refType="h"/>
+                        <dgm:constr type="l" for="ch" forName="rootConnector3"/>
+                        <dgm:constr type="t" for="ch" forName="rootConnector3"/>
+                        <dgm:constr type="w" for="ch" forName="rootConnector3" refType="w" refFor="ch" refForName="rootText3" fact="0.2"/>
+                        <dgm:constr type="h" for="ch" forName="rootConnector3" refType="h" refFor="ch" refForName="rootText3"/>
+                      </dgm:constrLst>
+                    </dgm:if>
+                    <dgm:if name="Name124" func="var" arg="hierBranch" op="equ" val="l">
+                      <dgm:constrLst>
+                        <dgm:constr type="l" for="ch" forName="rootText3"/>
+                        <dgm:constr type="t" for="ch" forName="rootText3"/>
+                        <dgm:constr type="w" for="ch" forName="rootText3" refType="w"/>
+                        <dgm:constr type="h" for="ch" forName="rootText3" refType="h"/>
+                        <dgm:constr type="r" for="ch" forName="rootConnector3" refType="w"/>
+                        <dgm:constr type="t" for="ch" forName="rootConnector3"/>
+                        <dgm:constr type="w" for="ch" forName="rootConnector3" refType="w" refFor="ch" refForName="rootText3" fact="0.2"/>
+                        <dgm:constr type="h" for="ch" forName="rootConnector3" refType="h" refFor="ch" refForName="rootText3"/>
+                      </dgm:constrLst>
+                    </dgm:if>
+                    <dgm:if name="Name125" func="var" arg="hierBranch" op="equ" val="r">
+                      <dgm:constrLst>
+                        <dgm:constr type="l" for="ch" forName="rootText3"/>
+                        <dgm:constr type="t" for="ch" forName="rootText3"/>
+                        <dgm:constr type="w" for="ch" forName="rootText3" refType="w"/>
+                        <dgm:constr type="h" for="ch" forName="rootText3" refType="h"/>
+                        <dgm:constr type="l" for="ch" forName="rootConnector3"/>
+                        <dgm:constr type="t" for="ch" forName="rootConnector3"/>
+                        <dgm:constr type="w" for="ch" forName="rootConnector3" refType="w" refFor="ch" refForName="rootText3" fact="0.2"/>
+                        <dgm:constr type="h" for="ch" forName="rootConnector3" refType="h" refFor="ch" refForName="rootText3"/>
+                      </dgm:constrLst>
+                    </dgm:if>
+                    <dgm:else name="Name126">
+                      <dgm:constrLst>
+                        <dgm:constr type="l" for="ch" forName="rootText3"/>
+                        <dgm:constr type="t" for="ch" forName="rootText3"/>
+                        <dgm:constr type="w" for="ch" forName="rootText3" refType="w"/>
+                        <dgm:constr type="h" for="ch" forName="rootText3" refType="h"/>
+                        <dgm:constr type="r" for="ch" forName="rootConnector3" refType="w"/>
+                        <dgm:constr type="t" for="ch" forName="rootConnector3"/>
+                        <dgm:constr type="w" for="ch" forName="rootConnector3" refType="w" refFor="ch" refForName="rootText3" fact="0.2"/>
+                        <dgm:constr type="h" for="ch" forName="rootConnector3" refType="h" refFor="ch" refForName="rootText3"/>
+                      </dgm:constrLst>
+                    </dgm:else>
+                  </dgm:choose>
+                  <dgm:ruleLst/>
+                  <dgm:layoutNode name="rootText3">
+                    <dgm:varLst>
+                      <dgm:chPref val="3"/>
+                    </dgm:varLst>
+                    <dgm:alg type="tx"/>
+                    <dgm:shape xmlns:r="http://schemas.openxmlformats.org/officeDocument/2006/relationships" type="rect" r:blip="">
+                      <dgm:adjLst/>
+                    </dgm:shape>
+                    <dgm:presOf axis="self" ptType="node" cnt="1"/>
+                    <dgm:constrLst>
+                      <dgm:constr type="primFontSz" val="65"/>
+                      <dgm:constr type="lMarg" refType="primFontSz" fact="0.05"/>
+                      <dgm:constr type="rMarg" refType="primFontSz" fact="0.05"/>
+                      <dgm:constr type="tMarg" refType="primFontSz" fact="0.05"/>
+                      <dgm:constr type="bMarg" refType="primFontSz" fact="0.05"/>
+                    </dgm:constrLst>
+                    <dgm:ruleLst>
+                      <dgm:rule type="primFontSz" val="5" fact="NaN" max="NaN"/>
+                    </dgm:ruleLst>
+                  </dgm:layoutNode>
+                  <dgm:layoutNode name="rootConnector3" moveWith="rootText1">
+                    <dgm:alg type="sp"/>
+                    <dgm:shape xmlns:r="http://schemas.openxmlformats.org/officeDocument/2006/relationships" type="rect" r:blip="" hideGeom="1">
+                      <dgm:adjLst/>
+                    </dgm:shape>
+                    <dgm:presOf axis="self" ptType="node" cnt="1"/>
+                    <dgm:constrLst/>
+                    <dgm:ruleLst/>
+                  </dgm:layoutNode>
+                </dgm:layoutNode>
+                <dgm:layoutNode name="hierChild6">
+                  <dgm:choose name="Name127">
+                    <dgm:if name="Name128" func="var" arg="hierBranch" op="equ" val="l">
+                      <dgm:alg type="hierChild">
+                        <dgm:param type="chAlign" val="r"/>
+                        <dgm:param type="linDir" val="fromT"/>
+                      </dgm:alg>
+                    </dgm:if>
+                    <dgm:if name="Name129" func="var" arg="hierBranch" op="equ" val="r">
+                      <dgm:alg type="hierChild">
+                        <dgm:param type="chAlign" val="l"/>
+                        <dgm:param type="linDir" val="fromT"/>
+                      </dgm:alg>
+                    </dgm:if>
+                    <dgm:if name="Name130" func="var" arg="hierBranch" op="equ" val="hang">
+                      <dgm:choose name="Name131">
+                        <dgm:if name="Name132" func="var" arg="dir" op="equ" val="norm">
+                          <dgm:alg type="hierChild">
+                            <dgm:param type="chAlign" val="l"/>
+                            <dgm:param type="linDir" val="fromL"/>
+                            <dgm:param type="secChAlign" val="t"/>
+                            <dgm:param type="secLinDir" val="fromT"/>
+                          </dgm:alg>
+                        </dgm:if>
+                        <dgm:else name="Name133">
+                          <dgm:alg type="hierChild">
+                            <dgm:param type="chAlign" val="l"/>
+                            <dgm:param type="linDir" val="fromR"/>
+                            <dgm:param type="secChAlign" val="t"/>
+                            <dgm:param type="secLinDir" val="fromT"/>
+                          </dgm:alg>
+                        </dgm:else>
+                      </dgm:choose>
+                    </dgm:if>
+                    <dgm:if name="Name134" func="var" arg="hierBranch" op="equ" val="std">
+                      <dgm:choose name="Name135">
+                        <dgm:if name="Name136" func="var" arg="dir" op="equ" val="norm">
+                          <dgm:alg type="hierChild"/>
+                        </dgm:if>
+                        <dgm:else name="Name137">
+                          <dgm:alg type="hierChild">
+                            <dgm:param type="linDir" val="fromR"/>
+                          </dgm:alg>
+                        </dgm:else>
+                      </dgm:choose>
+                    </dgm:if>
+                    <dgm:if name="Name138" func="var" arg="hierBranch" op="equ" val="init">
+                      <dgm:choose name="Name139">
+                        <dgm:if name="Name140" axis="des" func="maxDepth" op="lte" val="1">
+                          <dgm:alg type="hierChild">
+                            <dgm:param type="chAlign" val="l"/>
+                            <dgm:param type="linDir" val="fromT"/>
+                          </dgm:alg>
+                        </dgm:if>
+                        <dgm:else name="Name141">
+                          <dgm:alg type="hierChild"/>
+                        </dgm:else>
+                      </dgm:choose>
+                    </dgm:if>
+                    <dgm:else name="Name142"/>
+                  </dgm:choose>
+                  <dgm:shape xmlns:r="http://schemas.openxmlformats.org/officeDocument/2006/relationships" r:blip="">
+                    <dgm:adjLst/>
+                  </dgm:shape>
+                  <dgm:presOf/>
+                  <dgm:constrLst/>
+                  <dgm:ruleLst/>
+                  <dgm:forEach name="Name143" ref="rep2a"/>
+                </dgm:layoutNode>
+                <dgm:layoutNode name="hierChild7">
+                  <dgm:choose name="Name144">
+                    <dgm:if name="Name145" func="var" arg="dir" op="equ" val="norm">
+                      <dgm:alg type="hierChild">
+                        <dgm:param type="chAlign" val="l"/>
+                        <dgm:param type="linDir" val="fromL"/>
+                        <dgm:param type="secChAlign" val="t"/>
+                        <dgm:param type="secLinDir" val="fromT"/>
+                      </dgm:alg>
+                    </dgm:if>
+                    <dgm:else name="Name146">
+                      <dgm:alg type="hierChild">
+                        <dgm:param type="chAlign" val="l"/>
+                        <dgm:param type="linDir" val="fromR"/>
+                        <dgm:param type="secChAlign" val="t"/>
+                        <dgm:param type="secLinDir" val="fromT"/>
+                      </dgm:alg>
+                    </dgm:else>
+                  </dgm:choose>
+                  <dgm:shape xmlns:r="http://schemas.openxmlformats.org/officeDocument/2006/relationships" r:blip="">
+                    <dgm:adjLst/>
+                  </dgm:shape>
+                  <dgm:presOf/>
+                  <dgm:constrLst/>
+                  <dgm:ruleLst/>
+                  <dgm:forEach name="Name147" ref="rep2b"/>
+                </dgm:layoutNode>
+              </dgm:layoutNode>
+            </dgm:forEach>
+          </dgm:layoutNode>
+        </dgm:layoutNode>
+      </dgm:forEach>
+    </dgm:forEach>
+  </dgm:layoutNode>
+</dgm:layoutDef>
+</file>
+
 <file path=ppt/diagrams/quickStyle1.xml><?xml version="1.0" encoding="utf-8"?>
 <dgm:styleDef xmlns:dgm="http://schemas.openxmlformats.org/drawingml/2006/diagram" xmlns:a="http://schemas.openxmlformats.org/drawingml/2006/main" uniqueId="urn:microsoft.com/office/officeart/2005/8/quickstyle/simple1">
   <dgm:title val=""/>
@@ -32293,6 +35325,1040 @@
 </file>
 
 <file path=ppt/diagrams/quickStyle8.xml><?xml version="1.0" encoding="utf-8"?>
+<dgm:styleDef xmlns:dgm="http://schemas.openxmlformats.org/drawingml/2006/diagram" xmlns:a="http://schemas.openxmlformats.org/drawingml/2006/main" uniqueId="urn:microsoft.com/office/officeart/2005/8/quickstyle/simple1">
+  <dgm:title val=""/>
+  <dgm:desc val=""/>
+  <dgm:catLst>
+    <dgm:cat type="simple" pri="10100"/>
+  </dgm:catLst>
+  <dgm:scene3d>
+    <a:camera prst="orthographicFront"/>
+    <a:lightRig rig="threePt" dir="t"/>
+  </dgm:scene3d>
+  <dgm:styleLbl name="node0">
+    <dgm:scene3d>
+      <a:camera prst="orthographicFront"/>
+      <a:lightRig rig="threePt" dir="t"/>
+    </dgm:scene3d>
+    <dgm:sp3d/>
+    <dgm:txPr/>
+    <dgm:style>
+      <a:lnRef idx="2">
+        <a:scrgbClr r="0" g="0" b="0"/>
+      </a:lnRef>
+      <a:fillRef idx="1">
+        <a:scrgbClr r="0" g="0" b="0"/>
+      </a:fillRef>
+      <a:effectRef idx="0">
+        <a:scrgbClr r="0" g="0" b="0"/>
+      </a:effectRef>
+      <a:fontRef idx="minor">
+        <a:schemeClr val="lt1"/>
+      </a:fontRef>
+    </dgm:style>
+  </dgm:styleLbl>
+  <dgm:styleLbl name="lnNode1">
+    <dgm:scene3d>
+      <a:camera prst="orthographicFront"/>
+      <a:lightRig rig="threePt" dir="t"/>
+    </dgm:scene3d>
+    <dgm:sp3d/>
+    <dgm:txPr/>
+    <dgm:style>
+      <a:lnRef idx="2">
+        <a:scrgbClr r="0" g="0" b="0"/>
+      </a:lnRef>
+      <a:fillRef idx="1">
+        <a:scrgbClr r="0" g="0" b="0"/>
+      </a:fillRef>
+      <a:effectRef idx="0">
+        <a:scrgbClr r="0" g="0" b="0"/>
+      </a:effectRef>
+      <a:fontRef idx="minor">
+        <a:schemeClr val="lt1"/>
+      </a:fontRef>
+    </dgm:style>
+  </dgm:styleLbl>
+  <dgm:styleLbl name="vennNode1">
+    <dgm:scene3d>
+      <a:camera prst="orthographicFront"/>
+      <a:lightRig rig="threePt" dir="t"/>
+    </dgm:scene3d>
+    <dgm:sp3d/>
+    <dgm:txPr/>
+    <dgm:style>
+      <a:lnRef idx="2">
+        <a:scrgbClr r="0" g="0" b="0"/>
+      </a:lnRef>
+      <a:fillRef idx="1">
+        <a:scrgbClr r="0" g="0" b="0"/>
+      </a:fillRef>
+      <a:effectRef idx="0">
+        <a:scrgbClr r="0" g="0" b="0"/>
+      </a:effectRef>
+      <a:fontRef idx="minor">
+        <a:schemeClr val="tx1"/>
+      </a:fontRef>
+    </dgm:style>
+  </dgm:styleLbl>
+  <dgm:styleLbl name="alignNode1">
+    <dgm:scene3d>
+      <a:camera prst="orthographicFront"/>
+      <a:lightRig rig="threePt" dir="t"/>
+    </dgm:scene3d>
+    <dgm:sp3d/>
+    <dgm:txPr/>
+    <dgm:style>
+      <a:lnRef idx="2">
+        <a:scrgbClr r="0" g="0" b="0"/>
+      </a:lnRef>
+      <a:fillRef idx="1">
+        <a:scrgbClr r="0" g="0" b="0"/>
+      </a:fillRef>
+      <a:effectRef idx="0">
+        <a:scrgbClr r="0" g="0" b="0"/>
+      </a:effectRef>
+      <a:fontRef idx="minor">
+        <a:schemeClr val="lt1"/>
+      </a:fontRef>
+    </dgm:style>
+  </dgm:styleLbl>
+  <dgm:styleLbl name="node1">
+    <dgm:scene3d>
+      <a:camera prst="orthographicFront"/>
+      <a:lightRig rig="threePt" dir="t"/>
+    </dgm:scene3d>
+    <dgm:sp3d/>
+    <dgm:txPr/>
+    <dgm:style>
+      <a:lnRef idx="2">
+        <a:scrgbClr r="0" g="0" b="0"/>
+      </a:lnRef>
+      <a:fillRef idx="1">
+        <a:scrgbClr r="0" g="0" b="0"/>
+      </a:fillRef>
+      <a:effectRef idx="0">
+        <a:scrgbClr r="0" g="0" b="0"/>
+      </a:effectRef>
+      <a:fontRef idx="minor">
+        <a:schemeClr val="lt1"/>
+      </a:fontRef>
+    </dgm:style>
+  </dgm:styleLbl>
+  <dgm:styleLbl name="node2">
+    <dgm:scene3d>
+      <a:camera prst="orthographicFront"/>
+      <a:lightRig rig="threePt" dir="t"/>
+    </dgm:scene3d>
+    <dgm:sp3d/>
+    <dgm:txPr/>
+    <dgm:style>
+      <a:lnRef idx="2">
+        <a:scrgbClr r="0" g="0" b="0"/>
+      </a:lnRef>
+      <a:fillRef idx="1">
+        <a:scrgbClr r="0" g="0" b="0"/>
+      </a:fillRef>
+      <a:effectRef idx="0">
+        <a:scrgbClr r="0" g="0" b="0"/>
+      </a:effectRef>
+      <a:fontRef idx="minor">
+        <a:schemeClr val="lt1"/>
+      </a:fontRef>
+    </dgm:style>
+  </dgm:styleLbl>
+  <dgm:styleLbl name="node3">
+    <dgm:scene3d>
+      <a:camera prst="orthographicFront"/>
+      <a:lightRig rig="threePt" dir="t"/>
+    </dgm:scene3d>
+    <dgm:sp3d/>
+    <dgm:txPr/>
+    <dgm:style>
+      <a:lnRef idx="2">
+        <a:scrgbClr r="0" g="0" b="0"/>
+      </a:lnRef>
+      <a:fillRef idx="1">
+        <a:scrgbClr r="0" g="0" b="0"/>
+      </a:fillRef>
+      <a:effectRef idx="0">
+        <a:scrgbClr r="0" g="0" b="0"/>
+      </a:effectRef>
+      <a:fontRef idx="minor">
+        <a:schemeClr val="lt1"/>
+      </a:fontRef>
+    </dgm:style>
+  </dgm:styleLbl>
+  <dgm:styleLbl name="node4">
+    <dgm:scene3d>
+      <a:camera prst="orthographicFront"/>
+      <a:lightRig rig="threePt" dir="t"/>
+    </dgm:scene3d>
+    <dgm:sp3d/>
+    <dgm:txPr/>
+    <dgm:style>
+      <a:lnRef idx="2">
+        <a:scrgbClr r="0" g="0" b="0"/>
+      </a:lnRef>
+      <a:fillRef idx="1">
+        <a:scrgbClr r="0" g="0" b="0"/>
+      </a:fillRef>
+      <a:effectRef idx="0">
+        <a:scrgbClr r="0" g="0" b="0"/>
+      </a:effectRef>
+      <a:fontRef idx="minor">
+        <a:schemeClr val="lt1"/>
+      </a:fontRef>
+    </dgm:style>
+  </dgm:styleLbl>
+  <dgm:styleLbl name="fgImgPlace1">
+    <dgm:scene3d>
+      <a:camera prst="orthographicFront"/>
+      <a:lightRig rig="threePt" dir="t"/>
+    </dgm:scene3d>
+    <dgm:sp3d/>
+    <dgm:txPr/>
+    <dgm:style>
+      <a:lnRef idx="2">
+        <a:scrgbClr r="0" g="0" b="0"/>
+      </a:lnRef>
+      <a:fillRef idx="1">
+        <a:scrgbClr r="0" g="0" b="0"/>
+      </a:fillRef>
+      <a:effectRef idx="0">
+        <a:scrgbClr r="0" g="0" b="0"/>
+      </a:effectRef>
+      <a:fontRef idx="minor"/>
+    </dgm:style>
+  </dgm:styleLbl>
+  <dgm:styleLbl name="alignImgPlace1">
+    <dgm:scene3d>
+      <a:camera prst="orthographicFront"/>
+      <a:lightRig rig="threePt" dir="t"/>
+    </dgm:scene3d>
+    <dgm:sp3d/>
+    <dgm:txPr/>
+    <dgm:style>
+      <a:lnRef idx="2">
+        <a:scrgbClr r="0" g="0" b="0"/>
+      </a:lnRef>
+      <a:fillRef idx="1">
+        <a:scrgbClr r="0" g="0" b="0"/>
+      </a:fillRef>
+      <a:effectRef idx="0">
+        <a:scrgbClr r="0" g="0" b="0"/>
+      </a:effectRef>
+      <a:fontRef idx="minor"/>
+    </dgm:style>
+  </dgm:styleLbl>
+  <dgm:styleLbl name="bgImgPlace1">
+    <dgm:scene3d>
+      <a:camera prst="orthographicFront"/>
+      <a:lightRig rig="threePt" dir="t"/>
+    </dgm:scene3d>
+    <dgm:sp3d/>
+    <dgm:txPr/>
+    <dgm:style>
+      <a:lnRef idx="2">
+        <a:scrgbClr r="0" g="0" b="0"/>
+      </a:lnRef>
+      <a:fillRef idx="1">
+        <a:scrgbClr r="0" g="0" b="0"/>
+      </a:fillRef>
+      <a:effectRef idx="0">
+        <a:scrgbClr r="0" g="0" b="0"/>
+      </a:effectRef>
+      <a:fontRef idx="minor"/>
+    </dgm:style>
+  </dgm:styleLbl>
+  <dgm:styleLbl name="sibTrans2D1">
+    <dgm:scene3d>
+      <a:camera prst="orthographicFront"/>
+      <a:lightRig rig="threePt" dir="t"/>
+    </dgm:scene3d>
+    <dgm:sp3d/>
+    <dgm:txPr/>
+    <dgm:style>
+      <a:lnRef idx="0">
+        <a:scrgbClr r="0" g="0" b="0"/>
+      </a:lnRef>
+      <a:fillRef idx="1">
+        <a:scrgbClr r="0" g="0" b="0"/>
+      </a:fillRef>
+      <a:effectRef idx="0">
+        <a:scrgbClr r="0" g="0" b="0"/>
+      </a:effectRef>
+      <a:fontRef idx="minor">
+        <a:schemeClr val="lt1"/>
+      </a:fontRef>
+    </dgm:style>
+  </dgm:styleLbl>
+  <dgm:styleLbl name="fgSibTrans2D1">
+    <dgm:scene3d>
+      <a:camera prst="orthographicFront"/>
+      <a:lightRig rig="threePt" dir="t"/>
+    </dgm:scene3d>
+    <dgm:sp3d/>
+    <dgm:txPr/>
+    <dgm:style>
+      <a:lnRef idx="0">
+        <a:scrgbClr r="0" g="0" b="0"/>
+      </a:lnRef>
+      <a:fillRef idx="1">
+        <a:scrgbClr r="0" g="0" b="0"/>
+      </a:fillRef>
+      <a:effectRef idx="0">
+        <a:scrgbClr r="0" g="0" b="0"/>
+      </a:effectRef>
+      <a:fontRef idx="minor">
+        <a:schemeClr val="lt1"/>
+      </a:fontRef>
+    </dgm:style>
+  </dgm:styleLbl>
+  <dgm:styleLbl name="bgSibTrans2D1">
+    <dgm:scene3d>
+      <a:camera prst="orthographicFront"/>
+      <a:lightRig rig="threePt" dir="t"/>
+    </dgm:scene3d>
+    <dgm:sp3d/>
+    <dgm:txPr/>
+    <dgm:style>
+      <a:lnRef idx="0">
+        <a:scrgbClr r="0" g="0" b="0"/>
+      </a:lnRef>
+      <a:fillRef idx="1">
+        <a:scrgbClr r="0" g="0" b="0"/>
+      </a:fillRef>
+      <a:effectRef idx="0">
+        <a:scrgbClr r="0" g="0" b="0"/>
+      </a:effectRef>
+      <a:fontRef idx="minor">
+        <a:schemeClr val="lt1"/>
+      </a:fontRef>
+    </dgm:style>
+  </dgm:styleLbl>
+  <dgm:styleLbl name="sibTrans1D1">
+    <dgm:scene3d>
+      <a:camera prst="orthographicFront"/>
+      <a:lightRig rig="threePt" dir="t"/>
+    </dgm:scene3d>
+    <dgm:sp3d/>
+    <dgm:txPr/>
+    <dgm:style>
+      <a:lnRef idx="1">
+        <a:scrgbClr r="0" g="0" b="0"/>
+      </a:lnRef>
+      <a:fillRef idx="0">
+        <a:scrgbClr r="0" g="0" b="0"/>
+      </a:fillRef>
+      <a:effectRef idx="0">
+        <a:scrgbClr r="0" g="0" b="0"/>
+      </a:effectRef>
+      <a:fontRef idx="minor"/>
+    </dgm:style>
+  </dgm:styleLbl>
+  <dgm:styleLbl name="callout">
+    <dgm:scene3d>
+      <a:camera prst="orthographicFront"/>
+      <a:lightRig rig="threePt" dir="t"/>
+    </dgm:scene3d>
+    <dgm:sp3d/>
+    <dgm:txPr/>
+    <dgm:style>
+      <a:lnRef idx="2">
+        <a:scrgbClr r="0" g="0" b="0"/>
+      </a:lnRef>
+      <a:fillRef idx="1">
+        <a:scrgbClr r="0" g="0" b="0"/>
+      </a:fillRef>
+      <a:effectRef idx="0">
+        <a:scrgbClr r="0" g="0" b="0"/>
+      </a:effectRef>
+      <a:fontRef idx="minor"/>
+    </dgm:style>
+  </dgm:styleLbl>
+  <dgm:styleLbl name="asst0">
+    <dgm:scene3d>
+      <a:camera prst="orthographicFront"/>
+      <a:lightRig rig="threePt" dir="t"/>
+    </dgm:scene3d>
+    <dgm:sp3d/>
+    <dgm:txPr/>
+    <dgm:style>
+      <a:lnRef idx="2">
+        <a:scrgbClr r="0" g="0" b="0"/>
+      </a:lnRef>
+      <a:fillRef idx="1">
+        <a:scrgbClr r="0" g="0" b="0"/>
+      </a:fillRef>
+      <a:effectRef idx="0">
+        <a:scrgbClr r="0" g="0" b="0"/>
+      </a:effectRef>
+      <a:fontRef idx="minor">
+        <a:schemeClr val="lt1"/>
+      </a:fontRef>
+    </dgm:style>
+  </dgm:styleLbl>
+  <dgm:styleLbl name="asst1">
+    <dgm:scene3d>
+      <a:camera prst="orthographicFront"/>
+      <a:lightRig rig="threePt" dir="t"/>
+    </dgm:scene3d>
+    <dgm:sp3d/>
+    <dgm:txPr/>
+    <dgm:style>
+      <a:lnRef idx="2">
+        <a:scrgbClr r="0" g="0" b="0"/>
+      </a:lnRef>
+      <a:fillRef idx="1">
+        <a:scrgbClr r="0" g="0" b="0"/>
+      </a:fillRef>
+      <a:effectRef idx="0">
+        <a:scrgbClr r="0" g="0" b="0"/>
+      </a:effectRef>
+      <a:fontRef idx="minor">
+        <a:schemeClr val="lt1"/>
+      </a:fontRef>
+    </dgm:style>
+  </dgm:styleLbl>
+  <dgm:styleLbl name="asst2">
+    <dgm:scene3d>
+      <a:camera prst="orthographicFront"/>
+      <a:lightRig rig="threePt" dir="t"/>
+    </dgm:scene3d>
+    <dgm:sp3d/>
+    <dgm:txPr/>
+    <dgm:style>
+      <a:lnRef idx="2">
+        <a:scrgbClr r="0" g="0" b="0"/>
+      </a:lnRef>
+      <a:fillRef idx="1">
+        <a:scrgbClr r="0" g="0" b="0"/>
+      </a:fillRef>
+      <a:effectRef idx="0">
+        <a:scrgbClr r="0" g="0" b="0"/>
+      </a:effectRef>
+      <a:fontRef idx="minor">
+        <a:schemeClr val="lt1"/>
+      </a:fontRef>
+    </dgm:style>
+  </dgm:styleLbl>
+  <dgm:styleLbl name="asst3">
+    <dgm:scene3d>
+      <a:camera prst="orthographicFront"/>
+      <a:lightRig rig="threePt" dir="t"/>
+    </dgm:scene3d>
+    <dgm:sp3d/>
+    <dgm:txPr/>
+    <dgm:style>
+      <a:lnRef idx="2">
+        <a:scrgbClr r="0" g="0" b="0"/>
+      </a:lnRef>
+      <a:fillRef idx="1">
+        <a:scrgbClr r="0" g="0" b="0"/>
+      </a:fillRef>
+      <a:effectRef idx="0">
+        <a:scrgbClr r="0" g="0" b="0"/>
+      </a:effectRef>
+      <a:fontRef idx="minor">
+        <a:schemeClr val="lt1"/>
+      </a:fontRef>
+    </dgm:style>
+  </dgm:styleLbl>
+  <dgm:styleLbl name="asst4">
+    <dgm:scene3d>
+      <a:camera prst="orthographicFront"/>
+      <a:lightRig rig="threePt" dir="t"/>
+    </dgm:scene3d>
+    <dgm:sp3d/>
+    <dgm:txPr/>
+    <dgm:style>
+      <a:lnRef idx="2">
+        <a:scrgbClr r="0" g="0" b="0"/>
+      </a:lnRef>
+      <a:fillRef idx="1">
+        <a:scrgbClr r="0" g="0" b="0"/>
+      </a:fillRef>
+      <a:effectRef idx="0">
+        <a:scrgbClr r="0" g="0" b="0"/>
+      </a:effectRef>
+      <a:fontRef idx="minor">
+        <a:schemeClr val="lt1"/>
+      </a:fontRef>
+    </dgm:style>
+  </dgm:styleLbl>
+  <dgm:styleLbl name="parChTrans2D1">
+    <dgm:scene3d>
+      <a:camera prst="orthographicFront"/>
+      <a:lightRig rig="threePt" dir="t"/>
+    </dgm:scene3d>
+    <dgm:sp3d/>
+    <dgm:txPr/>
+    <dgm:style>
+      <a:lnRef idx="2">
+        <a:scrgbClr r="0" g="0" b="0"/>
+      </a:lnRef>
+      <a:fillRef idx="1">
+        <a:scrgbClr r="0" g="0" b="0"/>
+      </a:fillRef>
+      <a:effectRef idx="0">
+        <a:scrgbClr r="0" g="0" b="0"/>
+      </a:effectRef>
+      <a:fontRef idx="minor">
+        <a:schemeClr val="lt1"/>
+      </a:fontRef>
+    </dgm:style>
+  </dgm:styleLbl>
+  <dgm:styleLbl name="parChTrans2D2">
+    <dgm:scene3d>
+      <a:camera prst="orthographicFront"/>
+      <a:lightRig rig="threePt" dir="t"/>
+    </dgm:scene3d>
+    <dgm:sp3d/>
+    <dgm:txPr/>
+    <dgm:style>
+      <a:lnRef idx="2">
+        <a:scrgbClr r="0" g="0" b="0"/>
+      </a:lnRef>
+      <a:fillRef idx="1">
+        <a:scrgbClr r="0" g="0" b="0"/>
+      </a:fillRef>
+      <a:effectRef idx="0">
+        <a:scrgbClr r="0" g="0" b="0"/>
+      </a:effectRef>
+      <a:fontRef idx="minor">
+        <a:schemeClr val="lt1"/>
+      </a:fontRef>
+    </dgm:style>
+  </dgm:styleLbl>
+  <dgm:styleLbl name="parChTrans2D3">
+    <dgm:scene3d>
+      <a:camera prst="orthographicFront"/>
+      <a:lightRig rig="threePt" dir="t"/>
+    </dgm:scene3d>
+    <dgm:sp3d/>
+    <dgm:txPr/>
+    <dgm:style>
+      <a:lnRef idx="2">
+        <a:scrgbClr r="0" g="0" b="0"/>
+      </a:lnRef>
+      <a:fillRef idx="1">
+        <a:scrgbClr r="0" g="0" b="0"/>
+      </a:fillRef>
+      <a:effectRef idx="0">
+        <a:scrgbClr r="0" g="0" b="0"/>
+      </a:effectRef>
+      <a:fontRef idx="minor">
+        <a:schemeClr val="lt1"/>
+      </a:fontRef>
+    </dgm:style>
+  </dgm:styleLbl>
+  <dgm:styleLbl name="parChTrans2D4">
+    <dgm:scene3d>
+      <a:camera prst="orthographicFront"/>
+      <a:lightRig rig="threePt" dir="t"/>
+    </dgm:scene3d>
+    <dgm:sp3d/>
+    <dgm:txPr/>
+    <dgm:style>
+      <a:lnRef idx="2">
+        <a:scrgbClr r="0" g="0" b="0"/>
+      </a:lnRef>
+      <a:fillRef idx="1">
+        <a:scrgbClr r="0" g="0" b="0"/>
+      </a:fillRef>
+      <a:effectRef idx="0">
+        <a:scrgbClr r="0" g="0" b="0"/>
+      </a:effectRef>
+      <a:fontRef idx="minor">
+        <a:schemeClr val="lt1"/>
+      </a:fontRef>
+    </dgm:style>
+  </dgm:styleLbl>
+  <dgm:styleLbl name="parChTrans1D1">
+    <dgm:scene3d>
+      <a:camera prst="orthographicFront"/>
+      <a:lightRig rig="threePt" dir="t"/>
+    </dgm:scene3d>
+    <dgm:sp3d/>
+    <dgm:txPr/>
+    <dgm:style>
+      <a:lnRef idx="2">
+        <a:scrgbClr r="0" g="0" b="0"/>
+      </a:lnRef>
+      <a:fillRef idx="0">
+        <a:scrgbClr r="0" g="0" b="0"/>
+      </a:fillRef>
+      <a:effectRef idx="0">
+        <a:scrgbClr r="0" g="0" b="0"/>
+      </a:effectRef>
+      <a:fontRef idx="minor"/>
+    </dgm:style>
+  </dgm:styleLbl>
+  <dgm:styleLbl name="parChTrans1D2">
+    <dgm:scene3d>
+      <a:camera prst="orthographicFront"/>
+      <a:lightRig rig="threePt" dir="t"/>
+    </dgm:scene3d>
+    <dgm:sp3d/>
+    <dgm:txPr/>
+    <dgm:style>
+      <a:lnRef idx="2">
+        <a:scrgbClr r="0" g="0" b="0"/>
+      </a:lnRef>
+      <a:fillRef idx="0">
+        <a:scrgbClr r="0" g="0" b="0"/>
+      </a:fillRef>
+      <a:effectRef idx="0">
+        <a:scrgbClr r="0" g="0" b="0"/>
+      </a:effectRef>
+      <a:fontRef idx="minor"/>
+    </dgm:style>
+  </dgm:styleLbl>
+  <dgm:styleLbl name="parChTrans1D3">
+    <dgm:scene3d>
+      <a:camera prst="orthographicFront"/>
+      <a:lightRig rig="threePt" dir="t"/>
+    </dgm:scene3d>
+    <dgm:sp3d/>
+    <dgm:txPr/>
+    <dgm:style>
+      <a:lnRef idx="2">
+        <a:scrgbClr r="0" g="0" b="0"/>
+      </a:lnRef>
+      <a:fillRef idx="0">
+        <a:scrgbClr r="0" g="0" b="0"/>
+      </a:fillRef>
+      <a:effectRef idx="0">
+        <a:scrgbClr r="0" g="0" b="0"/>
+      </a:effectRef>
+      <a:fontRef idx="minor"/>
+    </dgm:style>
+  </dgm:styleLbl>
+  <dgm:styleLbl name="parChTrans1D4">
+    <dgm:scene3d>
+      <a:camera prst="orthographicFront"/>
+      <a:lightRig rig="threePt" dir="t"/>
+    </dgm:scene3d>
+    <dgm:sp3d/>
+    <dgm:txPr/>
+    <dgm:style>
+      <a:lnRef idx="2">
+        <a:scrgbClr r="0" g="0" b="0"/>
+      </a:lnRef>
+      <a:fillRef idx="0">
+        <a:scrgbClr r="0" g="0" b="0"/>
+      </a:fillRef>
+      <a:effectRef idx="0">
+        <a:scrgbClr r="0" g="0" b="0"/>
+      </a:effectRef>
+      <a:fontRef idx="minor"/>
+    </dgm:style>
+  </dgm:styleLbl>
+  <dgm:styleLbl name="fgAcc1">
+    <dgm:scene3d>
+      <a:camera prst="orthographicFront"/>
+      <a:lightRig rig="threePt" dir="t"/>
+    </dgm:scene3d>
+    <dgm:sp3d/>
+    <dgm:txPr/>
+    <dgm:style>
+      <a:lnRef idx="2">
+        <a:scrgbClr r="0" g="0" b="0"/>
+      </a:lnRef>
+      <a:fillRef idx="1">
+        <a:scrgbClr r="0" g="0" b="0"/>
+      </a:fillRef>
+      <a:effectRef idx="0">
+        <a:scrgbClr r="0" g="0" b="0"/>
+      </a:effectRef>
+      <a:fontRef idx="minor"/>
+    </dgm:style>
+  </dgm:styleLbl>
+  <dgm:styleLbl name="conFgAcc1">
+    <dgm:scene3d>
+      <a:camera prst="orthographicFront"/>
+      <a:lightRig rig="threePt" dir="t"/>
+    </dgm:scene3d>
+    <dgm:sp3d/>
+    <dgm:txPr/>
+    <dgm:style>
+      <a:lnRef idx="2">
+        <a:scrgbClr r="0" g="0" b="0"/>
+      </a:lnRef>
+      <a:fillRef idx="1">
+        <a:scrgbClr r="0" g="0" b="0"/>
+      </a:fillRef>
+      <a:effectRef idx="0">
+        <a:scrgbClr r="0" g="0" b="0"/>
+      </a:effectRef>
+      <a:fontRef idx="minor"/>
+    </dgm:style>
+  </dgm:styleLbl>
+  <dgm:styleLbl name="alignAcc1">
+    <dgm:scene3d>
+      <a:camera prst="orthographicFront"/>
+      <a:lightRig rig="threePt" dir="t"/>
+    </dgm:scene3d>
+    <dgm:sp3d/>
+    <dgm:txPr/>
+    <dgm:style>
+      <a:lnRef idx="2">
+        <a:scrgbClr r="0" g="0" b="0"/>
+      </a:lnRef>
+      <a:fillRef idx="1">
+        <a:scrgbClr r="0" g="0" b="0"/>
+      </a:fillRef>
+      <a:effectRef idx="0">
+        <a:scrgbClr r="0" g="0" b="0"/>
+      </a:effectRef>
+      <a:fontRef idx="minor"/>
+    </dgm:style>
+  </dgm:styleLbl>
+  <dgm:styleLbl name="trAlignAcc1">
+    <dgm:scene3d>
+      <a:camera prst="orthographicFront"/>
+      <a:lightRig rig="threePt" dir="t"/>
+    </dgm:scene3d>
+    <dgm:sp3d/>
+    <dgm:txPr/>
+    <dgm:style>
+      <a:lnRef idx="1">
+        <a:scrgbClr r="0" g="0" b="0"/>
+      </a:lnRef>
+      <a:fillRef idx="1">
+        <a:scrgbClr r="0" g="0" b="0"/>
+      </a:fillRef>
+      <a:effectRef idx="0">
+        <a:scrgbClr r="0" g="0" b="0"/>
+      </a:effectRef>
+      <a:fontRef idx="minor"/>
+    </dgm:style>
+  </dgm:styleLbl>
+  <dgm:styleLbl name="bgAcc1">
+    <dgm:scene3d>
+      <a:camera prst="orthographicFront"/>
+      <a:lightRig rig="threePt" dir="t"/>
+    </dgm:scene3d>
+    <dgm:sp3d/>
+    <dgm:txPr/>
+    <dgm:style>
+      <a:lnRef idx="2">
+        <a:scrgbClr r="0" g="0" b="0"/>
+      </a:lnRef>
+      <a:fillRef idx="1">
+        <a:scrgbClr r="0" g="0" b="0"/>
+      </a:fillRef>
+      <a:effectRef idx="0">
+        <a:scrgbClr r="0" g="0" b="0"/>
+      </a:effectRef>
+      <a:fontRef idx="minor"/>
+    </dgm:style>
+  </dgm:styleLbl>
+  <dgm:styleLbl name="solidFgAcc1">
+    <dgm:scene3d>
+      <a:camera prst="orthographicFront"/>
+      <a:lightRig rig="threePt" dir="t"/>
+    </dgm:scene3d>
+    <dgm:sp3d/>
+    <dgm:txPr/>
+    <dgm:style>
+      <a:lnRef idx="2">
+        <a:scrgbClr r="0" g="0" b="0"/>
+      </a:lnRef>
+      <a:fillRef idx="1">
+        <a:scrgbClr r="0" g="0" b="0"/>
+      </a:fillRef>
+      <a:effectRef idx="0">
+        <a:scrgbClr r="0" g="0" b="0"/>
+      </a:effectRef>
+      <a:fontRef idx="minor"/>
+    </dgm:style>
+  </dgm:styleLbl>
+  <dgm:styleLbl name="solidAlignAcc1">
+    <dgm:scene3d>
+      <a:camera prst="orthographicFront"/>
+      <a:lightRig rig="threePt" dir="t"/>
+    </dgm:scene3d>
+    <dgm:sp3d/>
+    <dgm:txPr/>
+    <dgm:style>
+      <a:lnRef idx="2">
+        <a:scrgbClr r="0" g="0" b="0"/>
+      </a:lnRef>
+      <a:fillRef idx="1">
+        <a:scrgbClr r="0" g="0" b="0"/>
+      </a:fillRef>
+      <a:effectRef idx="0">
+        <a:scrgbClr r="0" g="0" b="0"/>
+      </a:effectRef>
+      <a:fontRef idx="minor"/>
+    </dgm:style>
+  </dgm:styleLbl>
+  <dgm:styleLbl name="solidBgAcc1">
+    <dgm:scene3d>
+      <a:camera prst="orthographicFront"/>
+      <a:lightRig rig="threePt" dir="t"/>
+    </dgm:scene3d>
+    <dgm:sp3d/>
+    <dgm:txPr/>
+    <dgm:style>
+      <a:lnRef idx="2">
+        <a:scrgbClr r="0" g="0" b="0"/>
+      </a:lnRef>
+      <a:fillRef idx="1">
+        <a:scrgbClr r="0" g="0" b="0"/>
+      </a:fillRef>
+      <a:effectRef idx="0">
+        <a:scrgbClr r="0" g="0" b="0"/>
+      </a:effectRef>
+      <a:fontRef idx="minor"/>
+    </dgm:style>
+  </dgm:styleLbl>
+  <dgm:styleLbl name="fgAccFollowNode1">
+    <dgm:scene3d>
+      <a:camera prst="orthographicFront"/>
+      <a:lightRig rig="threePt" dir="t"/>
+    </dgm:scene3d>
+    <dgm:sp3d/>
+    <dgm:txPr/>
+    <dgm:style>
+      <a:lnRef idx="2">
+        <a:scrgbClr r="0" g="0" b="0"/>
+      </a:lnRef>
+      <a:fillRef idx="1">
+        <a:scrgbClr r="0" g="0" b="0"/>
+      </a:fillRef>
+      <a:effectRef idx="0">
+        <a:scrgbClr r="0" g="0" b="0"/>
+      </a:effectRef>
+      <a:fontRef idx="minor"/>
+    </dgm:style>
+  </dgm:styleLbl>
+  <dgm:styleLbl name="alignAccFollowNode1">
+    <dgm:scene3d>
+      <a:camera prst="orthographicFront"/>
+      <a:lightRig rig="threePt" dir="t"/>
+    </dgm:scene3d>
+    <dgm:sp3d/>
+    <dgm:txPr/>
+    <dgm:style>
+      <a:lnRef idx="2">
+        <a:scrgbClr r="0" g="0" b="0"/>
+      </a:lnRef>
+      <a:fillRef idx="1">
+        <a:scrgbClr r="0" g="0" b="0"/>
+      </a:fillRef>
+      <a:effectRef idx="0">
+        <a:scrgbClr r="0" g="0" b="0"/>
+      </a:effectRef>
+      <a:fontRef idx="minor"/>
+    </dgm:style>
+  </dgm:styleLbl>
+  <dgm:styleLbl name="bgAccFollowNode1">
+    <dgm:scene3d>
+      <a:camera prst="orthographicFront"/>
+      <a:lightRig rig="threePt" dir="t"/>
+    </dgm:scene3d>
+    <dgm:sp3d/>
+    <dgm:txPr/>
+    <dgm:style>
+      <a:lnRef idx="2">
+        <a:scrgbClr r="0" g="0" b="0"/>
+      </a:lnRef>
+      <a:fillRef idx="1">
+        <a:scrgbClr r="0" g="0" b="0"/>
+      </a:fillRef>
+      <a:effectRef idx="0">
+        <a:scrgbClr r="0" g="0" b="0"/>
+      </a:effectRef>
+      <a:fontRef idx="minor"/>
+    </dgm:style>
+  </dgm:styleLbl>
+  <dgm:styleLbl name="fgAcc0">
+    <dgm:scene3d>
+      <a:camera prst="orthographicFront"/>
+      <a:lightRig rig="threePt" dir="t"/>
+    </dgm:scene3d>
+    <dgm:sp3d/>
+    <dgm:txPr/>
+    <dgm:style>
+      <a:lnRef idx="2">
+        <a:scrgbClr r="0" g="0" b="0"/>
+      </a:lnRef>
+      <a:fillRef idx="1">
+        <a:scrgbClr r="0" g="0" b="0"/>
+      </a:fillRef>
+      <a:effectRef idx="0">
+        <a:scrgbClr r="0" g="0" b="0"/>
+      </a:effectRef>
+      <a:fontRef idx="minor"/>
+    </dgm:style>
+  </dgm:styleLbl>
+  <dgm:styleLbl name="fgAcc2">
+    <dgm:scene3d>
+      <a:camera prst="orthographicFront"/>
+      <a:lightRig rig="threePt" dir="t"/>
+    </dgm:scene3d>
+    <dgm:sp3d/>
+    <dgm:txPr/>
+    <dgm:style>
+      <a:lnRef idx="2">
+        <a:scrgbClr r="0" g="0" b="0"/>
+      </a:lnRef>
+      <a:fillRef idx="1">
+        <a:scrgbClr r="0" g="0" b="0"/>
+      </a:fillRef>
+      <a:effectRef idx="0">
+        <a:scrgbClr r="0" g="0" b="0"/>
+      </a:effectRef>
+      <a:fontRef idx="minor"/>
+    </dgm:style>
+  </dgm:styleLbl>
+  <dgm:styleLbl name="fgAcc3">
+    <dgm:scene3d>
+      <a:camera prst="orthographicFront"/>
+      <a:lightRig rig="threePt" dir="t"/>
+    </dgm:scene3d>
+    <dgm:sp3d/>
+    <dgm:txPr/>
+    <dgm:style>
+      <a:lnRef idx="2">
+        <a:scrgbClr r="0" g="0" b="0"/>
+      </a:lnRef>
+      <a:fillRef idx="1">
+        <a:scrgbClr r="0" g="0" b="0"/>
+      </a:fillRef>
+      <a:effectRef idx="0">
+        <a:scrgbClr r="0" g="0" b="0"/>
+      </a:effectRef>
+      <a:fontRef idx="minor"/>
+    </dgm:style>
+  </dgm:styleLbl>
+  <dgm:styleLbl name="fgAcc4">
+    <dgm:scene3d>
+      <a:camera prst="orthographicFront"/>
+      <a:lightRig rig="threePt" dir="t"/>
+    </dgm:scene3d>
+    <dgm:sp3d/>
+    <dgm:txPr/>
+    <dgm:style>
+      <a:lnRef idx="2">
+        <a:scrgbClr r="0" g="0" b="0"/>
+      </a:lnRef>
+      <a:fillRef idx="1">
+        <a:scrgbClr r="0" g="0" b="0"/>
+      </a:fillRef>
+      <a:effectRef idx="0">
+        <a:scrgbClr r="0" g="0" b="0"/>
+      </a:effectRef>
+      <a:fontRef idx="minor"/>
+    </dgm:style>
+  </dgm:styleLbl>
+  <dgm:styleLbl name="bgShp">
+    <dgm:scene3d>
+      <a:camera prst="orthographicFront"/>
+      <a:lightRig rig="threePt" dir="t"/>
+    </dgm:scene3d>
+    <dgm:sp3d/>
+    <dgm:txPr/>
+    <dgm:style>
+      <a:lnRef idx="0">
+        <a:scrgbClr r="0" g="0" b="0"/>
+      </a:lnRef>
+      <a:fillRef idx="1">
+        <a:scrgbClr r="0" g="0" b="0"/>
+      </a:fillRef>
+      <a:effectRef idx="0">
+        <a:scrgbClr r="0" g="0" b="0"/>
+      </a:effectRef>
+      <a:fontRef idx="minor"/>
+    </dgm:style>
+  </dgm:styleLbl>
+  <dgm:styleLbl name="dkBgShp">
+    <dgm:scene3d>
+      <a:camera prst="orthographicFront"/>
+      <a:lightRig rig="threePt" dir="t"/>
+    </dgm:scene3d>
+    <dgm:sp3d/>
+    <dgm:txPr/>
+    <dgm:style>
+      <a:lnRef idx="0">
+        <a:scrgbClr r="0" g="0" b="0"/>
+      </a:lnRef>
+      <a:fillRef idx="1">
+        <a:scrgbClr r="0" g="0" b="0"/>
+      </a:fillRef>
+      <a:effectRef idx="0">
+        <a:scrgbClr r="0" g="0" b="0"/>
+      </a:effectRef>
+      <a:fontRef idx="minor"/>
+    </dgm:style>
+  </dgm:styleLbl>
+  <dgm:styleLbl name="trBgShp">
+    <dgm:scene3d>
+      <a:camera prst="orthographicFront"/>
+      <a:lightRig rig="threePt" dir="t"/>
+    </dgm:scene3d>
+    <dgm:sp3d/>
+    <dgm:txPr/>
+    <dgm:style>
+      <a:lnRef idx="0">
+        <a:scrgbClr r="0" g="0" b="0"/>
+      </a:lnRef>
+      <a:fillRef idx="1">
+        <a:scrgbClr r="0" g="0" b="0"/>
+      </a:fillRef>
+      <a:effectRef idx="0">
+        <a:scrgbClr r="0" g="0" b="0"/>
+      </a:effectRef>
+      <a:fontRef idx="minor"/>
+    </dgm:style>
+  </dgm:styleLbl>
+  <dgm:styleLbl name="fgShp">
+    <dgm:scene3d>
+      <a:camera prst="orthographicFront"/>
+      <a:lightRig rig="threePt" dir="t"/>
+    </dgm:scene3d>
+    <dgm:sp3d/>
+    <dgm:txPr/>
+    <dgm:style>
+      <a:lnRef idx="2">
+        <a:scrgbClr r="0" g="0" b="0"/>
+      </a:lnRef>
+      <a:fillRef idx="1">
+        <a:scrgbClr r="0" g="0" b="0"/>
+      </a:fillRef>
+      <a:effectRef idx="0">
+        <a:scrgbClr r="0" g="0" b="0"/>
+      </a:effectRef>
+      <a:fontRef idx="minor"/>
+    </dgm:style>
+  </dgm:styleLbl>
+  <dgm:styleLbl name="revTx">
+    <dgm:scene3d>
+      <a:camera prst="orthographicFront"/>
+      <a:lightRig rig="threePt" dir="t"/>
+    </dgm:scene3d>
+    <dgm:sp3d/>
+    <dgm:txPr/>
+    <dgm:style>
+      <a:lnRef idx="0">
+        <a:scrgbClr r="0" g="0" b="0"/>
+      </a:lnRef>
+      <a:fillRef idx="0">
+        <a:scrgbClr r="0" g="0" b="0"/>
+      </a:fillRef>
+      <a:effectRef idx="0">
+        <a:scrgbClr r="0" g="0" b="0"/>
+      </a:effectRef>
+      <a:fontRef idx="minor"/>
+    </dgm:style>
+  </dgm:styleLbl>
+</dgm:styleDef>
+</file>
+
+<file path=ppt/diagrams/quickStyle9.xml><?xml version="1.0" encoding="utf-8"?>
 <dgm:styleDef xmlns:dgm="http://schemas.openxmlformats.org/drawingml/2006/diagram" xmlns:a="http://schemas.openxmlformats.org/drawingml/2006/main" uniqueId="urn:microsoft.com/office/officeart/2005/8/quickstyle/simple1">
   <dgm:title val=""/>
   <dgm:desc val=""/>
@@ -33408,7 +37474,7 @@
           <a:p>
             <a:fld id="{D7D9A16F-D302-4F6C-88DE-469A6962F06E}" type="datetimeFigureOut">
               <a:rPr lang="en-US" smtClean="0"/>
-              <a:t>1/2/2015</a:t>
+              <a:t>1/3/2015</a:t>
             </a:fld>
             <a:endParaRPr lang="en-US"/>
           </a:p>
@@ -33913,6 +37979,232 @@
           <a:p>
             <a:r>
               <a:rPr lang="en-US" dirty="0" smtClean="0"/>
+              <a:t>Example of trying to use a common base</a:t>
+            </a:r>
+            <a:r>
+              <a:rPr lang="en-US" baseline="0" dirty="0" smtClean="0"/>
+              <a:t> type, even when all sub types don’t semantically adhere to it.</a:t>
+            </a:r>
+            <a:endParaRPr lang="en-US" dirty="0" smtClean="0"/>
+          </a:p>
+          <a:p>
+            <a:r>
+              <a:rPr lang="en-US" dirty="0" smtClean="0"/>
+              <a:t>If you find yourself throwing </a:t>
+            </a:r>
+            <a:r>
+              <a:rPr lang="en-US" dirty="0" err="1" smtClean="0"/>
+              <a:t>NotSupportedExceptions</a:t>
+            </a:r>
+            <a:r>
+              <a:rPr lang="en-US" dirty="0" smtClean="0"/>
+              <a:t>, you are probably violating </a:t>
+            </a:r>
+            <a:r>
+              <a:rPr lang="en-US" dirty="0" err="1" smtClean="0"/>
+              <a:t>Liskov</a:t>
+            </a:r>
+            <a:r>
+              <a:rPr lang="en-US" dirty="0" smtClean="0"/>
+              <a:t>.</a:t>
+            </a:r>
+          </a:p>
+        </p:txBody>
+      </p:sp>
+      <p:sp>
+        <p:nvSpPr>
+          <p:cNvPr id="4" name="Slide Number Placeholder 3"/>
+          <p:cNvSpPr>
+            <a:spLocks noGrp="1"/>
+          </p:cNvSpPr>
+          <p:nvPr>
+            <p:ph type="sldNum" sz="quarter" idx="10"/>
+          </p:nvPr>
+        </p:nvSpPr>
+        <p:spPr/>
+        <p:txBody>
+          <a:bodyPr/>
+          <a:lstStyle/>
+          <a:p>
+            <a:fld id="{5E646BB7-50E9-43CE-B8D8-A01580F287EB}" type="slidenum">
+              <a:rPr lang="en-US" smtClean="0"/>
+              <a:t>4</a:t>
+            </a:fld>
+            <a:endParaRPr lang="en-US"/>
+          </a:p>
+        </p:txBody>
+      </p:sp>
+    </p:spTree>
+    <p:extLst>
+      <p:ext uri="{BB962C8B-B14F-4D97-AF65-F5344CB8AC3E}">
+        <p14:creationId xmlns:p14="http://schemas.microsoft.com/office/powerpoint/2010/main" val="1477330492"/>
+      </p:ext>
+    </p:extLst>
+  </p:cSld>
+  <p:clrMapOvr>
+    <a:masterClrMapping/>
+  </p:clrMapOvr>
+</p:notes>
+</file>
+
+<file path=ppt/notesSlides/notesSlide4.xml><?xml version="1.0" encoding="utf-8"?>
+<p:notes xmlns:a="http://schemas.openxmlformats.org/drawingml/2006/main" xmlns:r="http://schemas.openxmlformats.org/officeDocument/2006/relationships" xmlns:p="http://schemas.openxmlformats.org/presentationml/2006/main">
+  <p:cSld>
+    <p:spTree>
+      <p:nvGrpSpPr>
+        <p:cNvPr id="1" name=""/>
+        <p:cNvGrpSpPr/>
+        <p:nvPr/>
+      </p:nvGrpSpPr>
+      <p:grpSpPr>
+        <a:xfrm>
+          <a:off x="0" y="0"/>
+          <a:ext cx="0" cy="0"/>
+          <a:chOff x="0" y="0"/>
+          <a:chExt cx="0" cy="0"/>
+        </a:xfrm>
+      </p:grpSpPr>
+      <p:sp>
+        <p:nvSpPr>
+          <p:cNvPr id="2" name="Slide Image Placeholder 1"/>
+          <p:cNvSpPr>
+            <a:spLocks noGrp="1" noRot="1" noChangeAspect="1"/>
+          </p:cNvSpPr>
+          <p:nvPr>
+            <p:ph type="sldImg"/>
+          </p:nvPr>
+        </p:nvSpPr>
+        <p:spPr/>
+      </p:sp>
+      <p:sp>
+        <p:nvSpPr>
+          <p:cNvPr id="3" name="Notes Placeholder 2"/>
+          <p:cNvSpPr>
+            <a:spLocks noGrp="1"/>
+          </p:cNvSpPr>
+          <p:nvPr>
+            <p:ph type="body" idx="1"/>
+          </p:nvPr>
+        </p:nvSpPr>
+        <p:spPr/>
+        <p:txBody>
+          <a:bodyPr/>
+          <a:lstStyle/>
+          <a:p>
+            <a:r>
+              <a:rPr lang="en-US" dirty="0" smtClean="0"/>
+              <a:t>This is an example where a</a:t>
+            </a:r>
+            <a:r>
+              <a:rPr lang="en-US" baseline="0" dirty="0" smtClean="0"/>
+              <a:t> property is used one way in one context, and another way in another context.</a:t>
+            </a:r>
+          </a:p>
+          <a:p>
+            <a:r>
+              <a:rPr lang="en-US" baseline="0" dirty="0" smtClean="0"/>
+              <a:t>Commonly done, but violates </a:t>
+            </a:r>
+            <a:r>
+              <a:rPr lang="en-US" baseline="0" dirty="0" err="1" smtClean="0"/>
+              <a:t>Liskov</a:t>
+            </a:r>
+            <a:r>
+              <a:rPr lang="en-US" baseline="0" dirty="0" smtClean="0"/>
+              <a:t>.</a:t>
+            </a:r>
+          </a:p>
+          <a:p>
+            <a:r>
+              <a:rPr lang="en-US" baseline="0" dirty="0" smtClean="0"/>
+              <a:t>Methods only work when used in certain contexts.</a:t>
+            </a:r>
+            <a:endParaRPr lang="en-US" dirty="0"/>
+          </a:p>
+        </p:txBody>
+      </p:sp>
+      <p:sp>
+        <p:nvSpPr>
+          <p:cNvPr id="4" name="Slide Number Placeholder 3"/>
+          <p:cNvSpPr>
+            <a:spLocks noGrp="1"/>
+          </p:cNvSpPr>
+          <p:nvPr>
+            <p:ph type="sldNum" sz="quarter" idx="10"/>
+          </p:nvPr>
+        </p:nvSpPr>
+        <p:spPr/>
+        <p:txBody>
+          <a:bodyPr/>
+          <a:lstStyle/>
+          <a:p>
+            <a:fld id="{5E646BB7-50E9-43CE-B8D8-A01580F287EB}" type="slidenum">
+              <a:rPr lang="en-US" smtClean="0"/>
+              <a:t>5</a:t>
+            </a:fld>
+            <a:endParaRPr lang="en-US"/>
+          </a:p>
+        </p:txBody>
+      </p:sp>
+    </p:spTree>
+    <p:extLst>
+      <p:ext uri="{BB962C8B-B14F-4D97-AF65-F5344CB8AC3E}">
+        <p14:creationId xmlns:p14="http://schemas.microsoft.com/office/powerpoint/2010/main" val="2262949157"/>
+      </p:ext>
+    </p:extLst>
+  </p:cSld>
+  <p:clrMapOvr>
+    <a:masterClrMapping/>
+  </p:clrMapOvr>
+</p:notes>
+</file>
+
+<file path=ppt/notesSlides/notesSlide5.xml><?xml version="1.0" encoding="utf-8"?>
+<p:notes xmlns:a="http://schemas.openxmlformats.org/drawingml/2006/main" xmlns:r="http://schemas.openxmlformats.org/officeDocument/2006/relationships" xmlns:p="http://schemas.openxmlformats.org/presentationml/2006/main">
+  <p:cSld>
+    <p:spTree>
+      <p:nvGrpSpPr>
+        <p:cNvPr id="1" name=""/>
+        <p:cNvGrpSpPr/>
+        <p:nvPr/>
+      </p:nvGrpSpPr>
+      <p:grpSpPr>
+        <a:xfrm>
+          <a:off x="0" y="0"/>
+          <a:ext cx="0" cy="0"/>
+          <a:chOff x="0" y="0"/>
+          <a:chExt cx="0" cy="0"/>
+        </a:xfrm>
+      </p:grpSpPr>
+      <p:sp>
+        <p:nvSpPr>
+          <p:cNvPr id="2" name="Slide Image Placeholder 1"/>
+          <p:cNvSpPr>
+            <a:spLocks noGrp="1" noRot="1" noChangeAspect="1"/>
+          </p:cNvSpPr>
+          <p:nvPr>
+            <p:ph type="sldImg"/>
+          </p:nvPr>
+        </p:nvSpPr>
+        <p:spPr/>
+      </p:sp>
+      <p:sp>
+        <p:nvSpPr>
+          <p:cNvPr id="3" name="Notes Placeholder 2"/>
+          <p:cNvSpPr>
+            <a:spLocks noGrp="1"/>
+          </p:cNvSpPr>
+          <p:nvPr>
+            <p:ph type="body" idx="1"/>
+          </p:nvPr>
+        </p:nvSpPr>
+        <p:spPr/>
+        <p:txBody>
+          <a:bodyPr/>
+          <a:lstStyle/>
+          <a:p>
+            <a:r>
+              <a:rPr lang="en-US" dirty="0" smtClean="0"/>
               <a:t>-Ostrich and Penguin can’t fly</a:t>
             </a:r>
           </a:p>
@@ -33970,7 +38262,7 @@
           <a:p>
             <a:fld id="{5E646BB7-50E9-43CE-B8D8-A01580F287EB}" type="slidenum">
               <a:rPr lang="en-US" smtClean="0"/>
-              <a:t>7</a:t>
+              <a:t>8</a:t>
             </a:fld>
             <a:endParaRPr lang="en-US"/>
           </a:p>
@@ -33989,7 +38281,7 @@
 </p:notes>
 </file>
 
-<file path=ppt/notesSlides/notesSlide4.xml><?xml version="1.0" encoding="utf-8"?>
+<file path=ppt/notesSlides/notesSlide6.xml><?xml version="1.0" encoding="utf-8"?>
 <p:notes xmlns:a="http://schemas.openxmlformats.org/drawingml/2006/main" xmlns:r="http://schemas.openxmlformats.org/officeDocument/2006/relationships" xmlns:p="http://schemas.openxmlformats.org/presentationml/2006/main">
   <p:cSld>
     <p:spTree>
@@ -34094,7 +38386,7 @@
           <a:p>
             <a:fld id="{5E646BB7-50E9-43CE-B8D8-A01580F287EB}" type="slidenum">
               <a:rPr lang="en-US" smtClean="0"/>
-              <a:t>8</a:t>
+              <a:t>9</a:t>
             </a:fld>
             <a:endParaRPr lang="en-US"/>
           </a:p>
@@ -34244,7 +38536,7 @@
           <a:p>
             <a:fld id="{ABF9AFE4-9910-4F36-8626-ABF2E797B655}" type="datetimeFigureOut">
               <a:rPr lang="en-US" smtClean="0"/>
-              <a:t>1/2/2015</a:t>
+              <a:t>1/3/2015</a:t>
             </a:fld>
             <a:endParaRPr lang="en-US"/>
           </a:p>
@@ -34414,7 +38706,7 @@
           <a:p>
             <a:fld id="{ABF9AFE4-9910-4F36-8626-ABF2E797B655}" type="datetimeFigureOut">
               <a:rPr lang="en-US" smtClean="0"/>
-              <a:t>1/2/2015</a:t>
+              <a:t>1/3/2015</a:t>
             </a:fld>
             <a:endParaRPr lang="en-US"/>
           </a:p>
@@ -34594,7 +38886,7 @@
           <a:p>
             <a:fld id="{ABF9AFE4-9910-4F36-8626-ABF2E797B655}" type="datetimeFigureOut">
               <a:rPr lang="en-US" smtClean="0"/>
-              <a:t>1/2/2015</a:t>
+              <a:t>1/3/2015</a:t>
             </a:fld>
             <a:endParaRPr lang="en-US"/>
           </a:p>
@@ -34764,7 +39056,7 @@
           <a:p>
             <a:fld id="{ABF9AFE4-9910-4F36-8626-ABF2E797B655}" type="datetimeFigureOut">
               <a:rPr lang="en-US" smtClean="0"/>
-              <a:t>1/2/2015</a:t>
+              <a:t>1/3/2015</a:t>
             </a:fld>
             <a:endParaRPr lang="en-US"/>
           </a:p>
@@ -35010,7 +39302,7 @@
           <a:p>
             <a:fld id="{ABF9AFE4-9910-4F36-8626-ABF2E797B655}" type="datetimeFigureOut">
               <a:rPr lang="en-US" smtClean="0"/>
-              <a:t>1/2/2015</a:t>
+              <a:t>1/3/2015</a:t>
             </a:fld>
             <a:endParaRPr lang="en-US"/>
           </a:p>
@@ -35242,7 +39534,7 @@
           <a:p>
             <a:fld id="{ABF9AFE4-9910-4F36-8626-ABF2E797B655}" type="datetimeFigureOut">
               <a:rPr lang="en-US" smtClean="0"/>
-              <a:t>1/2/2015</a:t>
+              <a:t>1/3/2015</a:t>
             </a:fld>
             <a:endParaRPr lang="en-US"/>
           </a:p>
@@ -35609,7 +39901,7 @@
           <a:p>
             <a:fld id="{ABF9AFE4-9910-4F36-8626-ABF2E797B655}" type="datetimeFigureOut">
               <a:rPr lang="en-US" smtClean="0"/>
-              <a:t>1/2/2015</a:t>
+              <a:t>1/3/2015</a:t>
             </a:fld>
             <a:endParaRPr lang="en-US"/>
           </a:p>
@@ -35727,7 +40019,7 @@
           <a:p>
             <a:fld id="{ABF9AFE4-9910-4F36-8626-ABF2E797B655}" type="datetimeFigureOut">
               <a:rPr lang="en-US" smtClean="0"/>
-              <a:t>1/2/2015</a:t>
+              <a:t>1/3/2015</a:t>
             </a:fld>
             <a:endParaRPr lang="en-US"/>
           </a:p>
@@ -35822,7 +40114,7 @@
           <a:p>
             <a:fld id="{ABF9AFE4-9910-4F36-8626-ABF2E797B655}" type="datetimeFigureOut">
               <a:rPr lang="en-US" smtClean="0"/>
-              <a:t>1/2/2015</a:t>
+              <a:t>1/3/2015</a:t>
             </a:fld>
             <a:endParaRPr lang="en-US"/>
           </a:p>
@@ -36099,7 +40391,7 @@
           <a:p>
             <a:fld id="{ABF9AFE4-9910-4F36-8626-ABF2E797B655}" type="datetimeFigureOut">
               <a:rPr lang="en-US" smtClean="0"/>
-              <a:t>1/2/2015</a:t>
+              <a:t>1/3/2015</a:t>
             </a:fld>
             <a:endParaRPr lang="en-US"/>
           </a:p>
@@ -36352,7 +40644,7 @@
           <a:p>
             <a:fld id="{ABF9AFE4-9910-4F36-8626-ABF2E797B655}" type="datetimeFigureOut">
               <a:rPr lang="en-US" smtClean="0"/>
-              <a:t>1/2/2015</a:t>
+              <a:t>1/3/2015</a:t>
             </a:fld>
             <a:endParaRPr lang="en-US"/>
           </a:p>
@@ -36565,7 +40857,7 @@
           <a:p>
             <a:fld id="{ABF9AFE4-9910-4F36-8626-ABF2E797B655}" type="datetimeFigureOut">
               <a:rPr lang="en-US" smtClean="0"/>
-              <a:t>1/2/2015</a:t>
+              <a:t>1/3/2015</a:t>
             </a:fld>
             <a:endParaRPr lang="en-US"/>
           </a:p>
@@ -37176,6 +41468,211 @@
             <p:ph type="title"/>
           </p:nvPr>
         </p:nvSpPr>
+        <p:spPr/>
+        <p:txBody>
+          <a:bodyPr/>
+          <a:lstStyle/>
+          <a:p>
+            <a:r>
+              <a:rPr lang="en-US" dirty="0" smtClean="0"/>
+              <a:t>Single Inheritance Languages</a:t>
+            </a:r>
+            <a:endParaRPr lang="en-US" dirty="0"/>
+          </a:p>
+        </p:txBody>
+      </p:sp>
+      <p:sp>
+        <p:nvSpPr>
+          <p:cNvPr id="3" name="Content Placeholder 2"/>
+          <p:cNvSpPr>
+            <a:spLocks noGrp="1"/>
+          </p:cNvSpPr>
+          <p:nvPr>
+            <p:ph idx="1"/>
+          </p:nvPr>
+        </p:nvSpPr>
+        <p:spPr>
+          <a:xfrm>
+            <a:off x="838200" y="1825625"/>
+            <a:ext cx="5187043" cy="4544002"/>
+          </a:xfrm>
+        </p:spPr>
+        <p:txBody>
+          <a:bodyPr>
+            <a:normAutofit fontScale="85000" lnSpcReduction="20000"/>
+          </a:bodyPr>
+          <a:lstStyle/>
+          <a:p>
+            <a:r>
+              <a:rPr lang="en-US" dirty="0"/>
+              <a:t>Word of caution: Base implementation for multiple interfaces cannot all be inherited</a:t>
+            </a:r>
+          </a:p>
+          <a:p>
+            <a:endParaRPr lang="en-US" dirty="0"/>
+          </a:p>
+          <a:p>
+            <a:r>
+              <a:rPr lang="en-US" dirty="0"/>
+              <a:t>Principle originated in C++, where multiple inheritance is allowed</a:t>
+            </a:r>
+          </a:p>
+          <a:p>
+            <a:endParaRPr lang="en-US" dirty="0"/>
+          </a:p>
+          <a:p>
+            <a:r>
+              <a:rPr lang="en-US" dirty="0"/>
+              <a:t>Dynamic languages can support, or simulate, multiple inheritance</a:t>
+            </a:r>
+          </a:p>
+          <a:p>
+            <a:endParaRPr lang="en-US" dirty="0"/>
+          </a:p>
+          <a:p>
+            <a:r>
+              <a:rPr lang="en-US" dirty="0"/>
+              <a:t>Avoid overly “fat” </a:t>
+            </a:r>
+            <a:r>
+              <a:rPr lang="en-US" dirty="0" smtClean="0"/>
+              <a:t>interfaces</a:t>
+            </a:r>
+          </a:p>
+          <a:p>
+            <a:endParaRPr lang="en-US" dirty="0"/>
+          </a:p>
+          <a:p>
+            <a:r>
+              <a:rPr lang="en-US" dirty="0" smtClean="0"/>
+              <a:t>Make good use of helper classes</a:t>
+            </a:r>
+            <a:endParaRPr lang="en-US" dirty="0"/>
+          </a:p>
+        </p:txBody>
+      </p:sp>
+      <p:graphicFrame>
+        <p:nvGraphicFramePr>
+          <p:cNvPr id="4" name="Content Placeholder 8"/>
+          <p:cNvGraphicFramePr>
+            <a:graphicFrameLocks/>
+          </p:cNvGraphicFramePr>
+          <p:nvPr>
+            <p:extLst>
+              <p:ext uri="{D42A27DB-BD31-4B8C-83A1-F6EECF244321}">
+                <p14:modId xmlns:p14="http://schemas.microsoft.com/office/powerpoint/2010/main" val="4010214320"/>
+              </p:ext>
+            </p:extLst>
+          </p:nvPr>
+        </p:nvGraphicFramePr>
+        <p:xfrm>
+          <a:off x="6172200" y="2193925"/>
+          <a:ext cx="5334000" cy="4024313"/>
+        </p:xfrm>
+        <a:graphic>
+          <a:graphicData uri="http://schemas.openxmlformats.org/drawingml/2006/diagram">
+            <dgm:relIds xmlns:dgm="http://schemas.openxmlformats.org/drawingml/2006/diagram" xmlns:r="http://schemas.openxmlformats.org/officeDocument/2006/relationships" r:dm="rId3" r:lo="rId4" r:qs="rId5" r:cs="rId6"/>
+          </a:graphicData>
+        </a:graphic>
+      </p:graphicFrame>
+      <p:cxnSp>
+        <p:nvCxnSpPr>
+          <p:cNvPr id="6" name="Straight Connector 5"/>
+          <p:cNvCxnSpPr/>
+          <p:nvPr/>
+        </p:nvCxnSpPr>
+        <p:spPr>
+          <a:xfrm>
+            <a:off x="7559040" y="4737735"/>
+            <a:ext cx="1293495" cy="215265"/>
+          </a:xfrm>
+          <a:prstGeom prst="bentConnector3">
+            <a:avLst>
+              <a:gd name="adj1" fmla="val 368"/>
+            </a:avLst>
+          </a:prstGeom>
+          <a:ln w="12700">
+            <a:solidFill>
+              <a:srgbClr val="528CC1"/>
+            </a:solidFill>
+          </a:ln>
+        </p:spPr>
+        <p:style>
+          <a:lnRef idx="1">
+            <a:schemeClr val="accent1"/>
+          </a:lnRef>
+          <a:fillRef idx="0">
+            <a:schemeClr val="accent1"/>
+          </a:fillRef>
+          <a:effectRef idx="0">
+            <a:schemeClr val="accent1"/>
+          </a:effectRef>
+          <a:fontRef idx="minor">
+            <a:schemeClr val="tx1"/>
+          </a:fontRef>
+        </p:style>
+      </p:cxnSp>
+    </p:spTree>
+    <p:extLst>
+      <p:ext uri="{BB962C8B-B14F-4D97-AF65-F5344CB8AC3E}">
+        <p14:creationId xmlns:p14="http://schemas.microsoft.com/office/powerpoint/2010/main" val="2290001372"/>
+      </p:ext>
+    </p:extLst>
+  </p:cSld>
+  <p:clrMapOvr>
+    <a:masterClrMapping/>
+  </p:clrMapOvr>
+  <p:timing>
+    <p:tnLst>
+      <p:par>
+        <p:cTn id="1" dur="indefinite" restart="never" nodeType="tmRoot"/>
+      </p:par>
+    </p:tnLst>
+  </p:timing>
+</p:sld>
+</file>
+
+<file path=ppt/slides/slide11.xml><?xml version="1.0" encoding="utf-8"?>
+<p:sld xmlns:a="http://schemas.openxmlformats.org/drawingml/2006/main" xmlns:r="http://schemas.openxmlformats.org/officeDocument/2006/relationships" xmlns:p="http://schemas.openxmlformats.org/presentationml/2006/main">
+  <p:cSld>
+    <p:bg>
+      <p:bgPr>
+        <a:blipFill dpi="0" rotWithShape="1">
+          <a:blip r:embed="rId2">
+            <a:lum/>
+          </a:blip>
+          <a:srcRect/>
+          <a:stretch>
+            <a:fillRect l="-2000" t="-17000" r="-2000" b="-17000"/>
+          </a:stretch>
+        </a:blipFill>
+        <a:effectLst/>
+      </p:bgPr>
+    </p:bg>
+    <p:spTree>
+      <p:nvGrpSpPr>
+        <p:cNvPr id="1" name=""/>
+        <p:cNvGrpSpPr/>
+        <p:nvPr/>
+      </p:nvGrpSpPr>
+      <p:grpSpPr>
+        <a:xfrm>
+          <a:off x="0" y="0"/>
+          <a:ext cx="0" cy="0"/>
+          <a:chOff x="0" y="0"/>
+          <a:chExt cx="0" cy="0"/>
+        </a:xfrm>
+      </p:grpSpPr>
+      <p:sp>
+        <p:nvSpPr>
+          <p:cNvPr id="2" name="Title 1"/>
+          <p:cNvSpPr>
+            <a:spLocks noGrp="1"/>
+          </p:cNvSpPr>
+          <p:nvPr>
+            <p:ph type="title"/>
+          </p:nvPr>
+        </p:nvSpPr>
         <p:spPr>
           <a:xfrm>
             <a:off x="838200" y="105350"/>
@@ -37284,7 +41781,7 @@
 </p:sld>
 </file>
 
-<file path=ppt/slides/slide11.xml><?xml version="1.0" encoding="utf-8"?>
+<file path=ppt/slides/slide12.xml><?xml version="1.0" encoding="utf-8"?>
 <p:sld xmlns:a="http://schemas.openxmlformats.org/drawingml/2006/main" xmlns:r="http://schemas.openxmlformats.org/officeDocument/2006/relationships" xmlns:p="http://schemas.openxmlformats.org/presentationml/2006/main">
   <p:cSld>
     <p:bg>
@@ -37551,8 +42048,21 @@
             </a:r>
             <a:r>
               <a:rPr lang="en-US" sz="1600" i="1" dirty="0"/>
-              <a:t> class</a:t>
+              <a:t> </a:t>
             </a:r>
+            <a:r>
+              <a:rPr lang="en-US" sz="1600" i="1" dirty="0" smtClean="0"/>
+              <a:t>class (</a:t>
+            </a:r>
+            <a:r>
+              <a:rPr lang="en-US" sz="1600" i="1" smtClean="0"/>
+              <a:t>see code comments</a:t>
+            </a:r>
+            <a:r>
+              <a:rPr lang="en-US" sz="1600" i="1" dirty="0" smtClean="0"/>
+              <a:t>)</a:t>
+            </a:r>
+            <a:endParaRPr lang="en-US" sz="1600" i="1" dirty="0"/>
           </a:p>
           <a:p>
             <a:pPr marL="514350" indent="-514350">
@@ -37688,7 +42198,7 @@
 </p:sld>
 </file>
 
-<file path=ppt/slides/slide12.xml><?xml version="1.0" encoding="utf-8"?>
+<file path=ppt/slides/slide13.xml><?xml version="1.0" encoding="utf-8"?>
 <p:sld xmlns:a="http://schemas.openxmlformats.org/drawingml/2006/main" xmlns:r="http://schemas.openxmlformats.org/officeDocument/2006/relationships" xmlns:p="http://schemas.openxmlformats.org/presentationml/2006/main">
   <p:cSld>
     <p:bg>
@@ -37787,7 +42297,7 @@
 </p:sld>
 </file>
 
-<file path=ppt/slides/slide13.xml><?xml version="1.0" encoding="utf-8"?>
+<file path=ppt/slides/slide14.xml><?xml version="1.0" encoding="utf-8"?>
 <p:sld xmlns:a="http://schemas.openxmlformats.org/drawingml/2006/main" xmlns:r="http://schemas.openxmlformats.org/officeDocument/2006/relationships" xmlns:p="http://schemas.openxmlformats.org/presentationml/2006/main">
   <p:cSld>
     <p:bg>
@@ -37887,7 +42397,7 @@
 </p:sld>
 </file>
 
-<file path=ppt/slides/slide14.xml><?xml version="1.0" encoding="utf-8"?>
+<file path=ppt/slides/slide15.xml><?xml version="1.0" encoding="utf-8"?>
 <p:sld xmlns:a="http://schemas.openxmlformats.org/drawingml/2006/main" xmlns:r="http://schemas.openxmlformats.org/officeDocument/2006/relationships" xmlns:p="http://schemas.openxmlformats.org/presentationml/2006/main">
   <p:cSld>
     <p:bg>
@@ -38264,7 +42774,7 @@
 </p:sld>
 </file>
 
-<file path=ppt/slides/slide15.xml><?xml version="1.0" encoding="utf-8"?>
+<file path=ppt/slides/slide16.xml><?xml version="1.0" encoding="utf-8"?>
 <p:sld xmlns:a="http://schemas.openxmlformats.org/drawingml/2006/main" xmlns:r="http://schemas.openxmlformats.org/officeDocument/2006/relationships" xmlns:p="http://schemas.openxmlformats.org/presentationml/2006/main">
   <p:cSld>
     <p:bg>
@@ -38828,7 +43338,7 @@
           <a:p>
             <a:r>
               <a:rPr lang="en-US" dirty="0" smtClean="0"/>
-              <a:t>A Violation…</a:t>
+              <a:t>A Violation Example…</a:t>
             </a:r>
             <a:endParaRPr lang="en-US" dirty="0"/>
           </a:p>
@@ -39053,7 +43563,7 @@
     <p:bg>
       <p:bgPr>
         <a:blipFill dpi="0" rotWithShape="1">
-          <a:blip r:embed="rId2">
+          <a:blip r:embed="rId3">
             <a:lum/>
           </a:blip>
           <a:srcRect/>
@@ -39095,7 +43605,7 @@
           <a:p>
             <a:r>
               <a:rPr lang="en-US" dirty="0" smtClean="0"/>
-              <a:t>LOB Application Example</a:t>
+              <a:t>Violation Example #2</a:t>
             </a:r>
             <a:endParaRPr lang="en-US" dirty="0"/>
           </a:p>
@@ -39111,7 +43621,268 @@
             <p:ph idx="1"/>
             <p:extLst>
               <p:ext uri="{D42A27DB-BD31-4B8C-83A1-F6EECF244321}">
-                <p14:modId xmlns:p14="http://schemas.microsoft.com/office/powerpoint/2010/main" val="3183373934"/>
+                <p14:modId xmlns:p14="http://schemas.microsoft.com/office/powerpoint/2010/main" val="2362515819"/>
+              </p:ext>
+            </p:extLst>
+          </p:nvPr>
+        </p:nvGraphicFramePr>
+        <p:xfrm>
+          <a:off x="655616" y="1690688"/>
+          <a:ext cx="9497786" cy="4351338"/>
+        </p:xfrm>
+        <a:graphic>
+          <a:graphicData uri="http://schemas.openxmlformats.org/drawingml/2006/diagram">
+            <dgm:relIds xmlns:dgm="http://schemas.openxmlformats.org/drawingml/2006/diagram" xmlns:r="http://schemas.openxmlformats.org/officeDocument/2006/relationships" r:dm="rId4" r:lo="rId5" r:qs="rId6" r:cs="rId7"/>
+          </a:graphicData>
+        </a:graphic>
+      </p:graphicFrame>
+      <p:cxnSp>
+        <p:nvCxnSpPr>
+          <p:cNvPr id="9" name="Straight Connector 8"/>
+          <p:cNvCxnSpPr/>
+          <p:nvPr/>
+        </p:nvCxnSpPr>
+        <p:spPr>
+          <a:xfrm>
+            <a:off x="8198427" y="5226627"/>
+            <a:ext cx="1413164" cy="10391"/>
+          </a:xfrm>
+          <a:prstGeom prst="line">
+            <a:avLst/>
+          </a:prstGeom>
+          <a:ln w="50800">
+            <a:solidFill>
+              <a:srgbClr val="FF0000"/>
+            </a:solidFill>
+          </a:ln>
+        </p:spPr>
+        <p:style>
+          <a:lnRef idx="1">
+            <a:schemeClr val="accent1"/>
+          </a:lnRef>
+          <a:fillRef idx="0">
+            <a:schemeClr val="accent1"/>
+          </a:fillRef>
+          <a:effectRef idx="0">
+            <a:schemeClr val="accent1"/>
+          </a:effectRef>
+          <a:fontRef idx="minor">
+            <a:schemeClr val="tx1"/>
+          </a:fontRef>
+        </p:style>
+      </p:cxnSp>
+      <p:pic>
+        <p:nvPicPr>
+          <p:cNvPr id="10" name="Picture 9"/>
+          <p:cNvPicPr>
+            <a:picLocks noChangeAspect="1"/>
+          </p:cNvPicPr>
+          <p:nvPr/>
+        </p:nvPicPr>
+        <p:blipFill>
+          <a:blip r:embed="rId9"/>
+          <a:stretch>
+            <a:fillRect/>
+          </a:stretch>
+        </p:blipFill>
+        <p:spPr>
+          <a:xfrm>
+            <a:off x="7124321" y="2545773"/>
+            <a:ext cx="4729492" cy="1444336"/>
+          </a:xfrm>
+          <a:prstGeom prst="rect">
+            <a:avLst/>
+          </a:prstGeom>
+        </p:spPr>
+      </p:pic>
+    </p:spTree>
+    <p:extLst>
+      <p:ext uri="{BB962C8B-B14F-4D97-AF65-F5344CB8AC3E}">
+        <p14:creationId xmlns:p14="http://schemas.microsoft.com/office/powerpoint/2010/main" val="825697309"/>
+      </p:ext>
+    </p:extLst>
+  </p:cSld>
+  <p:clrMapOvr>
+    <a:masterClrMapping/>
+  </p:clrMapOvr>
+  <p:timing>
+    <p:tnLst>
+      <p:par>
+        <p:cTn id="1" dur="indefinite" restart="never" nodeType="tmRoot">
+          <p:childTnLst>
+            <p:seq concurrent="1" nextAc="seek">
+              <p:cTn id="2" dur="indefinite" nodeType="mainSeq">
+                <p:childTnLst>
+                  <p:par>
+                    <p:cTn id="3" fill="hold">
+                      <p:stCondLst>
+                        <p:cond delay="indefinite"/>
+                      </p:stCondLst>
+                      <p:childTnLst>
+                        <p:par>
+                          <p:cTn id="4" fill="hold">
+                            <p:stCondLst>
+                              <p:cond delay="0"/>
+                            </p:stCondLst>
+                            <p:childTnLst>
+                              <p:par>
+                                <p:cTn id="5" presetID="1" presetClass="entr" presetSubtype="0" fill="hold" nodeType="clickEffect">
+                                  <p:stCondLst>
+                                    <p:cond delay="0"/>
+                                  </p:stCondLst>
+                                  <p:childTnLst>
+                                    <p:set>
+                                      <p:cBhvr>
+                                        <p:cTn id="6" dur="1" fill="hold">
+                                          <p:stCondLst>
+                                            <p:cond delay="0"/>
+                                          </p:stCondLst>
+                                        </p:cTn>
+                                        <p:tgtEl>
+                                          <p:spTgt spid="9"/>
+                                        </p:tgtEl>
+                                        <p:attrNameLst>
+                                          <p:attrName>style.visibility</p:attrName>
+                                        </p:attrNameLst>
+                                      </p:cBhvr>
+                                      <p:to>
+                                        <p:strVal val="visible"/>
+                                      </p:to>
+                                    </p:set>
+                                  </p:childTnLst>
+                                </p:cTn>
+                              </p:par>
+                              <p:par>
+                                <p:cTn id="7" presetID="10" presetClass="entr" presetSubtype="0" fill="hold" nodeType="withEffect">
+                                  <p:stCondLst>
+                                    <p:cond delay="750"/>
+                                  </p:stCondLst>
+                                  <p:childTnLst>
+                                    <p:set>
+                                      <p:cBhvr>
+                                        <p:cTn id="8" dur="1" fill="hold">
+                                          <p:stCondLst>
+                                            <p:cond delay="0"/>
+                                          </p:stCondLst>
+                                        </p:cTn>
+                                        <p:tgtEl>
+                                          <p:spTgt spid="10"/>
+                                        </p:tgtEl>
+                                        <p:attrNameLst>
+                                          <p:attrName>style.visibility</p:attrName>
+                                        </p:attrNameLst>
+                                      </p:cBhvr>
+                                      <p:to>
+                                        <p:strVal val="visible"/>
+                                      </p:to>
+                                    </p:set>
+                                    <p:animEffect transition="in" filter="fade">
+                                      <p:cBhvr>
+                                        <p:cTn id="9" dur="500"/>
+                                        <p:tgtEl>
+                                          <p:spTgt spid="10"/>
+                                        </p:tgtEl>
+                                      </p:cBhvr>
+                                    </p:animEffect>
+                                  </p:childTnLst>
+                                </p:cTn>
+                              </p:par>
+                            </p:childTnLst>
+                          </p:cTn>
+                        </p:par>
+                      </p:childTnLst>
+                    </p:cTn>
+                  </p:par>
+                </p:childTnLst>
+              </p:cTn>
+              <p:prevCondLst>
+                <p:cond evt="onPrev" delay="0">
+                  <p:tgtEl>
+                    <p:sldTgt/>
+                  </p:tgtEl>
+                </p:cond>
+              </p:prevCondLst>
+              <p:nextCondLst>
+                <p:cond evt="onNext" delay="0">
+                  <p:tgtEl>
+                    <p:sldTgt/>
+                  </p:tgtEl>
+                </p:cond>
+              </p:nextCondLst>
+            </p:seq>
+          </p:childTnLst>
+        </p:cTn>
+      </p:par>
+    </p:tnLst>
+  </p:timing>
+</p:sld>
+</file>
+
+<file path=ppt/slides/slide5.xml><?xml version="1.0" encoding="utf-8"?>
+<p:sld xmlns:a="http://schemas.openxmlformats.org/drawingml/2006/main" xmlns:r="http://schemas.openxmlformats.org/officeDocument/2006/relationships" xmlns:p="http://schemas.openxmlformats.org/presentationml/2006/main">
+  <p:cSld>
+    <p:bg>
+      <p:bgPr>
+        <a:blipFill dpi="0" rotWithShape="1">
+          <a:blip r:embed="rId3">
+            <a:lum/>
+          </a:blip>
+          <a:srcRect/>
+          <a:stretch>
+            <a:fillRect l="-2000" t="-17000" r="-2000" b="-17000"/>
+          </a:stretch>
+        </a:blipFill>
+        <a:effectLst/>
+      </p:bgPr>
+    </p:bg>
+    <p:spTree>
+      <p:nvGrpSpPr>
+        <p:cNvPr id="1" name=""/>
+        <p:cNvGrpSpPr/>
+        <p:nvPr/>
+      </p:nvGrpSpPr>
+      <p:grpSpPr>
+        <a:xfrm>
+          <a:off x="0" y="0"/>
+          <a:ext cx="0" cy="0"/>
+          <a:chOff x="0" y="0"/>
+          <a:chExt cx="0" cy="0"/>
+        </a:xfrm>
+      </p:grpSpPr>
+      <p:sp>
+        <p:nvSpPr>
+          <p:cNvPr id="2" name="Title 1"/>
+          <p:cNvSpPr>
+            <a:spLocks noGrp="1"/>
+          </p:cNvSpPr>
+          <p:nvPr>
+            <p:ph type="title"/>
+          </p:nvPr>
+        </p:nvSpPr>
+        <p:spPr/>
+        <p:txBody>
+          <a:bodyPr/>
+          <a:lstStyle/>
+          <a:p>
+            <a:r>
+              <a:rPr lang="en-US" dirty="0" smtClean="0"/>
+              <a:t>Violation Example #3</a:t>
+            </a:r>
+            <a:endParaRPr lang="en-US" dirty="0"/>
+          </a:p>
+        </p:txBody>
+      </p:sp>
+      <p:graphicFrame>
+        <p:nvGraphicFramePr>
+          <p:cNvPr id="4" name="Content Placeholder 5"/>
+          <p:cNvGraphicFramePr>
+            <a:graphicFrameLocks noGrp="1"/>
+          </p:cNvGraphicFramePr>
+          <p:nvPr>
+            <p:ph idx="1"/>
+            <p:extLst>
+              <p:ext uri="{D42A27DB-BD31-4B8C-83A1-F6EECF244321}">
+                <p14:modId xmlns:p14="http://schemas.microsoft.com/office/powerpoint/2010/main" val="1626829731"/>
               </p:ext>
             </p:extLst>
           </p:nvPr>
@@ -39122,7 +43893,7 @@
         </p:xfrm>
         <a:graphic>
           <a:graphicData uri="http://schemas.openxmlformats.org/drawingml/2006/diagram">
-            <dgm:relIds xmlns:dgm="http://schemas.openxmlformats.org/drawingml/2006/diagram" xmlns:r="http://schemas.openxmlformats.org/officeDocument/2006/relationships" r:dm="rId3" r:lo="rId4" r:qs="rId5" r:cs="rId6"/>
+            <dgm:relIds xmlns:dgm="http://schemas.openxmlformats.org/drawingml/2006/diagram" xmlns:r="http://schemas.openxmlformats.org/officeDocument/2006/relationships" r:dm="rId4" r:lo="rId5" r:qs="rId6" r:cs="rId7"/>
           </a:graphicData>
         </a:graphic>
       </p:graphicFrame>
@@ -39135,7 +43906,7 @@
           <p:nvPr/>
         </p:nvPicPr>
         <p:blipFill>
-          <a:blip r:embed="rId8"/>
+          <a:blip r:embed="rId9"/>
           <a:stretch>
             <a:fillRect/>
           </a:stretch>
@@ -39159,7 +43930,7 @@
           <p:nvPr/>
         </p:nvPicPr>
         <p:blipFill>
-          <a:blip r:embed="rId9"/>
+          <a:blip r:embed="rId10"/>
           <a:stretch>
             <a:fillRect/>
           </a:stretch>
@@ -39183,7 +43954,7 @@
           <p:nvPr/>
         </p:nvPicPr>
         <p:blipFill>
-          <a:blip r:embed="rId10"/>
+          <a:blip r:embed="rId11"/>
           <a:stretch>
             <a:fillRect/>
           </a:stretch>
@@ -39374,7 +44145,7 @@
 </p:sld>
 </file>
 
-<file path=ppt/slides/slide5.xml><?xml version="1.0" encoding="utf-8"?>
+<file path=ppt/slides/slide6.xml><?xml version="1.0" encoding="utf-8"?>
 <p:sld xmlns:a="http://schemas.openxmlformats.org/drawingml/2006/main" xmlns:r="http://schemas.openxmlformats.org/officeDocument/2006/relationships" xmlns:p="http://schemas.openxmlformats.org/presentationml/2006/main">
   <p:cSld>
     <p:bg>
@@ -39422,7 +44193,124 @@
           <a:p>
             <a:r>
               <a:rPr lang="en-US" dirty="0" smtClean="0"/>
-              <a:t>LOB Application Example Revisited</a:t>
+              <a:t>What is Interface Segregation?</a:t>
+            </a:r>
+            <a:endParaRPr lang="en-US" dirty="0"/>
+          </a:p>
+        </p:txBody>
+      </p:sp>
+      <p:sp>
+        <p:nvSpPr>
+          <p:cNvPr id="3" name="Content Placeholder 2"/>
+          <p:cNvSpPr>
+            <a:spLocks noGrp="1"/>
+          </p:cNvSpPr>
+          <p:nvPr>
+            <p:ph idx="1"/>
+          </p:nvPr>
+        </p:nvSpPr>
+        <p:spPr>
+          <a:xfrm>
+            <a:off x="838200" y="1825625"/>
+            <a:ext cx="9303327" cy="4351338"/>
+          </a:xfrm>
+        </p:spPr>
+        <p:txBody>
+          <a:bodyPr/>
+          <a:lstStyle/>
+          <a:p>
+            <a:r>
+              <a:rPr lang="en-US" dirty="0"/>
+              <a:t>Wikipedia: no client should be forced to depend on methods </a:t>
+            </a:r>
+            <a:r>
+              <a:rPr lang="en-US" dirty="0" smtClean="0"/>
+              <a:t>it </a:t>
+            </a:r>
+            <a:r>
+              <a:rPr lang="en-US" dirty="0"/>
+              <a:t>does not use. ISP splits interfaces which are very large into smaller and more specific ones so that clients will only have to know about the methods that are of interest to them.</a:t>
+            </a:r>
+          </a:p>
+          <a:p>
+            <a:endParaRPr lang="en-US" dirty="0"/>
+          </a:p>
+          <a:p>
+            <a:r>
+              <a:rPr lang="en-US" i="1" dirty="0"/>
+              <a:t>Role interfaces</a:t>
+            </a:r>
+          </a:p>
+          <a:p>
+            <a:endParaRPr lang="en-US" i="1" dirty="0"/>
+          </a:p>
+          <a:p>
+            <a:r>
+              <a:rPr lang="en-US" i="1" dirty="0"/>
+              <a:t>Encourages more broadly applicable interfaces</a:t>
+            </a:r>
+          </a:p>
+        </p:txBody>
+      </p:sp>
+    </p:spTree>
+    <p:extLst>
+      <p:ext uri="{BB962C8B-B14F-4D97-AF65-F5344CB8AC3E}">
+        <p14:creationId xmlns:p14="http://schemas.microsoft.com/office/powerpoint/2010/main" val="3141563383"/>
+      </p:ext>
+    </p:extLst>
+  </p:cSld>
+  <p:clrMapOvr>
+    <a:masterClrMapping/>
+  </p:clrMapOvr>
+  <p:timing>
+    <p:tnLst>
+      <p:par>
+        <p:cTn id="1" dur="indefinite" restart="never" nodeType="tmRoot"/>
+      </p:par>
+    </p:tnLst>
+  </p:timing>
+</p:sld>
+</file>
+
+<file path=ppt/slides/slide7.xml><?xml version="1.0" encoding="utf-8"?>
+<p:sld xmlns:a="http://schemas.openxmlformats.org/drawingml/2006/main" xmlns:r="http://schemas.openxmlformats.org/officeDocument/2006/relationships" xmlns:p="http://schemas.openxmlformats.org/presentationml/2006/main">
+  <p:cSld>
+    <p:spTree>
+      <p:nvGrpSpPr>
+        <p:cNvPr id="1" name=""/>
+        <p:cNvGrpSpPr/>
+        <p:nvPr/>
+      </p:nvGrpSpPr>
+      <p:grpSpPr>
+        <a:xfrm>
+          <a:off x="0" y="0"/>
+          <a:ext cx="0" cy="0"/>
+          <a:chOff x="0" y="0"/>
+          <a:chExt cx="0" cy="0"/>
+        </a:xfrm>
+      </p:grpSpPr>
+      <p:sp>
+        <p:nvSpPr>
+          <p:cNvPr id="2" name="Title 1"/>
+          <p:cNvSpPr>
+            <a:spLocks noGrp="1"/>
+          </p:cNvSpPr>
+          <p:nvPr>
+            <p:ph type="title"/>
+          </p:nvPr>
+        </p:nvSpPr>
+        <p:spPr/>
+        <p:txBody>
+          <a:bodyPr/>
+          <a:lstStyle/>
+          <a:p>
+            <a:r>
+              <a:rPr lang="en-US" dirty="0" err="1" smtClean="0"/>
+              <a:t>Liskov</a:t>
+            </a:r>
+            <a:r>
+              <a:rPr lang="en-US" dirty="0" smtClean="0"/>
+              <a:t> Violation Example Revisited</a:t>
             </a:r>
             <a:endParaRPr lang="en-US" dirty="0"/>
           </a:p>
@@ -39438,7 +44326,7 @@
             <p:ph idx="1"/>
             <p:extLst>
               <p:ext uri="{D42A27DB-BD31-4B8C-83A1-F6EECF244321}">
-                <p14:modId xmlns:p14="http://schemas.microsoft.com/office/powerpoint/2010/main" val="408376802"/>
+                <p14:modId xmlns:p14="http://schemas.microsoft.com/office/powerpoint/2010/main" val="3162383089"/>
               </p:ext>
             </p:extLst>
           </p:nvPr>
@@ -39449,7 +44337,7 @@
         </p:xfrm>
         <a:graphic>
           <a:graphicData uri="http://schemas.openxmlformats.org/drawingml/2006/diagram">
-            <dgm:relIds xmlns:dgm="http://schemas.openxmlformats.org/drawingml/2006/diagram" xmlns:r="http://schemas.openxmlformats.org/officeDocument/2006/relationships" r:dm="rId3" r:lo="rId4" r:qs="rId5" r:cs="rId6"/>
+            <dgm:relIds xmlns:dgm="http://schemas.openxmlformats.org/drawingml/2006/diagram" xmlns:r="http://schemas.openxmlformats.org/officeDocument/2006/relationships" r:dm="rId2" r:lo="rId3" r:qs="rId4" r:cs="rId5"/>
           </a:graphicData>
         </a:graphic>
       </p:graphicFrame>
@@ -39462,7 +44350,7 @@
           <p:nvPr/>
         </p:nvPicPr>
         <p:blipFill>
-          <a:blip r:embed="rId8"/>
+          <a:blip r:embed="rId7"/>
           <a:stretch>
             <a:fillRect/>
           </a:stretch>
@@ -39477,10 +44365,77 @@
           </a:prstGeom>
         </p:spPr>
       </p:pic>
+      <p:sp>
+        <p:nvSpPr>
+          <p:cNvPr id="3" name="TextBox 2"/>
+          <p:cNvSpPr txBox="1"/>
+          <p:nvPr/>
+        </p:nvSpPr>
+        <p:spPr>
+          <a:xfrm>
+            <a:off x="422563" y="3636817"/>
+            <a:ext cx="4024746" cy="400110"/>
+          </a:xfrm>
+          <a:prstGeom prst="rect">
+            <a:avLst/>
+          </a:prstGeom>
+          <a:noFill/>
+        </p:spPr>
+        <p:txBody>
+          <a:bodyPr wrap="square" rtlCol="0">
+            <a:spAutoFit/>
+          </a:bodyPr>
+          <a:lstStyle/>
+          <a:p>
+            <a:r>
+              <a:rPr lang="en-US" sz="2000" dirty="0" smtClean="0"/>
+              <a:t>Saved by Interface Segregation!</a:t>
+            </a:r>
+            <a:endParaRPr lang="en-US" sz="2000" dirty="0"/>
+          </a:p>
+        </p:txBody>
+      </p:sp>
+      <p:cxnSp>
+        <p:nvCxnSpPr>
+          <p:cNvPr id="7" name="Straight Connector 6"/>
+          <p:cNvCxnSpPr/>
+          <p:nvPr/>
+        </p:nvCxnSpPr>
+        <p:spPr>
+          <a:xfrm rot="10800000" flipV="1">
+            <a:off x="4651248" y="3212592"/>
+            <a:ext cx="4706114" cy="1847088"/>
+          </a:xfrm>
+          <a:prstGeom prst="bentConnector3">
+            <a:avLst>
+              <a:gd name="adj1" fmla="val 99870"/>
+            </a:avLst>
+          </a:prstGeom>
+          <a:ln w="12700">
+            <a:solidFill>
+              <a:srgbClr val="477BA9"/>
+            </a:solidFill>
+          </a:ln>
+        </p:spPr>
+        <p:style>
+          <a:lnRef idx="1">
+            <a:schemeClr val="accent1"/>
+          </a:lnRef>
+          <a:fillRef idx="0">
+            <a:schemeClr val="accent1"/>
+          </a:fillRef>
+          <a:effectRef idx="0">
+            <a:schemeClr val="accent1"/>
+          </a:effectRef>
+          <a:fontRef idx="minor">
+            <a:schemeClr val="tx1"/>
+          </a:fontRef>
+        </p:style>
+      </p:cxnSp>
     </p:spTree>
     <p:extLst>
       <p:ext uri="{BB962C8B-B14F-4D97-AF65-F5344CB8AC3E}">
-        <p14:creationId xmlns:p14="http://schemas.microsoft.com/office/powerpoint/2010/main" val="3884627328"/>
+        <p14:creationId xmlns:p14="http://schemas.microsoft.com/office/powerpoint/2010/main" val="2967573723"/>
       </p:ext>
     </p:extLst>
   </p:cSld>
@@ -39613,134 +44568,7 @@
 </p:sld>
 </file>
 
-<file path=ppt/slides/slide6.xml><?xml version="1.0" encoding="utf-8"?>
-<p:sld xmlns:a="http://schemas.openxmlformats.org/drawingml/2006/main" xmlns:r="http://schemas.openxmlformats.org/officeDocument/2006/relationships" xmlns:p="http://schemas.openxmlformats.org/presentationml/2006/main">
-  <p:cSld>
-    <p:bg>
-      <p:bgPr>
-        <a:blipFill dpi="0" rotWithShape="1">
-          <a:blip r:embed="rId2">
-            <a:lum/>
-          </a:blip>
-          <a:srcRect/>
-          <a:stretch>
-            <a:fillRect l="-2000" t="-17000" r="-2000" b="-17000"/>
-          </a:stretch>
-        </a:blipFill>
-        <a:effectLst/>
-      </p:bgPr>
-    </p:bg>
-    <p:spTree>
-      <p:nvGrpSpPr>
-        <p:cNvPr id="1" name=""/>
-        <p:cNvGrpSpPr/>
-        <p:nvPr/>
-      </p:nvGrpSpPr>
-      <p:grpSpPr>
-        <a:xfrm>
-          <a:off x="0" y="0"/>
-          <a:ext cx="0" cy="0"/>
-          <a:chOff x="0" y="0"/>
-          <a:chExt cx="0" cy="0"/>
-        </a:xfrm>
-      </p:grpSpPr>
-      <p:sp>
-        <p:nvSpPr>
-          <p:cNvPr id="2" name="Title 1"/>
-          <p:cNvSpPr>
-            <a:spLocks noGrp="1"/>
-          </p:cNvSpPr>
-          <p:nvPr>
-            <p:ph type="title"/>
-          </p:nvPr>
-        </p:nvSpPr>
-        <p:spPr/>
-        <p:txBody>
-          <a:bodyPr/>
-          <a:lstStyle/>
-          <a:p>
-            <a:r>
-              <a:rPr lang="en-US" dirty="0" smtClean="0"/>
-              <a:t>What is Interface Segregation?</a:t>
-            </a:r>
-            <a:endParaRPr lang="en-US" dirty="0"/>
-          </a:p>
-        </p:txBody>
-      </p:sp>
-      <p:sp>
-        <p:nvSpPr>
-          <p:cNvPr id="3" name="Content Placeholder 2"/>
-          <p:cNvSpPr>
-            <a:spLocks noGrp="1"/>
-          </p:cNvSpPr>
-          <p:nvPr>
-            <p:ph idx="1"/>
-          </p:nvPr>
-        </p:nvSpPr>
-        <p:spPr>
-          <a:xfrm>
-            <a:off x="838200" y="1825625"/>
-            <a:ext cx="9303327" cy="4351338"/>
-          </a:xfrm>
-        </p:spPr>
-        <p:txBody>
-          <a:bodyPr/>
-          <a:lstStyle/>
-          <a:p>
-            <a:r>
-              <a:rPr lang="en-US" dirty="0"/>
-              <a:t>Wikipedia: no client should be forced to depend on methods </a:t>
-            </a:r>
-            <a:r>
-              <a:rPr lang="en-US" dirty="0" smtClean="0"/>
-              <a:t>it </a:t>
-            </a:r>
-            <a:r>
-              <a:rPr lang="en-US" dirty="0"/>
-              <a:t>does not use. ISP splits interfaces which are very large into smaller and more specific ones so that clients will only have to know about the methods that are of interest to them.</a:t>
-            </a:r>
-          </a:p>
-          <a:p>
-            <a:endParaRPr lang="en-US" dirty="0"/>
-          </a:p>
-          <a:p>
-            <a:r>
-              <a:rPr lang="en-US" i="1" dirty="0"/>
-              <a:t>Role interfaces</a:t>
-            </a:r>
-          </a:p>
-          <a:p>
-            <a:endParaRPr lang="en-US" i="1" dirty="0"/>
-          </a:p>
-          <a:p>
-            <a:r>
-              <a:rPr lang="en-US" i="1" dirty="0"/>
-              <a:t>Encourages more broadly applicable interfaces</a:t>
-            </a:r>
-          </a:p>
-        </p:txBody>
-      </p:sp>
-    </p:spTree>
-    <p:extLst>
-      <p:ext uri="{BB962C8B-B14F-4D97-AF65-F5344CB8AC3E}">
-        <p14:creationId xmlns:p14="http://schemas.microsoft.com/office/powerpoint/2010/main" val="3141563383"/>
-      </p:ext>
-    </p:extLst>
-  </p:cSld>
-  <p:clrMapOvr>
-    <a:masterClrMapping/>
-  </p:clrMapOvr>
-  <p:timing>
-    <p:tnLst>
-      <p:par>
-        <p:cTn id="1" dur="indefinite" restart="never" nodeType="tmRoot"/>
-      </p:par>
-    </p:tnLst>
-  </p:timing>
-</p:sld>
-</file>
-
-<file path=ppt/slides/slide7.xml><?xml version="1.0" encoding="utf-8"?>
+<file path=ppt/slides/slide8.xml><?xml version="1.0" encoding="utf-8"?>
 <p:sld xmlns:a="http://schemas.openxmlformats.org/drawingml/2006/main" xmlns:r="http://schemas.openxmlformats.org/officeDocument/2006/relationships" xmlns:p="http://schemas.openxmlformats.org/presentationml/2006/main">
   <p:cSld>
     <p:bg>
@@ -39863,7 +44691,7 @@
 </p:sld>
 </file>
 
-<file path=ppt/slides/slide8.xml><?xml version="1.0" encoding="utf-8"?>
+<file path=ppt/slides/slide9.xml><?xml version="1.0" encoding="utf-8"?>
 <p:sld xmlns:a="http://schemas.openxmlformats.org/drawingml/2006/main" xmlns:r="http://schemas.openxmlformats.org/officeDocument/2006/relationships" xmlns:p="http://schemas.openxmlformats.org/presentationml/2006/main">
   <p:cSld>
     <p:bg>
@@ -40066,197 +44894,6 @@
     <p:extLst>
       <p:ext uri="{BB962C8B-B14F-4D97-AF65-F5344CB8AC3E}">
         <p14:creationId xmlns:p14="http://schemas.microsoft.com/office/powerpoint/2010/main" val="1163215835"/>
-      </p:ext>
-    </p:extLst>
-  </p:cSld>
-  <p:clrMapOvr>
-    <a:masterClrMapping/>
-  </p:clrMapOvr>
-  <p:timing>
-    <p:tnLst>
-      <p:par>
-        <p:cTn id="1" dur="indefinite" restart="never" nodeType="tmRoot"/>
-      </p:par>
-    </p:tnLst>
-  </p:timing>
-</p:sld>
-</file>
-
-<file path=ppt/slides/slide9.xml><?xml version="1.0" encoding="utf-8"?>
-<p:sld xmlns:a="http://schemas.openxmlformats.org/drawingml/2006/main" xmlns:r="http://schemas.openxmlformats.org/officeDocument/2006/relationships" xmlns:p="http://schemas.openxmlformats.org/presentationml/2006/main">
-  <p:cSld>
-    <p:bg>
-      <p:bgPr>
-        <a:blipFill dpi="0" rotWithShape="1">
-          <a:blip r:embed="rId2">
-            <a:lum/>
-          </a:blip>
-          <a:srcRect/>
-          <a:stretch>
-            <a:fillRect l="-2000" t="-17000" r="-2000" b="-17000"/>
-          </a:stretch>
-        </a:blipFill>
-        <a:effectLst/>
-      </p:bgPr>
-    </p:bg>
-    <p:spTree>
-      <p:nvGrpSpPr>
-        <p:cNvPr id="1" name=""/>
-        <p:cNvGrpSpPr/>
-        <p:nvPr/>
-      </p:nvGrpSpPr>
-      <p:grpSpPr>
-        <a:xfrm>
-          <a:off x="0" y="0"/>
-          <a:ext cx="0" cy="0"/>
-          <a:chOff x="0" y="0"/>
-          <a:chExt cx="0" cy="0"/>
-        </a:xfrm>
-      </p:grpSpPr>
-      <p:sp>
-        <p:nvSpPr>
-          <p:cNvPr id="2" name="Title 1"/>
-          <p:cNvSpPr>
-            <a:spLocks noGrp="1"/>
-          </p:cNvSpPr>
-          <p:nvPr>
-            <p:ph type="title"/>
-          </p:nvPr>
-        </p:nvSpPr>
-        <p:spPr/>
-        <p:txBody>
-          <a:bodyPr/>
-          <a:lstStyle/>
-          <a:p>
-            <a:r>
-              <a:rPr lang="en-US" dirty="0" smtClean="0"/>
-              <a:t>Single Inheritance Languages</a:t>
-            </a:r>
-            <a:endParaRPr lang="en-US" dirty="0"/>
-          </a:p>
-        </p:txBody>
-      </p:sp>
-      <p:sp>
-        <p:nvSpPr>
-          <p:cNvPr id="3" name="Content Placeholder 2"/>
-          <p:cNvSpPr>
-            <a:spLocks noGrp="1"/>
-          </p:cNvSpPr>
-          <p:nvPr>
-            <p:ph idx="1"/>
-          </p:nvPr>
-        </p:nvSpPr>
-        <p:spPr>
-          <a:xfrm>
-            <a:off x="838200" y="1825625"/>
-            <a:ext cx="5187043" cy="4351338"/>
-          </a:xfrm>
-        </p:spPr>
-        <p:txBody>
-          <a:bodyPr>
-            <a:normAutofit fontScale="92500" lnSpcReduction="10000"/>
-          </a:bodyPr>
-          <a:lstStyle/>
-          <a:p>
-            <a:r>
-              <a:rPr lang="en-US" dirty="0"/>
-              <a:t>Word of caution: Base implementation for multiple interfaces cannot all be inherited</a:t>
-            </a:r>
-          </a:p>
-          <a:p>
-            <a:endParaRPr lang="en-US" dirty="0"/>
-          </a:p>
-          <a:p>
-            <a:r>
-              <a:rPr lang="en-US" dirty="0"/>
-              <a:t>Principle originated in C++, where multiple inheritance is allowed</a:t>
-            </a:r>
-          </a:p>
-          <a:p>
-            <a:endParaRPr lang="en-US" dirty="0"/>
-          </a:p>
-          <a:p>
-            <a:r>
-              <a:rPr lang="en-US" dirty="0"/>
-              <a:t>Dynamic languages can support, or simulate, multiple inheritance</a:t>
-            </a:r>
-          </a:p>
-          <a:p>
-            <a:endParaRPr lang="en-US" dirty="0"/>
-          </a:p>
-          <a:p>
-            <a:r>
-              <a:rPr lang="en-US" dirty="0"/>
-              <a:t>Avoid overly “fat” interfaces</a:t>
-            </a:r>
-          </a:p>
-        </p:txBody>
-      </p:sp>
-      <p:graphicFrame>
-        <p:nvGraphicFramePr>
-          <p:cNvPr id="4" name="Content Placeholder 8"/>
-          <p:cNvGraphicFramePr>
-            <a:graphicFrameLocks/>
-          </p:cNvGraphicFramePr>
-          <p:nvPr>
-            <p:extLst>
-              <p:ext uri="{D42A27DB-BD31-4B8C-83A1-F6EECF244321}">
-                <p14:modId xmlns:p14="http://schemas.microsoft.com/office/powerpoint/2010/main" val="4010214320"/>
-              </p:ext>
-            </p:extLst>
-          </p:nvPr>
-        </p:nvGraphicFramePr>
-        <p:xfrm>
-          <a:off x="6172200" y="2193925"/>
-          <a:ext cx="5334000" cy="4024313"/>
-        </p:xfrm>
-        <a:graphic>
-          <a:graphicData uri="http://schemas.openxmlformats.org/drawingml/2006/diagram">
-            <dgm:relIds xmlns:dgm="http://schemas.openxmlformats.org/drawingml/2006/diagram" xmlns:r="http://schemas.openxmlformats.org/officeDocument/2006/relationships" r:dm="rId3" r:lo="rId4" r:qs="rId5" r:cs="rId6"/>
-          </a:graphicData>
-        </a:graphic>
-      </p:graphicFrame>
-      <p:cxnSp>
-        <p:nvCxnSpPr>
-          <p:cNvPr id="6" name="Straight Connector 5"/>
-          <p:cNvCxnSpPr/>
-          <p:nvPr/>
-        </p:nvCxnSpPr>
-        <p:spPr>
-          <a:xfrm>
-            <a:off x="7559040" y="4737735"/>
-            <a:ext cx="1293495" cy="215265"/>
-          </a:xfrm>
-          <a:prstGeom prst="bentConnector3">
-            <a:avLst>
-              <a:gd name="adj1" fmla="val 368"/>
-            </a:avLst>
-          </a:prstGeom>
-          <a:ln w="12700">
-            <a:solidFill>
-              <a:srgbClr val="528CC1"/>
-            </a:solidFill>
-          </a:ln>
-        </p:spPr>
-        <p:style>
-          <a:lnRef idx="1">
-            <a:schemeClr val="accent1"/>
-          </a:lnRef>
-          <a:fillRef idx="0">
-            <a:schemeClr val="accent1"/>
-          </a:fillRef>
-          <a:effectRef idx="0">
-            <a:schemeClr val="accent1"/>
-          </a:effectRef>
-          <a:fontRef idx="minor">
-            <a:schemeClr val="tx1"/>
-          </a:fontRef>
-        </p:style>
-      </p:cxnSp>
-    </p:spTree>
-    <p:extLst>
-      <p:ext uri="{BB962C8B-B14F-4D97-AF65-F5344CB8AC3E}">
-        <p14:creationId xmlns:p14="http://schemas.microsoft.com/office/powerpoint/2010/main" val="2290001372"/>
       </p:ext>
     </p:extLst>
   </p:cSld>

--- a/Presentations/LI Redux.pptx
+++ b/Presentations/LI Redux.pptx
@@ -37474,7 +37474,7 @@
           <a:p>
             <a:fld id="{D7D9A16F-D302-4F6C-88DE-469A6962F06E}" type="datetimeFigureOut">
               <a:rPr lang="en-US" smtClean="0"/>
-              <a:t>1/3/2015</a:t>
+              <a:t>1/4/2015</a:t>
             </a:fld>
             <a:endParaRPr lang="en-US"/>
           </a:p>
@@ -38536,7 +38536,7 @@
           <a:p>
             <a:fld id="{ABF9AFE4-9910-4F36-8626-ABF2E797B655}" type="datetimeFigureOut">
               <a:rPr lang="en-US" smtClean="0"/>
-              <a:t>1/3/2015</a:t>
+              <a:t>1/4/2015</a:t>
             </a:fld>
             <a:endParaRPr lang="en-US"/>
           </a:p>
@@ -38706,7 +38706,7 @@
           <a:p>
             <a:fld id="{ABF9AFE4-9910-4F36-8626-ABF2E797B655}" type="datetimeFigureOut">
               <a:rPr lang="en-US" smtClean="0"/>
-              <a:t>1/3/2015</a:t>
+              <a:t>1/4/2015</a:t>
             </a:fld>
             <a:endParaRPr lang="en-US"/>
           </a:p>
@@ -38886,7 +38886,7 @@
           <a:p>
             <a:fld id="{ABF9AFE4-9910-4F36-8626-ABF2E797B655}" type="datetimeFigureOut">
               <a:rPr lang="en-US" smtClean="0"/>
-              <a:t>1/3/2015</a:t>
+              <a:t>1/4/2015</a:t>
             </a:fld>
             <a:endParaRPr lang="en-US"/>
           </a:p>
@@ -39056,7 +39056,7 @@
           <a:p>
             <a:fld id="{ABF9AFE4-9910-4F36-8626-ABF2E797B655}" type="datetimeFigureOut">
               <a:rPr lang="en-US" smtClean="0"/>
-              <a:t>1/3/2015</a:t>
+              <a:t>1/4/2015</a:t>
             </a:fld>
             <a:endParaRPr lang="en-US"/>
           </a:p>
@@ -39302,7 +39302,7 @@
           <a:p>
             <a:fld id="{ABF9AFE4-9910-4F36-8626-ABF2E797B655}" type="datetimeFigureOut">
               <a:rPr lang="en-US" smtClean="0"/>
-              <a:t>1/3/2015</a:t>
+              <a:t>1/4/2015</a:t>
             </a:fld>
             <a:endParaRPr lang="en-US"/>
           </a:p>
@@ -39534,7 +39534,7 @@
           <a:p>
             <a:fld id="{ABF9AFE4-9910-4F36-8626-ABF2E797B655}" type="datetimeFigureOut">
               <a:rPr lang="en-US" smtClean="0"/>
-              <a:t>1/3/2015</a:t>
+              <a:t>1/4/2015</a:t>
             </a:fld>
             <a:endParaRPr lang="en-US"/>
           </a:p>
@@ -39901,7 +39901,7 @@
           <a:p>
             <a:fld id="{ABF9AFE4-9910-4F36-8626-ABF2E797B655}" type="datetimeFigureOut">
               <a:rPr lang="en-US" smtClean="0"/>
-              <a:t>1/3/2015</a:t>
+              <a:t>1/4/2015</a:t>
             </a:fld>
             <a:endParaRPr lang="en-US"/>
           </a:p>
@@ -40019,7 +40019,7 @@
           <a:p>
             <a:fld id="{ABF9AFE4-9910-4F36-8626-ABF2E797B655}" type="datetimeFigureOut">
               <a:rPr lang="en-US" smtClean="0"/>
-              <a:t>1/3/2015</a:t>
+              <a:t>1/4/2015</a:t>
             </a:fld>
             <a:endParaRPr lang="en-US"/>
           </a:p>
@@ -40114,7 +40114,7 @@
           <a:p>
             <a:fld id="{ABF9AFE4-9910-4F36-8626-ABF2E797B655}" type="datetimeFigureOut">
               <a:rPr lang="en-US" smtClean="0"/>
-              <a:t>1/3/2015</a:t>
+              <a:t>1/4/2015</a:t>
             </a:fld>
             <a:endParaRPr lang="en-US"/>
           </a:p>
@@ -40391,7 +40391,7 @@
           <a:p>
             <a:fld id="{ABF9AFE4-9910-4F36-8626-ABF2E797B655}" type="datetimeFigureOut">
               <a:rPr lang="en-US" smtClean="0"/>
-              <a:t>1/3/2015</a:t>
+              <a:t>1/4/2015</a:t>
             </a:fld>
             <a:endParaRPr lang="en-US"/>
           </a:p>
@@ -40644,7 +40644,7 @@
           <a:p>
             <a:fld id="{ABF9AFE4-9910-4F36-8626-ABF2E797B655}" type="datetimeFigureOut">
               <a:rPr lang="en-US" smtClean="0"/>
-              <a:t>1/3/2015</a:t>
+              <a:t>1/4/2015</a:t>
             </a:fld>
             <a:endParaRPr lang="en-US"/>
           </a:p>
@@ -40857,7 +40857,7 @@
           <a:p>
             <a:fld id="{ABF9AFE4-9910-4F36-8626-ABF2E797B655}" type="datetimeFigureOut">
               <a:rPr lang="en-US" smtClean="0"/>
-              <a:t>1/3/2015</a:t>
+              <a:t>1/4/2015</a:t>
             </a:fld>
             <a:endParaRPr lang="en-US"/>
           </a:p>
@@ -42277,6 +42277,43 @@
           </a:graphicData>
         </a:graphic>
       </p:graphicFrame>
+      <p:cxnSp>
+        <p:nvCxnSpPr>
+          <p:cNvPr id="5" name="Straight Connector 4"/>
+          <p:cNvCxnSpPr/>
+          <p:nvPr/>
+        </p:nvCxnSpPr>
+        <p:spPr>
+          <a:xfrm rot="10800000" flipV="1">
+            <a:off x="5549900" y="3053078"/>
+            <a:ext cx="2235200" cy="1849121"/>
+          </a:xfrm>
+          <a:prstGeom prst="bentConnector3">
+            <a:avLst>
+              <a:gd name="adj1" fmla="val 99773"/>
+            </a:avLst>
+          </a:prstGeom>
+          <a:ln w="12700">
+            <a:solidFill>
+              <a:srgbClr val="477BA9"/>
+            </a:solidFill>
+          </a:ln>
+        </p:spPr>
+        <p:style>
+          <a:lnRef idx="1">
+            <a:schemeClr val="accent1"/>
+          </a:lnRef>
+          <a:fillRef idx="0">
+            <a:schemeClr val="accent1"/>
+          </a:fillRef>
+          <a:effectRef idx="0">
+            <a:schemeClr val="accent1"/>
+          </a:effectRef>
+          <a:fontRef idx="minor">
+            <a:schemeClr val="tx1"/>
+          </a:fontRef>
+        </p:style>
+      </p:cxnSp>
     </p:spTree>
     <p:extLst>
       <p:ext uri="{BB962C8B-B14F-4D97-AF65-F5344CB8AC3E}">
@@ -44890,6 +44927,36 @@
           </a:fontRef>
         </p:style>
       </p:cxnSp>
+      <p:cxnSp>
+        <p:nvCxnSpPr>
+          <p:cNvPr id="9" name="Straight Connector 8"/>
+          <p:cNvCxnSpPr/>
+          <p:nvPr/>
+        </p:nvCxnSpPr>
+        <p:spPr>
+          <a:xfrm flipH="1">
+            <a:off x="6453051" y="2991392"/>
+            <a:ext cx="165958" cy="1449977"/>
+          </a:xfrm>
+          <a:prstGeom prst="line">
+            <a:avLst/>
+          </a:prstGeom>
+        </p:spPr>
+        <p:style>
+          <a:lnRef idx="1">
+            <a:schemeClr val="accent1"/>
+          </a:lnRef>
+          <a:fillRef idx="0">
+            <a:schemeClr val="accent1"/>
+          </a:fillRef>
+          <a:effectRef idx="0">
+            <a:schemeClr val="accent1"/>
+          </a:effectRef>
+          <a:fontRef idx="minor">
+            <a:schemeClr val="tx1"/>
+          </a:fontRef>
+        </p:style>
+      </p:cxnSp>
     </p:spTree>
     <p:extLst>
       <p:ext uri="{BB962C8B-B14F-4D97-AF65-F5344CB8AC3E}">

--- a/Presentations/LI Redux.pptx
+++ b/Presentations/LI Redux.pptx
@@ -16930,844 +16930,6 @@
       <dsp:cNvGrpSpPr/>
     </dsp:nvGrpSpPr>
     <dsp:grpSpPr/>
-    <dsp:sp modelId="{F3CBE63C-F79F-4C69-8BA7-C5F552EB9DBC}">
-      <dsp:nvSpPr>
-        <dsp:cNvPr id="0" name=""/>
-        <dsp:cNvSpPr/>
-      </dsp:nvSpPr>
-      <dsp:spPr>
-        <a:xfrm>
-          <a:off x="7953491" y="2742076"/>
-          <a:ext cx="91440" cy="475782"/>
-        </a:xfrm>
-        <a:custGeom>
-          <a:avLst/>
-          <a:gdLst/>
-          <a:ahLst/>
-          <a:cxnLst/>
-          <a:rect l="0" t="0" r="0" b="0"/>
-          <a:pathLst>
-            <a:path>
-              <a:moveTo>
-                <a:pt x="45720" y="0"/>
-              </a:moveTo>
-              <a:lnTo>
-                <a:pt x="45720" y="475782"/>
-              </a:lnTo>
-            </a:path>
-          </a:pathLst>
-        </a:custGeom>
-        <a:noFill/>
-        <a:ln w="12700" cap="flat" cmpd="sng" algn="ctr">
-          <a:solidFill>
-            <a:schemeClr val="accent1">
-              <a:shade val="80000"/>
-              <a:hueOff val="0"/>
-              <a:satOff val="0"/>
-              <a:lumOff val="0"/>
-              <a:alphaOff val="0"/>
-            </a:schemeClr>
-          </a:solidFill>
-          <a:prstDash val="solid"/>
-          <a:miter lim="800000"/>
-        </a:ln>
-        <a:effectLst/>
-      </dsp:spPr>
-      <dsp:style>
-        <a:lnRef idx="2">
-          <a:scrgbClr r="0" g="0" b="0"/>
-        </a:lnRef>
-        <a:fillRef idx="0">
-          <a:scrgbClr r="0" g="0" b="0"/>
-        </a:fillRef>
-        <a:effectRef idx="0">
-          <a:scrgbClr r="0" g="0" b="0"/>
-        </a:effectRef>
-        <a:fontRef idx="minor"/>
-      </dsp:style>
-    </dsp:sp>
-    <dsp:sp modelId="{B5176587-7DBE-47D0-971A-F5D95AD067F2}">
-      <dsp:nvSpPr>
-        <dsp:cNvPr id="0" name=""/>
-        <dsp:cNvSpPr/>
-      </dsp:nvSpPr>
-      <dsp:spPr>
-        <a:xfrm>
-          <a:off x="7953491" y="1133479"/>
-          <a:ext cx="91440" cy="475782"/>
-        </a:xfrm>
-        <a:custGeom>
-          <a:avLst/>
-          <a:gdLst/>
-          <a:ahLst/>
-          <a:cxnLst/>
-          <a:rect l="0" t="0" r="0" b="0"/>
-          <a:pathLst>
-            <a:path>
-              <a:moveTo>
-                <a:pt x="45720" y="0"/>
-              </a:moveTo>
-              <a:lnTo>
-                <a:pt x="45720" y="475782"/>
-              </a:lnTo>
-            </a:path>
-          </a:pathLst>
-        </a:custGeom>
-        <a:noFill/>
-        <a:ln w="12700" cap="flat" cmpd="sng" algn="ctr">
-          <a:solidFill>
-            <a:schemeClr val="accent1">
-              <a:shade val="60000"/>
-              <a:hueOff val="0"/>
-              <a:satOff val="0"/>
-              <a:lumOff val="0"/>
-              <a:alphaOff val="0"/>
-            </a:schemeClr>
-          </a:solidFill>
-          <a:prstDash val="solid"/>
-          <a:miter lim="800000"/>
-        </a:ln>
-        <a:effectLst/>
-      </dsp:spPr>
-      <dsp:style>
-        <a:lnRef idx="2">
-          <a:scrgbClr r="0" g="0" b="0"/>
-        </a:lnRef>
-        <a:fillRef idx="0">
-          <a:scrgbClr r="0" g="0" b="0"/>
-        </a:fillRef>
-        <a:effectRef idx="0">
-          <a:scrgbClr r="0" g="0" b="0"/>
-        </a:effectRef>
-        <a:fontRef idx="minor"/>
-      </dsp:style>
-    </dsp:sp>
-    <dsp:sp modelId="{D23F7A85-1910-48EB-A280-EBDEFC3B7DBA}">
-      <dsp:nvSpPr>
-        <dsp:cNvPr id="0" name=""/>
-        <dsp:cNvSpPr/>
-      </dsp:nvSpPr>
-      <dsp:spPr>
-        <a:xfrm>
-          <a:off x="3887094" y="2742076"/>
-          <a:ext cx="1370705" cy="475782"/>
-        </a:xfrm>
-        <a:custGeom>
-          <a:avLst/>
-          <a:gdLst/>
-          <a:ahLst/>
-          <a:cxnLst/>
-          <a:rect l="0" t="0" r="0" b="0"/>
-          <a:pathLst>
-            <a:path>
-              <a:moveTo>
-                <a:pt x="0" y="0"/>
-              </a:moveTo>
-              <a:lnTo>
-                <a:pt x="0" y="237891"/>
-              </a:lnTo>
-              <a:lnTo>
-                <a:pt x="1370705" y="237891"/>
-              </a:lnTo>
-              <a:lnTo>
-                <a:pt x="1370705" y="475782"/>
-              </a:lnTo>
-            </a:path>
-          </a:pathLst>
-        </a:custGeom>
-        <a:noFill/>
-        <a:ln w="12700" cap="flat" cmpd="sng" algn="ctr">
-          <a:solidFill>
-            <a:schemeClr val="accent1">
-              <a:shade val="80000"/>
-              <a:hueOff val="0"/>
-              <a:satOff val="0"/>
-              <a:lumOff val="0"/>
-              <a:alphaOff val="0"/>
-            </a:schemeClr>
-          </a:solidFill>
-          <a:prstDash val="solid"/>
-          <a:miter lim="800000"/>
-        </a:ln>
-        <a:effectLst/>
-      </dsp:spPr>
-      <dsp:style>
-        <a:lnRef idx="2">
-          <a:scrgbClr r="0" g="0" b="0"/>
-        </a:lnRef>
-        <a:fillRef idx="0">
-          <a:scrgbClr r="0" g="0" b="0"/>
-        </a:fillRef>
-        <a:effectRef idx="0">
-          <a:scrgbClr r="0" g="0" b="0"/>
-        </a:effectRef>
-        <a:fontRef idx="minor"/>
-      </dsp:style>
-    </dsp:sp>
-    <dsp:sp modelId="{E9139A74-ED12-4EA0-B399-C7E2284DA0EF}">
-      <dsp:nvSpPr>
-        <dsp:cNvPr id="0" name=""/>
-        <dsp:cNvSpPr/>
-      </dsp:nvSpPr>
-      <dsp:spPr>
-        <a:xfrm>
-          <a:off x="2516388" y="2742076"/>
-          <a:ext cx="1370705" cy="475782"/>
-        </a:xfrm>
-        <a:custGeom>
-          <a:avLst/>
-          <a:gdLst/>
-          <a:ahLst/>
-          <a:cxnLst/>
-          <a:rect l="0" t="0" r="0" b="0"/>
-          <a:pathLst>
-            <a:path>
-              <a:moveTo>
-                <a:pt x="1370705" y="0"/>
-              </a:moveTo>
-              <a:lnTo>
-                <a:pt x="1370705" y="237891"/>
-              </a:lnTo>
-              <a:lnTo>
-                <a:pt x="0" y="237891"/>
-              </a:lnTo>
-              <a:lnTo>
-                <a:pt x="0" y="475782"/>
-              </a:lnTo>
-            </a:path>
-          </a:pathLst>
-        </a:custGeom>
-        <a:noFill/>
-        <a:ln w="12700" cap="flat" cmpd="sng" algn="ctr">
-          <a:solidFill>
-            <a:schemeClr val="accent1">
-              <a:shade val="80000"/>
-              <a:hueOff val="0"/>
-              <a:satOff val="0"/>
-              <a:lumOff val="0"/>
-              <a:alphaOff val="0"/>
-            </a:schemeClr>
-          </a:solidFill>
-          <a:prstDash val="solid"/>
-          <a:miter lim="800000"/>
-        </a:ln>
-        <a:effectLst/>
-      </dsp:spPr>
-      <dsp:style>
-        <a:lnRef idx="2">
-          <a:scrgbClr r="0" g="0" b="0"/>
-        </a:lnRef>
-        <a:fillRef idx="0">
-          <a:scrgbClr r="0" g="0" b="0"/>
-        </a:fillRef>
-        <a:effectRef idx="0">
-          <a:scrgbClr r="0" g="0" b="0"/>
-        </a:effectRef>
-        <a:fontRef idx="minor"/>
-      </dsp:style>
-    </dsp:sp>
-    <dsp:sp modelId="{D8D9287B-F5B8-437E-A4A4-6CDD247DAEAE}">
-      <dsp:nvSpPr>
-        <dsp:cNvPr id="0" name=""/>
-        <dsp:cNvSpPr/>
-      </dsp:nvSpPr>
-      <dsp:spPr>
-        <a:xfrm>
-          <a:off x="3841374" y="1133479"/>
-          <a:ext cx="91440" cy="475782"/>
-        </a:xfrm>
-        <a:custGeom>
-          <a:avLst/>
-          <a:gdLst/>
-          <a:ahLst/>
-          <a:cxnLst/>
-          <a:rect l="0" t="0" r="0" b="0"/>
-          <a:pathLst>
-            <a:path>
-              <a:moveTo>
-                <a:pt x="45720" y="0"/>
-              </a:moveTo>
-              <a:lnTo>
-                <a:pt x="45720" y="475782"/>
-              </a:lnTo>
-            </a:path>
-          </a:pathLst>
-        </a:custGeom>
-        <a:noFill/>
-        <a:ln w="12700" cap="flat" cmpd="sng" algn="ctr">
-          <a:solidFill>
-            <a:schemeClr val="accent1">
-              <a:shade val="60000"/>
-              <a:hueOff val="0"/>
-              <a:satOff val="0"/>
-              <a:lumOff val="0"/>
-              <a:alphaOff val="0"/>
-            </a:schemeClr>
-          </a:solidFill>
-          <a:prstDash val="solid"/>
-          <a:miter lim="800000"/>
-        </a:ln>
-        <a:effectLst/>
-      </dsp:spPr>
-      <dsp:style>
-        <a:lnRef idx="2">
-          <a:scrgbClr r="0" g="0" b="0"/>
-        </a:lnRef>
-        <a:fillRef idx="0">
-          <a:scrgbClr r="0" g="0" b="0"/>
-        </a:fillRef>
-        <a:effectRef idx="0">
-          <a:scrgbClr r="0" g="0" b="0"/>
-        </a:effectRef>
-        <a:fontRef idx="minor"/>
-      </dsp:style>
-    </dsp:sp>
-    <dsp:sp modelId="{668C4EE9-2EBA-48C7-9832-0FA2683C1ABF}">
-      <dsp:nvSpPr>
-        <dsp:cNvPr id="0" name=""/>
-        <dsp:cNvSpPr/>
-      </dsp:nvSpPr>
-      <dsp:spPr>
-        <a:xfrm>
-          <a:off x="2754279" y="665"/>
-          <a:ext cx="2265629" cy="1132814"/>
-        </a:xfrm>
-        <a:prstGeom prst="rect">
-          <a:avLst/>
-        </a:prstGeom>
-        <a:solidFill>
-          <a:schemeClr val="accent1">
-            <a:hueOff val="0"/>
-            <a:satOff val="0"/>
-            <a:lumOff val="0"/>
-            <a:alphaOff val="0"/>
-          </a:schemeClr>
-        </a:solidFill>
-        <a:ln w="12700" cap="flat" cmpd="sng" algn="ctr">
-          <a:solidFill>
-            <a:schemeClr val="lt1">
-              <a:hueOff val="0"/>
-              <a:satOff val="0"/>
-              <a:lumOff val="0"/>
-              <a:alphaOff val="0"/>
-            </a:schemeClr>
-          </a:solidFill>
-          <a:prstDash val="solid"/>
-          <a:miter lim="800000"/>
-        </a:ln>
-        <a:effectLst/>
-      </dsp:spPr>
-      <dsp:style>
-        <a:lnRef idx="2">
-          <a:scrgbClr r="0" g="0" b="0"/>
-        </a:lnRef>
-        <a:fillRef idx="1">
-          <a:scrgbClr r="0" g="0" b="0"/>
-        </a:fillRef>
-        <a:effectRef idx="0">
-          <a:scrgbClr r="0" g="0" b="0"/>
-        </a:effectRef>
-        <a:fontRef idx="minor">
-          <a:schemeClr val="lt1"/>
-        </a:fontRef>
-      </dsp:style>
-      <dsp:txBody>
-        <a:bodyPr spcFirstLastPara="0" vert="horz" wrap="square" lIns="28575" tIns="28575" rIns="28575" bIns="28575" numCol="1" spcCol="1270" anchor="ctr" anchorCtr="0">
-          <a:noAutofit/>
-        </a:bodyPr>
-        <a:lstStyle/>
-        <a:p>
-          <a:pPr lvl="0" algn="ctr" defTabSz="2000250">
-            <a:lnSpc>
-              <a:spcPct val="90000"/>
-            </a:lnSpc>
-            <a:spcBef>
-              <a:spcPct val="0"/>
-            </a:spcBef>
-            <a:spcAft>
-              <a:spcPct val="35000"/>
-            </a:spcAft>
-          </a:pPr>
-          <a:r>
-            <a:rPr lang="en-US" sz="4500" kern="1200" dirty="0" err="1" smtClean="0"/>
-            <a:t>IMovable</a:t>
-          </a:r>
-          <a:endParaRPr lang="en-US" sz="4500" kern="1200" dirty="0"/>
-        </a:p>
-      </dsp:txBody>
-      <dsp:txXfrm>
-        <a:off x="2754279" y="665"/>
-        <a:ext cx="2265629" cy="1132814"/>
-      </dsp:txXfrm>
-    </dsp:sp>
-    <dsp:sp modelId="{152AA4C6-13C9-46E5-A1C4-470A8E17A32E}">
-      <dsp:nvSpPr>
-        <dsp:cNvPr id="0" name=""/>
-        <dsp:cNvSpPr/>
-      </dsp:nvSpPr>
-      <dsp:spPr>
-        <a:xfrm>
-          <a:off x="2754279" y="1609261"/>
-          <a:ext cx="2265629" cy="1132814"/>
-        </a:xfrm>
-        <a:prstGeom prst="rect">
-          <a:avLst/>
-        </a:prstGeom>
-        <a:solidFill>
-          <a:schemeClr val="accent1">
-            <a:hueOff val="0"/>
-            <a:satOff val="0"/>
-            <a:lumOff val="0"/>
-            <a:alphaOff val="0"/>
-          </a:schemeClr>
-        </a:solidFill>
-        <a:ln w="12700" cap="flat" cmpd="sng" algn="ctr">
-          <a:solidFill>
-            <a:schemeClr val="lt1">
-              <a:hueOff val="0"/>
-              <a:satOff val="0"/>
-              <a:lumOff val="0"/>
-              <a:alphaOff val="0"/>
-            </a:schemeClr>
-          </a:solidFill>
-          <a:prstDash val="solid"/>
-          <a:miter lim="800000"/>
-        </a:ln>
-        <a:effectLst/>
-      </dsp:spPr>
-      <dsp:style>
-        <a:lnRef idx="2">
-          <a:scrgbClr r="0" g="0" b="0"/>
-        </a:lnRef>
-        <a:fillRef idx="1">
-          <a:scrgbClr r="0" g="0" b="0"/>
-        </a:fillRef>
-        <a:effectRef idx="0">
-          <a:scrgbClr r="0" g="0" b="0"/>
-        </a:effectRef>
-        <a:fontRef idx="minor">
-          <a:schemeClr val="lt1"/>
-        </a:fontRef>
-      </dsp:style>
-      <dsp:txBody>
-        <a:bodyPr spcFirstLastPara="0" vert="horz" wrap="square" lIns="28575" tIns="28575" rIns="28575" bIns="28575" numCol="1" spcCol="1270" anchor="ctr" anchorCtr="0">
-          <a:noAutofit/>
-        </a:bodyPr>
-        <a:lstStyle/>
-        <a:p>
-          <a:pPr lvl="0" algn="ctr" defTabSz="2000250">
-            <a:lnSpc>
-              <a:spcPct val="90000"/>
-            </a:lnSpc>
-            <a:spcBef>
-              <a:spcPct val="0"/>
-            </a:spcBef>
-            <a:spcAft>
-              <a:spcPct val="35000"/>
-            </a:spcAft>
-          </a:pPr>
-          <a:r>
-            <a:rPr lang="en-US" sz="4500" kern="1200" dirty="0" smtClean="0"/>
-            <a:t>Movable</a:t>
-          </a:r>
-          <a:endParaRPr lang="en-US" sz="4500" kern="1200" dirty="0"/>
-        </a:p>
-      </dsp:txBody>
-      <dsp:txXfrm>
-        <a:off x="2754279" y="1609261"/>
-        <a:ext cx="2265629" cy="1132814"/>
-      </dsp:txXfrm>
-    </dsp:sp>
-    <dsp:sp modelId="{943882F0-E497-44DA-92CD-E8CAA46A4553}">
-      <dsp:nvSpPr>
-        <dsp:cNvPr id="0" name=""/>
-        <dsp:cNvSpPr/>
-      </dsp:nvSpPr>
-      <dsp:spPr>
-        <a:xfrm>
-          <a:off x="1383574" y="3217858"/>
-          <a:ext cx="2265629" cy="1132814"/>
-        </a:xfrm>
-        <a:prstGeom prst="rect">
-          <a:avLst/>
-        </a:prstGeom>
-        <a:solidFill>
-          <a:schemeClr val="accent1">
-            <a:hueOff val="0"/>
-            <a:satOff val="0"/>
-            <a:lumOff val="0"/>
-            <a:alphaOff val="0"/>
-          </a:schemeClr>
-        </a:solidFill>
-        <a:ln w="12700" cap="flat" cmpd="sng" algn="ctr">
-          <a:solidFill>
-            <a:schemeClr val="lt1">
-              <a:hueOff val="0"/>
-              <a:satOff val="0"/>
-              <a:lumOff val="0"/>
-              <a:alphaOff val="0"/>
-            </a:schemeClr>
-          </a:solidFill>
-          <a:prstDash val="solid"/>
-          <a:miter lim="800000"/>
-        </a:ln>
-        <a:effectLst/>
-      </dsp:spPr>
-      <dsp:style>
-        <a:lnRef idx="2">
-          <a:scrgbClr r="0" g="0" b="0"/>
-        </a:lnRef>
-        <a:fillRef idx="1">
-          <a:scrgbClr r="0" g="0" b="0"/>
-        </a:fillRef>
-        <a:effectRef idx="0">
-          <a:scrgbClr r="0" g="0" b="0"/>
-        </a:effectRef>
-        <a:fontRef idx="minor">
-          <a:schemeClr val="lt1"/>
-        </a:fontRef>
-      </dsp:style>
-      <dsp:txBody>
-        <a:bodyPr spcFirstLastPara="0" vert="horz" wrap="square" lIns="28575" tIns="28575" rIns="28575" bIns="28575" numCol="1" spcCol="1270" anchor="ctr" anchorCtr="0">
-          <a:noAutofit/>
-        </a:bodyPr>
-        <a:lstStyle/>
-        <a:p>
-          <a:pPr lvl="0" algn="ctr" defTabSz="2000250">
-            <a:lnSpc>
-              <a:spcPct val="90000"/>
-            </a:lnSpc>
-            <a:spcBef>
-              <a:spcPct val="0"/>
-            </a:spcBef>
-            <a:spcAft>
-              <a:spcPct val="35000"/>
-            </a:spcAft>
-          </a:pPr>
-          <a:r>
-            <a:rPr lang="en-US" sz="4500" kern="1200" dirty="0" smtClean="0"/>
-            <a:t>Rover</a:t>
-          </a:r>
-          <a:endParaRPr lang="en-US" sz="4500" kern="1200" dirty="0"/>
-        </a:p>
-      </dsp:txBody>
-      <dsp:txXfrm>
-        <a:off x="1383574" y="3217858"/>
-        <a:ext cx="2265629" cy="1132814"/>
-      </dsp:txXfrm>
-    </dsp:sp>
-    <dsp:sp modelId="{28A5AC14-A835-45DD-A04E-A6BC5F261C91}">
-      <dsp:nvSpPr>
-        <dsp:cNvPr id="0" name=""/>
-        <dsp:cNvSpPr/>
-      </dsp:nvSpPr>
-      <dsp:spPr>
-        <a:xfrm>
-          <a:off x="4124985" y="3217858"/>
-          <a:ext cx="2265629" cy="1132814"/>
-        </a:xfrm>
-        <a:prstGeom prst="rect">
-          <a:avLst/>
-        </a:prstGeom>
-        <a:solidFill>
-          <a:schemeClr val="accent1">
-            <a:hueOff val="0"/>
-            <a:satOff val="0"/>
-            <a:lumOff val="0"/>
-            <a:alphaOff val="0"/>
-          </a:schemeClr>
-        </a:solidFill>
-        <a:ln w="12700" cap="flat" cmpd="sng" algn="ctr">
-          <a:solidFill>
-            <a:schemeClr val="lt1">
-              <a:hueOff val="0"/>
-              <a:satOff val="0"/>
-              <a:lumOff val="0"/>
-              <a:alphaOff val="0"/>
-            </a:schemeClr>
-          </a:solidFill>
-          <a:prstDash val="solid"/>
-          <a:miter lim="800000"/>
-        </a:ln>
-        <a:effectLst/>
-      </dsp:spPr>
-      <dsp:style>
-        <a:lnRef idx="2">
-          <a:scrgbClr r="0" g="0" b="0"/>
-        </a:lnRef>
-        <a:fillRef idx="1">
-          <a:scrgbClr r="0" g="0" b="0"/>
-        </a:fillRef>
-        <a:effectRef idx="0">
-          <a:scrgbClr r="0" g="0" b="0"/>
-        </a:effectRef>
-        <a:fontRef idx="minor">
-          <a:schemeClr val="lt1"/>
-        </a:fontRef>
-      </dsp:style>
-      <dsp:txBody>
-        <a:bodyPr spcFirstLastPara="0" vert="horz" wrap="square" lIns="28575" tIns="28575" rIns="28575" bIns="28575" numCol="1" spcCol="1270" anchor="ctr" anchorCtr="0">
-          <a:noAutofit/>
-        </a:bodyPr>
-        <a:lstStyle/>
-        <a:p>
-          <a:pPr lvl="0" algn="ctr" defTabSz="2000250">
-            <a:lnSpc>
-              <a:spcPct val="90000"/>
-            </a:lnSpc>
-            <a:spcBef>
-              <a:spcPct val="0"/>
-            </a:spcBef>
-            <a:spcAft>
-              <a:spcPct val="35000"/>
-            </a:spcAft>
-          </a:pPr>
-          <a:r>
-            <a:rPr lang="en-US" sz="4500" kern="1200" dirty="0" smtClean="0"/>
-            <a:t>Alien</a:t>
-          </a:r>
-          <a:endParaRPr lang="en-US" sz="4500" kern="1200" dirty="0"/>
-        </a:p>
-      </dsp:txBody>
-      <dsp:txXfrm>
-        <a:off x="4124985" y="3217858"/>
-        <a:ext cx="2265629" cy="1132814"/>
-      </dsp:txXfrm>
-    </dsp:sp>
-    <dsp:sp modelId="{0E9257AF-3A88-499B-B8B0-573519ED7D65}">
-      <dsp:nvSpPr>
-        <dsp:cNvPr id="0" name=""/>
-        <dsp:cNvSpPr/>
-      </dsp:nvSpPr>
-      <dsp:spPr>
-        <a:xfrm>
-          <a:off x="6866396" y="665"/>
-          <a:ext cx="2265629" cy="1132814"/>
-        </a:xfrm>
-        <a:prstGeom prst="rect">
-          <a:avLst/>
-        </a:prstGeom>
-        <a:solidFill>
-          <a:schemeClr val="accent1">
-            <a:hueOff val="0"/>
-            <a:satOff val="0"/>
-            <a:lumOff val="0"/>
-            <a:alphaOff val="0"/>
-          </a:schemeClr>
-        </a:solidFill>
-        <a:ln w="12700" cap="flat" cmpd="sng" algn="ctr">
-          <a:solidFill>
-            <a:schemeClr val="lt1">
-              <a:hueOff val="0"/>
-              <a:satOff val="0"/>
-              <a:lumOff val="0"/>
-              <a:alphaOff val="0"/>
-            </a:schemeClr>
-          </a:solidFill>
-          <a:prstDash val="solid"/>
-          <a:miter lim="800000"/>
-        </a:ln>
-        <a:effectLst/>
-      </dsp:spPr>
-      <dsp:style>
-        <a:lnRef idx="2">
-          <a:scrgbClr r="0" g="0" b="0"/>
-        </a:lnRef>
-        <a:fillRef idx="1">
-          <a:scrgbClr r="0" g="0" b="0"/>
-        </a:fillRef>
-        <a:effectRef idx="0">
-          <a:scrgbClr r="0" g="0" b="0"/>
-        </a:effectRef>
-        <a:fontRef idx="minor">
-          <a:schemeClr val="lt1"/>
-        </a:fontRef>
-      </dsp:style>
-      <dsp:txBody>
-        <a:bodyPr spcFirstLastPara="0" vert="horz" wrap="square" lIns="28575" tIns="28575" rIns="28575" bIns="28575" numCol="1" spcCol="1270" anchor="ctr" anchorCtr="0">
-          <a:noAutofit/>
-        </a:bodyPr>
-        <a:lstStyle/>
-        <a:p>
-          <a:pPr lvl="0" algn="ctr" defTabSz="2000250">
-            <a:lnSpc>
-              <a:spcPct val="90000"/>
-            </a:lnSpc>
-            <a:spcBef>
-              <a:spcPct val="0"/>
-            </a:spcBef>
-            <a:spcAft>
-              <a:spcPct val="35000"/>
-            </a:spcAft>
-          </a:pPr>
-          <a:r>
-            <a:rPr lang="en-US" sz="4500" kern="1200" dirty="0" err="1" smtClean="0"/>
-            <a:t>IObstacle</a:t>
-          </a:r>
-          <a:endParaRPr lang="en-US" sz="4500" kern="1200" dirty="0"/>
-        </a:p>
-      </dsp:txBody>
-      <dsp:txXfrm>
-        <a:off x="6866396" y="665"/>
-        <a:ext cx="2265629" cy="1132814"/>
-      </dsp:txXfrm>
-    </dsp:sp>
-    <dsp:sp modelId="{3047195B-8642-45E2-81D6-495D82B88FCA}">
-      <dsp:nvSpPr>
-        <dsp:cNvPr id="0" name=""/>
-        <dsp:cNvSpPr/>
-      </dsp:nvSpPr>
-      <dsp:spPr>
-        <a:xfrm>
-          <a:off x="6866396" y="1609261"/>
-          <a:ext cx="2265629" cy="1132814"/>
-        </a:xfrm>
-        <a:prstGeom prst="rect">
-          <a:avLst/>
-        </a:prstGeom>
-        <a:solidFill>
-          <a:schemeClr val="accent1">
-            <a:hueOff val="0"/>
-            <a:satOff val="0"/>
-            <a:lumOff val="0"/>
-            <a:alphaOff val="0"/>
-          </a:schemeClr>
-        </a:solidFill>
-        <a:ln w="12700" cap="flat" cmpd="sng" algn="ctr">
-          <a:solidFill>
-            <a:schemeClr val="lt1">
-              <a:hueOff val="0"/>
-              <a:satOff val="0"/>
-              <a:lumOff val="0"/>
-              <a:alphaOff val="0"/>
-            </a:schemeClr>
-          </a:solidFill>
-          <a:prstDash val="solid"/>
-          <a:miter lim="800000"/>
-        </a:ln>
-        <a:effectLst/>
-      </dsp:spPr>
-      <dsp:style>
-        <a:lnRef idx="2">
-          <a:scrgbClr r="0" g="0" b="0"/>
-        </a:lnRef>
-        <a:fillRef idx="1">
-          <a:scrgbClr r="0" g="0" b="0"/>
-        </a:fillRef>
-        <a:effectRef idx="0">
-          <a:scrgbClr r="0" g="0" b="0"/>
-        </a:effectRef>
-        <a:fontRef idx="minor">
-          <a:schemeClr val="lt1"/>
-        </a:fontRef>
-      </dsp:style>
-      <dsp:txBody>
-        <a:bodyPr spcFirstLastPara="0" vert="horz" wrap="square" lIns="28575" tIns="28575" rIns="28575" bIns="28575" numCol="1" spcCol="1270" anchor="ctr" anchorCtr="0">
-          <a:noAutofit/>
-        </a:bodyPr>
-        <a:lstStyle/>
-        <a:p>
-          <a:pPr lvl="0" algn="ctr" defTabSz="2000250">
-            <a:lnSpc>
-              <a:spcPct val="90000"/>
-            </a:lnSpc>
-            <a:spcBef>
-              <a:spcPct val="0"/>
-            </a:spcBef>
-            <a:spcAft>
-              <a:spcPct val="35000"/>
-            </a:spcAft>
-          </a:pPr>
-          <a:r>
-            <a:rPr lang="en-US" sz="4500" kern="1200" dirty="0" smtClean="0"/>
-            <a:t>Obstacle</a:t>
-          </a:r>
-          <a:endParaRPr lang="en-US" sz="4500" kern="1200" dirty="0"/>
-        </a:p>
-      </dsp:txBody>
-      <dsp:txXfrm>
-        <a:off x="6866396" y="1609261"/>
-        <a:ext cx="2265629" cy="1132814"/>
-      </dsp:txXfrm>
-    </dsp:sp>
-    <dsp:sp modelId="{AF7D64D2-0691-4749-8216-78324B4770F6}">
-      <dsp:nvSpPr>
-        <dsp:cNvPr id="0" name=""/>
-        <dsp:cNvSpPr/>
-      </dsp:nvSpPr>
-      <dsp:spPr>
-        <a:xfrm>
-          <a:off x="6866396" y="3217858"/>
-          <a:ext cx="2265629" cy="1132814"/>
-        </a:xfrm>
-        <a:prstGeom prst="rect">
-          <a:avLst/>
-        </a:prstGeom>
-        <a:solidFill>
-          <a:schemeClr val="accent1">
-            <a:hueOff val="0"/>
-            <a:satOff val="0"/>
-            <a:lumOff val="0"/>
-            <a:alphaOff val="0"/>
-          </a:schemeClr>
-        </a:solidFill>
-        <a:ln w="12700" cap="flat" cmpd="sng" algn="ctr">
-          <a:solidFill>
-            <a:schemeClr val="lt1">
-              <a:hueOff val="0"/>
-              <a:satOff val="0"/>
-              <a:lumOff val="0"/>
-              <a:alphaOff val="0"/>
-            </a:schemeClr>
-          </a:solidFill>
-          <a:prstDash val="solid"/>
-          <a:miter lim="800000"/>
-        </a:ln>
-        <a:effectLst/>
-      </dsp:spPr>
-      <dsp:style>
-        <a:lnRef idx="2">
-          <a:scrgbClr r="0" g="0" b="0"/>
-        </a:lnRef>
-        <a:fillRef idx="1">
-          <a:scrgbClr r="0" g="0" b="0"/>
-        </a:fillRef>
-        <a:effectRef idx="0">
-          <a:scrgbClr r="0" g="0" b="0"/>
-        </a:effectRef>
-        <a:fontRef idx="minor">
-          <a:schemeClr val="lt1"/>
-        </a:fontRef>
-      </dsp:style>
-      <dsp:txBody>
-        <a:bodyPr spcFirstLastPara="0" vert="horz" wrap="square" lIns="28575" tIns="28575" rIns="28575" bIns="28575" numCol="1" spcCol="1270" anchor="ctr" anchorCtr="0">
-          <a:noAutofit/>
-        </a:bodyPr>
-        <a:lstStyle/>
-        <a:p>
-          <a:pPr lvl="0" algn="ctr" defTabSz="2000250">
-            <a:lnSpc>
-              <a:spcPct val="90000"/>
-            </a:lnSpc>
-            <a:spcBef>
-              <a:spcPct val="0"/>
-            </a:spcBef>
-            <a:spcAft>
-              <a:spcPct val="35000"/>
-            </a:spcAft>
-          </a:pPr>
-          <a:r>
-            <a:rPr lang="en-US" sz="4500" kern="1200" dirty="0" smtClean="0"/>
-            <a:t>Crater</a:t>
-          </a:r>
-          <a:endParaRPr lang="en-US" sz="4500" kern="1200" dirty="0"/>
-        </a:p>
-      </dsp:txBody>
-      <dsp:txXfrm>
-        <a:off x="6866396" y="3217858"/>
-        <a:ext cx="2265629" cy="1132814"/>
-      </dsp:txXfrm>
-    </dsp:sp>
   </dsp:spTree>
 </dsp:drawing>
 </file>
@@ -44482,125 +43644,9 @@
   <p:timing>
     <p:tnLst>
       <p:par>
-        <p:cTn id="1" dur="indefinite" restart="never" nodeType="tmRoot">
-          <p:childTnLst>
-            <p:seq concurrent="1" nextAc="seek">
-              <p:cTn id="2" dur="indefinite" nodeType="mainSeq">
-                <p:childTnLst>
-                  <p:par>
-                    <p:cTn id="3" fill="hold">
-                      <p:stCondLst>
-                        <p:cond delay="indefinite"/>
-                      </p:stCondLst>
-                      <p:childTnLst>
-                        <p:par>
-                          <p:cTn id="4" fill="hold">
-                            <p:stCondLst>
-                              <p:cond delay="0"/>
-                            </p:stCondLst>
-                            <p:childTnLst>
-                              <p:par>
-                                <p:cTn id="5" presetID="10" presetClass="entr" presetSubtype="0" fill="hold" grpId="0" nodeType="clickEffect">
-                                  <p:stCondLst>
-                                    <p:cond delay="0"/>
-                                  </p:stCondLst>
-                                  <p:childTnLst>
-                                    <p:set>
-                                      <p:cBhvr>
-                                        <p:cTn id="6" dur="1" fill="hold">
-                                          <p:stCondLst>
-                                            <p:cond delay="0"/>
-                                          </p:stCondLst>
-                                        </p:cTn>
-                                        <p:tgtEl>
-                                          <p:spTgt spid="4"/>
-                                        </p:tgtEl>
-                                        <p:attrNameLst>
-                                          <p:attrName>style.visibility</p:attrName>
-                                        </p:attrNameLst>
-                                      </p:cBhvr>
-                                      <p:to>
-                                        <p:strVal val="visible"/>
-                                      </p:to>
-                                    </p:set>
-                                    <p:animEffect transition="in" filter="fade">
-                                      <p:cBhvr>
-                                        <p:cTn id="7" dur="500"/>
-                                        <p:tgtEl>
-                                          <p:spTgt spid="4"/>
-                                        </p:tgtEl>
-                                      </p:cBhvr>
-                                    </p:animEffect>
-                                  </p:childTnLst>
-                                </p:cTn>
-                              </p:par>
-                              <p:par>
-                                <p:cTn id="8" presetID="10" presetClass="entr" presetSubtype="0" fill="hold" nodeType="withEffect">
-                                  <p:stCondLst>
-                                    <p:cond delay="0"/>
-                                  </p:stCondLst>
-                                  <p:childTnLst>
-                                    <p:set>
-                                      <p:cBhvr>
-                                        <p:cTn id="9" dur="1" fill="hold">
-                                          <p:stCondLst>
-                                            <p:cond delay="0"/>
-                                          </p:stCondLst>
-                                        </p:cTn>
-                                        <p:tgtEl>
-                                          <p:spTgt spid="5"/>
-                                        </p:tgtEl>
-                                        <p:attrNameLst>
-                                          <p:attrName>style.visibility</p:attrName>
-                                        </p:attrNameLst>
-                                      </p:cBhvr>
-                                      <p:to>
-                                        <p:strVal val="visible"/>
-                                      </p:to>
-                                    </p:set>
-                                    <p:animEffect transition="in" filter="fade">
-                                      <p:cBhvr>
-                                        <p:cTn id="10" dur="500"/>
-                                        <p:tgtEl>
-                                          <p:spTgt spid="5"/>
-                                        </p:tgtEl>
-                                      </p:cBhvr>
-                                    </p:animEffect>
-                                  </p:childTnLst>
-                                </p:cTn>
-                              </p:par>
-                            </p:childTnLst>
-                          </p:cTn>
-                        </p:par>
-                      </p:childTnLst>
-                    </p:cTn>
-                  </p:par>
-                </p:childTnLst>
-              </p:cTn>
-              <p:prevCondLst>
-                <p:cond evt="onPrev" delay="0">
-                  <p:tgtEl>
-                    <p:sldTgt/>
-                  </p:tgtEl>
-                </p:cond>
-              </p:prevCondLst>
-              <p:nextCondLst>
-                <p:cond evt="onNext" delay="0">
-                  <p:tgtEl>
-                    <p:sldTgt/>
-                  </p:tgtEl>
-                </p:cond>
-              </p:nextCondLst>
-            </p:seq>
-          </p:childTnLst>
-        </p:cTn>
+        <p:cTn id="1" dur="indefinite" restart="never" nodeType="tmRoot"/>
       </p:par>
     </p:tnLst>
-    <p:bldLst>
-      <p:bldGraphic spid="4" grpId="0">
-        <p:bldAsOne/>
-      </p:bldGraphic>
-    </p:bldLst>
   </p:timing>
 </p:sld>
 </file>
@@ -44821,6 +43867,7 @@
           <a:prstGeom prst="line">
             <a:avLst/>
           </a:prstGeom>
+          <a:ln w="12700"/>
         </p:spPr>
         <p:style>
           <a:lnRef idx="1">
@@ -44851,6 +43898,7 @@
           <a:prstGeom prst="line">
             <a:avLst/>
           </a:prstGeom>
+          <a:ln w="12700"/>
         </p:spPr>
         <p:style>
           <a:lnRef idx="1">
@@ -44881,6 +43929,7 @@
           <a:prstGeom prst="line">
             <a:avLst/>
           </a:prstGeom>
+          <a:ln w="12700"/>
         </p:spPr>
         <p:style>
           <a:lnRef idx="1">
@@ -44911,6 +43960,7 @@
           <a:prstGeom prst="line">
             <a:avLst/>
           </a:prstGeom>
+          <a:ln w="12700"/>
         </p:spPr>
         <p:style>
           <a:lnRef idx="1">
@@ -44941,6 +43991,7 @@
           <a:prstGeom prst="line">
             <a:avLst/>
           </a:prstGeom>
+          <a:ln w="12700"/>
         </p:spPr>
         <p:style>
           <a:lnRef idx="1">
@@ -44970,7 +44021,223 @@
   <p:timing>
     <p:tnLst>
       <p:par>
-        <p:cTn id="1" dur="indefinite" restart="never" nodeType="tmRoot"/>
+        <p:cTn id="1" dur="indefinite" restart="never" nodeType="tmRoot">
+          <p:childTnLst>
+            <p:seq concurrent="1" nextAc="seek">
+              <p:cTn id="2" dur="indefinite" nodeType="mainSeq">
+                <p:childTnLst>
+                  <p:par>
+                    <p:cTn id="3" fill="hold">
+                      <p:stCondLst>
+                        <p:cond delay="indefinite"/>
+                      </p:stCondLst>
+                      <p:childTnLst>
+                        <p:par>
+                          <p:cTn id="4" fill="hold">
+                            <p:stCondLst>
+                              <p:cond delay="0"/>
+                            </p:stCondLst>
+                            <p:childTnLst>
+                              <p:par>
+                                <p:cTn id="5" presetID="10" presetClass="entr" presetSubtype="0" fill="hold" nodeType="clickEffect">
+                                  <p:stCondLst>
+                                    <p:cond delay="0"/>
+                                  </p:stCondLst>
+                                  <p:childTnLst>
+                                    <p:set>
+                                      <p:cBhvr>
+                                        <p:cTn id="6" dur="1" fill="hold">
+                                          <p:stCondLst>
+                                            <p:cond delay="0"/>
+                                          </p:stCondLst>
+                                        </p:cTn>
+                                        <p:tgtEl>
+                                          <p:spTgt spid="5"/>
+                                        </p:tgtEl>
+                                        <p:attrNameLst>
+                                          <p:attrName>style.visibility</p:attrName>
+                                        </p:attrNameLst>
+                                      </p:cBhvr>
+                                      <p:to>
+                                        <p:strVal val="visible"/>
+                                      </p:to>
+                                    </p:set>
+                                    <p:animEffect transition="in" filter="fade">
+                                      <p:cBhvr>
+                                        <p:cTn id="7" dur="500"/>
+                                        <p:tgtEl>
+                                          <p:spTgt spid="5"/>
+                                        </p:tgtEl>
+                                      </p:cBhvr>
+                                    </p:animEffect>
+                                  </p:childTnLst>
+                                </p:cTn>
+                              </p:par>
+                              <p:par>
+                                <p:cTn id="8" presetID="10" presetClass="entr" presetSubtype="0" fill="hold" nodeType="withEffect">
+                                  <p:stCondLst>
+                                    <p:cond delay="0"/>
+                                  </p:stCondLst>
+                                  <p:childTnLst>
+                                    <p:set>
+                                      <p:cBhvr>
+                                        <p:cTn id="9" dur="1" fill="hold">
+                                          <p:stCondLst>
+                                            <p:cond delay="0"/>
+                                          </p:stCondLst>
+                                        </p:cTn>
+                                        <p:tgtEl>
+                                          <p:spTgt spid="7"/>
+                                        </p:tgtEl>
+                                        <p:attrNameLst>
+                                          <p:attrName>style.visibility</p:attrName>
+                                        </p:attrNameLst>
+                                      </p:cBhvr>
+                                      <p:to>
+                                        <p:strVal val="visible"/>
+                                      </p:to>
+                                    </p:set>
+                                    <p:animEffect transition="in" filter="fade">
+                                      <p:cBhvr>
+                                        <p:cTn id="10" dur="500"/>
+                                        <p:tgtEl>
+                                          <p:spTgt spid="7"/>
+                                        </p:tgtEl>
+                                      </p:cBhvr>
+                                    </p:animEffect>
+                                  </p:childTnLst>
+                                </p:cTn>
+                              </p:par>
+                              <p:par>
+                                <p:cTn id="11" presetID="10" presetClass="entr" presetSubtype="0" fill="hold" nodeType="withEffect">
+                                  <p:stCondLst>
+                                    <p:cond delay="0"/>
+                                  </p:stCondLst>
+                                  <p:childTnLst>
+                                    <p:set>
+                                      <p:cBhvr>
+                                        <p:cTn id="12" dur="1" fill="hold">
+                                          <p:stCondLst>
+                                            <p:cond delay="0"/>
+                                          </p:stCondLst>
+                                        </p:cTn>
+                                        <p:tgtEl>
+                                          <p:spTgt spid="6"/>
+                                        </p:tgtEl>
+                                        <p:attrNameLst>
+                                          <p:attrName>style.visibility</p:attrName>
+                                        </p:attrNameLst>
+                                      </p:cBhvr>
+                                      <p:to>
+                                        <p:strVal val="visible"/>
+                                      </p:to>
+                                    </p:set>
+                                    <p:animEffect transition="in" filter="fade">
+                                      <p:cBhvr>
+                                        <p:cTn id="13" dur="500"/>
+                                        <p:tgtEl>
+                                          <p:spTgt spid="6"/>
+                                        </p:tgtEl>
+                                      </p:cBhvr>
+                                    </p:animEffect>
+                                  </p:childTnLst>
+                                </p:cTn>
+                              </p:par>
+                              <p:par>
+                                <p:cTn id="14" presetID="10" presetClass="entr" presetSubtype="0" fill="hold" nodeType="withEffect">
+                                  <p:stCondLst>
+                                    <p:cond delay="0"/>
+                                  </p:stCondLst>
+                                  <p:childTnLst>
+                                    <p:set>
+                                      <p:cBhvr>
+                                        <p:cTn id="15" dur="1" fill="hold">
+                                          <p:stCondLst>
+                                            <p:cond delay="0"/>
+                                          </p:stCondLst>
+                                        </p:cTn>
+                                        <p:tgtEl>
+                                          <p:spTgt spid="9"/>
+                                        </p:tgtEl>
+                                        <p:attrNameLst>
+                                          <p:attrName>style.visibility</p:attrName>
+                                        </p:attrNameLst>
+                                      </p:cBhvr>
+                                      <p:to>
+                                        <p:strVal val="visible"/>
+                                      </p:to>
+                                    </p:set>
+                                    <p:animEffect transition="in" filter="fade">
+                                      <p:cBhvr>
+                                        <p:cTn id="16" dur="500"/>
+                                        <p:tgtEl>
+                                          <p:spTgt spid="9"/>
+                                        </p:tgtEl>
+                                      </p:cBhvr>
+                                    </p:animEffect>
+                                  </p:childTnLst>
+                                </p:cTn>
+                              </p:par>
+                              <p:par>
+                                <p:cTn id="17" presetID="10" presetClass="entr" presetSubtype="0" fill="hold" nodeType="withEffect">
+                                  <p:stCondLst>
+                                    <p:cond delay="0"/>
+                                  </p:stCondLst>
+                                  <p:childTnLst>
+                                    <p:set>
+                                      <p:cBhvr>
+                                        <p:cTn id="18" dur="1" fill="hold">
+                                          <p:stCondLst>
+                                            <p:cond delay="0"/>
+                                          </p:stCondLst>
+                                        </p:cTn>
+                                        <p:tgtEl>
+                                          <p:spTgt spid="8"/>
+                                        </p:tgtEl>
+                                        <p:attrNameLst>
+                                          <p:attrName>style.visibility</p:attrName>
+                                        </p:attrNameLst>
+                                      </p:cBhvr>
+                                      <p:to>
+                                        <p:strVal val="visible"/>
+                                      </p:to>
+                                    </p:set>
+                                    <p:animEffect transition="in" filter="fade">
+                                      <p:cBhvr>
+                                        <p:cTn id="19" dur="500"/>
+                                        <p:tgtEl>
+                                          <p:spTgt spid="8"/>
+                                        </p:tgtEl>
+                                      </p:cBhvr>
+                                    </p:animEffect>
+                                  </p:childTnLst>
+                                </p:cTn>
+                              </p:par>
+                            </p:childTnLst>
+                          </p:cTn>
+                        </p:par>
+                      </p:childTnLst>
+                    </p:cTn>
+                  </p:par>
+                </p:childTnLst>
+              </p:cTn>
+              <p:prevCondLst>
+                <p:cond evt="onPrev" delay="0">
+                  <p:tgtEl>
+                    <p:sldTgt/>
+                  </p:tgtEl>
+                </p:cond>
+              </p:prevCondLst>
+              <p:nextCondLst>
+                <p:cond evt="onNext" delay="0">
+                  <p:tgtEl>
+                    <p:sldTgt/>
+                  </p:tgtEl>
+                </p:cond>
+              </p:nextCondLst>
+            </p:seq>
+          </p:childTnLst>
+        </p:cTn>
       </p:par>
     </p:tnLst>
   </p:timing>
